--- a/Presentatie/Onderzoek eindpresentatie.pptx
+++ b/Presentatie/Onderzoek eindpresentatie.pptx
@@ -20,6 +20,9 @@
     <p:sldId id="278" r:id="rId14"/>
     <p:sldId id="279" r:id="rId15"/>
     <p:sldId id="280" r:id="rId16"/>
+    <p:sldId id="281" r:id="rId17"/>
+    <p:sldId id="282" r:id="rId18"/>
+    <p:sldId id="283" r:id="rId19"/>
   </p:sldIdLst>
   <p:sldSz cx="12192000" cy="6858000"/>
   <p:notesSz cx="6858000" cy="9144000"/>
@@ -628,7 +631,7 @@
           <a:p>
             <a:fld id="{63BCBCFA-8FB7-4D12-8657-71C396C3770D}" type="datetimeFigureOut">
               <a:rPr lang="nl-NL" smtClean="0"/>
-              <a:t>23-1-2016</a:t>
+              <a:t>24-1-2016</a:t>
             </a:fld>
             <a:endParaRPr lang="nl-NL"/>
           </a:p>
@@ -675,7 +678,7 @@
           <a:p>
             <a:fld id="{5B0E594A-1D6C-4877-B724-3D9ECD930B19}" type="slidenum">
               <a:rPr lang="nl-NL" smtClean="0"/>
-              <a:t>‹nr.›</a:t>
+              <a:t>‹#›</a:t>
             </a:fld>
             <a:endParaRPr lang="nl-NL"/>
           </a:p>
@@ -924,7 +927,7 @@
           <a:p>
             <a:fld id="{63BCBCFA-8FB7-4D12-8657-71C396C3770D}" type="datetimeFigureOut">
               <a:rPr lang="nl-NL" smtClean="0"/>
-              <a:t>23-1-2016</a:t>
+              <a:t>24-1-2016</a:t>
             </a:fld>
             <a:endParaRPr lang="nl-NL"/>
           </a:p>
@@ -966,7 +969,7 @@
           <a:p>
             <a:fld id="{5B0E594A-1D6C-4877-B724-3D9ECD930B19}" type="slidenum">
               <a:rPr lang="nl-NL" smtClean="0"/>
-              <a:t>‹nr.›</a:t>
+              <a:t>‹#›</a:t>
             </a:fld>
             <a:endParaRPr lang="nl-NL"/>
           </a:p>
@@ -1172,7 +1175,7 @@
           <a:p>
             <a:fld id="{63BCBCFA-8FB7-4D12-8657-71C396C3770D}" type="datetimeFigureOut">
               <a:rPr lang="nl-NL" smtClean="0"/>
-              <a:t>23-1-2016</a:t>
+              <a:t>24-1-2016</a:t>
             </a:fld>
             <a:endParaRPr lang="nl-NL"/>
           </a:p>
@@ -1214,7 +1217,7 @@
           <a:p>
             <a:fld id="{5B0E594A-1D6C-4877-B724-3D9ECD930B19}" type="slidenum">
               <a:rPr lang="nl-NL" smtClean="0"/>
-              <a:t>‹nr.›</a:t>
+              <a:t>‹#›</a:t>
             </a:fld>
             <a:endParaRPr lang="nl-NL"/>
           </a:p>
@@ -1712,7 +1715,7 @@
           <a:p>
             <a:fld id="{63BCBCFA-8FB7-4D12-8657-71C396C3770D}" type="datetimeFigureOut">
               <a:rPr lang="nl-NL" smtClean="0"/>
-              <a:t>23-1-2016</a:t>
+              <a:t>24-1-2016</a:t>
             </a:fld>
             <a:endParaRPr lang="nl-NL"/>
           </a:p>
@@ -1754,7 +1757,7 @@
           <a:p>
             <a:fld id="{5B0E594A-1D6C-4877-B724-3D9ECD930B19}" type="slidenum">
               <a:rPr lang="nl-NL" smtClean="0"/>
-              <a:t>‹nr.›</a:t>
+              <a:t>‹#›</a:t>
             </a:fld>
             <a:endParaRPr lang="nl-NL"/>
           </a:p>
@@ -1960,7 +1963,7 @@
           <a:p>
             <a:fld id="{63BCBCFA-8FB7-4D12-8657-71C396C3770D}" type="datetimeFigureOut">
               <a:rPr lang="nl-NL" smtClean="0"/>
-              <a:t>23-1-2016</a:t>
+              <a:t>24-1-2016</a:t>
             </a:fld>
             <a:endParaRPr lang="nl-NL"/>
           </a:p>
@@ -2002,7 +2005,7 @@
           <a:p>
             <a:fld id="{5B0E594A-1D6C-4877-B724-3D9ECD930B19}" type="slidenum">
               <a:rPr lang="nl-NL" smtClean="0"/>
-              <a:t>‹nr.›</a:t>
+              <a:t>‹#›</a:t>
             </a:fld>
             <a:endParaRPr lang="nl-NL"/>
           </a:p>
@@ -2492,7 +2495,7 @@
           <a:p>
             <a:fld id="{63BCBCFA-8FB7-4D12-8657-71C396C3770D}" type="datetimeFigureOut">
               <a:rPr lang="nl-NL" smtClean="0"/>
-              <a:t>23-1-2016</a:t>
+              <a:t>24-1-2016</a:t>
             </a:fld>
             <a:endParaRPr lang="nl-NL"/>
           </a:p>
@@ -2534,7 +2537,7 @@
           <a:p>
             <a:fld id="{5B0E594A-1D6C-4877-B724-3D9ECD930B19}" type="slidenum">
               <a:rPr lang="nl-NL" smtClean="0"/>
-              <a:t>‹nr.›</a:t>
+              <a:t>‹#›</a:t>
             </a:fld>
             <a:endParaRPr lang="nl-NL"/>
           </a:p>
@@ -2789,7 +2792,7 @@
           <a:p>
             <a:fld id="{63BCBCFA-8FB7-4D12-8657-71C396C3770D}" type="datetimeFigureOut">
               <a:rPr lang="nl-NL" smtClean="0"/>
-              <a:t>23-1-2016</a:t>
+              <a:t>24-1-2016</a:t>
             </a:fld>
             <a:endParaRPr lang="nl-NL"/>
           </a:p>
@@ -2831,7 +2834,7 @@
           <a:p>
             <a:fld id="{5B0E594A-1D6C-4877-B724-3D9ECD930B19}" type="slidenum">
               <a:rPr lang="nl-NL" smtClean="0"/>
-              <a:t>‹nr.›</a:t>
+              <a:t>‹#›</a:t>
             </a:fld>
             <a:endParaRPr lang="nl-NL"/>
           </a:p>
@@ -2963,7 +2966,7 @@
           <a:p>
             <a:fld id="{63BCBCFA-8FB7-4D12-8657-71C396C3770D}" type="datetimeFigureOut">
               <a:rPr lang="nl-NL" smtClean="0"/>
-              <a:t>23-1-2016</a:t>
+              <a:t>24-1-2016</a:t>
             </a:fld>
             <a:endParaRPr lang="nl-NL"/>
           </a:p>
@@ -3005,7 +3008,7 @@
           <a:p>
             <a:fld id="{5B0E594A-1D6C-4877-B724-3D9ECD930B19}" type="slidenum">
               <a:rPr lang="nl-NL" smtClean="0"/>
-              <a:t>‹nr.›</a:t>
+              <a:t>‹#›</a:t>
             </a:fld>
             <a:endParaRPr lang="nl-NL"/>
           </a:p>
@@ -3143,7 +3146,7 @@
           <a:p>
             <a:fld id="{63BCBCFA-8FB7-4D12-8657-71C396C3770D}" type="datetimeFigureOut">
               <a:rPr lang="nl-NL" smtClean="0"/>
-              <a:t>23-1-2016</a:t>
+              <a:t>24-1-2016</a:t>
             </a:fld>
             <a:endParaRPr lang="nl-NL"/>
           </a:p>
@@ -3185,7 +3188,7 @@
           <a:p>
             <a:fld id="{5B0E594A-1D6C-4877-B724-3D9ECD930B19}" type="slidenum">
               <a:rPr lang="nl-NL" smtClean="0"/>
-              <a:t>‹nr.›</a:t>
+              <a:t>‹#›</a:t>
             </a:fld>
             <a:endParaRPr lang="nl-NL"/>
           </a:p>
@@ -3313,7 +3316,7 @@
           <a:p>
             <a:fld id="{63BCBCFA-8FB7-4D12-8657-71C396C3770D}" type="datetimeFigureOut">
               <a:rPr lang="nl-NL" smtClean="0"/>
-              <a:t>23-1-2016</a:t>
+              <a:t>24-1-2016</a:t>
             </a:fld>
             <a:endParaRPr lang="nl-NL"/>
           </a:p>
@@ -3360,7 +3363,7 @@
           <a:p>
             <a:fld id="{5B0E594A-1D6C-4877-B724-3D9ECD930B19}" type="slidenum">
               <a:rPr lang="nl-NL" smtClean="0"/>
-              <a:t>‹nr.›</a:t>
+              <a:t>‹#›</a:t>
             </a:fld>
             <a:endParaRPr lang="nl-NL"/>
           </a:p>
@@ -3564,7 +3567,7 @@
           <a:p>
             <a:fld id="{63BCBCFA-8FB7-4D12-8657-71C396C3770D}" type="datetimeFigureOut">
               <a:rPr lang="nl-NL" smtClean="0"/>
-              <a:t>23-1-2016</a:t>
+              <a:t>24-1-2016</a:t>
             </a:fld>
             <a:endParaRPr lang="nl-NL"/>
           </a:p>
@@ -3606,7 +3609,7 @@
           <a:p>
             <a:fld id="{5B0E594A-1D6C-4877-B724-3D9ECD930B19}" type="slidenum">
               <a:rPr lang="nl-NL" smtClean="0"/>
-              <a:t>‹nr.›</a:t>
+              <a:t>‹#›</a:t>
             </a:fld>
             <a:endParaRPr lang="nl-NL"/>
           </a:p>
@@ -3861,7 +3864,7 @@
           <a:p>
             <a:fld id="{63BCBCFA-8FB7-4D12-8657-71C396C3770D}" type="datetimeFigureOut">
               <a:rPr lang="nl-NL" smtClean="0"/>
-              <a:t>23-1-2016</a:t>
+              <a:t>24-1-2016</a:t>
             </a:fld>
             <a:endParaRPr lang="nl-NL"/>
           </a:p>
@@ -3903,7 +3906,7 @@
           <a:p>
             <a:fld id="{5B0E594A-1D6C-4877-B724-3D9ECD930B19}" type="slidenum">
               <a:rPr lang="nl-NL" smtClean="0"/>
-              <a:t>‹nr.›</a:t>
+              <a:t>‹#›</a:t>
             </a:fld>
             <a:endParaRPr lang="nl-NL"/>
           </a:p>
@@ -4303,7 +4306,7 @@
           <a:p>
             <a:fld id="{63BCBCFA-8FB7-4D12-8657-71C396C3770D}" type="datetimeFigureOut">
               <a:rPr lang="nl-NL" smtClean="0"/>
-              <a:t>23-1-2016</a:t>
+              <a:t>24-1-2016</a:t>
             </a:fld>
             <a:endParaRPr lang="nl-NL"/>
           </a:p>
@@ -4345,7 +4348,7 @@
           <a:p>
             <a:fld id="{5B0E594A-1D6C-4877-B724-3D9ECD930B19}" type="slidenum">
               <a:rPr lang="nl-NL" smtClean="0"/>
-              <a:t>‹nr.›</a:t>
+              <a:t>‹#›</a:t>
             </a:fld>
             <a:endParaRPr lang="nl-NL"/>
           </a:p>
@@ -4421,7 +4424,7 @@
           <a:p>
             <a:fld id="{63BCBCFA-8FB7-4D12-8657-71C396C3770D}" type="datetimeFigureOut">
               <a:rPr lang="nl-NL" smtClean="0"/>
-              <a:t>23-1-2016</a:t>
+              <a:t>24-1-2016</a:t>
             </a:fld>
             <a:endParaRPr lang="nl-NL"/>
           </a:p>
@@ -4463,7 +4466,7 @@
           <a:p>
             <a:fld id="{5B0E594A-1D6C-4877-B724-3D9ECD930B19}" type="slidenum">
               <a:rPr lang="nl-NL" smtClean="0"/>
-              <a:t>‹nr.›</a:t>
+              <a:t>‹#›</a:t>
             </a:fld>
             <a:endParaRPr lang="nl-NL"/>
           </a:p>
@@ -4516,7 +4519,7 @@
           <a:p>
             <a:fld id="{63BCBCFA-8FB7-4D12-8657-71C396C3770D}" type="datetimeFigureOut">
               <a:rPr lang="nl-NL" smtClean="0"/>
-              <a:t>23-1-2016</a:t>
+              <a:t>24-1-2016</a:t>
             </a:fld>
             <a:endParaRPr lang="nl-NL"/>
           </a:p>
@@ -4558,7 +4561,7 @@
           <a:p>
             <a:fld id="{5B0E594A-1D6C-4877-B724-3D9ECD930B19}" type="slidenum">
               <a:rPr lang="nl-NL" smtClean="0"/>
-              <a:t>‹nr.›</a:t>
+              <a:t>‹#›</a:t>
             </a:fld>
             <a:endParaRPr lang="nl-NL"/>
           </a:p>
@@ -4799,7 +4802,7 @@
           <a:p>
             <a:fld id="{63BCBCFA-8FB7-4D12-8657-71C396C3770D}" type="datetimeFigureOut">
               <a:rPr lang="nl-NL" smtClean="0"/>
-              <a:t>23-1-2016</a:t>
+              <a:t>24-1-2016</a:t>
             </a:fld>
             <a:endParaRPr lang="nl-NL"/>
           </a:p>
@@ -4841,7 +4844,7 @@
           <a:p>
             <a:fld id="{5B0E594A-1D6C-4877-B724-3D9ECD930B19}" type="slidenum">
               <a:rPr lang="nl-NL" smtClean="0"/>
-              <a:t>‹nr.›</a:t>
+              <a:t>‹#›</a:t>
             </a:fld>
             <a:endParaRPr lang="nl-NL"/>
           </a:p>
@@ -5090,7 +5093,7 @@
           <a:p>
             <a:fld id="{63BCBCFA-8FB7-4D12-8657-71C396C3770D}" type="datetimeFigureOut">
               <a:rPr lang="nl-NL" smtClean="0"/>
-              <a:t>23-1-2016</a:t>
+              <a:t>24-1-2016</a:t>
             </a:fld>
             <a:endParaRPr lang="nl-NL"/>
           </a:p>
@@ -5132,7 +5135,7 @@
           <a:p>
             <a:fld id="{5B0E594A-1D6C-4877-B724-3D9ECD930B19}" type="slidenum">
               <a:rPr lang="nl-NL" smtClean="0"/>
-              <a:t>‹nr.›</a:t>
+              <a:t>‹#›</a:t>
             </a:fld>
             <a:endParaRPr lang="nl-NL"/>
           </a:p>
@@ -5620,7 +5623,7 @@
           <a:p>
             <a:fld id="{63BCBCFA-8FB7-4D12-8657-71C396C3770D}" type="datetimeFigureOut">
               <a:rPr lang="nl-NL" smtClean="0"/>
-              <a:t>23-1-2016</a:t>
+              <a:t>24-1-2016</a:t>
             </a:fld>
             <a:endParaRPr lang="nl-NL"/>
           </a:p>
@@ -5698,7 +5701,7 @@
           <a:p>
             <a:fld id="{5B0E594A-1D6C-4877-B724-3D9ECD930B19}" type="slidenum">
               <a:rPr lang="nl-NL" smtClean="0"/>
-              <a:t>‹nr.›</a:t>
+              <a:t>‹#›</a:t>
             </a:fld>
             <a:endParaRPr lang="nl-NL"/>
           </a:p>
@@ -6256,8 +6259,8 @@
           <a:chExt cx="0" cy="0"/>
         </a:xfrm>
       </p:grpSpPr>
-      <mc:AlternateContent xmlns:mc="http://schemas.openxmlformats.org/markup-compatibility/2006">
-        <mc:Choice xmlns:a14="http://schemas.microsoft.com/office/drawing/2010/main" Requires="a14">
+      <mc:AlternateContent xmlns:mc="http://schemas.openxmlformats.org/markup-compatibility/2006" xmlns:a14="http://schemas.microsoft.com/office/drawing/2010/main">
+        <mc:Choice Requires="a14">
           <p:sp>
             <p:nvSpPr>
               <p:cNvPr id="3" name="Tijdelijke aanduiding voor inhoud 2"/>
@@ -6293,21 +6296,8 @@
                 <a:pPr lvl="1"/>
                 <a:r>
                   <a:rPr lang="en-US" sz="2800" dirty="0" smtClean="0"/>
-                  <a:t>Attractive force (logarithmic </a:t>
+                  <a:t>Attractive force (logarithmic variant of Hooke’s law):</a:t>
                 </a:r>
-                <a:r>
-                  <a:rPr lang="en-US" sz="2800" dirty="0" smtClean="0"/>
-                  <a:t>variant of Hooke’s </a:t>
-                </a:r>
-                <a:r>
-                  <a:rPr lang="en-US" sz="2800" dirty="0" smtClean="0"/>
-                  <a:t>law</a:t>
-                </a:r>
-                <a:r>
-                  <a:rPr lang="en-US" sz="2800" dirty="0" smtClean="0"/>
-                  <a:t>):</a:t>
-                </a:r>
-                <a:endParaRPr lang="en-US" sz="2800" dirty="0" smtClean="0"/>
               </a:p>
               <a:p>
                 <a:pPr marL="457200" lvl="1" indent="0">
@@ -6849,7 +6839,7 @@
             </p:txBody>
           </p:sp>
         </mc:Choice>
-        <mc:Fallback>
+        <mc:Fallback xmlns="">
           <p:sp>
             <p:nvSpPr>
               <p:cNvPr id="3" name="Tijdelijke aanduiding voor inhoud 2"/>
@@ -6987,15 +6977,7 @@
           <a:p>
             <a:r>
               <a:rPr lang="en-US" sz="2800" dirty="0" smtClean="0"/>
-              <a:t>10(?) </a:t>
-            </a:r>
-            <a:r>
-              <a:rPr lang="en-US" sz="2800" dirty="0" smtClean="0"/>
-              <a:t>randomly generated gra</a:t>
-            </a:r>
-            <a:r>
-              <a:rPr lang="en-US" sz="2800" dirty="0" smtClean="0"/>
-              <a:t>phs</a:t>
+              <a:t>10(?) randomly generated graphs</a:t>
             </a:r>
           </a:p>
           <a:p>
@@ -7112,11 +7094,7 @@
             </a:pPr>
             <a:r>
               <a:rPr lang="en-US" sz="3200" b="1" dirty="0" smtClean="0"/>
-              <a:t>Running th</a:t>
-            </a:r>
-            <a:r>
-              <a:rPr lang="en-US" sz="3200" b="1" dirty="0" smtClean="0"/>
-              <a:t>e algorithms</a:t>
+              <a:t>Running the algorithms</a:t>
             </a:r>
           </a:p>
           <a:p>
@@ -7222,8 +7200,8 @@
           <a:chExt cx="0" cy="0"/>
         </a:xfrm>
       </p:grpSpPr>
-      <mc:AlternateContent xmlns:mc="http://schemas.openxmlformats.org/markup-compatibility/2006">
-        <mc:Choice xmlns:a14="http://schemas.microsoft.com/office/drawing/2010/main" Requires="a14">
+      <mc:AlternateContent xmlns:mc="http://schemas.openxmlformats.org/markup-compatibility/2006" xmlns:a14="http://schemas.microsoft.com/office/drawing/2010/main">
+        <mc:Choice Requires="a14">
           <p:sp>
             <p:nvSpPr>
               <p:cNvPr id="3" name="Tijdelijke aanduiding voor inhoud 2"/>
@@ -7253,7 +7231,6 @@
                   <a:rPr lang="en-US" sz="3200" b="1" dirty="0" smtClean="0"/>
                   <a:t>Testing the output</a:t>
                 </a:r>
-                <a:endParaRPr lang="en-US" sz="3200" b="1" dirty="0" smtClean="0"/>
               </a:p>
               <a:p>
                 <a:r>
@@ -7381,7 +7358,7 @@
             </p:txBody>
           </p:sp>
         </mc:Choice>
-        <mc:Fallback>
+        <mc:Fallback xmlns="">
           <p:sp>
             <p:nvSpPr>
               <p:cNvPr id="3" name="Tijdelijke aanduiding voor inhoud 2"/>
@@ -7513,7 +7490,6 @@
               <a:rPr lang="en-US" sz="3200" b="1" dirty="0" smtClean="0"/>
               <a:t>Testing the output</a:t>
             </a:r>
-            <a:endParaRPr lang="en-US" sz="3200" b="1" dirty="0" smtClean="0"/>
           </a:p>
           <a:p>
             <a:r>
@@ -7665,7 +7641,6 @@
               <a:rPr lang="en-US" sz="3200" b="1" dirty="0" smtClean="0"/>
               <a:t>Testing the output</a:t>
             </a:r>
-            <a:endParaRPr lang="en-US" sz="3200" b="1" dirty="0" smtClean="0"/>
           </a:p>
           <a:p>
             <a:r>
@@ -7768,6 +7743,222 @@
       </p:par>
     </p:tnLst>
   </p:timing>
+</p:sld>
+</file>
+
+<file path=ppt/slides/slide16.xml><?xml version="1.0" encoding="utf-8"?>
+<p:sld xmlns:a="http://schemas.openxmlformats.org/drawingml/2006/main" xmlns:r="http://schemas.openxmlformats.org/officeDocument/2006/relationships" xmlns:p="http://schemas.openxmlformats.org/presentationml/2006/main">
+  <p:cSld>
+    <p:spTree>
+      <p:nvGrpSpPr>
+        <p:cNvPr id="1" name=""/>
+        <p:cNvGrpSpPr/>
+        <p:nvPr/>
+      </p:nvGrpSpPr>
+      <p:grpSpPr>
+        <a:xfrm>
+          <a:off x="0" y="0"/>
+          <a:ext cx="0" cy="0"/>
+          <a:chOff x="0" y="0"/>
+          <a:chExt cx="0" cy="0"/>
+        </a:xfrm>
+      </p:grpSpPr>
+      <p:sp>
+        <p:nvSpPr>
+          <p:cNvPr id="2" name="Title 1"/>
+          <p:cNvSpPr>
+            <a:spLocks noGrp="1"/>
+          </p:cNvSpPr>
+          <p:nvPr>
+            <p:ph type="title"/>
+          </p:nvPr>
+        </p:nvSpPr>
+        <p:spPr/>
+        <p:txBody>
+          <a:bodyPr/>
+          <a:lstStyle/>
+          <a:p>
+            <a:r>
+              <a:rPr lang="en-GB" smtClean="0"/>
+              <a:t>The Result Data</a:t>
+            </a:r>
+            <a:endParaRPr lang="en-GB" dirty="0"/>
+          </a:p>
+        </p:txBody>
+      </p:sp>
+      <p:sp>
+        <p:nvSpPr>
+          <p:cNvPr id="3" name="Content Placeholder 2"/>
+          <p:cNvSpPr>
+            <a:spLocks noGrp="1"/>
+          </p:cNvSpPr>
+          <p:nvPr>
+            <p:ph idx="1"/>
+          </p:nvPr>
+        </p:nvSpPr>
+        <p:spPr/>
+        <p:txBody>
+          <a:bodyPr/>
+          <a:lstStyle/>
+          <a:p>
+            <a:endParaRPr lang="en-GB" dirty="0"/>
+          </a:p>
+        </p:txBody>
+      </p:sp>
+    </p:spTree>
+    <p:extLst>
+      <p:ext uri="{BB962C8B-B14F-4D97-AF65-F5344CB8AC3E}">
+        <p14:creationId xmlns:p14="http://schemas.microsoft.com/office/powerpoint/2010/main" val="642001695"/>
+      </p:ext>
+    </p:extLst>
+  </p:cSld>
+  <p:clrMapOvr>
+    <a:masterClrMapping/>
+  </p:clrMapOvr>
+</p:sld>
+</file>
+
+<file path=ppt/slides/slide17.xml><?xml version="1.0" encoding="utf-8"?>
+<p:sld xmlns:a="http://schemas.openxmlformats.org/drawingml/2006/main" xmlns:r="http://schemas.openxmlformats.org/officeDocument/2006/relationships" xmlns:p="http://schemas.openxmlformats.org/presentationml/2006/main">
+  <p:cSld>
+    <p:spTree>
+      <p:nvGrpSpPr>
+        <p:cNvPr id="1" name=""/>
+        <p:cNvGrpSpPr/>
+        <p:nvPr/>
+      </p:nvGrpSpPr>
+      <p:grpSpPr>
+        <a:xfrm>
+          <a:off x="0" y="0"/>
+          <a:ext cx="0" cy="0"/>
+          <a:chOff x="0" y="0"/>
+          <a:chExt cx="0" cy="0"/>
+        </a:xfrm>
+      </p:grpSpPr>
+      <p:sp>
+        <p:nvSpPr>
+          <p:cNvPr id="2" name="Title 1"/>
+          <p:cNvSpPr>
+            <a:spLocks noGrp="1"/>
+          </p:cNvSpPr>
+          <p:nvPr>
+            <p:ph type="title"/>
+          </p:nvPr>
+        </p:nvSpPr>
+        <p:spPr/>
+        <p:txBody>
+          <a:bodyPr/>
+          <a:lstStyle/>
+          <a:p>
+            <a:r>
+              <a:rPr lang="en-GB" dirty="0" smtClean="0"/>
+              <a:t>What does this mean?</a:t>
+            </a:r>
+            <a:endParaRPr lang="en-GB" dirty="0"/>
+          </a:p>
+        </p:txBody>
+      </p:sp>
+      <p:sp>
+        <p:nvSpPr>
+          <p:cNvPr id="3" name="Content Placeholder 2"/>
+          <p:cNvSpPr>
+            <a:spLocks noGrp="1"/>
+          </p:cNvSpPr>
+          <p:nvPr>
+            <p:ph idx="1"/>
+          </p:nvPr>
+        </p:nvSpPr>
+        <p:spPr/>
+        <p:txBody>
+          <a:bodyPr/>
+          <a:lstStyle/>
+          <a:p>
+            <a:endParaRPr lang="en-GB"/>
+          </a:p>
+        </p:txBody>
+      </p:sp>
+    </p:spTree>
+    <p:extLst>
+      <p:ext uri="{BB962C8B-B14F-4D97-AF65-F5344CB8AC3E}">
+        <p14:creationId xmlns:p14="http://schemas.microsoft.com/office/powerpoint/2010/main" val="2528578112"/>
+      </p:ext>
+    </p:extLst>
+  </p:cSld>
+  <p:clrMapOvr>
+    <a:masterClrMapping/>
+  </p:clrMapOvr>
+</p:sld>
+</file>
+
+<file path=ppt/slides/slide18.xml><?xml version="1.0" encoding="utf-8"?>
+<p:sld xmlns:a="http://schemas.openxmlformats.org/drawingml/2006/main" xmlns:r="http://schemas.openxmlformats.org/officeDocument/2006/relationships" xmlns:p="http://schemas.openxmlformats.org/presentationml/2006/main">
+  <p:cSld>
+    <p:spTree>
+      <p:nvGrpSpPr>
+        <p:cNvPr id="1" name=""/>
+        <p:cNvGrpSpPr/>
+        <p:nvPr/>
+      </p:nvGrpSpPr>
+      <p:grpSpPr>
+        <a:xfrm>
+          <a:off x="0" y="0"/>
+          <a:ext cx="0" cy="0"/>
+          <a:chOff x="0" y="0"/>
+          <a:chExt cx="0" cy="0"/>
+        </a:xfrm>
+      </p:grpSpPr>
+      <p:sp>
+        <p:nvSpPr>
+          <p:cNvPr id="2" name="Title 1"/>
+          <p:cNvSpPr>
+            <a:spLocks noGrp="1"/>
+          </p:cNvSpPr>
+          <p:nvPr>
+            <p:ph type="title"/>
+          </p:nvPr>
+        </p:nvSpPr>
+        <p:spPr/>
+        <p:txBody>
+          <a:bodyPr/>
+          <a:lstStyle/>
+          <a:p>
+            <a:r>
+              <a:rPr lang="en-GB" smtClean="0"/>
+              <a:t>In Conclusion</a:t>
+            </a:r>
+            <a:endParaRPr lang="en-GB" dirty="0"/>
+          </a:p>
+        </p:txBody>
+      </p:sp>
+      <p:sp>
+        <p:nvSpPr>
+          <p:cNvPr id="3" name="Content Placeholder 2"/>
+          <p:cNvSpPr>
+            <a:spLocks noGrp="1"/>
+          </p:cNvSpPr>
+          <p:nvPr>
+            <p:ph idx="1"/>
+          </p:nvPr>
+        </p:nvSpPr>
+        <p:spPr/>
+        <p:txBody>
+          <a:bodyPr/>
+          <a:lstStyle/>
+          <a:p>
+            <a:endParaRPr lang="en-GB"/>
+          </a:p>
+        </p:txBody>
+      </p:sp>
+    </p:spTree>
+    <p:extLst>
+      <p:ext uri="{BB962C8B-B14F-4D97-AF65-F5344CB8AC3E}">
+        <p14:creationId xmlns:p14="http://schemas.microsoft.com/office/powerpoint/2010/main" val="3112376762"/>
+      </p:ext>
+    </p:extLst>
+  </p:cSld>
+  <p:clrMapOvr>
+    <a:masterClrMapping/>
+  </p:clrMapOvr>
 </p:sld>
 </file>
 
@@ -8055,16 +8246,8 @@
           <a:p>
             <a:pPr lvl="1"/>
             <a:r>
-              <a:rPr lang="nl-NL" sz="2400" dirty="0" err="1"/>
-              <a:t>Cluttered</a:t>
-            </a:r>
-            <a:r>
-              <a:rPr lang="nl-NL" sz="2400" dirty="0"/>
-              <a:t> mess of crossing </a:t>
-            </a:r>
-            <a:r>
-              <a:rPr lang="nl-NL" sz="2400" dirty="0" err="1"/>
-              <a:t>edges</a:t>
+              <a:rPr lang="nl-NL" sz="2400" dirty="0" smtClean="0"/>
+              <a:t>Cluttering</a:t>
             </a:r>
             <a:endParaRPr lang="nl-NL" sz="2400" dirty="0"/>
           </a:p>
@@ -8651,8 +8834,8 @@
           </a:p>
         </p:txBody>
       </p:sp>
-      <mc:AlternateContent xmlns:mc="http://schemas.openxmlformats.org/markup-compatibility/2006">
-        <mc:Choice xmlns:a14="http://schemas.microsoft.com/office/drawing/2010/main" Requires="a14">
+      <mc:AlternateContent xmlns:mc="http://schemas.openxmlformats.org/markup-compatibility/2006" xmlns:a14="http://schemas.microsoft.com/office/drawing/2010/main">
+        <mc:Choice Requires="a14">
           <p:sp>
             <p:nvSpPr>
               <p:cNvPr id="3" name="Tijdelijke aanduiding voor inhoud 2"/>
@@ -9127,7 +9310,7 @@
             </p:txBody>
           </p:sp>
         </mc:Choice>
-        <mc:Fallback>
+        <mc:Fallback xmlns="">
           <p:sp>
             <p:nvSpPr>
               <p:cNvPr id="3" name="Tijdelijke aanduiding voor inhoud 2"/>
@@ -9202,8 +9385,8 @@
           <a:chExt cx="0" cy="0"/>
         </a:xfrm>
       </p:grpSpPr>
-      <mc:AlternateContent xmlns:mc="http://schemas.openxmlformats.org/markup-compatibility/2006">
-        <mc:Choice xmlns:a14="http://schemas.microsoft.com/office/drawing/2010/main" Requires="a14">
+      <mc:AlternateContent xmlns:mc="http://schemas.openxmlformats.org/markup-compatibility/2006" xmlns:a14="http://schemas.microsoft.com/office/drawing/2010/main">
+        <mc:Choice Requires="a14">
           <p:sp>
             <p:nvSpPr>
               <p:cNvPr id="3" name="Tijdelijke aanduiding voor inhoud 2"/>
@@ -9241,7 +9424,6 @@
                   <a:rPr lang="en-US" sz="2800" dirty="0" smtClean="0"/>
                   <a:t>Attractive force:</a:t>
                 </a:r>
-                <a:endParaRPr lang="en-US" sz="2800" dirty="0" smtClean="0"/>
               </a:p>
               <a:p>
                 <a:pPr lvl="2"/>
@@ -9370,7 +9552,6 @@
                   <a:rPr lang="en-US" sz="2800" dirty="0" smtClean="0"/>
                   <a:t>  </a:t>
                 </a:r>
-                <a:endParaRPr lang="en-US" sz="2800" dirty="0" smtClean="0"/>
               </a:p>
               <a:p>
                 <a:pPr lvl="1"/>
@@ -9378,7 +9559,6 @@
                   <a:rPr lang="en-US" sz="2800" dirty="0" smtClean="0"/>
                   <a:t>Repulsive force:</a:t>
                 </a:r>
-                <a:endParaRPr lang="en-US" sz="2800" dirty="0" smtClean="0"/>
               </a:p>
               <a:p>
                 <a:pPr lvl="2"/>
@@ -9570,7 +9750,7 @@
             </p:txBody>
           </p:sp>
         </mc:Choice>
-        <mc:Fallback>
+        <mc:Fallback xmlns="">
           <p:sp>
             <p:nvSpPr>
               <p:cNvPr id="3" name="Tijdelijke aanduiding voor inhoud 2"/>
@@ -9636,8 +9816,8 @@
           </a:p>
         </p:txBody>
       </p:sp>
-      <mc:AlternateContent xmlns:mc="http://schemas.openxmlformats.org/markup-compatibility/2006">
-        <mc:Choice xmlns:a14="http://schemas.microsoft.com/office/drawing/2010/main" Requires="a14">
+      <mc:AlternateContent xmlns:mc="http://schemas.openxmlformats.org/markup-compatibility/2006" xmlns:a14="http://schemas.microsoft.com/office/drawing/2010/main">
+        <mc:Choice Requires="a14">
           <p:sp>
             <p:nvSpPr>
               <p:cNvPr id="2" name="Rechthoek 1"/>
@@ -9659,6 +9839,7 @@
               </a:bodyPr>
               <a:lstStyle/>
               <a:p>
+                <a:pPr/>
                 <a14:m>
                   <m:oMathPara xmlns:m="http://schemas.openxmlformats.org/officeDocument/2006/math">
                     <m:oMathParaPr>
@@ -9759,7 +9940,7 @@
             </p:txBody>
           </p:sp>
         </mc:Choice>
-        <mc:Fallback>
+        <mc:Fallback xmlns="">
           <p:sp>
             <p:nvSpPr>
               <p:cNvPr id="2" name="Rechthoek 1"/>

--- a/Presentatie/Onderzoek eindpresentatie.pptx
+++ b/Presentatie/Onderzoek eindpresentatie.pptx
@@ -8762,9 +8762,18 @@
           <a:lstStyle/>
           <a:p>
             <a:r>
-              <a:rPr lang="nl-NL" sz="2800" dirty="0" smtClean="0"/>
-              <a:t>-</a:t>
-            </a:r>
+              <a:rPr lang="nl-NL" dirty="0" smtClean="0"/>
+              <a:t>Expecting all algorithms to work equally well</a:t>
+            </a:r>
+          </a:p>
+          <a:p>
+            <a:r>
+              <a:rPr lang="nl-NL" smtClean="0"/>
+              <a:t>There must be optimal values for each one</a:t>
+            </a:r>
+            <a:endParaRPr lang="nl-NL" dirty="0" smtClean="0"/>
+          </a:p>
+          <a:p>
             <a:endParaRPr lang="nl-NL" sz="2400" dirty="0" smtClean="0"/>
           </a:p>
         </p:txBody>

--- a/Presentatie/Onderzoek eindpresentatie.pptx
+++ b/Presentatie/Onderzoek eindpresentatie.pptx
@@ -20,9 +20,13 @@
     <p:sldId id="278" r:id="rId14"/>
     <p:sldId id="279" r:id="rId15"/>
     <p:sldId id="280" r:id="rId16"/>
-    <p:sldId id="281" r:id="rId17"/>
-    <p:sldId id="282" r:id="rId18"/>
-    <p:sldId id="283" r:id="rId19"/>
+    <p:sldId id="285" r:id="rId17"/>
+    <p:sldId id="281" r:id="rId18"/>
+    <p:sldId id="286" r:id="rId19"/>
+    <p:sldId id="287" r:id="rId20"/>
+    <p:sldId id="288" r:id="rId21"/>
+    <p:sldId id="289" r:id="rId22"/>
+    <p:sldId id="282" r:id="rId23"/>
   </p:sldIdLst>
   <p:sldSz cx="12192000" cy="6858000"/>
   <p:notesSz cx="6858000" cy="9144000"/>
@@ -678,7 +682,7 @@
           <a:p>
             <a:fld id="{5B0E594A-1D6C-4877-B724-3D9ECD930B19}" type="slidenum">
               <a:rPr lang="nl-NL" smtClean="0"/>
-              <a:t>‹#›</a:t>
+              <a:t>‹nr.›</a:t>
             </a:fld>
             <a:endParaRPr lang="nl-NL"/>
           </a:p>
@@ -969,7 +973,7 @@
           <a:p>
             <a:fld id="{5B0E594A-1D6C-4877-B724-3D9ECD930B19}" type="slidenum">
               <a:rPr lang="nl-NL" smtClean="0"/>
-              <a:t>‹#›</a:t>
+              <a:t>‹nr.›</a:t>
             </a:fld>
             <a:endParaRPr lang="nl-NL"/>
           </a:p>
@@ -1217,7 +1221,7 @@
           <a:p>
             <a:fld id="{5B0E594A-1D6C-4877-B724-3D9ECD930B19}" type="slidenum">
               <a:rPr lang="nl-NL" smtClean="0"/>
-              <a:t>‹#›</a:t>
+              <a:t>‹nr.›</a:t>
             </a:fld>
             <a:endParaRPr lang="nl-NL"/>
           </a:p>
@@ -1757,7 +1761,7 @@
           <a:p>
             <a:fld id="{5B0E594A-1D6C-4877-B724-3D9ECD930B19}" type="slidenum">
               <a:rPr lang="nl-NL" smtClean="0"/>
-              <a:t>‹#›</a:t>
+              <a:t>‹nr.›</a:t>
             </a:fld>
             <a:endParaRPr lang="nl-NL"/>
           </a:p>
@@ -2005,7 +2009,7 @@
           <a:p>
             <a:fld id="{5B0E594A-1D6C-4877-B724-3D9ECD930B19}" type="slidenum">
               <a:rPr lang="nl-NL" smtClean="0"/>
-              <a:t>‹#›</a:t>
+              <a:t>‹nr.›</a:t>
             </a:fld>
             <a:endParaRPr lang="nl-NL"/>
           </a:p>
@@ -2537,7 +2541,7 @@
           <a:p>
             <a:fld id="{5B0E594A-1D6C-4877-B724-3D9ECD930B19}" type="slidenum">
               <a:rPr lang="nl-NL" smtClean="0"/>
-              <a:t>‹#›</a:t>
+              <a:t>‹nr.›</a:t>
             </a:fld>
             <a:endParaRPr lang="nl-NL"/>
           </a:p>
@@ -2834,7 +2838,7 @@
           <a:p>
             <a:fld id="{5B0E594A-1D6C-4877-B724-3D9ECD930B19}" type="slidenum">
               <a:rPr lang="nl-NL" smtClean="0"/>
-              <a:t>‹#›</a:t>
+              <a:t>‹nr.›</a:t>
             </a:fld>
             <a:endParaRPr lang="nl-NL"/>
           </a:p>
@@ -3008,7 +3012,7 @@
           <a:p>
             <a:fld id="{5B0E594A-1D6C-4877-B724-3D9ECD930B19}" type="slidenum">
               <a:rPr lang="nl-NL" smtClean="0"/>
-              <a:t>‹#›</a:t>
+              <a:t>‹nr.›</a:t>
             </a:fld>
             <a:endParaRPr lang="nl-NL"/>
           </a:p>
@@ -3188,7 +3192,7 @@
           <a:p>
             <a:fld id="{5B0E594A-1D6C-4877-B724-3D9ECD930B19}" type="slidenum">
               <a:rPr lang="nl-NL" smtClean="0"/>
-              <a:t>‹#›</a:t>
+              <a:t>‹nr.›</a:t>
             </a:fld>
             <a:endParaRPr lang="nl-NL"/>
           </a:p>
@@ -3363,7 +3367,7 @@
           <a:p>
             <a:fld id="{5B0E594A-1D6C-4877-B724-3D9ECD930B19}" type="slidenum">
               <a:rPr lang="nl-NL" smtClean="0"/>
-              <a:t>‹#›</a:t>
+              <a:t>‹nr.›</a:t>
             </a:fld>
             <a:endParaRPr lang="nl-NL"/>
           </a:p>
@@ -3609,7 +3613,7 @@
           <a:p>
             <a:fld id="{5B0E594A-1D6C-4877-B724-3D9ECD930B19}" type="slidenum">
               <a:rPr lang="nl-NL" smtClean="0"/>
-              <a:t>‹#›</a:t>
+              <a:t>‹nr.›</a:t>
             </a:fld>
             <a:endParaRPr lang="nl-NL"/>
           </a:p>
@@ -3906,7 +3910,7 @@
           <a:p>
             <a:fld id="{5B0E594A-1D6C-4877-B724-3D9ECD930B19}" type="slidenum">
               <a:rPr lang="nl-NL" smtClean="0"/>
-              <a:t>‹#›</a:t>
+              <a:t>‹nr.›</a:t>
             </a:fld>
             <a:endParaRPr lang="nl-NL"/>
           </a:p>
@@ -4348,7 +4352,7 @@
           <a:p>
             <a:fld id="{5B0E594A-1D6C-4877-B724-3D9ECD930B19}" type="slidenum">
               <a:rPr lang="nl-NL" smtClean="0"/>
-              <a:t>‹#›</a:t>
+              <a:t>‹nr.›</a:t>
             </a:fld>
             <a:endParaRPr lang="nl-NL"/>
           </a:p>
@@ -4466,7 +4470,7 @@
           <a:p>
             <a:fld id="{5B0E594A-1D6C-4877-B724-3D9ECD930B19}" type="slidenum">
               <a:rPr lang="nl-NL" smtClean="0"/>
-              <a:t>‹#›</a:t>
+              <a:t>‹nr.›</a:t>
             </a:fld>
             <a:endParaRPr lang="nl-NL"/>
           </a:p>
@@ -4561,7 +4565,7 @@
           <a:p>
             <a:fld id="{5B0E594A-1D6C-4877-B724-3D9ECD930B19}" type="slidenum">
               <a:rPr lang="nl-NL" smtClean="0"/>
-              <a:t>‹#›</a:t>
+              <a:t>‹nr.›</a:t>
             </a:fld>
             <a:endParaRPr lang="nl-NL"/>
           </a:p>
@@ -4844,7 +4848,7 @@
           <a:p>
             <a:fld id="{5B0E594A-1D6C-4877-B724-3D9ECD930B19}" type="slidenum">
               <a:rPr lang="nl-NL" smtClean="0"/>
-              <a:t>‹#›</a:t>
+              <a:t>‹nr.›</a:t>
             </a:fld>
             <a:endParaRPr lang="nl-NL"/>
           </a:p>
@@ -5135,7 +5139,7 @@
           <a:p>
             <a:fld id="{5B0E594A-1D6C-4877-B724-3D9ECD930B19}" type="slidenum">
               <a:rPr lang="nl-NL" smtClean="0"/>
-              <a:t>‹#›</a:t>
+              <a:t>‹nr.›</a:t>
             </a:fld>
             <a:endParaRPr lang="nl-NL"/>
           </a:p>
@@ -5701,7 +5705,7 @@
           <a:p>
             <a:fld id="{5B0E594A-1D6C-4877-B724-3D9ECD930B19}" type="slidenum">
               <a:rPr lang="nl-NL" smtClean="0"/>
-              <a:t>‹#›</a:t>
+              <a:t>‹nr.›</a:t>
             </a:fld>
             <a:endParaRPr lang="nl-NL"/>
           </a:p>
@@ -6259,8 +6263,8 @@
           <a:chExt cx="0" cy="0"/>
         </a:xfrm>
       </p:grpSpPr>
-      <mc:AlternateContent xmlns:mc="http://schemas.openxmlformats.org/markup-compatibility/2006" xmlns:a14="http://schemas.microsoft.com/office/drawing/2010/main">
-        <mc:Choice Requires="a14">
+      <mc:AlternateContent xmlns:mc="http://schemas.openxmlformats.org/markup-compatibility/2006">
+        <mc:Choice xmlns:a14="http://schemas.microsoft.com/office/drawing/2010/main" Requires="a14">
           <p:sp>
             <p:nvSpPr>
               <p:cNvPr id="3" name="Tijdelijke aanduiding voor inhoud 2"/>
@@ -6274,7 +6278,7 @@
             <p:spPr>
               <a:xfrm>
                 <a:off x="1941507" y="1820331"/>
-                <a:ext cx="10018713" cy="5164669"/>
+                <a:ext cx="10018713" cy="7162304"/>
               </a:xfrm>
             </p:spPr>
             <p:txBody>
@@ -6535,31 +6539,18 @@
                       </a:rPr>
                       <m:t>=</m:t>
                     </m:r>
-                    <m:sSub>
-                      <m:sSubPr>
-                        <m:ctrlPr>
-                          <a:rPr lang="en-US" sz="2800" b="1" i="1">
-                            <a:latin typeface="Cambria Math" panose="02040503050406030204" pitchFamily="18" charset="0"/>
-                          </a:rPr>
-                        </m:ctrlPr>
-                      </m:sSubPr>
-                      <m:e>
-                        <m:r>
-                          <a:rPr lang="nl-NL" sz="2800" b="1" i="1">
-                            <a:latin typeface="Cambria Math" panose="02040503050406030204" pitchFamily="18" charset="0"/>
-                          </a:rPr>
-                          <m:t>𝒘</m:t>
-                        </m:r>
-                      </m:e>
-                      <m:sub>
-                        <m:r>
-                          <a:rPr lang="nl-NL" sz="2800" b="1" i="1">
-                            <a:latin typeface="Cambria Math" panose="02040503050406030204" pitchFamily="18" charset="0"/>
-                          </a:rPr>
-                          <m:t>𝒂</m:t>
-                        </m:r>
-                      </m:sub>
-                    </m:sSub>
+                    <m:r>
+                      <a:rPr lang="el-GR" sz="2800" b="1" i="1">
+                        <a:latin typeface="Cambria Math" panose="02040503050406030204" pitchFamily="18" charset="0"/>
+                      </a:rPr>
+                      <m:t>𝜶</m:t>
+                    </m:r>
+                    <m:r>
+                      <a:rPr lang="nl-NL" sz="2800" b="0" i="1" smtClean="0">
+                        <a:latin typeface="Cambria Math" panose="02040503050406030204" pitchFamily="18" charset="0"/>
+                      </a:rPr>
+                      <m:t> </m:t>
+                    </m:r>
                     <m:f>
                       <m:fPr>
                         <m:ctrlPr>
@@ -6724,41 +6715,14 @@
                 <a:pPr lvl="1"/>
                 <a:r>
                   <a:rPr lang="en-US" sz="2800" dirty="0"/>
-                  <a:t>Parameters: </a:t>
+                  <a:t>Parameters</a:t>
+                </a:r>
+                <a:r>
+                  <a:rPr lang="en-US" sz="2800" dirty="0" smtClean="0"/>
+                  <a:t>:         weight </a:t>
                 </a:r>
                 <a14:m>
                   <m:oMath xmlns:m="http://schemas.openxmlformats.org/officeDocument/2006/math">
-                    <m:sSub>
-                      <m:sSubPr>
-                        <m:ctrlPr>
-                          <a:rPr lang="en-US" sz="2800" b="1" i="1">
-                            <a:latin typeface="Cambria Math" panose="02040503050406030204" pitchFamily="18" charset="0"/>
-                          </a:rPr>
-                        </m:ctrlPr>
-                      </m:sSubPr>
-                      <m:e>
-                        <m:r>
-                          <a:rPr lang="nl-NL" sz="2800" b="1" i="1">
-                            <a:latin typeface="Cambria Math" panose="02040503050406030204" pitchFamily="18" charset="0"/>
-                          </a:rPr>
-                          <m:t>𝒘</m:t>
-                        </m:r>
-                      </m:e>
-                      <m:sub>
-                        <m:r>
-                          <a:rPr lang="nl-NL" sz="2800" b="1" i="1">
-                            <a:latin typeface="Cambria Math" panose="02040503050406030204" pitchFamily="18" charset="0"/>
-                          </a:rPr>
-                          <m:t>𝒂</m:t>
-                        </m:r>
-                      </m:sub>
-                    </m:sSub>
-                    <m:r>
-                      <a:rPr lang="nl-NL" sz="2800">
-                        <a:latin typeface="Cambria Math" panose="02040503050406030204" pitchFamily="18" charset="0"/>
-                      </a:rPr>
-                      <m:t>, </m:t>
-                    </m:r>
                     <m:sSub>
                       <m:sSubPr>
                         <m:ctrlPr>
@@ -6787,8 +6751,56 @@
                   </m:oMath>
                 </a14:m>
                 <a:r>
-                  <a:rPr lang="en-US" sz="2800" dirty="0" smtClean="0"/>
-                  <a:t> and </a:t>
+                  <a:rPr lang="nl-NL" sz="2800" dirty="0"/>
+                  <a:t> </a:t>
+                </a:r>
+                <a:r>
+                  <a:rPr lang="nl-NL" sz="2800" dirty="0" smtClean="0"/>
+                  <a:t>: [0.0001~0.4]</a:t>
+                </a:r>
+                <a:br>
+                  <a:rPr lang="nl-NL" sz="2800" dirty="0" smtClean="0"/>
+                </a:br>
+                <a:r>
+                  <a:rPr lang="nl-NL" sz="2800" dirty="0" smtClean="0"/>
+                  <a:t>				             </a:t>
+                </a:r>
+                <a:r>
+                  <a:rPr lang="nl-NL" sz="2800" dirty="0" err="1" smtClean="0"/>
+                  <a:t>weight</a:t>
+                </a:r>
+                <a:r>
+                  <a:rPr lang="nl-NL" sz="2800" dirty="0" smtClean="0"/>
+                  <a:t> </a:t>
+                </a:r>
+                <a14:m>
+                  <m:oMath xmlns:m="http://schemas.openxmlformats.org/officeDocument/2006/math">
+                    <m:r>
+                      <a:rPr lang="el-GR" sz="2800" b="1" i="1">
+                        <a:latin typeface="Cambria Math" panose="02040503050406030204" pitchFamily="18" charset="0"/>
+                      </a:rPr>
+                      <m:t>𝜶</m:t>
+                    </m:r>
+                  </m:oMath>
+                </a14:m>
+                <a:r>
+                  <a:rPr lang="nl-NL" sz="2800" dirty="0" smtClean="0"/>
+                  <a:t>  : [0.0001~0.4]</a:t>
+                </a:r>
+                <a:br>
+                  <a:rPr lang="nl-NL" sz="2800" dirty="0" smtClean="0"/>
+                </a:br>
+                <a:r>
+                  <a:rPr lang="nl-NL" sz="2800" dirty="0" smtClean="0"/>
+                  <a:t>				     log </a:t>
+                </a:r>
+                <a:r>
+                  <a:rPr lang="nl-NL" sz="2800" dirty="0" err="1" smtClean="0"/>
+                  <a:t>weight</a:t>
+                </a:r>
+                <a:r>
+                  <a:rPr lang="nl-NL" sz="2800" dirty="0" smtClean="0"/>
+                  <a:t> </a:t>
                 </a:r>
                 <a14:m>
                   <m:oMath xmlns:m="http://schemas.openxmlformats.org/officeDocument/2006/math">
@@ -6810,7 +6822,7 @@
                       </m:e>
                       <m:sub>
                         <m:r>
-                          <a:rPr lang="nl-NL" sz="2800" b="1" i="1">
+                          <a:rPr lang="nl-NL" sz="2800" b="1" i="1" smtClean="0">
                             <a:latin typeface="Cambria Math" panose="02040503050406030204" pitchFamily="18" charset="0"/>
                           </a:rPr>
                           <m:t>𝟐</m:t>
@@ -6819,6 +6831,13 @@
                     </m:sSub>
                   </m:oMath>
                 </a14:m>
+                <a:r>
+                  <a:rPr lang="nl-NL" sz="2800" dirty="0" smtClean="0"/>
+                  <a:t> : [0.0001~1.0]</a:t>
+                </a:r>
+                <a:br>
+                  <a:rPr lang="nl-NL" sz="2800" dirty="0" smtClean="0"/>
+                </a:br>
                 <a:endParaRPr lang="en-US" sz="2800" dirty="0" smtClean="0"/>
               </a:p>
               <a:p>
@@ -6839,7 +6858,7 @@
             </p:txBody>
           </p:sp>
         </mc:Choice>
-        <mc:Fallback xmlns="">
+        <mc:Fallback>
           <p:sp>
             <p:nvSpPr>
               <p:cNvPr id="3" name="Tijdelijke aanduiding voor inhoud 2"/>
@@ -6853,12 +6872,12 @@
             <p:spPr>
               <a:xfrm>
                 <a:off x="1941507" y="1820331"/>
-                <a:ext cx="10018713" cy="5164669"/>
+                <a:ext cx="10018713" cy="7162304"/>
               </a:xfrm>
               <a:blipFill rotWithShape="0">
                 <a:blip r:embed="rId2"/>
                 <a:stretch>
-                  <a:fillRect l="-2251" t="-5313"/>
+                  <a:fillRect l="-2251" t="-3830"/>
                 </a:stretch>
               </a:blipFill>
             </p:spPr>
@@ -6977,22 +6996,86 @@
           <a:p>
             <a:r>
               <a:rPr lang="en-US" sz="2800" dirty="0" smtClean="0"/>
-              <a:t>10(?) randomly generated graphs</a:t>
+              <a:t>10 </a:t>
+            </a:r>
+            <a:r>
+              <a:rPr lang="en-US" sz="2800" dirty="0" smtClean="0"/>
+              <a:t>randomly generated graphs</a:t>
             </a:r>
           </a:p>
           <a:p>
             <a:pPr lvl="1"/>
             <a:r>
               <a:rPr lang="en-US" sz="2400" dirty="0" smtClean="0"/>
-              <a:t>30 vertices</a:t>
+              <a:t>20 vertices</a:t>
             </a:r>
           </a:p>
           <a:p>
             <a:pPr lvl="1"/>
             <a:r>
               <a:rPr lang="en-US" sz="2400" dirty="0" smtClean="0"/>
-              <a:t>Every node has at least one connection</a:t>
-            </a:r>
+              <a:t>Vertex positions [</a:t>
+            </a:r>
+            <a:r>
+              <a:rPr lang="en-US" sz="2400" dirty="0" err="1" smtClean="0"/>
+              <a:t>x,y</a:t>
+            </a:r>
+            <a:r>
+              <a:rPr lang="en-US" sz="2400" dirty="0" smtClean="0"/>
+              <a:t>] </a:t>
+            </a:r>
+            <a:r>
+              <a:rPr lang="en-US" sz="2400" dirty="0" smtClean="0">
+                <a:latin typeface="Calibri" panose="020F0502020204030204" pitchFamily="34" charset="0"/>
+              </a:rPr>
+              <a:t>→</a:t>
+            </a:r>
+            <a:r>
+              <a:rPr lang="en-US" sz="2400" dirty="0" smtClean="0"/>
+              <a:t> </a:t>
+            </a:r>
+            <a:r>
+              <a:rPr lang="en-US" dirty="0">
+                <a:latin typeface="Georgia" panose="02040502050405020303" pitchFamily="18" charset="0"/>
+              </a:rPr>
+              <a:t>double</a:t>
+            </a:r>
+            <a:r>
+              <a:rPr lang="en-US" dirty="0"/>
+              <a:t> </a:t>
+            </a:r>
+            <a:r>
+              <a:rPr lang="en-US" sz="2400" dirty="0"/>
+              <a:t>between 0 </a:t>
+            </a:r>
+            <a:r>
+              <a:rPr lang="en-US" sz="2400" dirty="0" smtClean="0"/>
+              <a:t>and 1</a:t>
+            </a:r>
+            <a:endParaRPr lang="en-US" sz="2400" dirty="0" smtClean="0"/>
+          </a:p>
+          <a:p>
+            <a:pPr lvl="1"/>
+            <a:r>
+              <a:rPr lang="en-US" sz="2400" dirty="0" smtClean="0"/>
+              <a:t>Every </a:t>
+            </a:r>
+            <a:r>
+              <a:rPr lang="en-US" sz="2400" dirty="0" smtClean="0"/>
+              <a:t>vertex has </a:t>
+            </a:r>
+            <a:r>
+              <a:rPr lang="en-US" sz="2400" dirty="0" smtClean="0"/>
+              <a:t>at least one </a:t>
+            </a:r>
+            <a:r>
+              <a:rPr lang="en-US" sz="2400" dirty="0" smtClean="0"/>
+              <a:t>connection</a:t>
+            </a:r>
+          </a:p>
+          <a:p>
+            <a:pPr lvl="1"/>
+            <a:endParaRPr lang="en-US" sz="2400" dirty="0" smtClean="0"/>
           </a:p>
           <a:p>
             <a:endParaRPr lang="en-US" dirty="0"/>
@@ -7765,7 +7848,95 @@
       </p:grpSpPr>
       <p:sp>
         <p:nvSpPr>
-          <p:cNvPr id="2" name="Title 1"/>
+          <p:cNvPr id="3" name="Tijdelijke aanduiding voor inhoud 2"/>
+          <p:cNvSpPr>
+            <a:spLocks noGrp="1"/>
+          </p:cNvSpPr>
+          <p:nvPr>
+            <p:ph idx="1"/>
+          </p:nvPr>
+        </p:nvSpPr>
+        <p:spPr>
+          <a:xfrm>
+            <a:off x="2173287" y="1930398"/>
+            <a:ext cx="10018713" cy="4927602"/>
+          </a:xfrm>
+        </p:spPr>
+        <p:txBody>
+          <a:bodyPr anchor="t">
+            <a:noAutofit/>
+          </a:bodyPr>
+          <a:lstStyle/>
+          <a:p>
+            <a:pPr marL="0" indent="0">
+              <a:buNone/>
+            </a:pPr>
+            <a:r>
+              <a:rPr lang="en-US" sz="3200" b="1" dirty="0" smtClean="0"/>
+              <a:t>Testing the output</a:t>
+            </a:r>
+          </a:p>
+          <a:p>
+            <a:r>
+              <a:rPr lang="en-US" sz="2800" dirty="0" smtClean="0"/>
+              <a:t>Test the quality of the output graph after each run</a:t>
+            </a:r>
+          </a:p>
+          <a:p>
+            <a:pPr lvl="1"/>
+            <a:r>
+              <a:rPr lang="en-US" sz="2400" dirty="0" smtClean="0"/>
+              <a:t>Edge crossings</a:t>
+            </a:r>
+          </a:p>
+          <a:p>
+            <a:pPr lvl="1"/>
+            <a:r>
+              <a:rPr lang="en-US" sz="2400" dirty="0" smtClean="0"/>
+              <a:t>Uniformity in edge length</a:t>
+            </a:r>
+          </a:p>
+          <a:p>
+            <a:pPr lvl="1"/>
+            <a:r>
+              <a:rPr lang="en-US" sz="2400" dirty="0" smtClean="0"/>
+              <a:t>Vertex dispersion</a:t>
+            </a:r>
+          </a:p>
+          <a:p>
+            <a:r>
+              <a:rPr lang="en-US" sz="2800" dirty="0" smtClean="0"/>
+              <a:t>Calculate average </a:t>
+            </a:r>
+            <a:r>
+              <a:rPr lang="en-US" sz="2800" dirty="0" smtClean="0"/>
+              <a:t>of the quality values of the 10 inputs graphs</a:t>
+            </a:r>
+          </a:p>
+          <a:p>
+            <a:endParaRPr lang="en-US" sz="2800" dirty="0" smtClean="0"/>
+          </a:p>
+          <a:p>
+            <a:pPr lvl="2"/>
+            <a:endParaRPr lang="en-US" sz="2600" dirty="0" smtClean="0"/>
+          </a:p>
+          <a:p>
+            <a:endParaRPr lang="en-US" sz="2800" dirty="0" smtClean="0"/>
+          </a:p>
+          <a:p>
+            <a:endParaRPr lang="en-US" sz="2400" dirty="0" smtClean="0"/>
+          </a:p>
+          <a:p>
+            <a:endParaRPr lang="en-US" dirty="0"/>
+          </a:p>
+          <a:p>
+            <a:endParaRPr lang="en-US" sz="2800" dirty="0" smtClean="0"/>
+          </a:p>
+        </p:txBody>
+      </p:sp>
+      <p:sp>
+        <p:nvSpPr>
+          <p:cNvPr id="4" name="Titel 1"/>
           <p:cNvSpPr>
             <a:spLocks noGrp="1"/>
           </p:cNvSpPr>
@@ -7773,48 +7944,41 @@
             <p:ph type="title"/>
           </p:nvPr>
         </p:nvSpPr>
-        <p:spPr/>
+        <p:spPr>
+          <a:xfrm>
+            <a:off x="1484311" y="8465"/>
+            <a:ext cx="10018713" cy="1752599"/>
+          </a:xfrm>
+        </p:spPr>
         <p:txBody>
           <a:bodyPr/>
           <a:lstStyle/>
           <a:p>
             <a:r>
-              <a:rPr lang="en-GB" smtClean="0"/>
-              <a:t>The Result Data</a:t>
-            </a:r>
-            <a:endParaRPr lang="en-GB" dirty="0"/>
-          </a:p>
-        </p:txBody>
-      </p:sp>
-      <p:sp>
-        <p:nvSpPr>
-          <p:cNvPr id="3" name="Content Placeholder 2"/>
-          <p:cNvSpPr>
-            <a:spLocks noGrp="1"/>
-          </p:cNvSpPr>
-          <p:nvPr>
-            <p:ph idx="1"/>
-          </p:nvPr>
-        </p:nvSpPr>
-        <p:spPr/>
-        <p:txBody>
-          <a:bodyPr/>
-          <a:lstStyle/>
-          <a:p>
-            <a:endParaRPr lang="en-GB" dirty="0"/>
+              <a:rPr lang="en-US" sz="5400" dirty="0" smtClean="0"/>
+              <a:t>The experiment</a:t>
+            </a:r>
+            <a:endParaRPr lang="en-US" dirty="0"/>
           </a:p>
         </p:txBody>
       </p:sp>
     </p:spTree>
     <p:extLst>
       <p:ext uri="{BB962C8B-B14F-4D97-AF65-F5344CB8AC3E}">
-        <p14:creationId xmlns:p14="http://schemas.microsoft.com/office/powerpoint/2010/main" val="642001695"/>
+        <p14:creationId xmlns:p14="http://schemas.microsoft.com/office/powerpoint/2010/main" val="581883285"/>
       </p:ext>
     </p:extLst>
   </p:cSld>
   <p:clrMapOvr>
     <a:masterClrMapping/>
   </p:clrMapOvr>
+  <p:timing>
+    <p:tnLst>
+      <p:par>
+        <p:cTn id="1" dur="indefinite" restart="never" nodeType="tmRoot"/>
+      </p:par>
+    </p:tnLst>
+  </p:timing>
 </p:sld>
 </file>
 
@@ -7837,29 +8001,6 @@
       </p:grpSpPr>
       <p:sp>
         <p:nvSpPr>
-          <p:cNvPr id="2" name="Title 1"/>
-          <p:cNvSpPr>
-            <a:spLocks noGrp="1"/>
-          </p:cNvSpPr>
-          <p:nvPr>
-            <p:ph type="title"/>
-          </p:nvPr>
-        </p:nvSpPr>
-        <p:spPr/>
-        <p:txBody>
-          <a:bodyPr/>
-          <a:lstStyle/>
-          <a:p>
-            <a:r>
-              <a:rPr lang="en-GB" dirty="0" smtClean="0"/>
-              <a:t>What does this mean?</a:t>
-            </a:r>
-            <a:endParaRPr lang="en-GB" dirty="0"/>
-          </a:p>
-        </p:txBody>
-      </p:sp>
-      <p:sp>
-        <p:nvSpPr>
           <p:cNvPr id="3" name="Content Placeholder 2"/>
           <p:cNvSpPr>
             <a:spLocks noGrp="1"/>
@@ -7868,25 +8009,224 @@
             <p:ph idx="1"/>
           </p:nvPr>
         </p:nvSpPr>
-        <p:spPr/>
+        <p:spPr>
+          <a:xfrm>
+            <a:off x="2128235" y="1898822"/>
+            <a:ext cx="10018713" cy="4706818"/>
+          </a:xfrm>
+        </p:spPr>
         <p:txBody>
-          <a:bodyPr/>
+          <a:bodyPr>
+            <a:normAutofit/>
+          </a:bodyPr>
           <a:lstStyle/>
           <a:p>
-            <a:endParaRPr lang="en-GB"/>
+            <a:r>
+              <a:rPr lang="en-GB" sz="2800" dirty="0" smtClean="0"/>
+              <a:t>Comparing the algorithms </a:t>
+            </a:r>
+          </a:p>
+          <a:p>
+            <a:pPr lvl="1"/>
+            <a:r>
+              <a:rPr lang="en-GB" sz="2400" dirty="0" smtClean="0"/>
+              <a:t>Hooke-Coulomb vs </a:t>
+            </a:r>
+            <a:r>
+              <a:rPr lang="en-US" sz="2400" dirty="0" err="1" smtClean="0"/>
+              <a:t>Fruchterman-Reingold</a:t>
+            </a:r>
+            <a:endParaRPr lang="en-US" sz="2400" dirty="0" smtClean="0"/>
+          </a:p>
+          <a:p>
+            <a:pPr lvl="2"/>
+            <a:r>
+              <a:rPr lang="en-GB" sz="2200" dirty="0" smtClean="0"/>
+              <a:t>One-Samp</a:t>
+            </a:r>
+            <a:r>
+              <a:rPr lang="en-GB" sz="2200" dirty="0" smtClean="0"/>
+              <a:t>le test</a:t>
+            </a:r>
+            <a:endParaRPr lang="en-GB" sz="2200" dirty="0" smtClean="0"/>
+          </a:p>
+          <a:p>
+            <a:pPr lvl="1"/>
+            <a:r>
+              <a:rPr lang="en-GB" sz="2400" dirty="0" err="1" smtClean="0"/>
+              <a:t>Eades</a:t>
+            </a:r>
+            <a:r>
+              <a:rPr lang="en-GB" sz="2400" dirty="0" smtClean="0"/>
+              <a:t> vs </a:t>
+            </a:r>
+            <a:r>
+              <a:rPr lang="en-US" sz="2400" dirty="0" err="1" smtClean="0"/>
+              <a:t>Fruchterman-Reingold</a:t>
+            </a:r>
+            <a:endParaRPr lang="en-US" sz="2400" dirty="0" smtClean="0"/>
+          </a:p>
+          <a:p>
+            <a:pPr lvl="2"/>
+            <a:r>
+              <a:rPr lang="en-US" sz="2200" dirty="0" smtClean="0"/>
+              <a:t>One-Sample test</a:t>
+            </a:r>
+            <a:endParaRPr lang="en-US" sz="2200" dirty="0" smtClean="0"/>
+          </a:p>
+          <a:p>
+            <a:pPr lvl="1"/>
+            <a:r>
+              <a:rPr lang="en-US" sz="2400" dirty="0" smtClean="0"/>
+              <a:t>Influence of logarithmic weight in </a:t>
+            </a:r>
+            <a:r>
+              <a:rPr lang="en-US" sz="2400" dirty="0" err="1" smtClean="0"/>
+              <a:t>Eades</a:t>
+            </a:r>
+            <a:endParaRPr lang="en-US" sz="2400" dirty="0" smtClean="0"/>
+          </a:p>
+          <a:p>
+            <a:pPr lvl="2"/>
+            <a:r>
+              <a:rPr lang="en-US" sz="2200" dirty="0" smtClean="0"/>
+              <a:t>Paired t-test</a:t>
+            </a:r>
+          </a:p>
+          <a:p>
+            <a:pPr lvl="1"/>
+            <a:endParaRPr lang="en-GB" sz="2800" dirty="0"/>
+          </a:p>
+          <a:p>
+            <a:pPr lvl="1"/>
+            <a:endParaRPr lang="en-US" sz="2400" dirty="0" smtClean="0"/>
+          </a:p>
+        </p:txBody>
+      </p:sp>
+      <p:sp>
+        <p:nvSpPr>
+          <p:cNvPr id="5" name="Titel 1"/>
+          <p:cNvSpPr txBox="1">
+            <a:spLocks/>
+          </p:cNvSpPr>
+          <p:nvPr/>
+        </p:nvSpPr>
+        <p:spPr>
+          <a:xfrm>
+            <a:off x="1484311" y="8465"/>
+            <a:ext cx="10018713" cy="1752599"/>
+          </a:xfrm>
+          <a:prstGeom prst="rect">
+            <a:avLst/>
+          </a:prstGeom>
+          <a:effectLst/>
+        </p:spPr>
+        <p:txBody>
+          <a:bodyPr vert="horz" lIns="91440" tIns="45720" rIns="91440" bIns="45720" rtlCol="0" anchor="ctr">
+            <a:normAutofit/>
+          </a:bodyPr>
+          <a:lstStyle>
+            <a:lvl1pPr algn="ctr" defTabSz="457200" rtl="0" eaLnBrk="1" latinLnBrk="0" hangingPunct="1">
+              <a:spcBef>
+                <a:spcPct val="0"/>
+              </a:spcBef>
+              <a:buNone/>
+              <a:defRPr sz="4000" kern="1200" cap="none">
+                <a:ln w="3175" cmpd="sng">
+                  <a:noFill/>
+                </a:ln>
+                <a:solidFill>
+                  <a:schemeClr val="tx1"/>
+                </a:solidFill>
+                <a:effectLst/>
+                <a:latin typeface="+mj-lt"/>
+                <a:ea typeface="+mj-ea"/>
+                <a:cs typeface="+mj-cs"/>
+              </a:defRPr>
+            </a:lvl1pPr>
+            <a:lvl2pPr eaLnBrk="1" hangingPunct="1">
+              <a:defRPr>
+                <a:solidFill>
+                  <a:schemeClr val="tx2"/>
+                </a:solidFill>
+              </a:defRPr>
+            </a:lvl2pPr>
+            <a:lvl3pPr eaLnBrk="1" hangingPunct="1">
+              <a:defRPr>
+                <a:solidFill>
+                  <a:schemeClr val="tx2"/>
+                </a:solidFill>
+              </a:defRPr>
+            </a:lvl3pPr>
+            <a:lvl4pPr eaLnBrk="1" hangingPunct="1">
+              <a:defRPr>
+                <a:solidFill>
+                  <a:schemeClr val="tx2"/>
+                </a:solidFill>
+              </a:defRPr>
+            </a:lvl4pPr>
+            <a:lvl5pPr eaLnBrk="1" hangingPunct="1">
+              <a:defRPr>
+                <a:solidFill>
+                  <a:schemeClr val="tx2"/>
+                </a:solidFill>
+              </a:defRPr>
+            </a:lvl5pPr>
+            <a:lvl6pPr eaLnBrk="1" hangingPunct="1">
+              <a:defRPr>
+                <a:solidFill>
+                  <a:schemeClr val="tx2"/>
+                </a:solidFill>
+              </a:defRPr>
+            </a:lvl6pPr>
+            <a:lvl7pPr eaLnBrk="1" hangingPunct="1">
+              <a:defRPr>
+                <a:solidFill>
+                  <a:schemeClr val="tx2"/>
+                </a:solidFill>
+              </a:defRPr>
+            </a:lvl7pPr>
+            <a:lvl8pPr eaLnBrk="1" hangingPunct="1">
+              <a:defRPr>
+                <a:solidFill>
+                  <a:schemeClr val="tx2"/>
+                </a:solidFill>
+              </a:defRPr>
+            </a:lvl8pPr>
+            <a:lvl9pPr eaLnBrk="1" hangingPunct="1">
+              <a:defRPr>
+                <a:solidFill>
+                  <a:schemeClr val="tx2"/>
+                </a:solidFill>
+              </a:defRPr>
+            </a:lvl9pPr>
+          </a:lstStyle>
+          <a:p>
+            <a:r>
+              <a:rPr lang="en-US" sz="5400" dirty="0" smtClean="0"/>
+              <a:t>Results</a:t>
+            </a:r>
+            <a:endParaRPr lang="en-US" dirty="0"/>
           </a:p>
         </p:txBody>
       </p:sp>
     </p:spTree>
     <p:extLst>
       <p:ext uri="{BB962C8B-B14F-4D97-AF65-F5344CB8AC3E}">
-        <p14:creationId xmlns:p14="http://schemas.microsoft.com/office/powerpoint/2010/main" val="2528578112"/>
+        <p14:creationId xmlns:p14="http://schemas.microsoft.com/office/powerpoint/2010/main" val="642001695"/>
       </p:ext>
     </p:extLst>
   </p:cSld>
   <p:clrMapOvr>
     <a:masterClrMapping/>
   </p:clrMapOvr>
+  <p:timing>
+    <p:tnLst>
+      <p:par>
+        <p:cTn id="1" dur="indefinite" restart="never" nodeType="tmRoot"/>
+      </p:par>
+    </p:tnLst>
+  </p:timing>
 </p:sld>
 </file>
 
@@ -7909,27 +8249,1294 @@
       </p:grpSpPr>
       <p:sp>
         <p:nvSpPr>
-          <p:cNvPr id="2" name="Title 1"/>
+          <p:cNvPr id="5" name="Titel 1"/>
+          <p:cNvSpPr txBox="1">
+            <a:spLocks/>
+          </p:cNvSpPr>
+          <p:nvPr/>
+        </p:nvSpPr>
+        <p:spPr>
+          <a:xfrm>
+            <a:off x="1484311" y="8465"/>
+            <a:ext cx="10018713" cy="1752599"/>
+          </a:xfrm>
+          <a:prstGeom prst="rect">
+            <a:avLst/>
+          </a:prstGeom>
+          <a:effectLst/>
+        </p:spPr>
+        <p:txBody>
+          <a:bodyPr vert="horz" lIns="91440" tIns="45720" rIns="91440" bIns="45720" rtlCol="0" anchor="ctr">
+            <a:normAutofit/>
+          </a:bodyPr>
+          <a:lstStyle>
+            <a:lvl1pPr algn="ctr" defTabSz="457200" rtl="0" eaLnBrk="1" latinLnBrk="0" hangingPunct="1">
+              <a:spcBef>
+                <a:spcPct val="0"/>
+              </a:spcBef>
+              <a:buNone/>
+              <a:defRPr sz="4000" kern="1200" cap="none">
+                <a:ln w="3175" cmpd="sng">
+                  <a:noFill/>
+                </a:ln>
+                <a:solidFill>
+                  <a:schemeClr val="tx1"/>
+                </a:solidFill>
+                <a:effectLst/>
+                <a:latin typeface="+mj-lt"/>
+                <a:ea typeface="+mj-ea"/>
+                <a:cs typeface="+mj-cs"/>
+              </a:defRPr>
+            </a:lvl1pPr>
+            <a:lvl2pPr eaLnBrk="1" hangingPunct="1">
+              <a:defRPr>
+                <a:solidFill>
+                  <a:schemeClr val="tx2"/>
+                </a:solidFill>
+              </a:defRPr>
+            </a:lvl2pPr>
+            <a:lvl3pPr eaLnBrk="1" hangingPunct="1">
+              <a:defRPr>
+                <a:solidFill>
+                  <a:schemeClr val="tx2"/>
+                </a:solidFill>
+              </a:defRPr>
+            </a:lvl3pPr>
+            <a:lvl4pPr eaLnBrk="1" hangingPunct="1">
+              <a:defRPr>
+                <a:solidFill>
+                  <a:schemeClr val="tx2"/>
+                </a:solidFill>
+              </a:defRPr>
+            </a:lvl4pPr>
+            <a:lvl5pPr eaLnBrk="1" hangingPunct="1">
+              <a:defRPr>
+                <a:solidFill>
+                  <a:schemeClr val="tx2"/>
+                </a:solidFill>
+              </a:defRPr>
+            </a:lvl5pPr>
+            <a:lvl6pPr eaLnBrk="1" hangingPunct="1">
+              <a:defRPr>
+                <a:solidFill>
+                  <a:schemeClr val="tx2"/>
+                </a:solidFill>
+              </a:defRPr>
+            </a:lvl6pPr>
+            <a:lvl7pPr eaLnBrk="1" hangingPunct="1">
+              <a:defRPr>
+                <a:solidFill>
+                  <a:schemeClr val="tx2"/>
+                </a:solidFill>
+              </a:defRPr>
+            </a:lvl7pPr>
+            <a:lvl8pPr eaLnBrk="1" hangingPunct="1">
+              <a:defRPr>
+                <a:solidFill>
+                  <a:schemeClr val="tx2"/>
+                </a:solidFill>
+              </a:defRPr>
+            </a:lvl8pPr>
+            <a:lvl9pPr eaLnBrk="1" hangingPunct="1">
+              <a:defRPr>
+                <a:solidFill>
+                  <a:schemeClr val="tx2"/>
+                </a:solidFill>
+              </a:defRPr>
+            </a:lvl9pPr>
+          </a:lstStyle>
+          <a:p>
+            <a:r>
+              <a:rPr lang="en-US" sz="5400" dirty="0" smtClean="0"/>
+              <a:t>Results</a:t>
+            </a:r>
+            <a:endParaRPr lang="en-US" dirty="0"/>
+          </a:p>
+        </p:txBody>
+      </p:sp>
+      <p:graphicFrame>
+        <p:nvGraphicFramePr>
+          <p:cNvPr id="6" name="Tabel 5"/>
+          <p:cNvGraphicFramePr>
+            <a:graphicFrameLocks noGrp="1"/>
+          </p:cNvGraphicFramePr>
+          <p:nvPr>
+            <p:extLst>
+              <p:ext uri="{D42A27DB-BD31-4B8C-83A1-F6EECF244321}">
+                <p14:modId xmlns:p14="http://schemas.microsoft.com/office/powerpoint/2010/main" val="3003740792"/>
+              </p:ext>
+            </p:extLst>
+          </p:nvPr>
+        </p:nvGraphicFramePr>
+        <p:xfrm>
+          <a:off x="1760655" y="2967291"/>
+          <a:ext cx="8670690" cy="741680"/>
+        </p:xfrm>
+        <a:graphic>
+          <a:graphicData uri="http://schemas.openxmlformats.org/drawingml/2006/table">
+            <a:tbl>
+              <a:tblPr firstRow="1" bandRow="1">
+                <a:tableStyleId>{5C22544A-7EE6-4342-B048-85BDC9FD1C3A}</a:tableStyleId>
+              </a:tblPr>
+              <a:tblGrid>
+                <a:gridCol w="1320800"/>
+                <a:gridCol w="1165860"/>
+                <a:gridCol w="1722120"/>
+                <a:gridCol w="2148840"/>
+                <a:gridCol w="2313070"/>
+              </a:tblGrid>
+              <a:tr h="370840">
+                <a:tc>
+                  <a:txBody>
+                    <a:bodyPr/>
+                    <a:lstStyle/>
+                    <a:p>
+                      <a:pPr algn="ctr"/>
+                      <a:endParaRPr lang="en-US" dirty="0"/>
+                    </a:p>
+                  </a:txBody>
+                  <a:tcPr/>
+                </a:tc>
+                <a:tc>
+                  <a:txBody>
+                    <a:bodyPr/>
+                    <a:lstStyle/>
+                    <a:p>
+                      <a:pPr algn="ctr"/>
+                      <a:r>
+                        <a:rPr lang="en-US" dirty="0" smtClean="0"/>
+                        <a:t>N</a:t>
+                      </a:r>
+                      <a:endParaRPr lang="en-US" dirty="0"/>
+                    </a:p>
+                  </a:txBody>
+                  <a:tcPr/>
+                </a:tc>
+                <a:tc>
+                  <a:txBody>
+                    <a:bodyPr/>
+                    <a:lstStyle/>
+                    <a:p>
+                      <a:pPr algn="ctr"/>
+                      <a:r>
+                        <a:rPr lang="en-US" dirty="0" smtClean="0"/>
+                        <a:t>Mean</a:t>
+                      </a:r>
+                      <a:endParaRPr lang="en-US" dirty="0"/>
+                    </a:p>
+                  </a:txBody>
+                  <a:tcPr/>
+                </a:tc>
+                <a:tc>
+                  <a:txBody>
+                    <a:bodyPr/>
+                    <a:lstStyle/>
+                    <a:p>
+                      <a:pPr algn="ctr"/>
+                      <a:r>
+                        <a:rPr lang="en-US" dirty="0" smtClean="0"/>
+                        <a:t>Std. Deviation</a:t>
+                      </a:r>
+                      <a:endParaRPr lang="en-US" dirty="0"/>
+                    </a:p>
+                  </a:txBody>
+                  <a:tcPr/>
+                </a:tc>
+                <a:tc>
+                  <a:txBody>
+                    <a:bodyPr/>
+                    <a:lstStyle/>
+                    <a:p>
+                      <a:pPr algn="ctr"/>
+                      <a:r>
+                        <a:rPr lang="en-US" dirty="0" smtClean="0"/>
+                        <a:t>Std. Error Mean</a:t>
+                      </a:r>
+                      <a:endParaRPr lang="en-US" dirty="0"/>
+                    </a:p>
+                  </a:txBody>
+                  <a:tcPr/>
+                </a:tc>
+              </a:tr>
+              <a:tr h="370840">
+                <a:tc>
+                  <a:txBody>
+                    <a:bodyPr/>
+                    <a:lstStyle/>
+                    <a:p>
+                      <a:pPr algn="ctr"/>
+                      <a:r>
+                        <a:rPr lang="en-US" dirty="0" err="1" smtClean="0"/>
+                        <a:t>FruchtRein</a:t>
+                      </a:r>
+                      <a:endParaRPr lang="en-US" dirty="0"/>
+                    </a:p>
+                  </a:txBody>
+                  <a:tcPr/>
+                </a:tc>
+                <a:tc>
+                  <a:txBody>
+                    <a:bodyPr/>
+                    <a:lstStyle/>
+                    <a:p>
+                      <a:pPr algn="ctr"/>
+                      <a:r>
+                        <a:rPr lang="en-US" dirty="0" smtClean="0"/>
+                        <a:t>1000</a:t>
+                      </a:r>
+                      <a:endParaRPr lang="en-US" dirty="0"/>
+                    </a:p>
+                  </a:txBody>
+                  <a:tcPr/>
+                </a:tc>
+                <a:tc>
+                  <a:txBody>
+                    <a:bodyPr/>
+                    <a:lstStyle/>
+                    <a:p>
+                      <a:pPr algn="ctr"/>
+                      <a:r>
+                        <a:rPr lang="en-US" dirty="0" smtClean="0"/>
+                        <a:t>2.019127749</a:t>
+                      </a:r>
+                      <a:endParaRPr lang="en-US" dirty="0"/>
+                    </a:p>
+                  </a:txBody>
+                  <a:tcPr/>
+                </a:tc>
+                <a:tc>
+                  <a:txBody>
+                    <a:bodyPr/>
+                    <a:lstStyle/>
+                    <a:p>
+                      <a:pPr algn="ctr"/>
+                      <a:r>
+                        <a:rPr lang="en-US" dirty="0" smtClean="0"/>
+                        <a:t>0.3010982911</a:t>
+                      </a:r>
+                      <a:endParaRPr lang="en-US" dirty="0"/>
+                    </a:p>
+                  </a:txBody>
+                  <a:tcPr/>
+                </a:tc>
+                <a:tc>
+                  <a:txBody>
+                    <a:bodyPr/>
+                    <a:lstStyle/>
+                    <a:p>
+                      <a:pPr algn="ctr"/>
+                      <a:r>
+                        <a:rPr lang="en-US" dirty="0" smtClean="0"/>
+                        <a:t>0.0095215640</a:t>
+                      </a:r>
+                      <a:endParaRPr lang="en-US" dirty="0"/>
+                    </a:p>
+                  </a:txBody>
+                  <a:tcPr/>
+                </a:tc>
+              </a:tr>
+            </a:tbl>
+          </a:graphicData>
+        </a:graphic>
+      </p:graphicFrame>
+      <p:graphicFrame>
+        <p:nvGraphicFramePr>
+          <p:cNvPr id="7" name="Tabel 6"/>
+          <p:cNvGraphicFramePr>
+            <a:graphicFrameLocks noGrp="1"/>
+          </p:cNvGraphicFramePr>
+          <p:nvPr>
+            <p:extLst>
+              <p:ext uri="{D42A27DB-BD31-4B8C-83A1-F6EECF244321}">
+                <p14:modId xmlns:p14="http://schemas.microsoft.com/office/powerpoint/2010/main" val="520849770"/>
+              </p:ext>
+            </p:extLst>
+          </p:nvPr>
+        </p:nvGraphicFramePr>
+        <p:xfrm>
+          <a:off x="1509265" y="4498587"/>
+          <a:ext cx="9173470" cy="1943100"/>
+        </p:xfrm>
+        <a:graphic>
+          <a:graphicData uri="http://schemas.openxmlformats.org/drawingml/2006/table">
+            <a:tbl>
+              <a:tblPr firstRow="1" bandRow="1">
+                <a:tableStyleId>{5C22544A-7EE6-4342-B048-85BDC9FD1C3A}</a:tableStyleId>
+              </a:tblPr>
+              <a:tblGrid>
+                <a:gridCol w="1497404"/>
+                <a:gridCol w="816680"/>
+                <a:gridCol w="571500"/>
+                <a:gridCol w="1478280"/>
+                <a:gridCol w="1699260"/>
+                <a:gridCol w="1569720"/>
+                <a:gridCol w="1540626"/>
+              </a:tblGrid>
+              <a:tr h="487680">
+                <a:tc>
+                  <a:txBody>
+                    <a:bodyPr/>
+                    <a:lstStyle/>
+                    <a:p>
+                      <a:pPr algn="ctr"/>
+                      <a:endParaRPr lang="en-US" dirty="0"/>
+                    </a:p>
+                  </a:txBody>
+                  <a:tcPr/>
+                </a:tc>
+                <a:tc gridSpan="6">
+                  <a:txBody>
+                    <a:bodyPr/>
+                    <a:lstStyle/>
+                    <a:p>
+                      <a:pPr algn="ctr"/>
+                      <a:r>
+                        <a:rPr lang="en-US" dirty="0" smtClean="0"/>
+                        <a:t>Test Value = 1.58984455715541</a:t>
+                      </a:r>
+                      <a:endParaRPr lang="en-US" dirty="0"/>
+                    </a:p>
+                  </a:txBody>
+                  <a:tcPr/>
+                </a:tc>
+                <a:tc hMerge="1">
+                  <a:txBody>
+                    <a:bodyPr/>
+                    <a:lstStyle/>
+                    <a:p>
+                      <a:pPr algn="ctr"/>
+                      <a:endParaRPr lang="en-US" dirty="0"/>
+                    </a:p>
+                  </a:txBody>
+                  <a:tcPr/>
+                </a:tc>
+                <a:tc hMerge="1">
+                  <a:txBody>
+                    <a:bodyPr/>
+                    <a:lstStyle/>
+                    <a:p>
+                      <a:pPr algn="ctr"/>
+                      <a:endParaRPr lang="en-US" dirty="0"/>
+                    </a:p>
+                  </a:txBody>
+                  <a:tcPr/>
+                </a:tc>
+                <a:tc hMerge="1">
+                  <a:txBody>
+                    <a:bodyPr/>
+                    <a:lstStyle/>
+                    <a:p>
+                      <a:pPr algn="ctr"/>
+                      <a:endParaRPr lang="en-US" dirty="0"/>
+                    </a:p>
+                  </a:txBody>
+                  <a:tcPr/>
+                </a:tc>
+                <a:tc hMerge="1">
+                  <a:txBody>
+                    <a:bodyPr/>
+                    <a:lstStyle/>
+                    <a:p>
+                      <a:pPr algn="ctr"/>
+                      <a:endParaRPr lang="en-US" dirty="0"/>
+                    </a:p>
+                  </a:txBody>
+                  <a:tcPr/>
+                </a:tc>
+                <a:tc hMerge="1">
+                  <a:txBody>
+                    <a:bodyPr/>
+                    <a:lstStyle/>
+                    <a:p>
+                      <a:pPr algn="ctr"/>
+                      <a:endParaRPr lang="en-US" dirty="0"/>
+                    </a:p>
+                  </a:txBody>
+                  <a:tcPr/>
+                </a:tc>
+              </a:tr>
+              <a:tr h="331470">
+                <a:tc rowSpan="2">
+                  <a:txBody>
+                    <a:bodyPr/>
+                    <a:lstStyle/>
+                    <a:p>
+                      <a:pPr algn="ctr"/>
+                      <a:endParaRPr lang="en-US"/>
+                    </a:p>
+                  </a:txBody>
+                  <a:tcPr/>
+                </a:tc>
+                <a:tc rowSpan="2">
+                  <a:txBody>
+                    <a:bodyPr/>
+                    <a:lstStyle/>
+                    <a:p>
+                      <a:pPr algn="ctr"/>
+                      <a:r>
+                        <a:rPr lang="en-US" dirty="0" smtClean="0"/>
+                        <a:t>t</a:t>
+                      </a:r>
+                      <a:endParaRPr lang="en-US" dirty="0"/>
+                    </a:p>
+                  </a:txBody>
+                  <a:tcPr anchor="b"/>
+                </a:tc>
+                <a:tc rowSpan="2">
+                  <a:txBody>
+                    <a:bodyPr/>
+                    <a:lstStyle/>
+                    <a:p>
+                      <a:pPr algn="ctr"/>
+                      <a:r>
+                        <a:rPr lang="en-US" dirty="0" err="1" smtClean="0"/>
+                        <a:t>df</a:t>
+                      </a:r>
+                      <a:endParaRPr lang="en-US" dirty="0"/>
+                    </a:p>
+                  </a:txBody>
+                  <a:tcPr anchor="b"/>
+                </a:tc>
+                <a:tc rowSpan="2">
+                  <a:txBody>
+                    <a:bodyPr/>
+                    <a:lstStyle/>
+                    <a:p>
+                      <a:pPr algn="ctr"/>
+                      <a:r>
+                        <a:rPr lang="en-US" dirty="0" smtClean="0"/>
+                        <a:t>Sig. (2-tailed)</a:t>
+                      </a:r>
+                      <a:endParaRPr lang="en-US" dirty="0"/>
+                    </a:p>
+                  </a:txBody>
+                  <a:tcPr anchor="b"/>
+                </a:tc>
+                <a:tc rowSpan="2">
+                  <a:txBody>
+                    <a:bodyPr/>
+                    <a:lstStyle/>
+                    <a:p>
+                      <a:pPr algn="ctr"/>
+                      <a:r>
+                        <a:rPr lang="en-US" dirty="0" smtClean="0"/>
+                        <a:t>Mean</a:t>
+                      </a:r>
+                    </a:p>
+                    <a:p>
+                      <a:pPr algn="ctr"/>
+                      <a:r>
+                        <a:rPr lang="en-US" dirty="0" smtClean="0"/>
+                        <a:t>Difference</a:t>
+                      </a:r>
+                      <a:endParaRPr lang="en-US" dirty="0"/>
+                    </a:p>
+                  </a:txBody>
+                  <a:tcPr anchor="b"/>
+                </a:tc>
+                <a:tc gridSpan="2">
+                  <a:txBody>
+                    <a:bodyPr/>
+                    <a:lstStyle/>
+                    <a:p>
+                      <a:pPr algn="ctr"/>
+                      <a:r>
+                        <a:rPr lang="en-US" dirty="0" smtClean="0"/>
+                        <a:t>95% confidence interval of the difference</a:t>
+                      </a:r>
+                      <a:endParaRPr lang="en-US" dirty="0"/>
+                    </a:p>
+                  </a:txBody>
+                  <a:tcPr/>
+                </a:tc>
+                <a:tc hMerge="1">
+                  <a:txBody>
+                    <a:bodyPr/>
+                    <a:lstStyle/>
+                    <a:p>
+                      <a:pPr algn="ctr"/>
+                      <a:endParaRPr lang="en-US" dirty="0"/>
+                    </a:p>
+                  </a:txBody>
+                  <a:tcPr/>
+                </a:tc>
+              </a:tr>
+              <a:tr h="331470">
+                <a:tc vMerge="1">
+                  <a:txBody>
+                    <a:bodyPr/>
+                    <a:lstStyle/>
+                    <a:p>
+                      <a:endParaRPr lang="en-US"/>
+                    </a:p>
+                  </a:txBody>
+                  <a:tcPr/>
+                </a:tc>
+                <a:tc vMerge="1">
+                  <a:txBody>
+                    <a:bodyPr/>
+                    <a:lstStyle/>
+                    <a:p>
+                      <a:endParaRPr lang="en-US"/>
+                    </a:p>
+                  </a:txBody>
+                  <a:tcPr/>
+                </a:tc>
+                <a:tc vMerge="1">
+                  <a:txBody>
+                    <a:bodyPr/>
+                    <a:lstStyle/>
+                    <a:p>
+                      <a:endParaRPr lang="en-US"/>
+                    </a:p>
+                  </a:txBody>
+                  <a:tcPr/>
+                </a:tc>
+                <a:tc vMerge="1">
+                  <a:txBody>
+                    <a:bodyPr/>
+                    <a:lstStyle/>
+                    <a:p>
+                      <a:endParaRPr lang="en-US"/>
+                    </a:p>
+                  </a:txBody>
+                  <a:tcPr/>
+                </a:tc>
+                <a:tc vMerge="1">
+                  <a:txBody>
+                    <a:bodyPr/>
+                    <a:lstStyle/>
+                    <a:p>
+                      <a:endParaRPr lang="en-US"/>
+                    </a:p>
+                  </a:txBody>
+                  <a:tcPr/>
+                </a:tc>
+                <a:tc>
+                  <a:txBody>
+                    <a:bodyPr/>
+                    <a:lstStyle/>
+                    <a:p>
+                      <a:pPr algn="ctr"/>
+                      <a:r>
+                        <a:rPr lang="en-US" dirty="0" smtClean="0"/>
+                        <a:t>Lower</a:t>
+                      </a:r>
+                      <a:endParaRPr lang="en-US" dirty="0"/>
+                    </a:p>
+                  </a:txBody>
+                  <a:tcPr/>
+                </a:tc>
+                <a:tc>
+                  <a:txBody>
+                    <a:bodyPr/>
+                    <a:lstStyle/>
+                    <a:p>
+                      <a:pPr algn="ctr"/>
+                      <a:r>
+                        <a:rPr lang="en-US" dirty="0" smtClean="0"/>
+                        <a:t>Upper</a:t>
+                      </a:r>
+                      <a:endParaRPr lang="en-US" dirty="0"/>
+                    </a:p>
+                  </a:txBody>
+                  <a:tcPr/>
+                </a:tc>
+              </a:tr>
+              <a:tr h="449580">
+                <a:tc>
+                  <a:txBody>
+                    <a:bodyPr/>
+                    <a:lstStyle/>
+                    <a:p>
+                      <a:pPr algn="ctr"/>
+                      <a:r>
+                        <a:rPr lang="en-US" dirty="0" err="1" smtClean="0"/>
+                        <a:t>FruchtRein</a:t>
+                      </a:r>
+                      <a:endParaRPr lang="en-US" dirty="0"/>
+                    </a:p>
+                  </a:txBody>
+                  <a:tcPr/>
+                </a:tc>
+                <a:tc>
+                  <a:txBody>
+                    <a:bodyPr/>
+                    <a:lstStyle/>
+                    <a:p>
+                      <a:pPr algn="ctr"/>
+                      <a:r>
+                        <a:rPr lang="en-US" dirty="0" smtClean="0"/>
+                        <a:t>45.085</a:t>
+                      </a:r>
+                      <a:endParaRPr lang="en-US" dirty="0"/>
+                    </a:p>
+                  </a:txBody>
+                  <a:tcPr/>
+                </a:tc>
+                <a:tc>
+                  <a:txBody>
+                    <a:bodyPr/>
+                    <a:lstStyle/>
+                    <a:p>
+                      <a:pPr algn="ctr"/>
+                      <a:r>
+                        <a:rPr lang="en-US" dirty="0" smtClean="0"/>
+                        <a:t>999</a:t>
+                      </a:r>
+                      <a:endParaRPr lang="en-US" dirty="0"/>
+                    </a:p>
+                  </a:txBody>
+                  <a:tcPr/>
+                </a:tc>
+                <a:tc>
+                  <a:txBody>
+                    <a:bodyPr/>
+                    <a:lstStyle/>
+                    <a:p>
+                      <a:pPr algn="ctr"/>
+                      <a:r>
+                        <a:rPr lang="en-US" dirty="0" smtClean="0"/>
+                        <a:t>0.000</a:t>
+                      </a:r>
+                      <a:endParaRPr lang="en-US" dirty="0"/>
+                    </a:p>
+                  </a:txBody>
+                  <a:tcPr/>
+                </a:tc>
+                <a:tc>
+                  <a:txBody>
+                    <a:bodyPr/>
+                    <a:lstStyle/>
+                    <a:p>
+                      <a:pPr algn="ctr"/>
+                      <a:r>
+                        <a:rPr lang="en-US" dirty="0" smtClean="0"/>
+                        <a:t>0.4292831918</a:t>
+                      </a:r>
+                      <a:endParaRPr lang="en-US" dirty="0"/>
+                    </a:p>
+                  </a:txBody>
+                  <a:tcPr/>
+                </a:tc>
+                <a:tc>
+                  <a:txBody>
+                    <a:bodyPr/>
+                    <a:lstStyle/>
+                    <a:p>
+                      <a:pPr algn="ctr"/>
+                      <a:r>
+                        <a:rPr lang="en-US" dirty="0" smtClean="0"/>
+                        <a:t>0.4105986320</a:t>
+                      </a:r>
+                      <a:endParaRPr lang="en-US" dirty="0"/>
+                    </a:p>
+                  </a:txBody>
+                  <a:tcPr/>
+                </a:tc>
+                <a:tc>
+                  <a:txBody>
+                    <a:bodyPr/>
+                    <a:lstStyle/>
+                    <a:p>
+                      <a:pPr algn="ctr"/>
+                      <a:r>
+                        <a:rPr lang="en-US" dirty="0" smtClean="0"/>
+                        <a:t>0.4479677516</a:t>
+                      </a:r>
+                      <a:endParaRPr lang="en-US" dirty="0"/>
+                    </a:p>
+                  </a:txBody>
+                  <a:tcPr/>
+                </a:tc>
+              </a:tr>
+            </a:tbl>
+          </a:graphicData>
+        </a:graphic>
+      </p:graphicFrame>
+      <p:sp>
+        <p:nvSpPr>
+          <p:cNvPr id="8" name="Tekstvak 7"/>
+          <p:cNvSpPr txBox="1"/>
+          <p:nvPr/>
+        </p:nvSpPr>
+        <p:spPr>
+          <a:xfrm>
+            <a:off x="4980039" y="4051940"/>
+            <a:ext cx="2231923" cy="369332"/>
+          </a:xfrm>
+          <a:prstGeom prst="rect">
+            <a:avLst/>
+          </a:prstGeom>
+          <a:noFill/>
+        </p:spPr>
+        <p:txBody>
+          <a:bodyPr wrap="square" rtlCol="0">
+            <a:spAutoFit/>
+          </a:bodyPr>
+          <a:lstStyle/>
+          <a:p>
+            <a:r>
+              <a:rPr lang="en-US" b="1" dirty="0" smtClean="0"/>
+              <a:t>One-Sample test</a:t>
+            </a:r>
+            <a:endParaRPr lang="en-US" b="1" dirty="0"/>
+          </a:p>
+        </p:txBody>
+      </p:sp>
+      <p:sp>
+        <p:nvSpPr>
+          <p:cNvPr id="9" name="Tekstvak 8"/>
+          <p:cNvSpPr txBox="1"/>
+          <p:nvPr/>
+        </p:nvSpPr>
+        <p:spPr>
+          <a:xfrm>
+            <a:off x="4692445" y="2520644"/>
+            <a:ext cx="2807110" cy="369332"/>
+          </a:xfrm>
+          <a:prstGeom prst="rect">
+            <a:avLst/>
+          </a:prstGeom>
+          <a:noFill/>
+        </p:spPr>
+        <p:txBody>
+          <a:bodyPr wrap="square" rtlCol="0">
+            <a:spAutoFit/>
+          </a:bodyPr>
+          <a:lstStyle/>
+          <a:p>
+            <a:r>
+              <a:rPr lang="en-US" b="1" dirty="0" smtClean="0"/>
+              <a:t>One-Sample Statistics</a:t>
+            </a:r>
+            <a:endParaRPr lang="en-US" b="1" dirty="0"/>
+          </a:p>
+        </p:txBody>
+      </p:sp>
+      <p:sp>
+        <p:nvSpPr>
+          <p:cNvPr id="12" name="Content Placeholder 2"/>
           <p:cNvSpPr>
             <a:spLocks noGrp="1"/>
           </p:cNvSpPr>
           <p:nvPr>
-            <p:ph type="title"/>
+            <p:ph idx="1"/>
           </p:nvPr>
         </p:nvSpPr>
-        <p:spPr/>
+        <p:spPr>
+          <a:xfrm>
+            <a:off x="2128235" y="1898822"/>
+            <a:ext cx="10018713" cy="4706818"/>
+          </a:xfrm>
+        </p:spPr>
         <p:txBody>
-          <a:bodyPr/>
+          <a:bodyPr>
+            <a:normAutofit/>
+          </a:bodyPr>
           <a:lstStyle/>
           <a:p>
-            <a:r>
-              <a:rPr lang="en-GB" smtClean="0"/>
-              <a:t>In Conclusion</a:t>
-            </a:r>
-            <a:endParaRPr lang="en-GB" dirty="0"/>
+            <a:pPr marL="0" indent="0">
+              <a:buNone/>
+            </a:pPr>
+            <a:r>
+              <a:rPr lang="en-GB" sz="2800" dirty="0" smtClean="0"/>
+              <a:t> </a:t>
+            </a:r>
+            <a:endParaRPr lang="en-GB" sz="2800" dirty="0" smtClean="0"/>
+          </a:p>
+          <a:p>
+            <a:pPr lvl="1"/>
+            <a:r>
+              <a:rPr lang="en-GB" sz="2400" dirty="0" smtClean="0"/>
+              <a:t>Hooke-Coulomb vs </a:t>
+            </a:r>
+            <a:r>
+              <a:rPr lang="en-US" sz="2400" dirty="0" err="1" smtClean="0"/>
+              <a:t>Fruchterman-Reingold</a:t>
+            </a:r>
+            <a:endParaRPr lang="en-US" sz="2400" dirty="0" smtClean="0"/>
+          </a:p>
+          <a:p>
+            <a:pPr marL="914400" lvl="2" indent="0">
+              <a:buNone/>
+            </a:pPr>
+            <a:r>
+              <a:rPr lang="en-GB" sz="2200" dirty="0" smtClean="0"/>
+              <a:t> </a:t>
+            </a:r>
+          </a:p>
+          <a:p>
+            <a:pPr marL="457200" lvl="1" indent="0">
+              <a:buNone/>
+            </a:pPr>
+            <a:r>
+              <a:rPr lang="nl-NL" sz="2400" dirty="0" smtClean="0"/>
+              <a:t> </a:t>
+            </a:r>
+            <a:endParaRPr lang="en-US" sz="2400" dirty="0" smtClean="0"/>
+          </a:p>
+          <a:p>
+            <a:pPr marL="914400" lvl="2" indent="0">
+              <a:buNone/>
+            </a:pPr>
+            <a:r>
+              <a:rPr lang="en-US" sz="2200" dirty="0" smtClean="0"/>
+              <a:t> </a:t>
+            </a:r>
+            <a:endParaRPr lang="en-US" sz="2200" dirty="0" smtClean="0"/>
+          </a:p>
+          <a:p>
+            <a:pPr marL="457200" lvl="1" indent="0">
+              <a:buNone/>
+            </a:pPr>
+            <a:r>
+              <a:rPr lang="en-US" sz="2400" dirty="0" smtClean="0"/>
+              <a:t> </a:t>
+            </a:r>
+          </a:p>
+          <a:p>
+            <a:pPr marL="914400" lvl="2" indent="0">
+              <a:buNone/>
+            </a:pPr>
+            <a:r>
+              <a:rPr lang="en-US" sz="2200" dirty="0" smtClean="0"/>
+              <a:t> </a:t>
+            </a:r>
+          </a:p>
+          <a:p>
+            <a:pPr lvl="1"/>
+            <a:endParaRPr lang="en-GB" sz="2800" dirty="0"/>
+          </a:p>
+          <a:p>
+            <a:pPr lvl="1"/>
+            <a:endParaRPr lang="en-US" sz="2400" dirty="0" smtClean="0"/>
           </a:p>
         </p:txBody>
       </p:sp>
+    </p:spTree>
+    <p:extLst>
+      <p:ext uri="{BB962C8B-B14F-4D97-AF65-F5344CB8AC3E}">
+        <p14:creationId xmlns:p14="http://schemas.microsoft.com/office/powerpoint/2010/main" val="1306049299"/>
+      </p:ext>
+    </p:extLst>
+  </p:cSld>
+  <p:clrMapOvr>
+    <a:masterClrMapping/>
+  </p:clrMapOvr>
+  <mc:AlternateContent xmlns:mc="http://schemas.openxmlformats.org/markup-compatibility/2006">
+    <mc:Choice xmlns:p14="http://schemas.microsoft.com/office/powerpoint/2010/main" Requires="p14">
+      <p:transition spd="med" p14:dur="700">
+        <p:fade/>
+      </p:transition>
+    </mc:Choice>
+    <mc:Fallback>
+      <p:transition spd="med">
+        <p:fade/>
+      </p:transition>
+    </mc:Fallback>
+  </mc:AlternateContent>
+  <p:timing>
+    <p:tnLst>
+      <p:par>
+        <p:cTn id="1" dur="indefinite" restart="never" nodeType="tmRoot">
+          <p:childTnLst>
+            <p:seq concurrent="1" nextAc="seek">
+              <p:cTn id="2" dur="indefinite" nodeType="mainSeq">
+                <p:childTnLst>
+                  <p:par>
+                    <p:cTn id="3" fill="hold">
+                      <p:stCondLst>
+                        <p:cond delay="indefinite"/>
+                        <p:cond evt="onBegin" delay="0">
+                          <p:tn val="2"/>
+                        </p:cond>
+                      </p:stCondLst>
+                      <p:childTnLst>
+                        <p:par>
+                          <p:cTn id="4" fill="hold">
+                            <p:stCondLst>
+                              <p:cond delay="0"/>
+                            </p:stCondLst>
+                            <p:childTnLst>
+                              <p:par>
+                                <p:cTn id="5" presetID="42" presetClass="path" presetSubtype="0" accel="50000" decel="50000" fill="hold" grpId="0" nodeType="withEffect">
+                                  <p:stCondLst>
+                                    <p:cond delay="0"/>
+                                  </p:stCondLst>
+                                  <p:childTnLst>
+                                    <p:animMotion origin="layout" path="M 0 0 L 0 0.25 E" pathEditMode="relative" ptsTypes="">
+                                      <p:cBhvr>
+                                        <p:cTn id="6" dur="2000" fill="hold"/>
+                                        <p:tgtEl>
+                                          <p:spTgt spid="12">
+                                            <p:txEl>
+                                              <p:pRg st="0" end="0"/>
+                                            </p:txEl>
+                                          </p:spTgt>
+                                        </p:tgtEl>
+                                        <p:attrNameLst>
+                                          <p:attrName>ppt_x</p:attrName>
+                                          <p:attrName>ppt_y</p:attrName>
+                                        </p:attrNameLst>
+                                      </p:cBhvr>
+                                    </p:animMotion>
+                                  </p:childTnLst>
+                                </p:cTn>
+                              </p:par>
+                              <p:par>
+                                <p:cTn id="7" presetID="42" presetClass="path" presetSubtype="0" accel="50000" decel="50000" fill="hold" grpId="0" nodeType="withEffect">
+                                  <p:stCondLst>
+                                    <p:cond delay="0"/>
+                                  </p:stCondLst>
+                                  <p:childTnLst>
+                                    <p:animMotion origin="layout" path="M -1.04167E-6 -1.85185E-6 L -0.07825 -0.125 " pathEditMode="relative" rAng="0" ptsTypes="AA">
+                                      <p:cBhvr>
+                                        <p:cTn id="8" dur="2000" fill="hold"/>
+                                        <p:tgtEl>
+                                          <p:spTgt spid="12">
+                                            <p:txEl>
+                                              <p:pRg st="1" end="1"/>
+                                            </p:txEl>
+                                          </p:spTgt>
+                                        </p:tgtEl>
+                                        <p:attrNameLst>
+                                          <p:attrName>ppt_x</p:attrName>
+                                          <p:attrName>ppt_y</p:attrName>
+                                        </p:attrNameLst>
+                                      </p:cBhvr>
+                                      <p:rCtr x="-3919" y="-6250"/>
+                                    </p:animMotion>
+                                  </p:childTnLst>
+                                </p:cTn>
+                              </p:par>
+                              <p:par>
+                                <p:cTn id="9" presetID="42" presetClass="path" presetSubtype="0" accel="50000" decel="50000" fill="hold" grpId="0" nodeType="withEffect">
+                                  <p:stCondLst>
+                                    <p:cond delay="0"/>
+                                  </p:stCondLst>
+                                  <p:childTnLst>
+                                    <p:animMotion origin="layout" path="M 0 0 L 0 0.25 E" pathEditMode="relative" ptsTypes="">
+                                      <p:cBhvr>
+                                        <p:cTn id="10" dur="2000" fill="hold"/>
+                                        <p:tgtEl>
+                                          <p:spTgt spid="12">
+                                            <p:txEl>
+                                              <p:pRg st="2" end="2"/>
+                                            </p:txEl>
+                                          </p:spTgt>
+                                        </p:tgtEl>
+                                        <p:attrNameLst>
+                                          <p:attrName>ppt_x</p:attrName>
+                                          <p:attrName>ppt_y</p:attrName>
+                                        </p:attrNameLst>
+                                      </p:cBhvr>
+                                    </p:animMotion>
+                                  </p:childTnLst>
+                                </p:cTn>
+                              </p:par>
+                              <p:par>
+                                <p:cTn id="11" presetID="42" presetClass="path" presetSubtype="0" accel="50000" decel="50000" fill="hold" grpId="0" nodeType="withEffect">
+                                  <p:stCondLst>
+                                    <p:cond delay="0"/>
+                                  </p:stCondLst>
+                                  <p:childTnLst>
+                                    <p:animMotion origin="layout" path="M 0 0 L 0 0.25 E" pathEditMode="relative" ptsTypes="">
+                                      <p:cBhvr>
+                                        <p:cTn id="12" dur="2000" fill="hold"/>
+                                        <p:tgtEl>
+                                          <p:spTgt spid="12">
+                                            <p:txEl>
+                                              <p:pRg st="3" end="3"/>
+                                            </p:txEl>
+                                          </p:spTgt>
+                                        </p:tgtEl>
+                                        <p:attrNameLst>
+                                          <p:attrName>ppt_x</p:attrName>
+                                          <p:attrName>ppt_y</p:attrName>
+                                        </p:attrNameLst>
+                                      </p:cBhvr>
+                                    </p:animMotion>
+                                  </p:childTnLst>
+                                </p:cTn>
+                              </p:par>
+                              <p:par>
+                                <p:cTn id="13" presetID="42" presetClass="path" presetSubtype="0" accel="50000" decel="50000" fill="hold" grpId="0" nodeType="withEffect">
+                                  <p:stCondLst>
+                                    <p:cond delay="0"/>
+                                  </p:stCondLst>
+                                  <p:childTnLst>
+                                    <p:animMotion origin="layout" path="M 0 0 L 0 0.25 E" pathEditMode="relative" ptsTypes="">
+                                      <p:cBhvr>
+                                        <p:cTn id="14" dur="2000" fill="hold"/>
+                                        <p:tgtEl>
+                                          <p:spTgt spid="12">
+                                            <p:txEl>
+                                              <p:pRg st="4" end="4"/>
+                                            </p:txEl>
+                                          </p:spTgt>
+                                        </p:tgtEl>
+                                        <p:attrNameLst>
+                                          <p:attrName>ppt_x</p:attrName>
+                                          <p:attrName>ppt_y</p:attrName>
+                                        </p:attrNameLst>
+                                      </p:cBhvr>
+                                    </p:animMotion>
+                                  </p:childTnLst>
+                                </p:cTn>
+                              </p:par>
+                              <p:par>
+                                <p:cTn id="15" presetID="42" presetClass="path" presetSubtype="0" accel="50000" decel="50000" fill="hold" grpId="0" nodeType="withEffect">
+                                  <p:stCondLst>
+                                    <p:cond delay="0"/>
+                                  </p:stCondLst>
+                                  <p:childTnLst>
+                                    <p:animMotion origin="layout" path="M 0 0 L 0 0.25 E" pathEditMode="relative" ptsTypes="">
+                                      <p:cBhvr>
+                                        <p:cTn id="16" dur="2000" fill="hold"/>
+                                        <p:tgtEl>
+                                          <p:spTgt spid="12">
+                                            <p:txEl>
+                                              <p:pRg st="5" end="5"/>
+                                            </p:txEl>
+                                          </p:spTgt>
+                                        </p:tgtEl>
+                                        <p:attrNameLst>
+                                          <p:attrName>ppt_x</p:attrName>
+                                          <p:attrName>ppt_y</p:attrName>
+                                        </p:attrNameLst>
+                                      </p:cBhvr>
+                                    </p:animMotion>
+                                  </p:childTnLst>
+                                </p:cTn>
+                              </p:par>
+                              <p:par>
+                                <p:cTn id="17" presetID="42" presetClass="path" presetSubtype="0" accel="50000" decel="50000" fill="hold" grpId="0" nodeType="withEffect">
+                                  <p:stCondLst>
+                                    <p:cond delay="0"/>
+                                  </p:stCondLst>
+                                  <p:childTnLst>
+                                    <p:animMotion origin="layout" path="M 0 0 L 0 0.25 E" pathEditMode="relative" ptsTypes="">
+                                      <p:cBhvr>
+                                        <p:cTn id="18" dur="2000" fill="hold"/>
+                                        <p:tgtEl>
+                                          <p:spTgt spid="12">
+                                            <p:txEl>
+                                              <p:pRg st="6" end="6"/>
+                                            </p:txEl>
+                                          </p:spTgt>
+                                        </p:tgtEl>
+                                        <p:attrNameLst>
+                                          <p:attrName>ppt_x</p:attrName>
+                                          <p:attrName>ppt_y</p:attrName>
+                                        </p:attrNameLst>
+                                      </p:cBhvr>
+                                    </p:animMotion>
+                                  </p:childTnLst>
+                                </p:cTn>
+                              </p:par>
+                            </p:childTnLst>
+                          </p:cTn>
+                        </p:par>
+                        <p:par>
+                          <p:cTn id="19" fill="hold">
+                            <p:stCondLst>
+                              <p:cond delay="2000"/>
+                            </p:stCondLst>
+                            <p:childTnLst>
+                              <p:par>
+                                <p:cTn id="20" presetID="10" presetClass="entr" presetSubtype="0" fill="hold" nodeType="afterEffect">
+                                  <p:stCondLst>
+                                    <p:cond delay="0"/>
+                                  </p:stCondLst>
+                                  <p:childTnLst>
+                                    <p:set>
+                                      <p:cBhvr>
+                                        <p:cTn id="21" dur="1" fill="hold">
+                                          <p:stCondLst>
+                                            <p:cond delay="0"/>
+                                          </p:stCondLst>
+                                        </p:cTn>
+                                        <p:tgtEl>
+                                          <p:spTgt spid="6"/>
+                                        </p:tgtEl>
+                                        <p:attrNameLst>
+                                          <p:attrName>style.visibility</p:attrName>
+                                        </p:attrNameLst>
+                                      </p:cBhvr>
+                                      <p:to>
+                                        <p:strVal val="visible"/>
+                                      </p:to>
+                                    </p:set>
+                                    <p:animEffect transition="in" filter="fade">
+                                      <p:cBhvr>
+                                        <p:cTn id="22" dur="500"/>
+                                        <p:tgtEl>
+                                          <p:spTgt spid="6"/>
+                                        </p:tgtEl>
+                                      </p:cBhvr>
+                                    </p:animEffect>
+                                  </p:childTnLst>
+                                </p:cTn>
+                              </p:par>
+                              <p:par>
+                                <p:cTn id="23" presetID="10" presetClass="entr" presetSubtype="0" fill="hold" nodeType="withEffect">
+                                  <p:stCondLst>
+                                    <p:cond delay="0"/>
+                                  </p:stCondLst>
+                                  <p:childTnLst>
+                                    <p:set>
+                                      <p:cBhvr>
+                                        <p:cTn id="24" dur="1" fill="hold">
+                                          <p:stCondLst>
+                                            <p:cond delay="0"/>
+                                          </p:stCondLst>
+                                        </p:cTn>
+                                        <p:tgtEl>
+                                          <p:spTgt spid="7"/>
+                                        </p:tgtEl>
+                                        <p:attrNameLst>
+                                          <p:attrName>style.visibility</p:attrName>
+                                        </p:attrNameLst>
+                                      </p:cBhvr>
+                                      <p:to>
+                                        <p:strVal val="visible"/>
+                                      </p:to>
+                                    </p:set>
+                                    <p:animEffect transition="in" filter="fade">
+                                      <p:cBhvr>
+                                        <p:cTn id="25" dur="500"/>
+                                        <p:tgtEl>
+                                          <p:spTgt spid="7"/>
+                                        </p:tgtEl>
+                                      </p:cBhvr>
+                                    </p:animEffect>
+                                  </p:childTnLst>
+                                </p:cTn>
+                              </p:par>
+                              <p:par>
+                                <p:cTn id="26" presetID="10" presetClass="entr" presetSubtype="0" fill="hold" grpId="0" nodeType="withEffect">
+                                  <p:stCondLst>
+                                    <p:cond delay="0"/>
+                                  </p:stCondLst>
+                                  <p:childTnLst>
+                                    <p:set>
+                                      <p:cBhvr>
+                                        <p:cTn id="27" dur="1" fill="hold">
+                                          <p:stCondLst>
+                                            <p:cond delay="0"/>
+                                          </p:stCondLst>
+                                        </p:cTn>
+                                        <p:tgtEl>
+                                          <p:spTgt spid="9"/>
+                                        </p:tgtEl>
+                                        <p:attrNameLst>
+                                          <p:attrName>style.visibility</p:attrName>
+                                        </p:attrNameLst>
+                                      </p:cBhvr>
+                                      <p:to>
+                                        <p:strVal val="visible"/>
+                                      </p:to>
+                                    </p:set>
+                                    <p:animEffect transition="in" filter="fade">
+                                      <p:cBhvr>
+                                        <p:cTn id="28" dur="500"/>
+                                        <p:tgtEl>
+                                          <p:spTgt spid="9"/>
+                                        </p:tgtEl>
+                                      </p:cBhvr>
+                                    </p:animEffect>
+                                  </p:childTnLst>
+                                </p:cTn>
+                              </p:par>
+                              <p:par>
+                                <p:cTn id="29" presetID="10" presetClass="entr" presetSubtype="0" fill="hold" grpId="0" nodeType="withEffect">
+                                  <p:stCondLst>
+                                    <p:cond delay="0"/>
+                                  </p:stCondLst>
+                                  <p:childTnLst>
+                                    <p:set>
+                                      <p:cBhvr>
+                                        <p:cTn id="30" dur="1" fill="hold">
+                                          <p:stCondLst>
+                                            <p:cond delay="0"/>
+                                          </p:stCondLst>
+                                        </p:cTn>
+                                        <p:tgtEl>
+                                          <p:spTgt spid="8"/>
+                                        </p:tgtEl>
+                                        <p:attrNameLst>
+                                          <p:attrName>style.visibility</p:attrName>
+                                        </p:attrNameLst>
+                                      </p:cBhvr>
+                                      <p:to>
+                                        <p:strVal val="visible"/>
+                                      </p:to>
+                                    </p:set>
+                                    <p:animEffect transition="in" filter="fade">
+                                      <p:cBhvr>
+                                        <p:cTn id="31" dur="500"/>
+                                        <p:tgtEl>
+                                          <p:spTgt spid="8"/>
+                                        </p:tgtEl>
+                                      </p:cBhvr>
+                                    </p:animEffect>
+                                  </p:childTnLst>
+                                </p:cTn>
+                              </p:par>
+                            </p:childTnLst>
+                          </p:cTn>
+                        </p:par>
+                      </p:childTnLst>
+                    </p:cTn>
+                  </p:par>
+                </p:childTnLst>
+              </p:cTn>
+              <p:prevCondLst>
+                <p:cond evt="onPrev" delay="0">
+                  <p:tgtEl>
+                    <p:sldTgt/>
+                  </p:tgtEl>
+                </p:cond>
+              </p:prevCondLst>
+              <p:nextCondLst>
+                <p:cond evt="onNext" delay="0">
+                  <p:tgtEl>
+                    <p:sldTgt/>
+                  </p:tgtEl>
+                </p:cond>
+              </p:nextCondLst>
+            </p:seq>
+          </p:childTnLst>
+        </p:cTn>
+      </p:par>
+    </p:tnLst>
+    <p:bldLst>
+      <p:bldP spid="8" grpId="0"/>
+      <p:bldP spid="9" grpId="0"/>
+      <p:bldP spid="12" grpId="0" uiExpand="1" build="p"/>
+    </p:bldLst>
+  </p:timing>
+</p:sld>
+</file>
+
+<file path=ppt/slides/slide19.xml><?xml version="1.0" encoding="utf-8"?>
+<p:sld xmlns:a="http://schemas.openxmlformats.org/drawingml/2006/main" xmlns:r="http://schemas.openxmlformats.org/officeDocument/2006/relationships" xmlns:p="http://schemas.openxmlformats.org/presentationml/2006/main">
+  <p:cSld>
+    <p:spTree>
+      <p:nvGrpSpPr>
+        <p:cNvPr id="1" name=""/>
+        <p:cNvGrpSpPr/>
+        <p:nvPr/>
+      </p:nvGrpSpPr>
+      <p:grpSpPr>
+        <a:xfrm>
+          <a:off x="0" y="0"/>
+          <a:ext cx="0" cy="0"/>
+          <a:chOff x="0" y="0"/>
+          <a:chExt cx="0" cy="0"/>
+        </a:xfrm>
+      </p:grpSpPr>
       <p:sp>
         <p:nvSpPr>
           <p:cNvPr id="3" name="Content Placeholder 2"/>
@@ -7940,25 +9547,1015 @@
             <p:ph idx="1"/>
           </p:nvPr>
         </p:nvSpPr>
-        <p:spPr/>
+        <p:spPr>
+          <a:xfrm>
+            <a:off x="1243332" y="941816"/>
+            <a:ext cx="7241907" cy="2539624"/>
+          </a:xfrm>
+        </p:spPr>
         <p:txBody>
-          <a:bodyPr/>
+          <a:bodyPr>
+            <a:normAutofit/>
+          </a:bodyPr>
           <a:lstStyle/>
           <a:p>
-            <a:endParaRPr lang="en-GB"/>
+            <a:pPr lvl="1"/>
+            <a:r>
+              <a:rPr lang="en-GB" sz="2400" dirty="0" err="1" smtClean="0"/>
+              <a:t>Eades</a:t>
+            </a:r>
+            <a:r>
+              <a:rPr lang="en-GB" sz="2400" dirty="0" smtClean="0"/>
+              <a:t> </a:t>
+            </a:r>
+            <a:r>
+              <a:rPr lang="en-GB" sz="2400" dirty="0" smtClean="0"/>
+              <a:t>vs </a:t>
+            </a:r>
+            <a:r>
+              <a:rPr lang="en-US" sz="2400" dirty="0" err="1" smtClean="0"/>
+              <a:t>Fruchterman-Reingold</a:t>
+            </a:r>
+            <a:endParaRPr lang="en-GB" sz="2800" dirty="0"/>
+          </a:p>
+          <a:p>
+            <a:pPr lvl="1"/>
+            <a:endParaRPr lang="en-US" sz="2400" dirty="0" smtClean="0"/>
+          </a:p>
+        </p:txBody>
+      </p:sp>
+      <p:sp>
+        <p:nvSpPr>
+          <p:cNvPr id="5" name="Titel 1"/>
+          <p:cNvSpPr txBox="1">
+            <a:spLocks/>
+          </p:cNvSpPr>
+          <p:nvPr/>
+        </p:nvSpPr>
+        <p:spPr>
+          <a:xfrm>
+            <a:off x="1484311" y="8465"/>
+            <a:ext cx="10018713" cy="1752599"/>
+          </a:xfrm>
+          <a:prstGeom prst="rect">
+            <a:avLst/>
+          </a:prstGeom>
+          <a:effectLst/>
+        </p:spPr>
+        <p:txBody>
+          <a:bodyPr vert="horz" lIns="91440" tIns="45720" rIns="91440" bIns="45720" rtlCol="0" anchor="ctr">
+            <a:normAutofit/>
+          </a:bodyPr>
+          <a:lstStyle>
+            <a:lvl1pPr algn="ctr" defTabSz="457200" rtl="0" eaLnBrk="1" latinLnBrk="0" hangingPunct="1">
+              <a:spcBef>
+                <a:spcPct val="0"/>
+              </a:spcBef>
+              <a:buNone/>
+              <a:defRPr sz="4000" kern="1200" cap="none">
+                <a:ln w="3175" cmpd="sng">
+                  <a:noFill/>
+                </a:ln>
+                <a:solidFill>
+                  <a:schemeClr val="tx1"/>
+                </a:solidFill>
+                <a:effectLst/>
+                <a:latin typeface="+mj-lt"/>
+                <a:ea typeface="+mj-ea"/>
+                <a:cs typeface="+mj-cs"/>
+              </a:defRPr>
+            </a:lvl1pPr>
+            <a:lvl2pPr eaLnBrk="1" hangingPunct="1">
+              <a:defRPr>
+                <a:solidFill>
+                  <a:schemeClr val="tx2"/>
+                </a:solidFill>
+              </a:defRPr>
+            </a:lvl2pPr>
+            <a:lvl3pPr eaLnBrk="1" hangingPunct="1">
+              <a:defRPr>
+                <a:solidFill>
+                  <a:schemeClr val="tx2"/>
+                </a:solidFill>
+              </a:defRPr>
+            </a:lvl3pPr>
+            <a:lvl4pPr eaLnBrk="1" hangingPunct="1">
+              <a:defRPr>
+                <a:solidFill>
+                  <a:schemeClr val="tx2"/>
+                </a:solidFill>
+              </a:defRPr>
+            </a:lvl4pPr>
+            <a:lvl5pPr eaLnBrk="1" hangingPunct="1">
+              <a:defRPr>
+                <a:solidFill>
+                  <a:schemeClr val="tx2"/>
+                </a:solidFill>
+              </a:defRPr>
+            </a:lvl5pPr>
+            <a:lvl6pPr eaLnBrk="1" hangingPunct="1">
+              <a:defRPr>
+                <a:solidFill>
+                  <a:schemeClr val="tx2"/>
+                </a:solidFill>
+              </a:defRPr>
+            </a:lvl6pPr>
+            <a:lvl7pPr eaLnBrk="1" hangingPunct="1">
+              <a:defRPr>
+                <a:solidFill>
+                  <a:schemeClr val="tx2"/>
+                </a:solidFill>
+              </a:defRPr>
+            </a:lvl7pPr>
+            <a:lvl8pPr eaLnBrk="1" hangingPunct="1">
+              <a:defRPr>
+                <a:solidFill>
+                  <a:schemeClr val="tx2"/>
+                </a:solidFill>
+              </a:defRPr>
+            </a:lvl8pPr>
+            <a:lvl9pPr eaLnBrk="1" hangingPunct="1">
+              <a:defRPr>
+                <a:solidFill>
+                  <a:schemeClr val="tx2"/>
+                </a:solidFill>
+              </a:defRPr>
+            </a:lvl9pPr>
+          </a:lstStyle>
+          <a:p>
+            <a:r>
+              <a:rPr lang="en-US" sz="5400" dirty="0" smtClean="0"/>
+              <a:t>Results</a:t>
+            </a:r>
+            <a:endParaRPr lang="en-US" dirty="0"/>
+          </a:p>
+        </p:txBody>
+      </p:sp>
+      <p:graphicFrame>
+        <p:nvGraphicFramePr>
+          <p:cNvPr id="6" name="Tabel 5"/>
+          <p:cNvGraphicFramePr>
+            <a:graphicFrameLocks noGrp="1"/>
+          </p:cNvGraphicFramePr>
+          <p:nvPr>
+            <p:extLst>
+              <p:ext uri="{D42A27DB-BD31-4B8C-83A1-F6EECF244321}">
+                <p14:modId xmlns:p14="http://schemas.microsoft.com/office/powerpoint/2010/main" val="2432024280"/>
+              </p:ext>
+            </p:extLst>
+          </p:nvPr>
+        </p:nvGraphicFramePr>
+        <p:xfrm>
+          <a:off x="1760655" y="2967291"/>
+          <a:ext cx="8670690" cy="741680"/>
+        </p:xfrm>
+        <a:graphic>
+          <a:graphicData uri="http://schemas.openxmlformats.org/drawingml/2006/table">
+            <a:tbl>
+              <a:tblPr firstRow="1" bandRow="1">
+                <a:tableStyleId>{5C22544A-7EE6-4342-B048-85BDC9FD1C3A}</a:tableStyleId>
+              </a:tblPr>
+              <a:tblGrid>
+                <a:gridCol w="1320800"/>
+                <a:gridCol w="1165860"/>
+                <a:gridCol w="1722120"/>
+                <a:gridCol w="2148840"/>
+                <a:gridCol w="2313070"/>
+              </a:tblGrid>
+              <a:tr h="370840">
+                <a:tc>
+                  <a:txBody>
+                    <a:bodyPr/>
+                    <a:lstStyle/>
+                    <a:p>
+                      <a:pPr algn="ctr"/>
+                      <a:endParaRPr lang="en-US" dirty="0"/>
+                    </a:p>
+                  </a:txBody>
+                  <a:tcPr/>
+                </a:tc>
+                <a:tc>
+                  <a:txBody>
+                    <a:bodyPr/>
+                    <a:lstStyle/>
+                    <a:p>
+                      <a:pPr algn="ctr"/>
+                      <a:r>
+                        <a:rPr lang="en-US" dirty="0" smtClean="0"/>
+                        <a:t>N</a:t>
+                      </a:r>
+                      <a:endParaRPr lang="en-US" dirty="0"/>
+                    </a:p>
+                  </a:txBody>
+                  <a:tcPr/>
+                </a:tc>
+                <a:tc>
+                  <a:txBody>
+                    <a:bodyPr/>
+                    <a:lstStyle/>
+                    <a:p>
+                      <a:pPr algn="ctr"/>
+                      <a:r>
+                        <a:rPr lang="en-US" dirty="0" smtClean="0"/>
+                        <a:t>Mean</a:t>
+                      </a:r>
+                      <a:endParaRPr lang="en-US" dirty="0"/>
+                    </a:p>
+                  </a:txBody>
+                  <a:tcPr/>
+                </a:tc>
+                <a:tc>
+                  <a:txBody>
+                    <a:bodyPr/>
+                    <a:lstStyle/>
+                    <a:p>
+                      <a:pPr algn="ctr"/>
+                      <a:r>
+                        <a:rPr lang="en-US" dirty="0" smtClean="0"/>
+                        <a:t>Std. Deviation</a:t>
+                      </a:r>
+                      <a:endParaRPr lang="en-US" dirty="0"/>
+                    </a:p>
+                  </a:txBody>
+                  <a:tcPr/>
+                </a:tc>
+                <a:tc>
+                  <a:txBody>
+                    <a:bodyPr/>
+                    <a:lstStyle/>
+                    <a:p>
+                      <a:pPr algn="ctr"/>
+                      <a:r>
+                        <a:rPr lang="en-US" dirty="0" smtClean="0"/>
+                        <a:t>Std. Error Mean</a:t>
+                      </a:r>
+                      <a:endParaRPr lang="en-US" dirty="0"/>
+                    </a:p>
+                  </a:txBody>
+                  <a:tcPr/>
+                </a:tc>
+              </a:tr>
+              <a:tr h="370840">
+                <a:tc>
+                  <a:txBody>
+                    <a:bodyPr/>
+                    <a:lstStyle/>
+                    <a:p>
+                      <a:pPr algn="ctr"/>
+                      <a:r>
+                        <a:rPr lang="en-US" dirty="0" err="1" smtClean="0"/>
+                        <a:t>FruchtRein</a:t>
+                      </a:r>
+                      <a:endParaRPr lang="en-US" dirty="0"/>
+                    </a:p>
+                  </a:txBody>
+                  <a:tcPr/>
+                </a:tc>
+                <a:tc>
+                  <a:txBody>
+                    <a:bodyPr/>
+                    <a:lstStyle/>
+                    <a:p>
+                      <a:pPr algn="ctr"/>
+                      <a:r>
+                        <a:rPr lang="en-US" dirty="0" smtClean="0"/>
+                        <a:t>1000</a:t>
+                      </a:r>
+                      <a:endParaRPr lang="en-US" dirty="0"/>
+                    </a:p>
+                  </a:txBody>
+                  <a:tcPr/>
+                </a:tc>
+                <a:tc>
+                  <a:txBody>
+                    <a:bodyPr/>
+                    <a:lstStyle/>
+                    <a:p>
+                      <a:pPr algn="ctr"/>
+                      <a:r>
+                        <a:rPr lang="en-US" dirty="0" smtClean="0"/>
+                        <a:t>2.019127749</a:t>
+                      </a:r>
+                      <a:endParaRPr lang="en-US" dirty="0"/>
+                    </a:p>
+                  </a:txBody>
+                  <a:tcPr/>
+                </a:tc>
+                <a:tc>
+                  <a:txBody>
+                    <a:bodyPr/>
+                    <a:lstStyle/>
+                    <a:p>
+                      <a:pPr algn="ctr"/>
+                      <a:r>
+                        <a:rPr lang="en-US" dirty="0" smtClean="0"/>
+                        <a:t>0.3010982911</a:t>
+                      </a:r>
+                      <a:endParaRPr lang="en-US" dirty="0"/>
+                    </a:p>
+                  </a:txBody>
+                  <a:tcPr/>
+                </a:tc>
+                <a:tc>
+                  <a:txBody>
+                    <a:bodyPr/>
+                    <a:lstStyle/>
+                    <a:p>
+                      <a:pPr algn="ctr"/>
+                      <a:r>
+                        <a:rPr lang="en-US" dirty="0" smtClean="0"/>
+                        <a:t>0.0095215640</a:t>
+                      </a:r>
+                      <a:endParaRPr lang="en-US" dirty="0"/>
+                    </a:p>
+                  </a:txBody>
+                  <a:tcPr/>
+                </a:tc>
+              </a:tr>
+            </a:tbl>
+          </a:graphicData>
+        </a:graphic>
+      </p:graphicFrame>
+      <p:graphicFrame>
+        <p:nvGraphicFramePr>
+          <p:cNvPr id="7" name="Tabel 6"/>
+          <p:cNvGraphicFramePr>
+            <a:graphicFrameLocks noGrp="1"/>
+          </p:cNvGraphicFramePr>
+          <p:nvPr>
+            <p:extLst>
+              <p:ext uri="{D42A27DB-BD31-4B8C-83A1-F6EECF244321}">
+                <p14:modId xmlns:p14="http://schemas.microsoft.com/office/powerpoint/2010/main" val="2596339912"/>
+              </p:ext>
+            </p:extLst>
+          </p:nvPr>
+        </p:nvGraphicFramePr>
+        <p:xfrm>
+          <a:off x="1509263" y="4498587"/>
+          <a:ext cx="9748673" cy="1943100"/>
+        </p:xfrm>
+        <a:graphic>
+          <a:graphicData uri="http://schemas.openxmlformats.org/drawingml/2006/table">
+            <a:tbl>
+              <a:tblPr firstRow="1" bandRow="1">
+                <a:tableStyleId>{5C22544A-7EE6-4342-B048-85BDC9FD1C3A}</a:tableStyleId>
+              </a:tblPr>
+              <a:tblGrid>
+                <a:gridCol w="1591296"/>
+                <a:gridCol w="1138727"/>
+                <a:gridCol w="623433"/>
+                <a:gridCol w="1528417"/>
+                <a:gridCol w="1561427"/>
+                <a:gridCol w="1668146"/>
+                <a:gridCol w="1637227"/>
+              </a:tblGrid>
+              <a:tr h="487680">
+                <a:tc>
+                  <a:txBody>
+                    <a:bodyPr/>
+                    <a:lstStyle/>
+                    <a:p>
+                      <a:pPr algn="ctr"/>
+                      <a:endParaRPr lang="en-US" dirty="0"/>
+                    </a:p>
+                  </a:txBody>
+                  <a:tcPr/>
+                </a:tc>
+                <a:tc gridSpan="6">
+                  <a:txBody>
+                    <a:bodyPr/>
+                    <a:lstStyle/>
+                    <a:p>
+                      <a:pPr algn="ctr"/>
+                      <a:r>
+                        <a:rPr lang="en-US" dirty="0" smtClean="0"/>
+                        <a:t>Test Value = 1.58984455715541</a:t>
+                      </a:r>
+                      <a:endParaRPr lang="en-US" dirty="0"/>
+                    </a:p>
+                  </a:txBody>
+                  <a:tcPr/>
+                </a:tc>
+                <a:tc hMerge="1">
+                  <a:txBody>
+                    <a:bodyPr/>
+                    <a:lstStyle/>
+                    <a:p>
+                      <a:pPr algn="ctr"/>
+                      <a:endParaRPr lang="en-US" dirty="0"/>
+                    </a:p>
+                  </a:txBody>
+                  <a:tcPr/>
+                </a:tc>
+                <a:tc hMerge="1">
+                  <a:txBody>
+                    <a:bodyPr/>
+                    <a:lstStyle/>
+                    <a:p>
+                      <a:pPr algn="ctr"/>
+                      <a:endParaRPr lang="en-US" dirty="0"/>
+                    </a:p>
+                  </a:txBody>
+                  <a:tcPr/>
+                </a:tc>
+                <a:tc hMerge="1">
+                  <a:txBody>
+                    <a:bodyPr/>
+                    <a:lstStyle/>
+                    <a:p>
+                      <a:pPr algn="ctr"/>
+                      <a:endParaRPr lang="en-US" dirty="0"/>
+                    </a:p>
+                  </a:txBody>
+                  <a:tcPr/>
+                </a:tc>
+                <a:tc hMerge="1">
+                  <a:txBody>
+                    <a:bodyPr/>
+                    <a:lstStyle/>
+                    <a:p>
+                      <a:pPr algn="ctr"/>
+                      <a:endParaRPr lang="en-US" dirty="0"/>
+                    </a:p>
+                  </a:txBody>
+                  <a:tcPr/>
+                </a:tc>
+                <a:tc hMerge="1">
+                  <a:txBody>
+                    <a:bodyPr/>
+                    <a:lstStyle/>
+                    <a:p>
+                      <a:pPr algn="ctr"/>
+                      <a:endParaRPr lang="en-US" dirty="0"/>
+                    </a:p>
+                  </a:txBody>
+                  <a:tcPr/>
+                </a:tc>
+              </a:tr>
+              <a:tr h="331470">
+                <a:tc rowSpan="2">
+                  <a:txBody>
+                    <a:bodyPr/>
+                    <a:lstStyle/>
+                    <a:p>
+                      <a:pPr algn="ctr"/>
+                      <a:endParaRPr lang="en-US"/>
+                    </a:p>
+                  </a:txBody>
+                  <a:tcPr/>
+                </a:tc>
+                <a:tc rowSpan="2">
+                  <a:txBody>
+                    <a:bodyPr/>
+                    <a:lstStyle/>
+                    <a:p>
+                      <a:pPr algn="ctr"/>
+                      <a:r>
+                        <a:rPr lang="en-US" dirty="0" smtClean="0"/>
+                        <a:t>t</a:t>
+                      </a:r>
+                      <a:endParaRPr lang="en-US" dirty="0"/>
+                    </a:p>
+                  </a:txBody>
+                  <a:tcPr anchor="b"/>
+                </a:tc>
+                <a:tc rowSpan="2">
+                  <a:txBody>
+                    <a:bodyPr/>
+                    <a:lstStyle/>
+                    <a:p>
+                      <a:pPr algn="ctr"/>
+                      <a:r>
+                        <a:rPr lang="en-US" dirty="0" err="1" smtClean="0"/>
+                        <a:t>df</a:t>
+                      </a:r>
+                      <a:endParaRPr lang="en-US" dirty="0"/>
+                    </a:p>
+                  </a:txBody>
+                  <a:tcPr anchor="b"/>
+                </a:tc>
+                <a:tc rowSpan="2">
+                  <a:txBody>
+                    <a:bodyPr/>
+                    <a:lstStyle/>
+                    <a:p>
+                      <a:pPr algn="ctr"/>
+                      <a:r>
+                        <a:rPr lang="en-US" dirty="0" smtClean="0"/>
+                        <a:t>Sig. (2-tailed)</a:t>
+                      </a:r>
+                      <a:endParaRPr lang="en-US" dirty="0"/>
+                    </a:p>
+                  </a:txBody>
+                  <a:tcPr anchor="b"/>
+                </a:tc>
+                <a:tc rowSpan="2">
+                  <a:txBody>
+                    <a:bodyPr/>
+                    <a:lstStyle/>
+                    <a:p>
+                      <a:pPr algn="ctr"/>
+                      <a:r>
+                        <a:rPr lang="en-US" dirty="0" smtClean="0"/>
+                        <a:t>Mean</a:t>
+                      </a:r>
+                    </a:p>
+                    <a:p>
+                      <a:pPr algn="ctr"/>
+                      <a:r>
+                        <a:rPr lang="en-US" dirty="0" smtClean="0"/>
+                        <a:t>Difference</a:t>
+                      </a:r>
+                      <a:endParaRPr lang="en-US" dirty="0"/>
+                    </a:p>
+                  </a:txBody>
+                  <a:tcPr anchor="b"/>
+                </a:tc>
+                <a:tc gridSpan="2">
+                  <a:txBody>
+                    <a:bodyPr/>
+                    <a:lstStyle/>
+                    <a:p>
+                      <a:pPr algn="ctr"/>
+                      <a:r>
+                        <a:rPr lang="en-US" dirty="0" smtClean="0"/>
+                        <a:t>95% confidence interval of the difference</a:t>
+                      </a:r>
+                      <a:endParaRPr lang="en-US" dirty="0"/>
+                    </a:p>
+                  </a:txBody>
+                  <a:tcPr/>
+                </a:tc>
+                <a:tc hMerge="1">
+                  <a:txBody>
+                    <a:bodyPr/>
+                    <a:lstStyle/>
+                    <a:p>
+                      <a:pPr algn="ctr"/>
+                      <a:endParaRPr lang="en-US" dirty="0"/>
+                    </a:p>
+                  </a:txBody>
+                  <a:tcPr/>
+                </a:tc>
+              </a:tr>
+              <a:tr h="331470">
+                <a:tc vMerge="1">
+                  <a:txBody>
+                    <a:bodyPr/>
+                    <a:lstStyle/>
+                    <a:p>
+                      <a:endParaRPr lang="en-US"/>
+                    </a:p>
+                  </a:txBody>
+                  <a:tcPr/>
+                </a:tc>
+                <a:tc vMerge="1">
+                  <a:txBody>
+                    <a:bodyPr/>
+                    <a:lstStyle/>
+                    <a:p>
+                      <a:endParaRPr lang="en-US"/>
+                    </a:p>
+                  </a:txBody>
+                  <a:tcPr/>
+                </a:tc>
+                <a:tc vMerge="1">
+                  <a:txBody>
+                    <a:bodyPr/>
+                    <a:lstStyle/>
+                    <a:p>
+                      <a:endParaRPr lang="en-US"/>
+                    </a:p>
+                  </a:txBody>
+                  <a:tcPr/>
+                </a:tc>
+                <a:tc vMerge="1">
+                  <a:txBody>
+                    <a:bodyPr/>
+                    <a:lstStyle/>
+                    <a:p>
+                      <a:endParaRPr lang="en-US"/>
+                    </a:p>
+                  </a:txBody>
+                  <a:tcPr/>
+                </a:tc>
+                <a:tc vMerge="1">
+                  <a:txBody>
+                    <a:bodyPr/>
+                    <a:lstStyle/>
+                    <a:p>
+                      <a:endParaRPr lang="en-US"/>
+                    </a:p>
+                  </a:txBody>
+                  <a:tcPr/>
+                </a:tc>
+                <a:tc>
+                  <a:txBody>
+                    <a:bodyPr/>
+                    <a:lstStyle/>
+                    <a:p>
+                      <a:pPr algn="ctr"/>
+                      <a:r>
+                        <a:rPr lang="en-US" dirty="0" smtClean="0"/>
+                        <a:t>Lower</a:t>
+                      </a:r>
+                      <a:endParaRPr lang="en-US" dirty="0"/>
+                    </a:p>
+                  </a:txBody>
+                  <a:tcPr/>
+                </a:tc>
+                <a:tc>
+                  <a:txBody>
+                    <a:bodyPr/>
+                    <a:lstStyle/>
+                    <a:p>
+                      <a:pPr algn="ctr"/>
+                      <a:r>
+                        <a:rPr lang="en-US" dirty="0" smtClean="0"/>
+                        <a:t>Upper</a:t>
+                      </a:r>
+                      <a:endParaRPr lang="en-US" dirty="0"/>
+                    </a:p>
+                  </a:txBody>
+                  <a:tcPr/>
+                </a:tc>
+              </a:tr>
+              <a:tr h="449580">
+                <a:tc>
+                  <a:txBody>
+                    <a:bodyPr/>
+                    <a:lstStyle/>
+                    <a:p>
+                      <a:pPr algn="ctr"/>
+                      <a:r>
+                        <a:rPr lang="en-US" dirty="0" err="1" smtClean="0"/>
+                        <a:t>FruchtRein</a:t>
+                      </a:r>
+                      <a:endParaRPr lang="en-US" dirty="0"/>
+                    </a:p>
+                  </a:txBody>
+                  <a:tcPr/>
+                </a:tc>
+                <a:tc>
+                  <a:txBody>
+                    <a:bodyPr/>
+                    <a:lstStyle/>
+                    <a:p>
+                      <a:pPr algn="ctr"/>
+                      <a:r>
+                        <a:rPr lang="en-US" dirty="0" smtClean="0"/>
+                        <a:t>-342.088</a:t>
+                      </a:r>
+                      <a:endParaRPr lang="en-US" dirty="0"/>
+                    </a:p>
+                  </a:txBody>
+                  <a:tcPr/>
+                </a:tc>
+                <a:tc>
+                  <a:txBody>
+                    <a:bodyPr/>
+                    <a:lstStyle/>
+                    <a:p>
+                      <a:pPr algn="ctr"/>
+                      <a:r>
+                        <a:rPr lang="en-US" dirty="0" smtClean="0"/>
+                        <a:t>999</a:t>
+                      </a:r>
+                      <a:endParaRPr lang="en-US" dirty="0"/>
+                    </a:p>
+                  </a:txBody>
+                  <a:tcPr/>
+                </a:tc>
+                <a:tc>
+                  <a:txBody>
+                    <a:bodyPr/>
+                    <a:lstStyle/>
+                    <a:p>
+                      <a:pPr algn="ctr"/>
+                      <a:r>
+                        <a:rPr lang="en-US" dirty="0" smtClean="0"/>
+                        <a:t>0.000</a:t>
+                      </a:r>
+                      <a:endParaRPr lang="en-US" dirty="0"/>
+                    </a:p>
+                  </a:txBody>
+                  <a:tcPr/>
+                </a:tc>
+                <a:tc>
+                  <a:txBody>
+                    <a:bodyPr/>
+                    <a:lstStyle/>
+                    <a:p>
+                      <a:pPr algn="ctr"/>
+                      <a:r>
+                        <a:rPr lang="en-US" dirty="0" smtClean="0"/>
+                        <a:t>-3.25721300</a:t>
+                      </a:r>
+                      <a:endParaRPr lang="en-US" dirty="0"/>
+                    </a:p>
+                  </a:txBody>
+                  <a:tcPr/>
+                </a:tc>
+                <a:tc>
+                  <a:txBody>
+                    <a:bodyPr/>
+                    <a:lstStyle/>
+                    <a:p>
+                      <a:pPr algn="ctr"/>
+                      <a:r>
+                        <a:rPr lang="en-US" dirty="0" smtClean="0"/>
+                        <a:t>-3.27589756</a:t>
+                      </a:r>
+                      <a:endParaRPr lang="en-US" dirty="0"/>
+                    </a:p>
+                  </a:txBody>
+                  <a:tcPr/>
+                </a:tc>
+                <a:tc>
+                  <a:txBody>
+                    <a:bodyPr/>
+                    <a:lstStyle/>
+                    <a:p>
+                      <a:pPr algn="ctr"/>
+                      <a:r>
+                        <a:rPr lang="en-US" dirty="0" smtClean="0"/>
+                        <a:t>-3.23852844</a:t>
+                      </a:r>
+                      <a:endParaRPr lang="en-US" dirty="0"/>
+                    </a:p>
+                  </a:txBody>
+                  <a:tcPr/>
+                </a:tc>
+              </a:tr>
+            </a:tbl>
+          </a:graphicData>
+        </a:graphic>
+      </p:graphicFrame>
+      <p:sp>
+        <p:nvSpPr>
+          <p:cNvPr id="8" name="Tekstvak 7"/>
+          <p:cNvSpPr txBox="1"/>
+          <p:nvPr/>
+        </p:nvSpPr>
+        <p:spPr>
+          <a:xfrm>
+            <a:off x="4980039" y="4051940"/>
+            <a:ext cx="2231923" cy="369332"/>
+          </a:xfrm>
+          <a:prstGeom prst="rect">
+            <a:avLst/>
+          </a:prstGeom>
+          <a:noFill/>
+        </p:spPr>
+        <p:txBody>
+          <a:bodyPr wrap="square" rtlCol="0">
+            <a:spAutoFit/>
+          </a:bodyPr>
+          <a:lstStyle/>
+          <a:p>
+            <a:r>
+              <a:rPr lang="en-US" b="1" dirty="0" smtClean="0"/>
+              <a:t>One-Sample test</a:t>
+            </a:r>
+            <a:endParaRPr lang="en-US" b="1" dirty="0"/>
+          </a:p>
+        </p:txBody>
+      </p:sp>
+      <p:sp>
+        <p:nvSpPr>
+          <p:cNvPr id="9" name="Tekstvak 8"/>
+          <p:cNvSpPr txBox="1"/>
+          <p:nvPr/>
+        </p:nvSpPr>
+        <p:spPr>
+          <a:xfrm>
+            <a:off x="4692445" y="2520644"/>
+            <a:ext cx="2807110" cy="369332"/>
+          </a:xfrm>
+          <a:prstGeom prst="rect">
+            <a:avLst/>
+          </a:prstGeom>
+          <a:noFill/>
+        </p:spPr>
+        <p:txBody>
+          <a:bodyPr wrap="square" rtlCol="0">
+            <a:spAutoFit/>
+          </a:bodyPr>
+          <a:lstStyle/>
+          <a:p>
+            <a:r>
+              <a:rPr lang="en-US" b="1" dirty="0" smtClean="0"/>
+              <a:t>One-Sample Statistics</a:t>
+            </a:r>
+            <a:endParaRPr lang="en-US" b="1" dirty="0"/>
           </a:p>
         </p:txBody>
       </p:sp>
     </p:spTree>
     <p:extLst>
       <p:ext uri="{BB962C8B-B14F-4D97-AF65-F5344CB8AC3E}">
-        <p14:creationId xmlns:p14="http://schemas.microsoft.com/office/powerpoint/2010/main" val="3112376762"/>
+        <p14:creationId xmlns:p14="http://schemas.microsoft.com/office/powerpoint/2010/main" val="122150528"/>
       </p:ext>
     </p:extLst>
   </p:cSld>
   <p:clrMapOvr>
     <a:masterClrMapping/>
   </p:clrMapOvr>
+  <p:timing>
+    <p:tnLst>
+      <p:par>
+        <p:cTn id="1" dur="indefinite" restart="never" nodeType="tmRoot">
+          <p:childTnLst>
+            <p:seq concurrent="1" nextAc="seek">
+              <p:cTn id="2" dur="indefinite" nodeType="mainSeq">
+                <p:childTnLst>
+                  <p:par>
+                    <p:cTn id="3" fill="hold">
+                      <p:stCondLst>
+                        <p:cond delay="indefinite"/>
+                        <p:cond evt="onBegin" delay="0">
+                          <p:tn val="2"/>
+                        </p:cond>
+                      </p:stCondLst>
+                      <p:childTnLst>
+                        <p:par>
+                          <p:cTn id="4" fill="hold">
+                            <p:stCondLst>
+                              <p:cond delay="0"/>
+                            </p:stCondLst>
+                            <p:childTnLst>
+                              <p:par>
+                                <p:cTn id="5" presetID="10" presetClass="entr" presetSubtype="0" fill="hold" nodeType="afterEffect">
+                                  <p:stCondLst>
+                                    <p:cond delay="0"/>
+                                  </p:stCondLst>
+                                  <p:childTnLst>
+                                    <p:set>
+                                      <p:cBhvr>
+                                        <p:cTn id="6" dur="1" fill="hold">
+                                          <p:stCondLst>
+                                            <p:cond delay="0"/>
+                                          </p:stCondLst>
+                                        </p:cTn>
+                                        <p:tgtEl>
+                                          <p:spTgt spid="6"/>
+                                        </p:tgtEl>
+                                        <p:attrNameLst>
+                                          <p:attrName>style.visibility</p:attrName>
+                                        </p:attrNameLst>
+                                      </p:cBhvr>
+                                      <p:to>
+                                        <p:strVal val="visible"/>
+                                      </p:to>
+                                    </p:set>
+                                    <p:animEffect transition="in" filter="fade">
+                                      <p:cBhvr>
+                                        <p:cTn id="7" dur="500"/>
+                                        <p:tgtEl>
+                                          <p:spTgt spid="6"/>
+                                        </p:tgtEl>
+                                      </p:cBhvr>
+                                    </p:animEffect>
+                                  </p:childTnLst>
+                                </p:cTn>
+                              </p:par>
+                              <p:par>
+                                <p:cTn id="8" presetID="10" presetClass="entr" presetSubtype="0" fill="hold" nodeType="withEffect">
+                                  <p:stCondLst>
+                                    <p:cond delay="0"/>
+                                  </p:stCondLst>
+                                  <p:childTnLst>
+                                    <p:set>
+                                      <p:cBhvr>
+                                        <p:cTn id="9" dur="1" fill="hold">
+                                          <p:stCondLst>
+                                            <p:cond delay="0"/>
+                                          </p:stCondLst>
+                                        </p:cTn>
+                                        <p:tgtEl>
+                                          <p:spTgt spid="7"/>
+                                        </p:tgtEl>
+                                        <p:attrNameLst>
+                                          <p:attrName>style.visibility</p:attrName>
+                                        </p:attrNameLst>
+                                      </p:cBhvr>
+                                      <p:to>
+                                        <p:strVal val="visible"/>
+                                      </p:to>
+                                    </p:set>
+                                    <p:animEffect transition="in" filter="fade">
+                                      <p:cBhvr>
+                                        <p:cTn id="10" dur="500"/>
+                                        <p:tgtEl>
+                                          <p:spTgt spid="7"/>
+                                        </p:tgtEl>
+                                      </p:cBhvr>
+                                    </p:animEffect>
+                                  </p:childTnLst>
+                                </p:cTn>
+                              </p:par>
+                              <p:par>
+                                <p:cTn id="11" presetID="10" presetClass="entr" presetSubtype="0" fill="hold" grpId="0" nodeType="withEffect">
+                                  <p:stCondLst>
+                                    <p:cond delay="0"/>
+                                  </p:stCondLst>
+                                  <p:childTnLst>
+                                    <p:set>
+                                      <p:cBhvr>
+                                        <p:cTn id="12" dur="1" fill="hold">
+                                          <p:stCondLst>
+                                            <p:cond delay="0"/>
+                                          </p:stCondLst>
+                                        </p:cTn>
+                                        <p:tgtEl>
+                                          <p:spTgt spid="9"/>
+                                        </p:tgtEl>
+                                        <p:attrNameLst>
+                                          <p:attrName>style.visibility</p:attrName>
+                                        </p:attrNameLst>
+                                      </p:cBhvr>
+                                      <p:to>
+                                        <p:strVal val="visible"/>
+                                      </p:to>
+                                    </p:set>
+                                    <p:animEffect transition="in" filter="fade">
+                                      <p:cBhvr>
+                                        <p:cTn id="13" dur="500"/>
+                                        <p:tgtEl>
+                                          <p:spTgt spid="9"/>
+                                        </p:tgtEl>
+                                      </p:cBhvr>
+                                    </p:animEffect>
+                                  </p:childTnLst>
+                                </p:cTn>
+                              </p:par>
+                              <p:par>
+                                <p:cTn id="14" presetID="10" presetClass="entr" presetSubtype="0" fill="hold" grpId="0" nodeType="withEffect">
+                                  <p:stCondLst>
+                                    <p:cond delay="0"/>
+                                  </p:stCondLst>
+                                  <p:childTnLst>
+                                    <p:set>
+                                      <p:cBhvr>
+                                        <p:cTn id="15" dur="1" fill="hold">
+                                          <p:stCondLst>
+                                            <p:cond delay="0"/>
+                                          </p:stCondLst>
+                                        </p:cTn>
+                                        <p:tgtEl>
+                                          <p:spTgt spid="8"/>
+                                        </p:tgtEl>
+                                        <p:attrNameLst>
+                                          <p:attrName>style.visibility</p:attrName>
+                                        </p:attrNameLst>
+                                      </p:cBhvr>
+                                      <p:to>
+                                        <p:strVal val="visible"/>
+                                      </p:to>
+                                    </p:set>
+                                    <p:animEffect transition="in" filter="fade">
+                                      <p:cBhvr>
+                                        <p:cTn id="16" dur="500"/>
+                                        <p:tgtEl>
+                                          <p:spTgt spid="8"/>
+                                        </p:tgtEl>
+                                      </p:cBhvr>
+                                    </p:animEffect>
+                                  </p:childTnLst>
+                                </p:cTn>
+                              </p:par>
+                            </p:childTnLst>
+                          </p:cTn>
+                        </p:par>
+                      </p:childTnLst>
+                    </p:cTn>
+                  </p:par>
+                </p:childTnLst>
+              </p:cTn>
+              <p:prevCondLst>
+                <p:cond evt="onPrev" delay="0">
+                  <p:tgtEl>
+                    <p:sldTgt/>
+                  </p:tgtEl>
+                </p:cond>
+              </p:prevCondLst>
+              <p:nextCondLst>
+                <p:cond evt="onNext" delay="0">
+                  <p:tgtEl>
+                    <p:sldTgt/>
+                  </p:tgtEl>
+                </p:cond>
+              </p:nextCondLst>
+            </p:seq>
+          </p:childTnLst>
+        </p:cTn>
+      </p:par>
+    </p:tnLst>
+    <p:bldLst>
+      <p:bldP spid="8" grpId="0"/>
+      <p:bldP spid="9" grpId="0"/>
+    </p:bldLst>
+  </p:timing>
 </p:sld>
 </file>
 
@@ -8084,6 +10681,1899 @@
     <p:extLst>
       <p:ext uri="{BB962C8B-B14F-4D97-AF65-F5344CB8AC3E}">
         <p14:creationId xmlns:p14="http://schemas.microsoft.com/office/powerpoint/2010/main" val="2307535703"/>
+      </p:ext>
+    </p:extLst>
+  </p:cSld>
+  <p:clrMapOvr>
+    <a:masterClrMapping/>
+  </p:clrMapOvr>
+  <p:timing>
+    <p:tnLst>
+      <p:par>
+        <p:cTn id="1" dur="indefinite" restart="never" nodeType="tmRoot"/>
+      </p:par>
+    </p:tnLst>
+  </p:timing>
+</p:sld>
+</file>
+
+<file path=ppt/slides/slide20.xml><?xml version="1.0" encoding="utf-8"?>
+<p:sld xmlns:a="http://schemas.openxmlformats.org/drawingml/2006/main" xmlns:r="http://schemas.openxmlformats.org/officeDocument/2006/relationships" xmlns:p="http://schemas.openxmlformats.org/presentationml/2006/main">
+  <p:cSld>
+    <p:spTree>
+      <p:nvGrpSpPr>
+        <p:cNvPr id="1" name=""/>
+        <p:cNvGrpSpPr/>
+        <p:nvPr/>
+      </p:nvGrpSpPr>
+      <p:grpSpPr>
+        <a:xfrm>
+          <a:off x="0" y="0"/>
+          <a:ext cx="0" cy="0"/>
+          <a:chOff x="0" y="0"/>
+          <a:chExt cx="0" cy="0"/>
+        </a:xfrm>
+      </p:grpSpPr>
+      <p:sp>
+        <p:nvSpPr>
+          <p:cNvPr id="3" name="Content Placeholder 2"/>
+          <p:cNvSpPr>
+            <a:spLocks noGrp="1"/>
+          </p:cNvSpPr>
+          <p:nvPr>
+            <p:ph idx="1"/>
+          </p:nvPr>
+        </p:nvSpPr>
+        <p:spPr>
+          <a:xfrm>
+            <a:off x="1243332" y="941816"/>
+            <a:ext cx="7241907" cy="2539624"/>
+          </a:xfrm>
+        </p:spPr>
+        <p:txBody>
+          <a:bodyPr>
+            <a:normAutofit/>
+          </a:bodyPr>
+          <a:lstStyle/>
+          <a:p>
+            <a:pPr lvl="1"/>
+            <a:r>
+              <a:rPr lang="en-US" sz="2400" dirty="0"/>
+              <a:t>Influence of logarithmic constant in </a:t>
+            </a:r>
+            <a:r>
+              <a:rPr lang="en-US" sz="2400" dirty="0" err="1"/>
+              <a:t>Eades</a:t>
+            </a:r>
+            <a:endParaRPr lang="en-US" sz="2400" dirty="0"/>
+          </a:p>
+          <a:p>
+            <a:pPr lvl="1"/>
+            <a:endParaRPr lang="en-US" sz="2400" dirty="0" smtClean="0"/>
+          </a:p>
+        </p:txBody>
+      </p:sp>
+      <p:sp>
+        <p:nvSpPr>
+          <p:cNvPr id="5" name="Titel 1"/>
+          <p:cNvSpPr txBox="1">
+            <a:spLocks/>
+          </p:cNvSpPr>
+          <p:nvPr/>
+        </p:nvSpPr>
+        <p:spPr>
+          <a:xfrm>
+            <a:off x="1484311" y="8465"/>
+            <a:ext cx="10018713" cy="1752599"/>
+          </a:xfrm>
+          <a:prstGeom prst="rect">
+            <a:avLst/>
+          </a:prstGeom>
+          <a:effectLst/>
+        </p:spPr>
+        <p:txBody>
+          <a:bodyPr vert="horz" lIns="91440" tIns="45720" rIns="91440" bIns="45720" rtlCol="0" anchor="ctr">
+            <a:normAutofit/>
+          </a:bodyPr>
+          <a:lstStyle>
+            <a:lvl1pPr algn="ctr" defTabSz="457200" rtl="0" eaLnBrk="1" latinLnBrk="0" hangingPunct="1">
+              <a:spcBef>
+                <a:spcPct val="0"/>
+              </a:spcBef>
+              <a:buNone/>
+              <a:defRPr sz="4000" kern="1200" cap="none">
+                <a:ln w="3175" cmpd="sng">
+                  <a:noFill/>
+                </a:ln>
+                <a:solidFill>
+                  <a:schemeClr val="tx1"/>
+                </a:solidFill>
+                <a:effectLst/>
+                <a:latin typeface="+mj-lt"/>
+                <a:ea typeface="+mj-ea"/>
+                <a:cs typeface="+mj-cs"/>
+              </a:defRPr>
+            </a:lvl1pPr>
+            <a:lvl2pPr eaLnBrk="1" hangingPunct="1">
+              <a:defRPr>
+                <a:solidFill>
+                  <a:schemeClr val="tx2"/>
+                </a:solidFill>
+              </a:defRPr>
+            </a:lvl2pPr>
+            <a:lvl3pPr eaLnBrk="1" hangingPunct="1">
+              <a:defRPr>
+                <a:solidFill>
+                  <a:schemeClr val="tx2"/>
+                </a:solidFill>
+              </a:defRPr>
+            </a:lvl3pPr>
+            <a:lvl4pPr eaLnBrk="1" hangingPunct="1">
+              <a:defRPr>
+                <a:solidFill>
+                  <a:schemeClr val="tx2"/>
+                </a:solidFill>
+              </a:defRPr>
+            </a:lvl4pPr>
+            <a:lvl5pPr eaLnBrk="1" hangingPunct="1">
+              <a:defRPr>
+                <a:solidFill>
+                  <a:schemeClr val="tx2"/>
+                </a:solidFill>
+              </a:defRPr>
+            </a:lvl5pPr>
+            <a:lvl6pPr eaLnBrk="1" hangingPunct="1">
+              <a:defRPr>
+                <a:solidFill>
+                  <a:schemeClr val="tx2"/>
+                </a:solidFill>
+              </a:defRPr>
+            </a:lvl6pPr>
+            <a:lvl7pPr eaLnBrk="1" hangingPunct="1">
+              <a:defRPr>
+                <a:solidFill>
+                  <a:schemeClr val="tx2"/>
+                </a:solidFill>
+              </a:defRPr>
+            </a:lvl7pPr>
+            <a:lvl8pPr eaLnBrk="1" hangingPunct="1">
+              <a:defRPr>
+                <a:solidFill>
+                  <a:schemeClr val="tx2"/>
+                </a:solidFill>
+              </a:defRPr>
+            </a:lvl8pPr>
+            <a:lvl9pPr eaLnBrk="1" hangingPunct="1">
+              <a:defRPr>
+                <a:solidFill>
+                  <a:schemeClr val="tx2"/>
+                </a:solidFill>
+              </a:defRPr>
+            </a:lvl9pPr>
+          </a:lstStyle>
+          <a:p>
+            <a:r>
+              <a:rPr lang="en-US" sz="5400" dirty="0" smtClean="0"/>
+              <a:t>Results</a:t>
+            </a:r>
+            <a:endParaRPr lang="en-US" dirty="0"/>
+          </a:p>
+        </p:txBody>
+      </p:sp>
+      <p:graphicFrame>
+        <p:nvGraphicFramePr>
+          <p:cNvPr id="6" name="Tabel 5"/>
+          <p:cNvGraphicFramePr>
+            <a:graphicFrameLocks noGrp="1"/>
+          </p:cNvGraphicFramePr>
+          <p:nvPr>
+            <p:extLst>
+              <p:ext uri="{D42A27DB-BD31-4B8C-83A1-F6EECF244321}">
+                <p14:modId xmlns:p14="http://schemas.microsoft.com/office/powerpoint/2010/main" val="1579885697"/>
+              </p:ext>
+            </p:extLst>
+          </p:nvPr>
+        </p:nvGraphicFramePr>
+        <p:xfrm>
+          <a:off x="1509263" y="2967291"/>
+          <a:ext cx="8922082" cy="1010920"/>
+        </p:xfrm>
+        <a:graphic>
+          <a:graphicData uri="http://schemas.openxmlformats.org/drawingml/2006/table">
+            <a:tbl>
+              <a:tblPr firstRow="1" bandRow="1">
+                <a:tableStyleId>{5C22544A-7EE6-4342-B048-85BDC9FD1C3A}</a:tableStyleId>
+              </a:tblPr>
+              <a:tblGrid>
+                <a:gridCol w="2069679"/>
+                <a:gridCol w="1681316"/>
+                <a:gridCol w="579811"/>
+                <a:gridCol w="2211142"/>
+                <a:gridCol w="2380134"/>
+              </a:tblGrid>
+              <a:tr h="370840">
+                <a:tc>
+                  <a:txBody>
+                    <a:bodyPr/>
+                    <a:lstStyle/>
+                    <a:p>
+                      <a:pPr algn="ctr"/>
+                      <a:endParaRPr lang="en-US" dirty="0"/>
+                    </a:p>
+                  </a:txBody>
+                  <a:tcPr/>
+                </a:tc>
+                <a:tc>
+                  <a:txBody>
+                    <a:bodyPr/>
+                    <a:lstStyle/>
+                    <a:p>
+                      <a:pPr algn="ctr"/>
+                      <a:r>
+                        <a:rPr lang="en-US" dirty="0" smtClean="0"/>
+                        <a:t>Mean</a:t>
+                      </a:r>
+                      <a:endParaRPr lang="en-US" dirty="0"/>
+                    </a:p>
+                  </a:txBody>
+                  <a:tcPr/>
+                </a:tc>
+                <a:tc>
+                  <a:txBody>
+                    <a:bodyPr/>
+                    <a:lstStyle/>
+                    <a:p>
+                      <a:pPr algn="ctr"/>
+                      <a:r>
+                        <a:rPr lang="en-US" dirty="0" smtClean="0"/>
+                        <a:t>N</a:t>
+                      </a:r>
+                      <a:endParaRPr lang="en-US" dirty="0"/>
+                    </a:p>
+                  </a:txBody>
+                  <a:tcPr/>
+                </a:tc>
+                <a:tc>
+                  <a:txBody>
+                    <a:bodyPr/>
+                    <a:lstStyle/>
+                    <a:p>
+                      <a:pPr algn="ctr"/>
+                      <a:r>
+                        <a:rPr lang="en-US" dirty="0" smtClean="0"/>
+                        <a:t>Std. Deviation</a:t>
+                      </a:r>
+                      <a:endParaRPr lang="en-US" dirty="0"/>
+                    </a:p>
+                  </a:txBody>
+                  <a:tcPr/>
+                </a:tc>
+                <a:tc>
+                  <a:txBody>
+                    <a:bodyPr/>
+                    <a:lstStyle/>
+                    <a:p>
+                      <a:pPr algn="ctr"/>
+                      <a:r>
+                        <a:rPr lang="en-US" dirty="0" smtClean="0"/>
+                        <a:t>Std. Error Mean</a:t>
+                      </a:r>
+                      <a:endParaRPr lang="en-US" dirty="0"/>
+                    </a:p>
+                  </a:txBody>
+                  <a:tcPr/>
+                </a:tc>
+              </a:tr>
+              <a:tr h="370840">
+                <a:tc>
+                  <a:txBody>
+                    <a:bodyPr/>
+                    <a:lstStyle/>
+                    <a:p>
+                      <a:pPr algn="ctr"/>
+                      <a:r>
+                        <a:rPr lang="en-US" dirty="0" smtClean="0"/>
+                        <a:t>Pair 1      </a:t>
+                      </a:r>
+                      <a:r>
+                        <a:rPr lang="en-US" dirty="0" err="1" smtClean="0"/>
+                        <a:t>LowLoga</a:t>
+                      </a:r>
+                      <a:endParaRPr lang="en-US" dirty="0" smtClean="0"/>
+                    </a:p>
+                    <a:p>
+                      <a:pPr algn="ctr"/>
+                      <a:r>
+                        <a:rPr lang="en-US" dirty="0" smtClean="0"/>
+                        <a:t>                 </a:t>
+                      </a:r>
+                      <a:r>
+                        <a:rPr lang="en-US" dirty="0" err="1" smtClean="0"/>
+                        <a:t>HighLoga</a:t>
+                      </a:r>
+                      <a:endParaRPr lang="en-US" dirty="0"/>
+                    </a:p>
+                  </a:txBody>
+                  <a:tcPr/>
+                </a:tc>
+                <a:tc>
+                  <a:txBody>
+                    <a:bodyPr/>
+                    <a:lstStyle/>
+                    <a:p>
+                      <a:pPr algn="ctr"/>
+                      <a:r>
+                        <a:rPr lang="en-US" dirty="0" smtClean="0"/>
+                        <a:t>5.187399638</a:t>
+                      </a:r>
+                    </a:p>
+                    <a:p>
+                      <a:pPr algn="ctr"/>
+                      <a:r>
+                        <a:rPr lang="en-US" dirty="0" smtClean="0"/>
+                        <a:t>5.311963134</a:t>
+                      </a:r>
+                      <a:endParaRPr lang="en-US" dirty="0"/>
+                    </a:p>
+                  </a:txBody>
+                  <a:tcPr/>
+                </a:tc>
+                <a:tc>
+                  <a:txBody>
+                    <a:bodyPr/>
+                    <a:lstStyle/>
+                    <a:p>
+                      <a:pPr algn="ctr"/>
+                      <a:r>
+                        <a:rPr lang="en-US" dirty="0" smtClean="0"/>
+                        <a:t>100</a:t>
+                      </a:r>
+                    </a:p>
+                    <a:p>
+                      <a:pPr algn="ctr"/>
+                      <a:r>
+                        <a:rPr lang="en-US" dirty="0" smtClean="0"/>
+                        <a:t>100</a:t>
+                      </a:r>
+                      <a:endParaRPr lang="en-US" dirty="0"/>
+                    </a:p>
+                  </a:txBody>
+                  <a:tcPr/>
+                </a:tc>
+                <a:tc>
+                  <a:txBody>
+                    <a:bodyPr/>
+                    <a:lstStyle/>
+                    <a:p>
+                      <a:pPr algn="ctr"/>
+                      <a:r>
+                        <a:rPr lang="en-US" dirty="0" smtClean="0"/>
+                        <a:t>0.8373754702</a:t>
+                      </a:r>
+                    </a:p>
+                    <a:p>
+                      <a:pPr algn="ctr"/>
+                      <a:r>
+                        <a:rPr lang="en-US" dirty="0" smtClean="0"/>
+                        <a:t>0.7908110308</a:t>
+                      </a:r>
+                      <a:endParaRPr lang="en-US" dirty="0"/>
+                    </a:p>
+                  </a:txBody>
+                  <a:tcPr/>
+                </a:tc>
+                <a:tc>
+                  <a:txBody>
+                    <a:bodyPr/>
+                    <a:lstStyle/>
+                    <a:p>
+                      <a:pPr algn="ctr"/>
+                      <a:r>
+                        <a:rPr lang="en-US" dirty="0" smtClean="0"/>
+                        <a:t>0.0837375470</a:t>
+                      </a:r>
+                    </a:p>
+                    <a:p>
+                      <a:pPr algn="ctr"/>
+                      <a:r>
+                        <a:rPr lang="en-US" dirty="0" smtClean="0"/>
+                        <a:t>0.0790811031</a:t>
+                      </a:r>
+                      <a:endParaRPr lang="en-US" dirty="0"/>
+                    </a:p>
+                  </a:txBody>
+                  <a:tcPr/>
+                </a:tc>
+              </a:tr>
+            </a:tbl>
+          </a:graphicData>
+        </a:graphic>
+      </p:graphicFrame>
+      <p:sp>
+        <p:nvSpPr>
+          <p:cNvPr id="9" name="Tekstvak 8"/>
+          <p:cNvSpPr txBox="1"/>
+          <p:nvPr/>
+        </p:nvSpPr>
+        <p:spPr>
+          <a:xfrm>
+            <a:off x="4692445" y="2520644"/>
+            <a:ext cx="2807110" cy="369332"/>
+          </a:xfrm>
+          <a:prstGeom prst="rect">
+            <a:avLst/>
+          </a:prstGeom>
+          <a:noFill/>
+        </p:spPr>
+        <p:txBody>
+          <a:bodyPr wrap="square" rtlCol="0">
+            <a:spAutoFit/>
+          </a:bodyPr>
+          <a:lstStyle/>
+          <a:p>
+            <a:r>
+              <a:rPr lang="en-US" b="1" dirty="0" smtClean="0"/>
+              <a:t>Paired Sample Statistics</a:t>
+            </a:r>
+            <a:endParaRPr lang="en-US" b="1" dirty="0"/>
+          </a:p>
+        </p:txBody>
+      </p:sp>
+      <p:graphicFrame>
+        <p:nvGraphicFramePr>
+          <p:cNvPr id="10" name="Tabel 9"/>
+          <p:cNvGraphicFramePr>
+            <a:graphicFrameLocks noGrp="1"/>
+          </p:cNvGraphicFramePr>
+          <p:nvPr>
+            <p:extLst>
+              <p:ext uri="{D42A27DB-BD31-4B8C-83A1-F6EECF244321}">
+                <p14:modId xmlns:p14="http://schemas.microsoft.com/office/powerpoint/2010/main" val="2164091925"/>
+              </p:ext>
+            </p:extLst>
+          </p:nvPr>
+        </p:nvGraphicFramePr>
+        <p:xfrm>
+          <a:off x="2354826" y="4897691"/>
+          <a:ext cx="7482349" cy="741680"/>
+        </p:xfrm>
+        <a:graphic>
+          <a:graphicData uri="http://schemas.openxmlformats.org/drawingml/2006/table">
+            <a:tbl>
+              <a:tblPr firstRow="1" bandRow="1">
+                <a:tableStyleId>{5C22544A-7EE6-4342-B048-85BDC9FD1C3A}</a:tableStyleId>
+              </a:tblPr>
+              <a:tblGrid>
+                <a:gridCol w="3057833"/>
+                <a:gridCol w="934064"/>
+                <a:gridCol w="1818968"/>
+                <a:gridCol w="1671484"/>
+              </a:tblGrid>
+              <a:tr h="370840">
+                <a:tc>
+                  <a:txBody>
+                    <a:bodyPr/>
+                    <a:lstStyle/>
+                    <a:p>
+                      <a:pPr algn="ctr"/>
+                      <a:endParaRPr lang="en-US" dirty="0"/>
+                    </a:p>
+                  </a:txBody>
+                  <a:tcPr/>
+                </a:tc>
+                <a:tc>
+                  <a:txBody>
+                    <a:bodyPr/>
+                    <a:lstStyle/>
+                    <a:p>
+                      <a:pPr algn="ctr"/>
+                      <a:r>
+                        <a:rPr lang="en-US" dirty="0" smtClean="0"/>
+                        <a:t>N</a:t>
+                      </a:r>
+                      <a:endParaRPr lang="en-US" dirty="0"/>
+                    </a:p>
+                  </a:txBody>
+                  <a:tcPr/>
+                </a:tc>
+                <a:tc>
+                  <a:txBody>
+                    <a:bodyPr/>
+                    <a:lstStyle/>
+                    <a:p>
+                      <a:pPr algn="ctr"/>
+                      <a:r>
+                        <a:rPr lang="en-US" dirty="0" smtClean="0"/>
+                        <a:t>Correlation</a:t>
+                      </a:r>
+                      <a:endParaRPr lang="en-US" dirty="0"/>
+                    </a:p>
+                  </a:txBody>
+                  <a:tcPr/>
+                </a:tc>
+                <a:tc>
+                  <a:txBody>
+                    <a:bodyPr/>
+                    <a:lstStyle/>
+                    <a:p>
+                      <a:pPr algn="ctr"/>
+                      <a:r>
+                        <a:rPr lang="en-US" dirty="0" smtClean="0"/>
+                        <a:t>Sig.</a:t>
+                      </a:r>
+                      <a:endParaRPr lang="en-US" dirty="0"/>
+                    </a:p>
+                  </a:txBody>
+                  <a:tcPr/>
+                </a:tc>
+              </a:tr>
+              <a:tr h="370840">
+                <a:tc>
+                  <a:txBody>
+                    <a:bodyPr/>
+                    <a:lstStyle/>
+                    <a:p>
+                      <a:pPr algn="ctr"/>
+                      <a:r>
+                        <a:rPr lang="en-US" dirty="0" smtClean="0"/>
+                        <a:t>Pair 1      </a:t>
+                      </a:r>
+                      <a:r>
+                        <a:rPr lang="en-US" dirty="0" err="1" smtClean="0"/>
+                        <a:t>LowLoga</a:t>
+                      </a:r>
+                      <a:r>
+                        <a:rPr lang="en-US" dirty="0" smtClean="0"/>
+                        <a:t> &amp; </a:t>
+                      </a:r>
+                      <a:r>
+                        <a:rPr lang="en-US" dirty="0" err="1" smtClean="0"/>
+                        <a:t>HighLoga</a:t>
+                      </a:r>
+                      <a:endParaRPr lang="en-US" dirty="0"/>
+                    </a:p>
+                  </a:txBody>
+                  <a:tcPr/>
+                </a:tc>
+                <a:tc>
+                  <a:txBody>
+                    <a:bodyPr/>
+                    <a:lstStyle/>
+                    <a:p>
+                      <a:pPr algn="ctr"/>
+                      <a:r>
+                        <a:rPr lang="en-US" dirty="0" smtClean="0"/>
+                        <a:t>100</a:t>
+                      </a:r>
+                      <a:endParaRPr lang="en-US" dirty="0"/>
+                    </a:p>
+                  </a:txBody>
+                  <a:tcPr/>
+                </a:tc>
+                <a:tc>
+                  <a:txBody>
+                    <a:bodyPr/>
+                    <a:lstStyle/>
+                    <a:p>
+                      <a:pPr algn="ctr"/>
+                      <a:r>
+                        <a:rPr lang="en-US" dirty="0" smtClean="0"/>
+                        <a:t>0.937</a:t>
+                      </a:r>
+                      <a:endParaRPr lang="en-US" dirty="0"/>
+                    </a:p>
+                  </a:txBody>
+                  <a:tcPr/>
+                </a:tc>
+                <a:tc>
+                  <a:txBody>
+                    <a:bodyPr/>
+                    <a:lstStyle/>
+                    <a:p>
+                      <a:pPr algn="ctr"/>
+                      <a:r>
+                        <a:rPr lang="en-US" dirty="0" smtClean="0"/>
+                        <a:t>0.000</a:t>
+                      </a:r>
+                      <a:endParaRPr lang="en-US" dirty="0"/>
+                    </a:p>
+                  </a:txBody>
+                  <a:tcPr/>
+                </a:tc>
+              </a:tr>
+            </a:tbl>
+          </a:graphicData>
+        </a:graphic>
+      </p:graphicFrame>
+      <p:sp>
+        <p:nvSpPr>
+          <p:cNvPr id="11" name="Tekstvak 10"/>
+          <p:cNvSpPr txBox="1"/>
+          <p:nvPr/>
+        </p:nvSpPr>
+        <p:spPr>
+          <a:xfrm>
+            <a:off x="4489655" y="4451044"/>
+            <a:ext cx="3212690" cy="369332"/>
+          </a:xfrm>
+          <a:prstGeom prst="rect">
+            <a:avLst/>
+          </a:prstGeom>
+          <a:noFill/>
+        </p:spPr>
+        <p:txBody>
+          <a:bodyPr wrap="square" rtlCol="0">
+            <a:spAutoFit/>
+          </a:bodyPr>
+          <a:lstStyle/>
+          <a:p>
+            <a:r>
+              <a:rPr lang="en-US" b="1" dirty="0" smtClean="0"/>
+              <a:t>Paired Sample Correlations</a:t>
+            </a:r>
+            <a:endParaRPr lang="en-US" b="1" dirty="0"/>
+          </a:p>
+        </p:txBody>
+      </p:sp>
+    </p:spTree>
+    <p:extLst>
+      <p:ext uri="{BB962C8B-B14F-4D97-AF65-F5344CB8AC3E}">
+        <p14:creationId xmlns:p14="http://schemas.microsoft.com/office/powerpoint/2010/main" val="1224810186"/>
+      </p:ext>
+    </p:extLst>
+  </p:cSld>
+  <p:clrMapOvr>
+    <a:masterClrMapping/>
+  </p:clrMapOvr>
+  <p:timing>
+    <p:tnLst>
+      <p:par>
+        <p:cTn id="1" dur="indefinite" restart="never" nodeType="tmRoot">
+          <p:childTnLst>
+            <p:seq concurrent="1" nextAc="seek">
+              <p:cTn id="2" dur="indefinite" nodeType="mainSeq">
+                <p:childTnLst>
+                  <p:par>
+                    <p:cTn id="3" fill="hold">
+                      <p:stCondLst>
+                        <p:cond delay="indefinite"/>
+                        <p:cond evt="onBegin" delay="0">
+                          <p:tn val="2"/>
+                        </p:cond>
+                      </p:stCondLst>
+                      <p:childTnLst>
+                        <p:par>
+                          <p:cTn id="4" fill="hold">
+                            <p:stCondLst>
+                              <p:cond delay="0"/>
+                            </p:stCondLst>
+                            <p:childTnLst>
+                              <p:par>
+                                <p:cTn id="5" presetID="10" presetClass="entr" presetSubtype="0" fill="hold" nodeType="afterEffect">
+                                  <p:stCondLst>
+                                    <p:cond delay="0"/>
+                                  </p:stCondLst>
+                                  <p:childTnLst>
+                                    <p:set>
+                                      <p:cBhvr>
+                                        <p:cTn id="6" dur="1" fill="hold">
+                                          <p:stCondLst>
+                                            <p:cond delay="0"/>
+                                          </p:stCondLst>
+                                        </p:cTn>
+                                        <p:tgtEl>
+                                          <p:spTgt spid="6"/>
+                                        </p:tgtEl>
+                                        <p:attrNameLst>
+                                          <p:attrName>style.visibility</p:attrName>
+                                        </p:attrNameLst>
+                                      </p:cBhvr>
+                                      <p:to>
+                                        <p:strVal val="visible"/>
+                                      </p:to>
+                                    </p:set>
+                                    <p:animEffect transition="in" filter="fade">
+                                      <p:cBhvr>
+                                        <p:cTn id="7" dur="500"/>
+                                        <p:tgtEl>
+                                          <p:spTgt spid="6"/>
+                                        </p:tgtEl>
+                                      </p:cBhvr>
+                                    </p:animEffect>
+                                  </p:childTnLst>
+                                </p:cTn>
+                              </p:par>
+                              <p:par>
+                                <p:cTn id="8" presetID="10" presetClass="entr" presetSubtype="0" fill="hold" grpId="0" nodeType="withEffect">
+                                  <p:stCondLst>
+                                    <p:cond delay="0"/>
+                                  </p:stCondLst>
+                                  <p:childTnLst>
+                                    <p:set>
+                                      <p:cBhvr>
+                                        <p:cTn id="9" dur="1" fill="hold">
+                                          <p:stCondLst>
+                                            <p:cond delay="0"/>
+                                          </p:stCondLst>
+                                        </p:cTn>
+                                        <p:tgtEl>
+                                          <p:spTgt spid="9"/>
+                                        </p:tgtEl>
+                                        <p:attrNameLst>
+                                          <p:attrName>style.visibility</p:attrName>
+                                        </p:attrNameLst>
+                                      </p:cBhvr>
+                                      <p:to>
+                                        <p:strVal val="visible"/>
+                                      </p:to>
+                                    </p:set>
+                                    <p:animEffect transition="in" filter="fade">
+                                      <p:cBhvr>
+                                        <p:cTn id="10" dur="500"/>
+                                        <p:tgtEl>
+                                          <p:spTgt spid="9"/>
+                                        </p:tgtEl>
+                                      </p:cBhvr>
+                                    </p:animEffect>
+                                  </p:childTnLst>
+                                </p:cTn>
+                              </p:par>
+                              <p:par>
+                                <p:cTn id="11" presetID="10" presetClass="entr" presetSubtype="0" fill="hold" nodeType="withEffect">
+                                  <p:stCondLst>
+                                    <p:cond delay="0"/>
+                                  </p:stCondLst>
+                                  <p:childTnLst>
+                                    <p:set>
+                                      <p:cBhvr>
+                                        <p:cTn id="12" dur="1" fill="hold">
+                                          <p:stCondLst>
+                                            <p:cond delay="0"/>
+                                          </p:stCondLst>
+                                        </p:cTn>
+                                        <p:tgtEl>
+                                          <p:spTgt spid="10"/>
+                                        </p:tgtEl>
+                                        <p:attrNameLst>
+                                          <p:attrName>style.visibility</p:attrName>
+                                        </p:attrNameLst>
+                                      </p:cBhvr>
+                                      <p:to>
+                                        <p:strVal val="visible"/>
+                                      </p:to>
+                                    </p:set>
+                                    <p:animEffect transition="in" filter="fade">
+                                      <p:cBhvr>
+                                        <p:cTn id="13" dur="500"/>
+                                        <p:tgtEl>
+                                          <p:spTgt spid="10"/>
+                                        </p:tgtEl>
+                                      </p:cBhvr>
+                                    </p:animEffect>
+                                  </p:childTnLst>
+                                </p:cTn>
+                              </p:par>
+                              <p:par>
+                                <p:cTn id="14" presetID="10" presetClass="entr" presetSubtype="0" fill="hold" grpId="0" nodeType="withEffect">
+                                  <p:stCondLst>
+                                    <p:cond delay="0"/>
+                                  </p:stCondLst>
+                                  <p:childTnLst>
+                                    <p:set>
+                                      <p:cBhvr>
+                                        <p:cTn id="15" dur="1" fill="hold">
+                                          <p:stCondLst>
+                                            <p:cond delay="0"/>
+                                          </p:stCondLst>
+                                        </p:cTn>
+                                        <p:tgtEl>
+                                          <p:spTgt spid="11"/>
+                                        </p:tgtEl>
+                                        <p:attrNameLst>
+                                          <p:attrName>style.visibility</p:attrName>
+                                        </p:attrNameLst>
+                                      </p:cBhvr>
+                                      <p:to>
+                                        <p:strVal val="visible"/>
+                                      </p:to>
+                                    </p:set>
+                                    <p:animEffect transition="in" filter="fade">
+                                      <p:cBhvr>
+                                        <p:cTn id="16" dur="500"/>
+                                        <p:tgtEl>
+                                          <p:spTgt spid="11"/>
+                                        </p:tgtEl>
+                                      </p:cBhvr>
+                                    </p:animEffect>
+                                  </p:childTnLst>
+                                </p:cTn>
+                              </p:par>
+                            </p:childTnLst>
+                          </p:cTn>
+                        </p:par>
+                      </p:childTnLst>
+                    </p:cTn>
+                  </p:par>
+                </p:childTnLst>
+              </p:cTn>
+              <p:prevCondLst>
+                <p:cond evt="onPrev" delay="0">
+                  <p:tgtEl>
+                    <p:sldTgt/>
+                  </p:tgtEl>
+                </p:cond>
+              </p:prevCondLst>
+              <p:nextCondLst>
+                <p:cond evt="onNext" delay="0">
+                  <p:tgtEl>
+                    <p:sldTgt/>
+                  </p:tgtEl>
+                </p:cond>
+              </p:nextCondLst>
+            </p:seq>
+          </p:childTnLst>
+        </p:cTn>
+      </p:par>
+    </p:tnLst>
+    <p:bldLst>
+      <p:bldP spid="9" grpId="0"/>
+      <p:bldP spid="11" grpId="0"/>
+    </p:bldLst>
+  </p:timing>
+</p:sld>
+</file>
+
+<file path=ppt/slides/slide21.xml><?xml version="1.0" encoding="utf-8"?>
+<p:sld xmlns:a="http://schemas.openxmlformats.org/drawingml/2006/main" xmlns:r="http://schemas.openxmlformats.org/officeDocument/2006/relationships" xmlns:p="http://schemas.openxmlformats.org/presentationml/2006/main">
+  <p:cSld>
+    <p:spTree>
+      <p:nvGrpSpPr>
+        <p:cNvPr id="1" name=""/>
+        <p:cNvGrpSpPr/>
+        <p:nvPr/>
+      </p:nvGrpSpPr>
+      <p:grpSpPr>
+        <a:xfrm>
+          <a:off x="0" y="0"/>
+          <a:ext cx="0" cy="0"/>
+          <a:chOff x="0" y="0"/>
+          <a:chExt cx="0" cy="0"/>
+        </a:xfrm>
+      </p:grpSpPr>
+      <p:sp>
+        <p:nvSpPr>
+          <p:cNvPr id="3" name="Content Placeholder 2"/>
+          <p:cNvSpPr>
+            <a:spLocks noGrp="1"/>
+          </p:cNvSpPr>
+          <p:nvPr>
+            <p:ph idx="1"/>
+          </p:nvPr>
+        </p:nvSpPr>
+        <p:spPr>
+          <a:xfrm>
+            <a:off x="1243332" y="941816"/>
+            <a:ext cx="7241907" cy="2539624"/>
+          </a:xfrm>
+        </p:spPr>
+        <p:txBody>
+          <a:bodyPr>
+            <a:normAutofit/>
+          </a:bodyPr>
+          <a:lstStyle/>
+          <a:p>
+            <a:pPr lvl="1"/>
+            <a:r>
+              <a:rPr lang="en-US" sz="2400" dirty="0"/>
+              <a:t>Influence of logarithmic constant in </a:t>
+            </a:r>
+            <a:r>
+              <a:rPr lang="en-US" sz="2400" dirty="0" err="1"/>
+              <a:t>Eades</a:t>
+            </a:r>
+            <a:endParaRPr lang="en-US" sz="2400" dirty="0"/>
+          </a:p>
+          <a:p>
+            <a:pPr lvl="1"/>
+            <a:endParaRPr lang="en-US" sz="2400" dirty="0" smtClean="0"/>
+          </a:p>
+        </p:txBody>
+      </p:sp>
+      <p:sp>
+        <p:nvSpPr>
+          <p:cNvPr id="5" name="Titel 1"/>
+          <p:cNvSpPr txBox="1">
+            <a:spLocks/>
+          </p:cNvSpPr>
+          <p:nvPr/>
+        </p:nvSpPr>
+        <p:spPr>
+          <a:xfrm>
+            <a:off x="1484311" y="8465"/>
+            <a:ext cx="10018713" cy="1752599"/>
+          </a:xfrm>
+          <a:prstGeom prst="rect">
+            <a:avLst/>
+          </a:prstGeom>
+          <a:effectLst/>
+        </p:spPr>
+        <p:txBody>
+          <a:bodyPr vert="horz" lIns="91440" tIns="45720" rIns="91440" bIns="45720" rtlCol="0" anchor="ctr">
+            <a:normAutofit/>
+          </a:bodyPr>
+          <a:lstStyle>
+            <a:lvl1pPr algn="ctr" defTabSz="457200" rtl="0" eaLnBrk="1" latinLnBrk="0" hangingPunct="1">
+              <a:spcBef>
+                <a:spcPct val="0"/>
+              </a:spcBef>
+              <a:buNone/>
+              <a:defRPr sz="4000" kern="1200" cap="none">
+                <a:ln w="3175" cmpd="sng">
+                  <a:noFill/>
+                </a:ln>
+                <a:solidFill>
+                  <a:schemeClr val="tx1"/>
+                </a:solidFill>
+                <a:effectLst/>
+                <a:latin typeface="+mj-lt"/>
+                <a:ea typeface="+mj-ea"/>
+                <a:cs typeface="+mj-cs"/>
+              </a:defRPr>
+            </a:lvl1pPr>
+            <a:lvl2pPr eaLnBrk="1" hangingPunct="1">
+              <a:defRPr>
+                <a:solidFill>
+                  <a:schemeClr val="tx2"/>
+                </a:solidFill>
+              </a:defRPr>
+            </a:lvl2pPr>
+            <a:lvl3pPr eaLnBrk="1" hangingPunct="1">
+              <a:defRPr>
+                <a:solidFill>
+                  <a:schemeClr val="tx2"/>
+                </a:solidFill>
+              </a:defRPr>
+            </a:lvl3pPr>
+            <a:lvl4pPr eaLnBrk="1" hangingPunct="1">
+              <a:defRPr>
+                <a:solidFill>
+                  <a:schemeClr val="tx2"/>
+                </a:solidFill>
+              </a:defRPr>
+            </a:lvl4pPr>
+            <a:lvl5pPr eaLnBrk="1" hangingPunct="1">
+              <a:defRPr>
+                <a:solidFill>
+                  <a:schemeClr val="tx2"/>
+                </a:solidFill>
+              </a:defRPr>
+            </a:lvl5pPr>
+            <a:lvl6pPr eaLnBrk="1" hangingPunct="1">
+              <a:defRPr>
+                <a:solidFill>
+                  <a:schemeClr val="tx2"/>
+                </a:solidFill>
+              </a:defRPr>
+            </a:lvl6pPr>
+            <a:lvl7pPr eaLnBrk="1" hangingPunct="1">
+              <a:defRPr>
+                <a:solidFill>
+                  <a:schemeClr val="tx2"/>
+                </a:solidFill>
+              </a:defRPr>
+            </a:lvl7pPr>
+            <a:lvl8pPr eaLnBrk="1" hangingPunct="1">
+              <a:defRPr>
+                <a:solidFill>
+                  <a:schemeClr val="tx2"/>
+                </a:solidFill>
+              </a:defRPr>
+            </a:lvl8pPr>
+            <a:lvl9pPr eaLnBrk="1" hangingPunct="1">
+              <a:defRPr>
+                <a:solidFill>
+                  <a:schemeClr val="tx2"/>
+                </a:solidFill>
+              </a:defRPr>
+            </a:lvl9pPr>
+          </a:lstStyle>
+          <a:p>
+            <a:r>
+              <a:rPr lang="en-US" sz="5400" dirty="0" smtClean="0"/>
+              <a:t>Results</a:t>
+            </a:r>
+            <a:endParaRPr lang="en-US" dirty="0"/>
+          </a:p>
+        </p:txBody>
+      </p:sp>
+      <p:graphicFrame>
+        <p:nvGraphicFramePr>
+          <p:cNvPr id="7" name="Tabel 6"/>
+          <p:cNvGraphicFramePr>
+            <a:graphicFrameLocks noGrp="1"/>
+          </p:cNvGraphicFramePr>
+          <p:nvPr>
+            <p:extLst>
+              <p:ext uri="{D42A27DB-BD31-4B8C-83A1-F6EECF244321}">
+                <p14:modId xmlns:p14="http://schemas.microsoft.com/office/powerpoint/2010/main" val="1528693182"/>
+              </p:ext>
+            </p:extLst>
+          </p:nvPr>
+        </p:nvGraphicFramePr>
+        <p:xfrm>
+          <a:off x="222410" y="3479001"/>
+          <a:ext cx="11747180" cy="1828800"/>
+        </p:xfrm>
+        <a:graphic>
+          <a:graphicData uri="http://schemas.openxmlformats.org/drawingml/2006/table">
+            <a:tbl>
+              <a:tblPr firstRow="1" bandRow="1">
+                <a:tableStyleId>{5C22544A-7EE6-4342-B048-85BDC9FD1C3A}</a:tableStyleId>
+              </a:tblPr>
+              <a:tblGrid>
+                <a:gridCol w="2014759"/>
+                <a:gridCol w="1368451"/>
+                <a:gridCol w="1510769"/>
+                <a:gridCol w="1445084"/>
+                <a:gridCol w="1280870"/>
+                <a:gridCol w="1366017"/>
+                <a:gridCol w="787635"/>
+                <a:gridCol w="553520"/>
+                <a:gridCol w="1420075"/>
+              </a:tblGrid>
+              <a:tr h="297503">
+                <a:tc>
+                  <a:txBody>
+                    <a:bodyPr/>
+                    <a:lstStyle/>
+                    <a:p>
+                      <a:pPr algn="ctr"/>
+                      <a:endParaRPr lang="en-US" sz="1600" dirty="0"/>
+                    </a:p>
+                  </a:txBody>
+                  <a:tcPr/>
+                </a:tc>
+                <a:tc gridSpan="5">
+                  <a:txBody>
+                    <a:bodyPr/>
+                    <a:lstStyle/>
+                    <a:p>
+                      <a:pPr algn="ctr"/>
+                      <a:r>
+                        <a:rPr lang="en-US" sz="1600" dirty="0" smtClean="0"/>
+                        <a:t>Paired Differences</a:t>
+                      </a:r>
+                      <a:endParaRPr lang="en-US" sz="1600" dirty="0"/>
+                    </a:p>
+                  </a:txBody>
+                  <a:tcPr/>
+                </a:tc>
+                <a:tc hMerge="1">
+                  <a:txBody>
+                    <a:bodyPr/>
+                    <a:lstStyle/>
+                    <a:p>
+                      <a:pPr algn="ctr"/>
+                      <a:endParaRPr lang="en-US" dirty="0"/>
+                    </a:p>
+                  </a:txBody>
+                  <a:tcPr/>
+                </a:tc>
+                <a:tc hMerge="1">
+                  <a:txBody>
+                    <a:bodyPr/>
+                    <a:lstStyle/>
+                    <a:p>
+                      <a:pPr algn="ctr"/>
+                      <a:endParaRPr lang="en-US" dirty="0"/>
+                    </a:p>
+                  </a:txBody>
+                  <a:tcPr/>
+                </a:tc>
+                <a:tc hMerge="1">
+                  <a:txBody>
+                    <a:bodyPr/>
+                    <a:lstStyle/>
+                    <a:p>
+                      <a:pPr algn="ctr"/>
+                      <a:endParaRPr lang="en-US" dirty="0"/>
+                    </a:p>
+                  </a:txBody>
+                  <a:tcPr/>
+                </a:tc>
+                <a:tc hMerge="1">
+                  <a:txBody>
+                    <a:bodyPr/>
+                    <a:lstStyle/>
+                    <a:p>
+                      <a:pPr algn="ctr"/>
+                      <a:endParaRPr lang="en-US" dirty="0"/>
+                    </a:p>
+                  </a:txBody>
+                  <a:tcPr/>
+                </a:tc>
+                <a:tc rowSpan="3">
+                  <a:txBody>
+                    <a:bodyPr/>
+                    <a:lstStyle/>
+                    <a:p>
+                      <a:pPr algn="ctr"/>
+                      <a:r>
+                        <a:rPr lang="en-US" sz="1600" dirty="0" smtClean="0"/>
+                        <a:t>t</a:t>
+                      </a:r>
+                      <a:endParaRPr lang="en-US" sz="1600" dirty="0"/>
+                    </a:p>
+                  </a:txBody>
+                  <a:tcPr/>
+                </a:tc>
+                <a:tc rowSpan="3">
+                  <a:txBody>
+                    <a:bodyPr/>
+                    <a:lstStyle/>
+                    <a:p>
+                      <a:pPr algn="ctr"/>
+                      <a:r>
+                        <a:rPr lang="en-US" sz="1600" dirty="0" err="1" smtClean="0"/>
+                        <a:t>df</a:t>
+                      </a:r>
+                      <a:endParaRPr lang="en-US" sz="1600" dirty="0"/>
+                    </a:p>
+                  </a:txBody>
+                  <a:tcPr/>
+                </a:tc>
+                <a:tc rowSpan="3">
+                  <a:txBody>
+                    <a:bodyPr/>
+                    <a:lstStyle/>
+                    <a:p>
+                      <a:pPr algn="ctr"/>
+                      <a:r>
+                        <a:rPr lang="en-US" sz="1600" dirty="0" smtClean="0"/>
+                        <a:t>Sig. (2-tailed)</a:t>
+                      </a:r>
+                      <a:endParaRPr lang="en-US" sz="1600" dirty="0"/>
+                    </a:p>
+                  </a:txBody>
+                  <a:tcPr/>
+                </a:tc>
+              </a:tr>
+              <a:tr h="202209">
+                <a:tc rowSpan="2">
+                  <a:txBody>
+                    <a:bodyPr/>
+                    <a:lstStyle/>
+                    <a:p>
+                      <a:pPr algn="ctr"/>
+                      <a:endParaRPr lang="en-US" sz="1600" dirty="0"/>
+                    </a:p>
+                  </a:txBody>
+                  <a:tcPr/>
+                </a:tc>
+                <a:tc rowSpan="2">
+                  <a:txBody>
+                    <a:bodyPr/>
+                    <a:lstStyle/>
+                    <a:p>
+                      <a:pPr algn="ctr"/>
+                      <a:r>
+                        <a:rPr lang="en-US" sz="1600" dirty="0" smtClean="0"/>
+                        <a:t>Mean</a:t>
+                      </a:r>
+                      <a:endParaRPr lang="en-US" sz="1600" dirty="0"/>
+                    </a:p>
+                  </a:txBody>
+                  <a:tcPr anchor="b"/>
+                </a:tc>
+                <a:tc rowSpan="2">
+                  <a:txBody>
+                    <a:bodyPr/>
+                    <a:lstStyle/>
+                    <a:p>
+                      <a:pPr algn="ctr"/>
+                      <a:r>
+                        <a:rPr lang="en-US" sz="1600" dirty="0" smtClean="0"/>
+                        <a:t>Std. Deviation</a:t>
+                      </a:r>
+                      <a:endParaRPr lang="en-US" sz="1600" dirty="0"/>
+                    </a:p>
+                  </a:txBody>
+                  <a:tcPr anchor="b"/>
+                </a:tc>
+                <a:tc rowSpan="2">
+                  <a:txBody>
+                    <a:bodyPr/>
+                    <a:lstStyle/>
+                    <a:p>
+                      <a:pPr algn="ctr"/>
+                      <a:r>
+                        <a:rPr lang="en-US" sz="1600" dirty="0" smtClean="0"/>
+                        <a:t>Std.</a:t>
+                      </a:r>
+                      <a:r>
+                        <a:rPr lang="en-US" sz="1600" baseline="0" dirty="0" smtClean="0"/>
+                        <a:t> Error Mean</a:t>
+                      </a:r>
+                      <a:endParaRPr lang="en-US" sz="1600" dirty="0" smtClean="0"/>
+                    </a:p>
+                  </a:txBody>
+                  <a:tcPr anchor="b"/>
+                </a:tc>
+                <a:tc gridSpan="2">
+                  <a:txBody>
+                    <a:bodyPr/>
+                    <a:lstStyle/>
+                    <a:p>
+                      <a:pPr algn="ctr"/>
+                      <a:r>
+                        <a:rPr lang="en-US" sz="1600" dirty="0" smtClean="0"/>
+                        <a:t>95% confidence interval of the difference</a:t>
+                      </a:r>
+                      <a:endParaRPr lang="en-US" sz="1600" dirty="0"/>
+                    </a:p>
+                  </a:txBody>
+                  <a:tcPr/>
+                </a:tc>
+                <a:tc hMerge="1">
+                  <a:txBody>
+                    <a:bodyPr/>
+                    <a:lstStyle/>
+                    <a:p>
+                      <a:pPr algn="ctr"/>
+                      <a:endParaRPr lang="en-US" dirty="0"/>
+                    </a:p>
+                  </a:txBody>
+                  <a:tcPr/>
+                </a:tc>
+                <a:tc vMerge="1">
+                  <a:txBody>
+                    <a:bodyPr/>
+                    <a:lstStyle/>
+                    <a:p>
+                      <a:pPr algn="ctr"/>
+                      <a:endParaRPr lang="en-US" sz="1400" dirty="0"/>
+                    </a:p>
+                  </a:txBody>
+                  <a:tcPr/>
+                </a:tc>
+                <a:tc vMerge="1">
+                  <a:txBody>
+                    <a:bodyPr/>
+                    <a:lstStyle/>
+                    <a:p>
+                      <a:pPr algn="ctr"/>
+                      <a:endParaRPr lang="en-US" sz="1400" dirty="0"/>
+                    </a:p>
+                  </a:txBody>
+                  <a:tcPr/>
+                </a:tc>
+                <a:tc vMerge="1">
+                  <a:txBody>
+                    <a:bodyPr/>
+                    <a:lstStyle/>
+                    <a:p>
+                      <a:endParaRPr lang="en-US"/>
+                    </a:p>
+                  </a:txBody>
+                  <a:tcPr/>
+                </a:tc>
+              </a:tr>
+              <a:tr h="202209">
+                <a:tc vMerge="1">
+                  <a:txBody>
+                    <a:bodyPr/>
+                    <a:lstStyle/>
+                    <a:p>
+                      <a:endParaRPr lang="en-US"/>
+                    </a:p>
+                  </a:txBody>
+                  <a:tcPr/>
+                </a:tc>
+                <a:tc vMerge="1">
+                  <a:txBody>
+                    <a:bodyPr/>
+                    <a:lstStyle/>
+                    <a:p>
+                      <a:endParaRPr lang="en-US"/>
+                    </a:p>
+                  </a:txBody>
+                  <a:tcPr/>
+                </a:tc>
+                <a:tc vMerge="1">
+                  <a:txBody>
+                    <a:bodyPr/>
+                    <a:lstStyle/>
+                    <a:p>
+                      <a:endParaRPr lang="en-US"/>
+                    </a:p>
+                  </a:txBody>
+                  <a:tcPr/>
+                </a:tc>
+                <a:tc vMerge="1">
+                  <a:txBody>
+                    <a:bodyPr/>
+                    <a:lstStyle/>
+                    <a:p>
+                      <a:endParaRPr lang="en-US"/>
+                    </a:p>
+                  </a:txBody>
+                  <a:tcPr/>
+                </a:tc>
+                <a:tc>
+                  <a:txBody>
+                    <a:bodyPr/>
+                    <a:lstStyle/>
+                    <a:p>
+                      <a:pPr algn="ctr"/>
+                      <a:r>
+                        <a:rPr lang="en-US" sz="1600" dirty="0" smtClean="0"/>
+                        <a:t>Lower</a:t>
+                      </a:r>
+                      <a:endParaRPr lang="en-US" sz="1600" dirty="0"/>
+                    </a:p>
+                  </a:txBody>
+                  <a:tcPr/>
+                </a:tc>
+                <a:tc>
+                  <a:txBody>
+                    <a:bodyPr/>
+                    <a:lstStyle/>
+                    <a:p>
+                      <a:pPr algn="ctr"/>
+                      <a:r>
+                        <a:rPr lang="en-US" sz="1600" dirty="0" smtClean="0"/>
+                        <a:t>Upper</a:t>
+                      </a:r>
+                      <a:endParaRPr lang="en-US" sz="1600" dirty="0"/>
+                    </a:p>
+                  </a:txBody>
+                  <a:tcPr/>
+                </a:tc>
+                <a:tc vMerge="1">
+                  <a:txBody>
+                    <a:bodyPr/>
+                    <a:lstStyle/>
+                    <a:p>
+                      <a:pPr algn="ctr"/>
+                      <a:endParaRPr lang="en-US" sz="1400" dirty="0"/>
+                    </a:p>
+                  </a:txBody>
+                  <a:tcPr/>
+                </a:tc>
+                <a:tc vMerge="1">
+                  <a:txBody>
+                    <a:bodyPr/>
+                    <a:lstStyle/>
+                    <a:p>
+                      <a:pPr algn="ctr"/>
+                      <a:endParaRPr lang="en-US" sz="1400" dirty="0"/>
+                    </a:p>
+                  </a:txBody>
+                  <a:tcPr/>
+                </a:tc>
+                <a:tc vMerge="1">
+                  <a:txBody>
+                    <a:bodyPr/>
+                    <a:lstStyle/>
+                    <a:p>
+                      <a:endParaRPr lang="en-US"/>
+                    </a:p>
+                  </a:txBody>
+                  <a:tcPr/>
+                </a:tc>
+              </a:tr>
+              <a:tr h="274260">
+                <a:tc>
+                  <a:txBody>
+                    <a:bodyPr/>
+                    <a:lstStyle/>
+                    <a:p>
+                      <a:pPr algn="l"/>
+                      <a:r>
+                        <a:rPr lang="en-US" sz="1600" dirty="0" smtClean="0"/>
+                        <a:t>Pair 1</a:t>
+                      </a:r>
+                    </a:p>
+                    <a:p>
+                      <a:pPr algn="l"/>
+                      <a:r>
+                        <a:rPr lang="en-US" sz="1600" dirty="0" err="1" smtClean="0"/>
+                        <a:t>LowLoga</a:t>
+                      </a:r>
+                      <a:r>
+                        <a:rPr lang="en-US" sz="1600" dirty="0" smtClean="0"/>
+                        <a:t> - </a:t>
+                      </a:r>
+                      <a:r>
+                        <a:rPr lang="en-US" sz="1600" dirty="0" err="1" smtClean="0"/>
+                        <a:t>HighLoga</a:t>
+                      </a:r>
+                      <a:endParaRPr lang="en-US" sz="1600" dirty="0"/>
+                    </a:p>
+                  </a:txBody>
+                  <a:tcPr/>
+                </a:tc>
+                <a:tc>
+                  <a:txBody>
+                    <a:bodyPr/>
+                    <a:lstStyle/>
+                    <a:p>
+                      <a:pPr algn="ctr"/>
+                      <a:r>
+                        <a:rPr lang="en-US" sz="1600" dirty="0" smtClean="0"/>
+                        <a:t>-0.124563495</a:t>
+                      </a:r>
+                      <a:endParaRPr lang="en-US" sz="1600" dirty="0"/>
+                    </a:p>
+                  </a:txBody>
+                  <a:tcPr/>
+                </a:tc>
+                <a:tc>
+                  <a:txBody>
+                    <a:bodyPr/>
+                    <a:lstStyle/>
+                    <a:p>
+                      <a:pPr algn="ctr"/>
+                      <a:r>
+                        <a:rPr lang="en-US" sz="1600" dirty="0" smtClean="0"/>
+                        <a:t>0.2931421157</a:t>
+                      </a:r>
+                      <a:endParaRPr lang="en-US" sz="1600" dirty="0"/>
+                    </a:p>
+                  </a:txBody>
+                  <a:tcPr/>
+                </a:tc>
+                <a:tc>
+                  <a:txBody>
+                    <a:bodyPr/>
+                    <a:lstStyle/>
+                    <a:p>
+                      <a:pPr algn="ctr"/>
+                      <a:r>
+                        <a:rPr lang="en-US" sz="1600" dirty="0" smtClean="0"/>
+                        <a:t>0.0293142116</a:t>
+                      </a:r>
+                      <a:endParaRPr lang="en-US" sz="1600" dirty="0"/>
+                    </a:p>
+                  </a:txBody>
+                  <a:tcPr/>
+                </a:tc>
+                <a:tc>
+                  <a:txBody>
+                    <a:bodyPr/>
+                    <a:lstStyle/>
+                    <a:p>
+                      <a:pPr algn="ctr"/>
+                      <a:r>
+                        <a:rPr lang="en-US" sz="1600" dirty="0" smtClean="0"/>
+                        <a:t>-0.182729251</a:t>
+                      </a:r>
+                      <a:endParaRPr lang="en-US" sz="1600" dirty="0"/>
+                    </a:p>
+                  </a:txBody>
+                  <a:tcPr/>
+                </a:tc>
+                <a:tc>
+                  <a:txBody>
+                    <a:bodyPr/>
+                    <a:lstStyle/>
+                    <a:p>
+                      <a:pPr algn="ctr"/>
+                      <a:r>
+                        <a:rPr lang="en-US" sz="1600" dirty="0" smtClean="0"/>
+                        <a:t>-0.066397740</a:t>
+                      </a:r>
+                      <a:endParaRPr lang="en-US" sz="1600" dirty="0"/>
+                    </a:p>
+                  </a:txBody>
+                  <a:tcPr/>
+                </a:tc>
+                <a:tc>
+                  <a:txBody>
+                    <a:bodyPr/>
+                    <a:lstStyle/>
+                    <a:p>
+                      <a:pPr algn="ctr"/>
+                      <a:r>
+                        <a:rPr lang="en-US" sz="1600" dirty="0" smtClean="0"/>
+                        <a:t>-4.249</a:t>
+                      </a:r>
+                      <a:endParaRPr lang="en-US" sz="1600" dirty="0"/>
+                    </a:p>
+                  </a:txBody>
+                  <a:tcPr/>
+                </a:tc>
+                <a:tc>
+                  <a:txBody>
+                    <a:bodyPr/>
+                    <a:lstStyle/>
+                    <a:p>
+                      <a:pPr algn="ctr"/>
+                      <a:r>
+                        <a:rPr lang="en-US" sz="1600" dirty="0" smtClean="0"/>
+                        <a:t>99</a:t>
+                      </a:r>
+                      <a:endParaRPr lang="en-US" sz="1600" dirty="0"/>
+                    </a:p>
+                  </a:txBody>
+                  <a:tcPr/>
+                </a:tc>
+                <a:tc>
+                  <a:txBody>
+                    <a:bodyPr/>
+                    <a:lstStyle/>
+                    <a:p>
+                      <a:pPr algn="ctr"/>
+                      <a:r>
+                        <a:rPr lang="en-US" sz="1600" dirty="0" smtClean="0"/>
+                        <a:t>0.000</a:t>
+                      </a:r>
+                      <a:endParaRPr lang="en-US" sz="1600" dirty="0"/>
+                    </a:p>
+                  </a:txBody>
+                  <a:tcPr/>
+                </a:tc>
+              </a:tr>
+            </a:tbl>
+          </a:graphicData>
+        </a:graphic>
+      </p:graphicFrame>
+      <p:sp>
+        <p:nvSpPr>
+          <p:cNvPr id="8" name="Tekstvak 7"/>
+          <p:cNvSpPr txBox="1"/>
+          <p:nvPr/>
+        </p:nvSpPr>
+        <p:spPr>
+          <a:xfrm>
+            <a:off x="4980039" y="2908940"/>
+            <a:ext cx="2231923" cy="369332"/>
+          </a:xfrm>
+          <a:prstGeom prst="rect">
+            <a:avLst/>
+          </a:prstGeom>
+          <a:noFill/>
+        </p:spPr>
+        <p:txBody>
+          <a:bodyPr wrap="square" rtlCol="0">
+            <a:spAutoFit/>
+          </a:bodyPr>
+          <a:lstStyle/>
+          <a:p>
+            <a:r>
+              <a:rPr lang="en-US" b="1" dirty="0" smtClean="0"/>
+              <a:t>Paired Samples test</a:t>
+            </a:r>
+            <a:endParaRPr lang="en-US" b="1" dirty="0"/>
+          </a:p>
+        </p:txBody>
+      </p:sp>
+    </p:spTree>
+    <p:extLst>
+      <p:ext uri="{BB962C8B-B14F-4D97-AF65-F5344CB8AC3E}">
+        <p14:creationId xmlns:p14="http://schemas.microsoft.com/office/powerpoint/2010/main" val="1936434858"/>
+      </p:ext>
+    </p:extLst>
+  </p:cSld>
+  <p:clrMapOvr>
+    <a:masterClrMapping/>
+  </p:clrMapOvr>
+  <p:timing>
+    <p:tnLst>
+      <p:par>
+        <p:cTn id="1" dur="indefinite" restart="never" nodeType="tmRoot">
+          <p:childTnLst>
+            <p:seq concurrent="1" nextAc="seek">
+              <p:cTn id="2" dur="indefinite" nodeType="mainSeq">
+                <p:childTnLst>
+                  <p:par>
+                    <p:cTn id="3" fill="hold">
+                      <p:stCondLst>
+                        <p:cond delay="indefinite"/>
+                        <p:cond evt="onBegin" delay="0">
+                          <p:tn val="2"/>
+                        </p:cond>
+                      </p:stCondLst>
+                      <p:childTnLst>
+                        <p:par>
+                          <p:cTn id="4" fill="hold">
+                            <p:stCondLst>
+                              <p:cond delay="0"/>
+                            </p:stCondLst>
+                            <p:childTnLst>
+                              <p:par>
+                                <p:cTn id="5" presetID="10" presetClass="entr" presetSubtype="0" fill="hold" nodeType="withEffect">
+                                  <p:stCondLst>
+                                    <p:cond delay="0"/>
+                                  </p:stCondLst>
+                                  <p:childTnLst>
+                                    <p:set>
+                                      <p:cBhvr>
+                                        <p:cTn id="6" dur="1" fill="hold">
+                                          <p:stCondLst>
+                                            <p:cond delay="0"/>
+                                          </p:stCondLst>
+                                        </p:cTn>
+                                        <p:tgtEl>
+                                          <p:spTgt spid="7"/>
+                                        </p:tgtEl>
+                                        <p:attrNameLst>
+                                          <p:attrName>style.visibility</p:attrName>
+                                        </p:attrNameLst>
+                                      </p:cBhvr>
+                                      <p:to>
+                                        <p:strVal val="visible"/>
+                                      </p:to>
+                                    </p:set>
+                                    <p:animEffect transition="in" filter="fade">
+                                      <p:cBhvr>
+                                        <p:cTn id="7" dur="500"/>
+                                        <p:tgtEl>
+                                          <p:spTgt spid="7"/>
+                                        </p:tgtEl>
+                                      </p:cBhvr>
+                                    </p:animEffect>
+                                  </p:childTnLst>
+                                </p:cTn>
+                              </p:par>
+                              <p:par>
+                                <p:cTn id="8" presetID="10" presetClass="entr" presetSubtype="0" fill="hold" grpId="0" nodeType="withEffect">
+                                  <p:stCondLst>
+                                    <p:cond delay="0"/>
+                                  </p:stCondLst>
+                                  <p:childTnLst>
+                                    <p:set>
+                                      <p:cBhvr>
+                                        <p:cTn id="9" dur="1" fill="hold">
+                                          <p:stCondLst>
+                                            <p:cond delay="0"/>
+                                          </p:stCondLst>
+                                        </p:cTn>
+                                        <p:tgtEl>
+                                          <p:spTgt spid="8"/>
+                                        </p:tgtEl>
+                                        <p:attrNameLst>
+                                          <p:attrName>style.visibility</p:attrName>
+                                        </p:attrNameLst>
+                                      </p:cBhvr>
+                                      <p:to>
+                                        <p:strVal val="visible"/>
+                                      </p:to>
+                                    </p:set>
+                                    <p:animEffect transition="in" filter="fade">
+                                      <p:cBhvr>
+                                        <p:cTn id="10" dur="500"/>
+                                        <p:tgtEl>
+                                          <p:spTgt spid="8"/>
+                                        </p:tgtEl>
+                                      </p:cBhvr>
+                                    </p:animEffect>
+                                  </p:childTnLst>
+                                </p:cTn>
+                              </p:par>
+                            </p:childTnLst>
+                          </p:cTn>
+                        </p:par>
+                      </p:childTnLst>
+                    </p:cTn>
+                  </p:par>
+                </p:childTnLst>
+              </p:cTn>
+              <p:prevCondLst>
+                <p:cond evt="onPrev" delay="0">
+                  <p:tgtEl>
+                    <p:sldTgt/>
+                  </p:tgtEl>
+                </p:cond>
+              </p:prevCondLst>
+              <p:nextCondLst>
+                <p:cond evt="onNext" delay="0">
+                  <p:tgtEl>
+                    <p:sldTgt/>
+                  </p:tgtEl>
+                </p:cond>
+              </p:nextCondLst>
+            </p:seq>
+          </p:childTnLst>
+        </p:cTn>
+      </p:par>
+    </p:tnLst>
+    <p:bldLst>
+      <p:bldP spid="8" grpId="0"/>
+    </p:bldLst>
+  </p:timing>
+</p:sld>
+</file>
+
+<file path=ppt/slides/slide22.xml><?xml version="1.0" encoding="utf-8"?>
+<p:sld xmlns:a="http://schemas.openxmlformats.org/drawingml/2006/main" xmlns:r="http://schemas.openxmlformats.org/officeDocument/2006/relationships" xmlns:p="http://schemas.openxmlformats.org/presentationml/2006/main">
+  <p:cSld>
+    <p:spTree>
+      <p:nvGrpSpPr>
+        <p:cNvPr id="1" name=""/>
+        <p:cNvGrpSpPr/>
+        <p:nvPr/>
+      </p:nvGrpSpPr>
+      <p:grpSpPr>
+        <a:xfrm>
+          <a:off x="0" y="0"/>
+          <a:ext cx="0" cy="0"/>
+          <a:chOff x="0" y="0"/>
+          <a:chExt cx="0" cy="0"/>
+        </a:xfrm>
+      </p:grpSpPr>
+      <p:sp>
+        <p:nvSpPr>
+          <p:cNvPr id="3" name="Content Placeholder 2"/>
+          <p:cNvSpPr>
+            <a:spLocks noGrp="1"/>
+          </p:cNvSpPr>
+          <p:nvPr>
+            <p:ph idx="1"/>
+          </p:nvPr>
+        </p:nvSpPr>
+        <p:spPr>
+          <a:xfrm>
+            <a:off x="1484310" y="2412999"/>
+            <a:ext cx="10452051" cy="3124201"/>
+          </a:xfrm>
+        </p:spPr>
+        <p:txBody>
+          <a:bodyPr/>
+          <a:lstStyle/>
+          <a:p>
+            <a:r>
+              <a:rPr lang="en-GB" sz="2800" dirty="0" smtClean="0"/>
+              <a:t>Hooke-Coulomb is significantly better than </a:t>
+            </a:r>
+            <a:r>
+              <a:rPr lang="en-GB" sz="2800" dirty="0" err="1" smtClean="0"/>
+              <a:t>Fruchterman-Reingold</a:t>
+            </a:r>
+            <a:endParaRPr lang="en-GB" sz="2800" dirty="0" smtClean="0"/>
+          </a:p>
+          <a:p>
+            <a:r>
+              <a:rPr lang="en-GB" sz="2800" dirty="0" err="1" smtClean="0"/>
+              <a:t>Eades</a:t>
+            </a:r>
+            <a:r>
+              <a:rPr lang="en-GB" sz="2800" dirty="0" smtClean="0"/>
+              <a:t> is significantly worse than </a:t>
+            </a:r>
+            <a:r>
+              <a:rPr lang="en-GB" sz="2800" dirty="0" err="1"/>
+              <a:t>Fruchterman-Reingold</a:t>
+            </a:r>
+            <a:endParaRPr lang="en-GB" sz="2800" dirty="0"/>
+          </a:p>
+          <a:p>
+            <a:r>
+              <a:rPr lang="en-GB" sz="2800" dirty="0" smtClean="0"/>
+              <a:t>High logarithmic weight is significantly better in </a:t>
+            </a:r>
+            <a:r>
+              <a:rPr lang="en-GB" sz="2800" dirty="0" err="1" smtClean="0"/>
+              <a:t>Eades</a:t>
+            </a:r>
+            <a:endParaRPr lang="en-GB" sz="2800" dirty="0" smtClean="0"/>
+          </a:p>
+          <a:p>
+            <a:endParaRPr lang="en-GB" dirty="0"/>
+          </a:p>
+        </p:txBody>
+      </p:sp>
+      <p:sp>
+        <p:nvSpPr>
+          <p:cNvPr id="5" name="Titel 1"/>
+          <p:cNvSpPr txBox="1">
+            <a:spLocks/>
+          </p:cNvSpPr>
+          <p:nvPr/>
+        </p:nvSpPr>
+        <p:spPr>
+          <a:xfrm>
+            <a:off x="1484311" y="8465"/>
+            <a:ext cx="10018713" cy="1752599"/>
+          </a:xfrm>
+          <a:prstGeom prst="rect">
+            <a:avLst/>
+          </a:prstGeom>
+          <a:effectLst/>
+        </p:spPr>
+        <p:txBody>
+          <a:bodyPr vert="horz" lIns="91440" tIns="45720" rIns="91440" bIns="45720" rtlCol="0" anchor="ctr">
+            <a:normAutofit/>
+          </a:bodyPr>
+          <a:lstStyle>
+            <a:lvl1pPr algn="ctr" defTabSz="457200" rtl="0" eaLnBrk="1" latinLnBrk="0" hangingPunct="1">
+              <a:spcBef>
+                <a:spcPct val="0"/>
+              </a:spcBef>
+              <a:buNone/>
+              <a:defRPr sz="4000" kern="1200" cap="none">
+                <a:ln w="3175" cmpd="sng">
+                  <a:noFill/>
+                </a:ln>
+                <a:solidFill>
+                  <a:schemeClr val="tx1"/>
+                </a:solidFill>
+                <a:effectLst/>
+                <a:latin typeface="+mj-lt"/>
+                <a:ea typeface="+mj-ea"/>
+                <a:cs typeface="+mj-cs"/>
+              </a:defRPr>
+            </a:lvl1pPr>
+            <a:lvl2pPr eaLnBrk="1" hangingPunct="1">
+              <a:defRPr>
+                <a:solidFill>
+                  <a:schemeClr val="tx2"/>
+                </a:solidFill>
+              </a:defRPr>
+            </a:lvl2pPr>
+            <a:lvl3pPr eaLnBrk="1" hangingPunct="1">
+              <a:defRPr>
+                <a:solidFill>
+                  <a:schemeClr val="tx2"/>
+                </a:solidFill>
+              </a:defRPr>
+            </a:lvl3pPr>
+            <a:lvl4pPr eaLnBrk="1" hangingPunct="1">
+              <a:defRPr>
+                <a:solidFill>
+                  <a:schemeClr val="tx2"/>
+                </a:solidFill>
+              </a:defRPr>
+            </a:lvl4pPr>
+            <a:lvl5pPr eaLnBrk="1" hangingPunct="1">
+              <a:defRPr>
+                <a:solidFill>
+                  <a:schemeClr val="tx2"/>
+                </a:solidFill>
+              </a:defRPr>
+            </a:lvl5pPr>
+            <a:lvl6pPr eaLnBrk="1" hangingPunct="1">
+              <a:defRPr>
+                <a:solidFill>
+                  <a:schemeClr val="tx2"/>
+                </a:solidFill>
+              </a:defRPr>
+            </a:lvl6pPr>
+            <a:lvl7pPr eaLnBrk="1" hangingPunct="1">
+              <a:defRPr>
+                <a:solidFill>
+                  <a:schemeClr val="tx2"/>
+                </a:solidFill>
+              </a:defRPr>
+            </a:lvl7pPr>
+            <a:lvl8pPr eaLnBrk="1" hangingPunct="1">
+              <a:defRPr>
+                <a:solidFill>
+                  <a:schemeClr val="tx2"/>
+                </a:solidFill>
+              </a:defRPr>
+            </a:lvl8pPr>
+            <a:lvl9pPr eaLnBrk="1" hangingPunct="1">
+              <a:defRPr>
+                <a:solidFill>
+                  <a:schemeClr val="tx2"/>
+                </a:solidFill>
+              </a:defRPr>
+            </a:lvl9pPr>
+          </a:lstStyle>
+          <a:p>
+            <a:r>
+              <a:rPr lang="en-US" sz="5400" dirty="0" smtClean="0"/>
+              <a:t>Conclusion</a:t>
+            </a:r>
+            <a:endParaRPr lang="en-US" dirty="0"/>
+          </a:p>
+        </p:txBody>
+      </p:sp>
+    </p:spTree>
+    <p:extLst>
+      <p:ext uri="{BB962C8B-B14F-4D97-AF65-F5344CB8AC3E}">
+        <p14:creationId xmlns:p14="http://schemas.microsoft.com/office/powerpoint/2010/main" val="2528578112"/>
       </p:ext>
     </p:extLst>
   </p:cSld>
@@ -8356,7 +12846,15 @@
             <a:pPr lvl="1"/>
             <a:r>
               <a:rPr lang="en-US" sz="2600" dirty="0"/>
-              <a:t>Move nodes with predefined </a:t>
+              <a:t>Move </a:t>
+            </a:r>
+            <a:r>
+              <a:rPr lang="en-US" sz="2600" dirty="0" smtClean="0"/>
+              <a:t>vertices with </a:t>
+            </a:r>
+            <a:r>
+              <a:rPr lang="en-US" sz="2600" dirty="0"/>
+              <a:t>predefined </a:t>
             </a:r>
             <a:r>
               <a:rPr lang="en-US" sz="2600" dirty="0" smtClean="0"/>
@@ -8553,8 +13051,13 @@
             <a:pPr lvl="1"/>
             <a:r>
               <a:rPr lang="en-US" sz="2400" dirty="0" smtClean="0"/>
-              <a:t>has different parameters</a:t>
-            </a:r>
+              <a:t>has </a:t>
+            </a:r>
+            <a:r>
+              <a:rPr lang="en-US" sz="2400" dirty="0" smtClean="0"/>
+              <a:t>multiple parameters</a:t>
+            </a:r>
+            <a:endParaRPr lang="en-US" sz="2400" dirty="0" smtClean="0"/>
           </a:p>
           <a:p>
             <a:endParaRPr lang="en-US" sz="2600" dirty="0"/>
@@ -8843,8 +13346,8 @@
           </a:p>
         </p:txBody>
       </p:sp>
-      <mc:AlternateContent xmlns:mc="http://schemas.openxmlformats.org/markup-compatibility/2006" xmlns:a14="http://schemas.microsoft.com/office/drawing/2010/main">
-        <mc:Choice Requires="a14">
+      <mc:AlternateContent xmlns:mc="http://schemas.openxmlformats.org/markup-compatibility/2006">
+        <mc:Choice xmlns:a14="http://schemas.microsoft.com/office/drawing/2010/main" Requires="a14">
           <p:sp>
             <p:nvSpPr>
               <p:cNvPr id="3" name="Tijdelijke aanduiding voor inhoud 2"/>
@@ -8858,7 +13361,7 @@
             <p:spPr>
               <a:xfrm>
                 <a:off x="1509983" y="1380064"/>
-                <a:ext cx="9993042" cy="5023507"/>
+                <a:ext cx="9993042" cy="5863418"/>
               </a:xfrm>
             </p:spPr>
             <p:txBody>
@@ -9074,31 +13577,12 @@
                       </a:rPr>
                       <m:t>=</m:t>
                     </m:r>
-                    <m:sSub>
-                      <m:sSubPr>
-                        <m:ctrlPr>
-                          <a:rPr lang="en-US" sz="2800" b="1" i="1" smtClean="0">
-                            <a:latin typeface="Cambria Math" panose="02040503050406030204" pitchFamily="18" charset="0"/>
-                          </a:rPr>
-                        </m:ctrlPr>
-                      </m:sSubPr>
-                      <m:e>
-                        <m:r>
-                          <a:rPr lang="nl-NL" sz="2800" b="1" i="1" smtClean="0">
-                            <a:latin typeface="Cambria Math" panose="02040503050406030204" pitchFamily="18" charset="0"/>
-                          </a:rPr>
-                          <m:t>𝒘</m:t>
-                        </m:r>
-                      </m:e>
-                      <m:sub>
-                        <m:r>
-                          <a:rPr lang="nl-NL" sz="2800" b="1" i="1" smtClean="0">
-                            <a:latin typeface="Cambria Math" panose="02040503050406030204" pitchFamily="18" charset="0"/>
-                          </a:rPr>
-                          <m:t>𝒂</m:t>
-                        </m:r>
-                      </m:sub>
-                    </m:sSub>
+                    <m:r>
+                      <a:rPr lang="el-GR" sz="2800" b="1" i="1">
+                        <a:latin typeface="Cambria Math" panose="02040503050406030204" pitchFamily="18" charset="0"/>
+                      </a:rPr>
+                      <m:t>𝜶</m:t>
+                    </m:r>
                     <m:f>
                       <m:fPr>
                         <m:ctrlPr>
@@ -9265,6 +13749,10 @@
                   <a:rPr lang="en-US" sz="2800" dirty="0" smtClean="0"/>
                   <a:t>Parameters: </a:t>
                 </a:r>
+                <a:r>
+                  <a:rPr lang="en-US" sz="2800" dirty="0" smtClean="0"/>
+                  <a:t>weight </a:t>
+                </a:r>
                 <a14:m>
                   <m:oMath xmlns:m="http://schemas.openxmlformats.org/officeDocument/2006/math">
                     <m:r>
@@ -9276,38 +13764,38 @@
                   </m:oMath>
                 </a14:m>
                 <a:r>
+                  <a:rPr lang="en-US" sz="2800" b="1" dirty="0" smtClean="0"/>
+                  <a:t>   </a:t>
+                </a:r>
+                <a:r>
                   <a:rPr lang="en-US" sz="2800" dirty="0" smtClean="0"/>
-                  <a:t> and </a:t>
+                  <a:t>: [0.0001~0.4]</a:t>
+                </a:r>
+                <a:br>
+                  <a:rPr lang="en-US" sz="2800" dirty="0" smtClean="0"/>
+                </a:br>
+                <a:r>
+                  <a:rPr lang="en-US" sz="2800" dirty="0" smtClean="0"/>
+                  <a:t>				     weight </a:t>
                 </a:r>
                 <a14:m>
                   <m:oMath xmlns:m="http://schemas.openxmlformats.org/officeDocument/2006/math">
-                    <m:sSub>
-                      <m:sSubPr>
-                        <m:ctrlPr>
-                          <a:rPr lang="en-US" sz="2800" b="1" i="1">
-                            <a:latin typeface="Cambria Math" panose="02040503050406030204" pitchFamily="18" charset="0"/>
-                          </a:rPr>
-                        </m:ctrlPr>
-                      </m:sSubPr>
-                      <m:e>
-                        <m:r>
-                          <a:rPr lang="nl-NL" sz="2800" b="1" i="1">
-                            <a:latin typeface="Cambria Math" panose="02040503050406030204" pitchFamily="18" charset="0"/>
-                          </a:rPr>
-                          <m:t>𝒘</m:t>
-                        </m:r>
-                      </m:e>
-                      <m:sub>
-                        <m:r>
-                          <a:rPr lang="nl-NL" sz="2800" b="1" i="1">
-                            <a:latin typeface="Cambria Math" panose="02040503050406030204" pitchFamily="18" charset="0"/>
-                          </a:rPr>
-                          <m:t>𝒂</m:t>
-                        </m:r>
-                      </m:sub>
-                    </m:sSub>
+                    <m:r>
+                      <a:rPr lang="el-GR" sz="2800" b="1" i="1">
+                        <a:latin typeface="Cambria Math" panose="02040503050406030204" pitchFamily="18" charset="0"/>
+                      </a:rPr>
+                      <m:t>𝜶</m:t>
+                    </m:r>
                   </m:oMath>
                 </a14:m>
+                <a:r>
+                  <a:rPr lang="en-US" sz="2800" b="1" dirty="0" smtClean="0"/>
+                  <a:t>  </a:t>
+                </a:r>
+                <a:r>
+                  <a:rPr lang="en-US" sz="2800" dirty="0" smtClean="0"/>
+                  <a:t>: [0.0001~0.2]</a:t>
+                </a:r>
                 <a:endParaRPr lang="en-US" sz="2800" b="1" dirty="0" smtClean="0"/>
               </a:p>
               <a:p>
@@ -9319,7 +13807,7 @@
             </p:txBody>
           </p:sp>
         </mc:Choice>
-        <mc:Fallback xmlns="">
+        <mc:Fallback>
           <p:sp>
             <p:nvSpPr>
               <p:cNvPr id="3" name="Tijdelijke aanduiding voor inhoud 2"/>
@@ -9333,7 +13821,7 @@
             <p:spPr>
               <a:xfrm>
                 <a:off x="1509983" y="1380064"/>
-                <a:ext cx="9993042" cy="5023507"/>
+                <a:ext cx="9993042" cy="5863418"/>
               </a:xfrm>
               <a:blipFill rotWithShape="0">
                 <a:blip r:embed="rId2"/>
@@ -9394,8 +13882,8 @@
           <a:chExt cx="0" cy="0"/>
         </a:xfrm>
       </p:grpSpPr>
-      <mc:AlternateContent xmlns:mc="http://schemas.openxmlformats.org/markup-compatibility/2006" xmlns:a14="http://schemas.microsoft.com/office/drawing/2010/main">
-        <mc:Choice Requires="a14">
+      <mc:AlternateContent xmlns:mc="http://schemas.openxmlformats.org/markup-compatibility/2006">
+        <mc:Choice xmlns:a14="http://schemas.microsoft.com/office/drawing/2010/main" Requires="a14">
           <p:sp>
             <p:nvSpPr>
               <p:cNvPr id="3" name="Tijdelijke aanduiding voor inhoud 2"/>
@@ -9626,10 +14114,10 @@
                       <m:t>=</m:t>
                     </m:r>
                     <m:r>
-                      <a:rPr lang="nl-NL" sz="2800" b="1" i="1">
+                      <a:rPr lang="el-GR" sz="2800" b="1" i="1">
                         <a:latin typeface="Cambria Math" panose="02040503050406030204" pitchFamily="18" charset="0"/>
                       </a:rPr>
-                      <m:t>𝒓</m:t>
+                      <m:t>𝜶</m:t>
                     </m:r>
                     <m:r>
                       <a:rPr lang="nl-NL" sz="2800" i="1">
@@ -9708,7 +14196,11 @@
                 <a:pPr lvl="1"/>
                 <a:r>
                   <a:rPr lang="en-US" sz="2800" dirty="0" smtClean="0"/>
-                  <a:t>Parameters: weight </a:t>
+                  <a:t>Parameters</a:t>
+                </a:r>
+                <a:r>
+                  <a:rPr lang="en-US" sz="2800" dirty="0" smtClean="0"/>
+                  <a:t>:      weight </a:t>
                 </a:r>
                 <a14:m>
                   <m:oMath xmlns:m="http://schemas.openxmlformats.org/officeDocument/2006/math">
@@ -9718,48 +14210,54 @@
                       </a:rPr>
                       <m:t>𝜶</m:t>
                     </m:r>
-                    <m:r>
-                      <a:rPr lang="nl-NL" sz="2800" b="0" i="0" smtClean="0">
-                        <a:latin typeface="Cambria Math" panose="02040503050406030204" pitchFamily="18" charset="0"/>
-                      </a:rPr>
-                      <m:t>, </m:t>
-                    </m:r>
                   </m:oMath>
                 </a14:m>
                 <a:r>
                   <a:rPr lang="en-US" sz="2800" dirty="0" smtClean="0"/>
-                  <a:t>weight </a:t>
+                  <a:t>  : [0.0001~1 ]</a:t>
+                </a:r>
+                <a:br>
+                  <a:rPr lang="en-US" sz="2800" dirty="0" smtClean="0"/>
+                </a:br>
+                <a:r>
+                  <a:rPr lang="en-US" sz="2800" dirty="0" smtClean="0"/>
+                  <a:t>				                         </a:t>
                 </a:r>
                 <a14:m>
                   <m:oMath xmlns:m="http://schemas.openxmlformats.org/officeDocument/2006/math">
                     <m:r>
-                      <a:rPr lang="nl-NL" sz="2800" b="1" i="1">
-                        <a:latin typeface="Cambria Math" panose="02040503050406030204" pitchFamily="18" charset="0"/>
-                      </a:rPr>
-                      <m:t>𝒓</m:t>
-                    </m:r>
-                  </m:oMath>
-                </a14:m>
-                <a:r>
-                  <a:rPr lang="en-US" sz="2800" dirty="0" smtClean="0"/>
-                  <a:t> and </a:t>
-                </a:r>
-                <a14:m>
-                  <m:oMath xmlns:m="http://schemas.openxmlformats.org/officeDocument/2006/math">
-                    <m:r>
-                      <a:rPr lang="nl-NL" sz="2800" b="1" i="1">
+                      <a:rPr lang="nl-NL" sz="2800" b="1" i="1" smtClean="0">
                         <a:latin typeface="Cambria Math" panose="02040503050406030204" pitchFamily="18" charset="0"/>
                       </a:rPr>
                       <m:t>𝒄</m:t>
                     </m:r>
                   </m:oMath>
                 </a14:m>
-                <a:endParaRPr lang="en-US" sz="2800" b="1" dirty="0" smtClean="0"/>
+                <a:r>
+                  <a:rPr lang="en-US" sz="2800" dirty="0" smtClean="0"/>
+                  <a:t>   : [0.0001~1]</a:t>
+                </a:r>
+                <a:br>
+                  <a:rPr lang="en-US" sz="2800" dirty="0" smtClean="0"/>
+                </a:br>
+                <a:r>
+                  <a:rPr lang="en-US" sz="2800" dirty="0" smtClean="0"/>
+                  <a:t>				     </a:t>
+                </a:r>
+                <a:r>
+                  <a:rPr lang="en-US" sz="2800" b="1" dirty="0" smtClean="0"/>
+                  <a:t>area</a:t>
+                </a:r>
+                <a:r>
+                  <a:rPr lang="en-US" sz="2800" dirty="0" smtClean="0"/>
+                  <a:t> radius   : [1~3]</a:t>
+                </a:r>
+                <a:endParaRPr lang="en-US" sz="2800" dirty="0"/>
               </a:p>
             </p:txBody>
           </p:sp>
         </mc:Choice>
-        <mc:Fallback xmlns="">
+        <mc:Fallback>
           <p:sp>
             <p:nvSpPr>
               <p:cNvPr id="3" name="Tijdelijke aanduiding voor inhoud 2"/>
@@ -9778,7 +14276,7 @@
               <a:blipFill rotWithShape="0">
                 <a:blip r:embed="rId2"/>
                 <a:stretch>
-                  <a:fillRect l="-2313" t="-5569"/>
+                  <a:fillRect l="-2313" t="-5569" b="-2723"/>
                 </a:stretch>
               </a:blipFill>
             </p:spPr>
@@ -9825,8 +14323,8 @@
           </a:p>
         </p:txBody>
       </p:sp>
-      <mc:AlternateContent xmlns:mc="http://schemas.openxmlformats.org/markup-compatibility/2006" xmlns:a14="http://schemas.microsoft.com/office/drawing/2010/main">
-        <mc:Choice Requires="a14">
+      <mc:AlternateContent xmlns:mc="http://schemas.openxmlformats.org/markup-compatibility/2006">
+        <mc:Choice xmlns:a14="http://schemas.microsoft.com/office/drawing/2010/main" Requires="a14">
           <p:sp>
             <p:nvSpPr>
               <p:cNvPr id="2" name="Rechthoek 1"/>
@@ -9900,10 +14398,10 @@
                             </m:fPr>
                             <m:num>
                               <m:r>
-                                <a:rPr lang="nl-NL" sz="2400" i="1">
+                                <a:rPr lang="nl-NL" sz="2400" b="1" i="1">
                                   <a:latin typeface="Cambria Math" panose="02040503050406030204" pitchFamily="18" charset="0"/>
                                 </a:rPr>
-                                <m:t>𝑎𝑟𝑒𝑎</m:t>
+                                <m:t>𝒂𝒓𝒆𝒂</m:t>
                               </m:r>
                             </m:num>
                             <m:den>
@@ -9949,7 +14447,7 @@
             </p:txBody>
           </p:sp>
         </mc:Choice>
-        <mc:Fallback xmlns="">
+        <mc:Fallback>
           <p:sp>
             <p:nvSpPr>
               <p:cNvPr id="2" name="Rechthoek 1"/>

--- a/Presentatie/Onderzoek eindpresentatie.pptx
+++ b/Presentatie/Onderzoek eindpresentatie.pptx
@@ -4,6 +4,9 @@
   <p:sldMasterIdLst>
     <p:sldMasterId id="2147484293" r:id="rId1"/>
   </p:sldMasterIdLst>
+  <p:notesMasterIdLst>
+    <p:notesMasterId r:id="rId21"/>
+  </p:notesMasterIdLst>
   <p:sldIdLst>
     <p:sldId id="256" r:id="rId2"/>
     <p:sldId id="262" r:id="rId3"/>
@@ -17,16 +20,13 @@
     <p:sldId id="276" r:id="rId11"/>
     <p:sldId id="270" r:id="rId12"/>
     <p:sldId id="277" r:id="rId13"/>
-    <p:sldId id="278" r:id="rId14"/>
-    <p:sldId id="279" r:id="rId15"/>
-    <p:sldId id="280" r:id="rId16"/>
-    <p:sldId id="285" r:id="rId17"/>
-    <p:sldId id="281" r:id="rId18"/>
-    <p:sldId id="286" r:id="rId19"/>
-    <p:sldId id="287" r:id="rId20"/>
-    <p:sldId id="288" r:id="rId21"/>
-    <p:sldId id="289" r:id="rId22"/>
-    <p:sldId id="282" r:id="rId23"/>
+    <p:sldId id="285" r:id="rId14"/>
+    <p:sldId id="281" r:id="rId15"/>
+    <p:sldId id="286" r:id="rId16"/>
+    <p:sldId id="287" r:id="rId17"/>
+    <p:sldId id="288" r:id="rId18"/>
+    <p:sldId id="289" r:id="rId19"/>
+    <p:sldId id="282" r:id="rId20"/>
   </p:sldIdLst>
   <p:sldSz cx="12192000" cy="6858000"/>
   <p:notesSz cx="6858000" cy="9144000"/>
@@ -131,6 +131,356 @@
     </p:ext>
   </p:extLst>
 </p:presentation>
+</file>
+
+<file path=ppt/notesMasters/notesMaster1.xml><?xml version="1.0" encoding="utf-8"?>
+<p:notesMaster xmlns:a="http://schemas.openxmlformats.org/drawingml/2006/main" xmlns:r="http://schemas.openxmlformats.org/officeDocument/2006/relationships" xmlns:p="http://schemas.openxmlformats.org/presentationml/2006/main">
+  <p:cSld>
+    <p:bg>
+      <p:bgRef idx="1001">
+        <a:schemeClr val="bg1"/>
+      </p:bgRef>
+    </p:bg>
+    <p:spTree>
+      <p:nvGrpSpPr>
+        <p:cNvPr id="1" name=""/>
+        <p:cNvGrpSpPr/>
+        <p:nvPr/>
+      </p:nvGrpSpPr>
+      <p:grpSpPr>
+        <a:xfrm>
+          <a:off x="0" y="0"/>
+          <a:ext cx="0" cy="0"/>
+          <a:chOff x="0" y="0"/>
+          <a:chExt cx="0" cy="0"/>
+        </a:xfrm>
+      </p:grpSpPr>
+      <p:sp>
+        <p:nvSpPr>
+          <p:cNvPr id="2" name="Header Placeholder 1"/>
+          <p:cNvSpPr>
+            <a:spLocks noGrp="1"/>
+          </p:cNvSpPr>
+          <p:nvPr>
+            <p:ph type="hdr" sz="quarter"/>
+          </p:nvPr>
+        </p:nvSpPr>
+        <p:spPr>
+          <a:xfrm>
+            <a:off x="0" y="0"/>
+            <a:ext cx="2971800" cy="458788"/>
+          </a:xfrm>
+          <a:prstGeom prst="rect">
+            <a:avLst/>
+          </a:prstGeom>
+        </p:spPr>
+        <p:txBody>
+          <a:bodyPr vert="horz" lIns="91440" tIns="45720" rIns="91440" bIns="45720" rtlCol="0"/>
+          <a:lstStyle>
+            <a:lvl1pPr algn="l">
+              <a:defRPr sz="1200"/>
+            </a:lvl1pPr>
+          </a:lstStyle>
+          <a:p>
+            <a:endParaRPr lang="en-GB"/>
+          </a:p>
+        </p:txBody>
+      </p:sp>
+      <p:sp>
+        <p:nvSpPr>
+          <p:cNvPr id="3" name="Date Placeholder 2"/>
+          <p:cNvSpPr>
+            <a:spLocks noGrp="1"/>
+          </p:cNvSpPr>
+          <p:nvPr>
+            <p:ph type="dt" idx="1"/>
+          </p:nvPr>
+        </p:nvSpPr>
+        <p:spPr>
+          <a:xfrm>
+            <a:off x="3884613" y="0"/>
+            <a:ext cx="2971800" cy="458788"/>
+          </a:xfrm>
+          <a:prstGeom prst="rect">
+            <a:avLst/>
+          </a:prstGeom>
+        </p:spPr>
+        <p:txBody>
+          <a:bodyPr vert="horz" lIns="91440" tIns="45720" rIns="91440" bIns="45720" rtlCol="0"/>
+          <a:lstStyle>
+            <a:lvl1pPr algn="r">
+              <a:defRPr sz="1200"/>
+            </a:lvl1pPr>
+          </a:lstStyle>
+          <a:p>
+            <a:fld id="{112D4345-F8FC-4C6C-B576-ED93277860A7}" type="datetimeFigureOut">
+              <a:rPr lang="en-GB" smtClean="0"/>
+              <a:t>24/01/2016</a:t>
+            </a:fld>
+            <a:endParaRPr lang="en-GB"/>
+          </a:p>
+        </p:txBody>
+      </p:sp>
+      <p:sp>
+        <p:nvSpPr>
+          <p:cNvPr id="4" name="Slide Image Placeholder 3"/>
+          <p:cNvSpPr>
+            <a:spLocks noGrp="1" noRot="1" noChangeAspect="1"/>
+          </p:cNvSpPr>
+          <p:nvPr>
+            <p:ph type="sldImg" idx="2"/>
+          </p:nvPr>
+        </p:nvSpPr>
+        <p:spPr>
+          <a:xfrm>
+            <a:off x="685800" y="1143000"/>
+            <a:ext cx="5486400" cy="3086100"/>
+          </a:xfrm>
+          <a:prstGeom prst="rect">
+            <a:avLst/>
+          </a:prstGeom>
+          <a:noFill/>
+          <a:ln w="12700">
+            <a:solidFill>
+              <a:prstClr val="black"/>
+            </a:solidFill>
+          </a:ln>
+        </p:spPr>
+        <p:txBody>
+          <a:bodyPr vert="horz" lIns="91440" tIns="45720" rIns="91440" bIns="45720" rtlCol="0" anchor="ctr"/>
+          <a:lstStyle/>
+          <a:p>
+            <a:endParaRPr lang="en-GB"/>
+          </a:p>
+        </p:txBody>
+      </p:sp>
+      <p:sp>
+        <p:nvSpPr>
+          <p:cNvPr id="5" name="Notes Placeholder 4"/>
+          <p:cNvSpPr>
+            <a:spLocks noGrp="1"/>
+          </p:cNvSpPr>
+          <p:nvPr>
+            <p:ph type="body" sz="quarter" idx="3"/>
+          </p:nvPr>
+        </p:nvSpPr>
+        <p:spPr>
+          <a:xfrm>
+            <a:off x="685800" y="4400550"/>
+            <a:ext cx="5486400" cy="3600450"/>
+          </a:xfrm>
+          <a:prstGeom prst="rect">
+            <a:avLst/>
+          </a:prstGeom>
+        </p:spPr>
+        <p:txBody>
+          <a:bodyPr vert="horz" lIns="91440" tIns="45720" rIns="91440" bIns="45720" rtlCol="0"/>
+          <a:lstStyle/>
+          <a:p>
+            <a:pPr lvl="0"/>
+            <a:r>
+              <a:rPr lang="en-US" smtClean="0"/>
+              <a:t>Click to edit Master text styles</a:t>
+            </a:r>
+          </a:p>
+          <a:p>
+            <a:pPr lvl="1"/>
+            <a:r>
+              <a:rPr lang="en-US" smtClean="0"/>
+              <a:t>Second level</a:t>
+            </a:r>
+          </a:p>
+          <a:p>
+            <a:pPr lvl="2"/>
+            <a:r>
+              <a:rPr lang="en-US" smtClean="0"/>
+              <a:t>Third level</a:t>
+            </a:r>
+          </a:p>
+          <a:p>
+            <a:pPr lvl="3"/>
+            <a:r>
+              <a:rPr lang="en-US" smtClean="0"/>
+              <a:t>Fourth level</a:t>
+            </a:r>
+          </a:p>
+          <a:p>
+            <a:pPr lvl="4"/>
+            <a:r>
+              <a:rPr lang="en-US" smtClean="0"/>
+              <a:t>Fifth level</a:t>
+            </a:r>
+            <a:endParaRPr lang="en-GB"/>
+          </a:p>
+        </p:txBody>
+      </p:sp>
+      <p:sp>
+        <p:nvSpPr>
+          <p:cNvPr id="6" name="Footer Placeholder 5"/>
+          <p:cNvSpPr>
+            <a:spLocks noGrp="1"/>
+          </p:cNvSpPr>
+          <p:nvPr>
+            <p:ph type="ftr" sz="quarter" idx="4"/>
+          </p:nvPr>
+        </p:nvSpPr>
+        <p:spPr>
+          <a:xfrm>
+            <a:off x="0" y="8685213"/>
+            <a:ext cx="2971800" cy="458787"/>
+          </a:xfrm>
+          <a:prstGeom prst="rect">
+            <a:avLst/>
+          </a:prstGeom>
+        </p:spPr>
+        <p:txBody>
+          <a:bodyPr vert="horz" lIns="91440" tIns="45720" rIns="91440" bIns="45720" rtlCol="0" anchor="b"/>
+          <a:lstStyle>
+            <a:lvl1pPr algn="l">
+              <a:defRPr sz="1200"/>
+            </a:lvl1pPr>
+          </a:lstStyle>
+          <a:p>
+            <a:endParaRPr lang="en-GB"/>
+          </a:p>
+        </p:txBody>
+      </p:sp>
+      <p:sp>
+        <p:nvSpPr>
+          <p:cNvPr id="7" name="Slide Number Placeholder 6"/>
+          <p:cNvSpPr>
+            <a:spLocks noGrp="1"/>
+          </p:cNvSpPr>
+          <p:nvPr>
+            <p:ph type="sldNum" sz="quarter" idx="5"/>
+          </p:nvPr>
+        </p:nvSpPr>
+        <p:spPr>
+          <a:xfrm>
+            <a:off x="3884613" y="8685213"/>
+            <a:ext cx="2971800" cy="458787"/>
+          </a:xfrm>
+          <a:prstGeom prst="rect">
+            <a:avLst/>
+          </a:prstGeom>
+        </p:spPr>
+        <p:txBody>
+          <a:bodyPr vert="horz" lIns="91440" tIns="45720" rIns="91440" bIns="45720" rtlCol="0" anchor="b"/>
+          <a:lstStyle>
+            <a:lvl1pPr algn="r">
+              <a:defRPr sz="1200"/>
+            </a:lvl1pPr>
+          </a:lstStyle>
+          <a:p>
+            <a:fld id="{1EFA7DD2-5BEB-493B-9798-440F611A5209}" type="slidenum">
+              <a:rPr lang="en-GB" smtClean="0"/>
+              <a:t>‹#›</a:t>
+            </a:fld>
+            <a:endParaRPr lang="en-GB"/>
+          </a:p>
+        </p:txBody>
+      </p:sp>
+    </p:spTree>
+    <p:extLst>
+      <p:ext uri="{BB962C8B-B14F-4D97-AF65-F5344CB8AC3E}">
+        <p14:creationId xmlns:p14="http://schemas.microsoft.com/office/powerpoint/2010/main" val="1380847653"/>
+      </p:ext>
+    </p:extLst>
+  </p:cSld>
+  <p:clrMap bg1="lt1" tx1="dk1" bg2="lt2" tx2="dk2" accent1="accent1" accent2="accent2" accent3="accent3" accent4="accent4" accent5="accent5" accent6="accent6" hlink="hlink" folHlink="folHlink"/>
+  <p:notesStyle>
+    <a:lvl1pPr marL="0" algn="l" defTabSz="914400" rtl="0" eaLnBrk="1" latinLnBrk="0" hangingPunct="1">
+      <a:defRPr sz="1200" kern="1200">
+        <a:solidFill>
+          <a:schemeClr val="tx1"/>
+        </a:solidFill>
+        <a:latin typeface="+mn-lt"/>
+        <a:ea typeface="+mn-ea"/>
+        <a:cs typeface="+mn-cs"/>
+      </a:defRPr>
+    </a:lvl1pPr>
+    <a:lvl2pPr marL="457200" algn="l" defTabSz="914400" rtl="0" eaLnBrk="1" latinLnBrk="0" hangingPunct="1">
+      <a:defRPr sz="1200" kern="1200">
+        <a:solidFill>
+          <a:schemeClr val="tx1"/>
+        </a:solidFill>
+        <a:latin typeface="+mn-lt"/>
+        <a:ea typeface="+mn-ea"/>
+        <a:cs typeface="+mn-cs"/>
+      </a:defRPr>
+    </a:lvl2pPr>
+    <a:lvl3pPr marL="914400" algn="l" defTabSz="914400" rtl="0" eaLnBrk="1" latinLnBrk="0" hangingPunct="1">
+      <a:defRPr sz="1200" kern="1200">
+        <a:solidFill>
+          <a:schemeClr val="tx1"/>
+        </a:solidFill>
+        <a:latin typeface="+mn-lt"/>
+        <a:ea typeface="+mn-ea"/>
+        <a:cs typeface="+mn-cs"/>
+      </a:defRPr>
+    </a:lvl3pPr>
+    <a:lvl4pPr marL="1371600" algn="l" defTabSz="914400" rtl="0" eaLnBrk="1" latinLnBrk="0" hangingPunct="1">
+      <a:defRPr sz="1200" kern="1200">
+        <a:solidFill>
+          <a:schemeClr val="tx1"/>
+        </a:solidFill>
+        <a:latin typeface="+mn-lt"/>
+        <a:ea typeface="+mn-ea"/>
+        <a:cs typeface="+mn-cs"/>
+      </a:defRPr>
+    </a:lvl4pPr>
+    <a:lvl5pPr marL="1828800" algn="l" defTabSz="914400" rtl="0" eaLnBrk="1" latinLnBrk="0" hangingPunct="1">
+      <a:defRPr sz="1200" kern="1200">
+        <a:solidFill>
+          <a:schemeClr val="tx1"/>
+        </a:solidFill>
+        <a:latin typeface="+mn-lt"/>
+        <a:ea typeface="+mn-ea"/>
+        <a:cs typeface="+mn-cs"/>
+      </a:defRPr>
+    </a:lvl5pPr>
+    <a:lvl6pPr marL="2286000" algn="l" defTabSz="914400" rtl="0" eaLnBrk="1" latinLnBrk="0" hangingPunct="1">
+      <a:defRPr sz="1200" kern="1200">
+        <a:solidFill>
+          <a:schemeClr val="tx1"/>
+        </a:solidFill>
+        <a:latin typeface="+mn-lt"/>
+        <a:ea typeface="+mn-ea"/>
+        <a:cs typeface="+mn-cs"/>
+      </a:defRPr>
+    </a:lvl6pPr>
+    <a:lvl7pPr marL="2743200" algn="l" defTabSz="914400" rtl="0" eaLnBrk="1" latinLnBrk="0" hangingPunct="1">
+      <a:defRPr sz="1200" kern="1200">
+        <a:solidFill>
+          <a:schemeClr val="tx1"/>
+        </a:solidFill>
+        <a:latin typeface="+mn-lt"/>
+        <a:ea typeface="+mn-ea"/>
+        <a:cs typeface="+mn-cs"/>
+      </a:defRPr>
+    </a:lvl7pPr>
+    <a:lvl8pPr marL="3200400" algn="l" defTabSz="914400" rtl="0" eaLnBrk="1" latinLnBrk="0" hangingPunct="1">
+      <a:defRPr sz="1200" kern="1200">
+        <a:solidFill>
+          <a:schemeClr val="tx1"/>
+        </a:solidFill>
+        <a:latin typeface="+mn-lt"/>
+        <a:ea typeface="+mn-ea"/>
+        <a:cs typeface="+mn-cs"/>
+      </a:defRPr>
+    </a:lvl8pPr>
+    <a:lvl9pPr marL="3657600" algn="l" defTabSz="914400" rtl="0" eaLnBrk="1" latinLnBrk="0" hangingPunct="1">
+      <a:defRPr sz="1200" kern="1200">
+        <a:solidFill>
+          <a:schemeClr val="tx1"/>
+        </a:solidFill>
+        <a:latin typeface="+mn-lt"/>
+        <a:ea typeface="+mn-ea"/>
+        <a:cs typeface="+mn-cs"/>
+      </a:defRPr>
+    </a:lvl9pPr>
+  </p:notesStyle>
+</p:notesMaster>
 </file>
 
 <file path=ppt/slideLayouts/slideLayout1.xml><?xml version="1.0" encoding="utf-8"?>
@@ -682,7 +1032,7 @@
           <a:p>
             <a:fld id="{5B0E594A-1D6C-4877-B724-3D9ECD930B19}" type="slidenum">
               <a:rPr lang="nl-NL" smtClean="0"/>
-              <a:t>‹nr.›</a:t>
+              <a:t>‹#›</a:t>
             </a:fld>
             <a:endParaRPr lang="nl-NL"/>
           </a:p>
@@ -973,7 +1323,7 @@
           <a:p>
             <a:fld id="{5B0E594A-1D6C-4877-B724-3D9ECD930B19}" type="slidenum">
               <a:rPr lang="nl-NL" smtClean="0"/>
-              <a:t>‹nr.›</a:t>
+              <a:t>‹#›</a:t>
             </a:fld>
             <a:endParaRPr lang="nl-NL"/>
           </a:p>
@@ -1221,7 +1571,7 @@
           <a:p>
             <a:fld id="{5B0E594A-1D6C-4877-B724-3D9ECD930B19}" type="slidenum">
               <a:rPr lang="nl-NL" smtClean="0"/>
-              <a:t>‹nr.›</a:t>
+              <a:t>‹#›</a:t>
             </a:fld>
             <a:endParaRPr lang="nl-NL"/>
           </a:p>
@@ -1761,7 +2111,7 @@
           <a:p>
             <a:fld id="{5B0E594A-1D6C-4877-B724-3D9ECD930B19}" type="slidenum">
               <a:rPr lang="nl-NL" smtClean="0"/>
-              <a:t>‹nr.›</a:t>
+              <a:t>‹#›</a:t>
             </a:fld>
             <a:endParaRPr lang="nl-NL"/>
           </a:p>
@@ -2009,7 +2359,7 @@
           <a:p>
             <a:fld id="{5B0E594A-1D6C-4877-B724-3D9ECD930B19}" type="slidenum">
               <a:rPr lang="nl-NL" smtClean="0"/>
-              <a:t>‹nr.›</a:t>
+              <a:t>‹#›</a:t>
             </a:fld>
             <a:endParaRPr lang="nl-NL"/>
           </a:p>
@@ -2541,7 +2891,7 @@
           <a:p>
             <a:fld id="{5B0E594A-1D6C-4877-B724-3D9ECD930B19}" type="slidenum">
               <a:rPr lang="nl-NL" smtClean="0"/>
-              <a:t>‹nr.›</a:t>
+              <a:t>‹#›</a:t>
             </a:fld>
             <a:endParaRPr lang="nl-NL"/>
           </a:p>
@@ -2838,7 +3188,7 @@
           <a:p>
             <a:fld id="{5B0E594A-1D6C-4877-B724-3D9ECD930B19}" type="slidenum">
               <a:rPr lang="nl-NL" smtClean="0"/>
-              <a:t>‹nr.›</a:t>
+              <a:t>‹#›</a:t>
             </a:fld>
             <a:endParaRPr lang="nl-NL"/>
           </a:p>
@@ -3012,7 +3362,7 @@
           <a:p>
             <a:fld id="{5B0E594A-1D6C-4877-B724-3D9ECD930B19}" type="slidenum">
               <a:rPr lang="nl-NL" smtClean="0"/>
-              <a:t>‹nr.›</a:t>
+              <a:t>‹#›</a:t>
             </a:fld>
             <a:endParaRPr lang="nl-NL"/>
           </a:p>
@@ -3192,7 +3542,7 @@
           <a:p>
             <a:fld id="{5B0E594A-1D6C-4877-B724-3D9ECD930B19}" type="slidenum">
               <a:rPr lang="nl-NL" smtClean="0"/>
-              <a:t>‹nr.›</a:t>
+              <a:t>‹#›</a:t>
             </a:fld>
             <a:endParaRPr lang="nl-NL"/>
           </a:p>
@@ -3367,7 +3717,7 @@
           <a:p>
             <a:fld id="{5B0E594A-1D6C-4877-B724-3D9ECD930B19}" type="slidenum">
               <a:rPr lang="nl-NL" smtClean="0"/>
-              <a:t>‹nr.›</a:t>
+              <a:t>‹#›</a:t>
             </a:fld>
             <a:endParaRPr lang="nl-NL"/>
           </a:p>
@@ -3613,7 +3963,7 @@
           <a:p>
             <a:fld id="{5B0E594A-1D6C-4877-B724-3D9ECD930B19}" type="slidenum">
               <a:rPr lang="nl-NL" smtClean="0"/>
-              <a:t>‹nr.›</a:t>
+              <a:t>‹#›</a:t>
             </a:fld>
             <a:endParaRPr lang="nl-NL"/>
           </a:p>
@@ -3910,7 +4260,7 @@
           <a:p>
             <a:fld id="{5B0E594A-1D6C-4877-B724-3D9ECD930B19}" type="slidenum">
               <a:rPr lang="nl-NL" smtClean="0"/>
-              <a:t>‹nr.›</a:t>
+              <a:t>‹#›</a:t>
             </a:fld>
             <a:endParaRPr lang="nl-NL"/>
           </a:p>
@@ -4352,7 +4702,7 @@
           <a:p>
             <a:fld id="{5B0E594A-1D6C-4877-B724-3D9ECD930B19}" type="slidenum">
               <a:rPr lang="nl-NL" smtClean="0"/>
-              <a:t>‹nr.›</a:t>
+              <a:t>‹#›</a:t>
             </a:fld>
             <a:endParaRPr lang="nl-NL"/>
           </a:p>
@@ -4470,7 +4820,7 @@
           <a:p>
             <a:fld id="{5B0E594A-1D6C-4877-B724-3D9ECD930B19}" type="slidenum">
               <a:rPr lang="nl-NL" smtClean="0"/>
-              <a:t>‹nr.›</a:t>
+              <a:t>‹#›</a:t>
             </a:fld>
             <a:endParaRPr lang="nl-NL"/>
           </a:p>
@@ -4565,7 +4915,7 @@
           <a:p>
             <a:fld id="{5B0E594A-1D6C-4877-B724-3D9ECD930B19}" type="slidenum">
               <a:rPr lang="nl-NL" smtClean="0"/>
-              <a:t>‹nr.›</a:t>
+              <a:t>‹#›</a:t>
             </a:fld>
             <a:endParaRPr lang="nl-NL"/>
           </a:p>
@@ -4848,7 +5198,7 @@
           <a:p>
             <a:fld id="{5B0E594A-1D6C-4877-B724-3D9ECD930B19}" type="slidenum">
               <a:rPr lang="nl-NL" smtClean="0"/>
-              <a:t>‹nr.›</a:t>
+              <a:t>‹#›</a:t>
             </a:fld>
             <a:endParaRPr lang="nl-NL"/>
           </a:p>
@@ -5139,7 +5489,7 @@
           <a:p>
             <a:fld id="{5B0E594A-1D6C-4877-B724-3D9ECD930B19}" type="slidenum">
               <a:rPr lang="nl-NL" smtClean="0"/>
-              <a:t>‹nr.›</a:t>
+              <a:t>‹#›</a:t>
             </a:fld>
             <a:endParaRPr lang="nl-NL"/>
           </a:p>
@@ -5705,7 +6055,7 @@
           <a:p>
             <a:fld id="{5B0E594A-1D6C-4877-B724-3D9ECD930B19}" type="slidenum">
               <a:rPr lang="nl-NL" smtClean="0"/>
-              <a:t>‹nr.›</a:t>
+              <a:t>‹#›</a:t>
             </a:fld>
             <a:endParaRPr lang="nl-NL"/>
           </a:p>
@@ -6540,16 +6890,11 @@
                       <m:t>=</m:t>
                     </m:r>
                     <m:r>
-                      <a:rPr lang="el-GR" sz="2800" b="1" i="1">
-                        <a:latin typeface="Cambria Math" panose="02040503050406030204" pitchFamily="18" charset="0"/>
-                      </a:rPr>
-                      <m:t>𝜶</m:t>
-                    </m:r>
-                    <m:r>
-                      <a:rPr lang="nl-NL" sz="2800" b="0" i="1" smtClean="0">
-                        <a:latin typeface="Cambria Math" panose="02040503050406030204" pitchFamily="18" charset="0"/>
-                      </a:rPr>
-                      <m:t> </m:t>
+                      <m:rPr>
+                        <m:nor/>
+                      </m:rPr>
+                      <a:rPr lang="el-GR" sz="2800" b="1"/>
+                      <m:t>ρ</m:t>
                     </m:r>
                     <m:f>
                       <m:fPr>
@@ -6776,16 +7121,21 @@
                 <a14:m>
                   <m:oMath xmlns:m="http://schemas.openxmlformats.org/officeDocument/2006/math">
                     <m:r>
-                      <a:rPr lang="el-GR" sz="2800" b="1" i="1">
-                        <a:latin typeface="Cambria Math" panose="02040503050406030204" pitchFamily="18" charset="0"/>
-                      </a:rPr>
-                      <m:t>𝜶</m:t>
+                      <m:rPr>
+                        <m:nor/>
+                      </m:rPr>
+                      <a:rPr lang="el-GR" sz="2800" b="1"/>
+                      <m:t>ρ</m:t>
+                    </m:r>
+                    <m:r>
+                      <a:rPr lang="el-GR" sz="2800" b="1" i="1"/>
+                      <m:t> </m:t>
                     </m:r>
                   </m:oMath>
                 </a14:m>
                 <a:r>
                   <a:rPr lang="nl-NL" sz="2800" dirty="0" smtClean="0"/>
-                  <a:t>  : [0.0001~0.4]</a:t>
+                  <a:t>: [0.0001~0.4]</a:t>
                 </a:r>
                 <a:br>
                   <a:rPr lang="nl-NL" sz="2800" dirty="0" smtClean="0"/>
@@ -6886,7 +7236,7 @@
               <a:lstStyle/>
               <a:p>
                 <a:r>
-                  <a:rPr lang="en-US">
+                  <a:rPr lang="en-GB">
                     <a:noFill/>
                   </a:rPr>
                   <a:t> </a:t>
@@ -6919,8 +7269,8 @@
           <a:lstStyle/>
           <a:p>
             <a:r>
-              <a:rPr lang="en-US" sz="5400" dirty="0" smtClean="0"/>
-              <a:t>The experiment</a:t>
+              <a:rPr lang="en-US" sz="5400" dirty="0"/>
+              <a:t>The Algorithms</a:t>
             </a:r>
             <a:endParaRPr lang="en-US" sz="5400" dirty="0"/>
           </a:p>
@@ -6990,17 +7340,14 @@
             </a:pPr>
             <a:r>
               <a:rPr lang="en-US" sz="3200" b="1" dirty="0" smtClean="0"/>
-              <a:t>Test data</a:t>
-            </a:r>
+              <a:t>Input Data</a:t>
+            </a:r>
+            <a:endParaRPr lang="en-US" sz="3200" b="1" dirty="0" smtClean="0"/>
           </a:p>
           <a:p>
             <a:r>
               <a:rPr lang="en-US" sz="2800" dirty="0" smtClean="0"/>
-              <a:t>10 </a:t>
-            </a:r>
-            <a:r>
-              <a:rPr lang="en-US" sz="2800" dirty="0" smtClean="0"/>
-              <a:t>randomly generated graphs</a:t>
+              <a:t>10 randomly generated graphs</a:t>
             </a:r>
           </a:p>
           <a:p>
@@ -7035,42 +7382,45 @@
               <a:t> </a:t>
             </a:r>
             <a:r>
-              <a:rPr lang="en-US" dirty="0">
+              <a:rPr lang="en-US" dirty="0" smtClean="0">
                 <a:latin typeface="Georgia" panose="02040502050405020303" pitchFamily="18" charset="0"/>
               </a:rPr>
-              <a:t>double</a:t>
-            </a:r>
-            <a:r>
-              <a:rPr lang="en-US" dirty="0"/>
+              <a:t>x </a:t>
+            </a:r>
+            <a:r>
+              <a:rPr lang="en-US" sz="2400" dirty="0" smtClean="0"/>
+              <a:t>and</a:t>
+            </a:r>
+            <a:r>
+              <a:rPr lang="en-US" sz="2400" dirty="0" smtClean="0">
+                <a:latin typeface="Georgia" panose="02040502050405020303" pitchFamily="18" charset="0"/>
+              </a:rPr>
               <a:t> </a:t>
             </a:r>
             <a:r>
+              <a:rPr lang="en-US" dirty="0" smtClean="0">
+                <a:latin typeface="Georgia" panose="02040502050405020303" pitchFamily="18" charset="0"/>
+              </a:rPr>
+              <a:t>y</a:t>
+            </a:r>
+            <a:r>
+              <a:rPr lang="en-US" sz="2400" dirty="0" smtClean="0"/>
+              <a:t> between </a:t>
+            </a:r>
+            <a:r>
               <a:rPr lang="en-US" sz="2400" dirty="0"/>
-              <a:t>between 0 </a:t>
+              <a:t>0 </a:t>
             </a:r>
             <a:r>
               <a:rPr lang="en-US" sz="2400" dirty="0" smtClean="0"/>
               <a:t>and 1</a:t>
             </a:r>
-            <a:endParaRPr lang="en-US" sz="2400" dirty="0" smtClean="0"/>
           </a:p>
           <a:p>
             <a:pPr lvl="1"/>
             <a:r>
               <a:rPr lang="en-US" sz="2400" dirty="0" smtClean="0"/>
-              <a:t>Every </a:t>
-            </a:r>
-            <a:r>
-              <a:rPr lang="en-US" sz="2400" dirty="0" smtClean="0"/>
-              <a:t>vertex has </a:t>
-            </a:r>
-            <a:r>
-              <a:rPr lang="en-US" sz="2400" dirty="0" smtClean="0"/>
-              <a:t>at least one </a:t>
-            </a:r>
-            <a:r>
-              <a:rPr lang="en-US" sz="2400" dirty="0" smtClean="0"/>
-              <a:t>connection</a:t>
+              <a:t>Every vertex has at least one connection</a:t>
             </a:r>
           </a:p>
           <a:p>
@@ -7177,7 +7527,11 @@
             </a:pPr>
             <a:r>
               <a:rPr lang="en-US" sz="3200" b="1" dirty="0" smtClean="0"/>
-              <a:t>Running the algorithms</a:t>
+              <a:t>Running the </a:t>
+            </a:r>
+            <a:r>
+              <a:rPr lang="en-US" sz="3200" b="1" dirty="0" smtClean="0"/>
+              <a:t>algorithms</a:t>
             </a:r>
           </a:p>
           <a:p>
@@ -7283,202 +7637,90 @@
           <a:chExt cx="0" cy="0"/>
         </a:xfrm>
       </p:grpSpPr>
-      <mc:AlternateContent xmlns:mc="http://schemas.openxmlformats.org/markup-compatibility/2006" xmlns:a14="http://schemas.microsoft.com/office/drawing/2010/main">
-        <mc:Choice Requires="a14">
-          <p:sp>
-            <p:nvSpPr>
-              <p:cNvPr id="3" name="Tijdelijke aanduiding voor inhoud 2"/>
-              <p:cNvSpPr>
-                <a:spLocks noGrp="1"/>
-              </p:cNvSpPr>
-              <p:nvPr>
-                <p:ph idx="1"/>
-              </p:nvPr>
-            </p:nvSpPr>
-            <p:spPr>
-              <a:xfrm>
-                <a:off x="2173287" y="1930398"/>
-                <a:ext cx="10018713" cy="4927602"/>
-              </a:xfrm>
-            </p:spPr>
-            <p:txBody>
-              <a:bodyPr anchor="t">
-                <a:noAutofit/>
-              </a:bodyPr>
-              <a:lstStyle/>
-              <a:p>
-                <a:pPr marL="0" indent="0">
-                  <a:buNone/>
-                </a:pPr>
-                <a:r>
-                  <a:rPr lang="en-US" sz="3200" b="1" dirty="0" smtClean="0"/>
-                  <a:t>Testing the output</a:t>
-                </a:r>
-              </a:p>
-              <a:p>
-                <a:r>
-                  <a:rPr lang="en-US" sz="2800" dirty="0" smtClean="0"/>
-                  <a:t>Test the quality of the output graph after each run</a:t>
-                </a:r>
-              </a:p>
-              <a:p>
-                <a:pPr lvl="1"/>
-                <a:r>
-                  <a:rPr lang="en-US" sz="2400" dirty="0" smtClean="0"/>
-                  <a:t>Edge crossings</a:t>
-                </a:r>
-              </a:p>
-              <a:p>
-                <a:pPr lvl="2"/>
-                <a14:m>
-                  <m:oMath xmlns:m="http://schemas.openxmlformats.org/officeDocument/2006/math">
-                    <m:f>
-                      <m:fPr>
-                        <m:ctrlPr>
-                          <a:rPr lang="en-US" sz="2200" i="1" smtClean="0">
-                            <a:latin typeface="Cambria Math" panose="02040503050406030204" pitchFamily="18" charset="0"/>
-                          </a:rPr>
-                        </m:ctrlPr>
-                      </m:fPr>
-                      <m:num>
-                        <m:r>
-                          <m:rPr>
-                            <m:sty m:val="p"/>
-                          </m:rPr>
-                          <a:rPr lang="nl-NL" sz="2200" b="0" i="0" smtClean="0">
-                            <a:latin typeface="Cambria Math" panose="02040503050406030204" pitchFamily="18" charset="0"/>
-                          </a:rPr>
-                          <m:t>edge</m:t>
-                        </m:r>
-                        <m:r>
-                          <a:rPr lang="nl-NL" sz="2200" b="0" i="0" smtClean="0">
-                            <a:latin typeface="Cambria Math" panose="02040503050406030204" pitchFamily="18" charset="0"/>
-                          </a:rPr>
-                          <m:t> </m:t>
-                        </m:r>
-                        <m:r>
-                          <m:rPr>
-                            <m:sty m:val="p"/>
-                          </m:rPr>
-                          <a:rPr lang="nl-NL" sz="2200" b="0" i="0" smtClean="0">
-                            <a:latin typeface="Cambria Math" panose="02040503050406030204" pitchFamily="18" charset="0"/>
-                          </a:rPr>
-                          <m:t>crossings</m:t>
-                        </m:r>
-                      </m:num>
-                      <m:den>
-                        <m:r>
-                          <m:rPr>
-                            <m:sty m:val="p"/>
-                          </m:rPr>
-                          <a:rPr lang="nl-NL" sz="2200" b="0" i="0" smtClean="0">
-                            <a:latin typeface="Cambria Math" panose="02040503050406030204" pitchFamily="18" charset="0"/>
-                          </a:rPr>
-                          <m:t>total</m:t>
-                        </m:r>
-                        <m:r>
-                          <a:rPr lang="nl-NL" sz="2200" b="0" i="0" smtClean="0">
-                            <a:latin typeface="Cambria Math" panose="02040503050406030204" pitchFamily="18" charset="0"/>
-                          </a:rPr>
-                          <m:t> </m:t>
-                        </m:r>
-                        <m:r>
-                          <m:rPr>
-                            <m:sty m:val="p"/>
-                          </m:rPr>
-                          <a:rPr lang="nl-NL" sz="2200" b="0" i="0" smtClean="0">
-                            <a:latin typeface="Cambria Math" panose="02040503050406030204" pitchFamily="18" charset="0"/>
-                          </a:rPr>
-                          <m:t>edges</m:t>
-                        </m:r>
-                      </m:den>
-                    </m:f>
-                    <m:r>
-                      <a:rPr lang="nl-NL" sz="2200" b="0" i="1" smtClean="0">
-                        <a:latin typeface="Cambria Math" panose="02040503050406030204" pitchFamily="18" charset="0"/>
-                      </a:rPr>
-                      <m:t> </m:t>
-                    </m:r>
-                  </m:oMath>
-                </a14:m>
-                <a:endParaRPr lang="en-US" sz="2200" dirty="0" smtClean="0"/>
-              </a:p>
-              <a:p>
-                <a:pPr lvl="1"/>
-                <a:r>
-                  <a:rPr lang="en-US" sz="2400" dirty="0" smtClean="0"/>
-                  <a:t>Uniformity in edge length</a:t>
-                </a:r>
-                <a:endParaRPr lang="en-US" sz="2200" dirty="0" smtClean="0"/>
-              </a:p>
-              <a:p>
-                <a:pPr lvl="1"/>
-                <a:r>
-                  <a:rPr lang="en-US" sz="2400" dirty="0" smtClean="0"/>
-                  <a:t>Vertex dispersion</a:t>
-                </a:r>
-              </a:p>
-              <a:p>
-                <a:pPr lvl="1"/>
-                <a:endParaRPr lang="en-US" sz="2400" dirty="0" smtClean="0"/>
-              </a:p>
-              <a:p>
-                <a:pPr lvl="2"/>
-                <a:endParaRPr lang="en-US" sz="2600" dirty="0" smtClean="0"/>
-              </a:p>
-              <a:p>
-                <a:endParaRPr lang="en-US" sz="2800" dirty="0" smtClean="0"/>
-              </a:p>
-              <a:p>
-                <a:endParaRPr lang="en-US" sz="2400" dirty="0" smtClean="0"/>
-              </a:p>
-              <a:p>
-                <a:endParaRPr lang="en-US" dirty="0"/>
-              </a:p>
-              <a:p>
-                <a:endParaRPr lang="en-US" sz="2800" dirty="0" smtClean="0"/>
-              </a:p>
-            </p:txBody>
-          </p:sp>
-        </mc:Choice>
-        <mc:Fallback xmlns="">
-          <p:sp>
-            <p:nvSpPr>
-              <p:cNvPr id="3" name="Tijdelijke aanduiding voor inhoud 2"/>
-              <p:cNvSpPr>
-                <a:spLocks noGrp="1" noRot="1" noChangeAspect="1" noMove="1" noResize="1" noEditPoints="1" noAdjustHandles="1" noChangeArrowheads="1" noChangeShapeType="1" noTextEdit="1"/>
-              </p:cNvSpPr>
-              <p:nvPr>
-                <p:ph idx="1"/>
-              </p:nvPr>
-            </p:nvSpPr>
-            <p:spPr>
-              <a:xfrm>
-                <a:off x="2173287" y="1930398"/>
-                <a:ext cx="10018713" cy="4927602"/>
-              </a:xfrm>
-              <a:blipFill rotWithShape="0">
-                <a:blip r:embed="rId2"/>
-                <a:stretch>
-                  <a:fillRect l="-2009" t="-1609"/>
-                </a:stretch>
-              </a:blipFill>
-            </p:spPr>
-            <p:txBody>
-              <a:bodyPr/>
-              <a:lstStyle/>
-              <a:p>
-                <a:r>
-                  <a:rPr lang="en-US">
-                    <a:noFill/>
-                  </a:rPr>
-                  <a:t> </a:t>
-                </a:r>
-              </a:p>
-            </p:txBody>
-          </p:sp>
-        </mc:Fallback>
-      </mc:AlternateContent>
+      <p:sp>
+        <p:nvSpPr>
+          <p:cNvPr id="3" name="Tijdelijke aanduiding voor inhoud 2"/>
+          <p:cNvSpPr>
+            <a:spLocks noGrp="1"/>
+          </p:cNvSpPr>
+          <p:nvPr>
+            <p:ph idx="1"/>
+          </p:nvPr>
+        </p:nvSpPr>
+        <p:spPr>
+          <a:xfrm>
+            <a:off x="2173287" y="1930398"/>
+            <a:ext cx="10018713" cy="4927602"/>
+          </a:xfrm>
+        </p:spPr>
+        <p:txBody>
+          <a:bodyPr anchor="t">
+            <a:noAutofit/>
+          </a:bodyPr>
+          <a:lstStyle/>
+          <a:p>
+            <a:pPr marL="0" indent="0">
+              <a:buNone/>
+            </a:pPr>
+            <a:r>
+              <a:rPr lang="en-US" sz="3200" b="1" dirty="0" smtClean="0"/>
+              <a:t>Testing the output</a:t>
+            </a:r>
+          </a:p>
+          <a:p>
+            <a:r>
+              <a:rPr lang="en-US" sz="2800" dirty="0" smtClean="0"/>
+              <a:t>Test the quality of the output graph after each run</a:t>
+            </a:r>
+          </a:p>
+          <a:p>
+            <a:pPr lvl="1"/>
+            <a:r>
+              <a:rPr lang="en-US" sz="2400" dirty="0" smtClean="0"/>
+              <a:t>Edge crossings</a:t>
+            </a:r>
+          </a:p>
+          <a:p>
+            <a:pPr lvl="1"/>
+            <a:r>
+              <a:rPr lang="en-US" sz="2400" dirty="0" smtClean="0"/>
+              <a:t>Uniformity in edge length</a:t>
+            </a:r>
+          </a:p>
+          <a:p>
+            <a:pPr lvl="1"/>
+            <a:r>
+              <a:rPr lang="en-US" sz="2400" dirty="0" smtClean="0"/>
+              <a:t>Vertex dispersion</a:t>
+            </a:r>
+          </a:p>
+          <a:p>
+            <a:r>
+              <a:rPr lang="en-US" sz="2800" dirty="0" smtClean="0"/>
+              <a:t>Calculate average of the quality values of the 10 inputs graphs</a:t>
+            </a:r>
+          </a:p>
+          <a:p>
+            <a:endParaRPr lang="en-US" sz="2800" dirty="0" smtClean="0"/>
+          </a:p>
+          <a:p>
+            <a:pPr lvl="2"/>
+            <a:endParaRPr lang="en-US" sz="2600" dirty="0" smtClean="0"/>
+          </a:p>
+          <a:p>
+            <a:endParaRPr lang="en-US" sz="2800" dirty="0" smtClean="0"/>
+          </a:p>
+          <a:p>
+            <a:endParaRPr lang="en-US" sz="2400" dirty="0" smtClean="0"/>
+          </a:p>
+          <a:p>
+            <a:endParaRPr lang="en-US" dirty="0"/>
+          </a:p>
+          <a:p>
+            <a:endParaRPr lang="en-US" sz="2800" dirty="0" smtClean="0"/>
+          </a:p>
+        </p:txBody>
+      </p:sp>
       <p:sp>
         <p:nvSpPr>
           <p:cNvPr id="4" name="Titel 1"/>
@@ -7510,7 +7752,7 @@
     </p:spTree>
     <p:extLst>
       <p:ext uri="{BB962C8B-B14F-4D97-AF65-F5344CB8AC3E}">
-        <p14:creationId xmlns:p14="http://schemas.microsoft.com/office/powerpoint/2010/main" val="1872176530"/>
+        <p14:creationId xmlns:p14="http://schemas.microsoft.com/office/powerpoint/2010/main" val="581883285"/>
       </p:ext>
     </p:extLst>
   </p:cSld>
@@ -7546,461 +7788,6 @@
       </p:grpSpPr>
       <p:sp>
         <p:nvSpPr>
-          <p:cNvPr id="3" name="Tijdelijke aanduiding voor inhoud 2"/>
-          <p:cNvSpPr>
-            <a:spLocks noGrp="1"/>
-          </p:cNvSpPr>
-          <p:nvPr>
-            <p:ph idx="1"/>
-          </p:nvPr>
-        </p:nvSpPr>
-        <p:spPr>
-          <a:xfrm>
-            <a:off x="2173287" y="1930398"/>
-            <a:ext cx="10018713" cy="4927602"/>
-          </a:xfrm>
-        </p:spPr>
-        <p:txBody>
-          <a:bodyPr anchor="t">
-            <a:noAutofit/>
-          </a:bodyPr>
-          <a:lstStyle/>
-          <a:p>
-            <a:pPr marL="0" indent="0">
-              <a:buNone/>
-            </a:pPr>
-            <a:r>
-              <a:rPr lang="en-US" sz="3200" b="1" dirty="0" smtClean="0"/>
-              <a:t>Testing the output</a:t>
-            </a:r>
-          </a:p>
-          <a:p>
-            <a:r>
-              <a:rPr lang="en-US" sz="2800" dirty="0" smtClean="0"/>
-              <a:t>Test the quality of the output graph after each run</a:t>
-            </a:r>
-          </a:p>
-          <a:p>
-            <a:pPr lvl="1"/>
-            <a:r>
-              <a:rPr lang="en-US" sz="2400" dirty="0" smtClean="0"/>
-              <a:t>Edge crossings</a:t>
-            </a:r>
-          </a:p>
-          <a:p>
-            <a:pPr lvl="1"/>
-            <a:r>
-              <a:rPr lang="en-US" sz="2400" dirty="0" smtClean="0"/>
-              <a:t>Uniformity in edge length</a:t>
-            </a:r>
-          </a:p>
-          <a:p>
-            <a:pPr lvl="2"/>
-            <a:r>
-              <a:rPr lang="en-US" sz="2200" dirty="0" smtClean="0"/>
-              <a:t>&lt;…&gt;</a:t>
-            </a:r>
-          </a:p>
-          <a:p>
-            <a:pPr lvl="1"/>
-            <a:r>
-              <a:rPr lang="en-US" sz="2400" dirty="0" smtClean="0"/>
-              <a:t>Vertex dispersion</a:t>
-            </a:r>
-          </a:p>
-          <a:p>
-            <a:pPr lvl="1"/>
-            <a:endParaRPr lang="en-US" sz="2400" dirty="0" smtClean="0"/>
-          </a:p>
-          <a:p>
-            <a:pPr lvl="2"/>
-            <a:endParaRPr lang="en-US" sz="2600" dirty="0" smtClean="0"/>
-          </a:p>
-          <a:p>
-            <a:endParaRPr lang="en-US" sz="2800" dirty="0" smtClean="0"/>
-          </a:p>
-          <a:p>
-            <a:endParaRPr lang="en-US" sz="2400" dirty="0" smtClean="0"/>
-          </a:p>
-          <a:p>
-            <a:endParaRPr lang="en-US" dirty="0"/>
-          </a:p>
-          <a:p>
-            <a:endParaRPr lang="en-US" sz="2800" dirty="0" smtClean="0"/>
-          </a:p>
-        </p:txBody>
-      </p:sp>
-      <p:sp>
-        <p:nvSpPr>
-          <p:cNvPr id="4" name="Titel 1"/>
-          <p:cNvSpPr>
-            <a:spLocks noGrp="1"/>
-          </p:cNvSpPr>
-          <p:nvPr>
-            <p:ph type="title"/>
-          </p:nvPr>
-        </p:nvSpPr>
-        <p:spPr>
-          <a:xfrm>
-            <a:off x="1484311" y="8465"/>
-            <a:ext cx="10018713" cy="1752599"/>
-          </a:xfrm>
-        </p:spPr>
-        <p:txBody>
-          <a:bodyPr/>
-          <a:lstStyle/>
-          <a:p>
-            <a:r>
-              <a:rPr lang="en-US" sz="5400" dirty="0" smtClean="0"/>
-              <a:t>The experiment</a:t>
-            </a:r>
-            <a:endParaRPr lang="en-US" dirty="0"/>
-          </a:p>
-        </p:txBody>
-      </p:sp>
-    </p:spTree>
-    <p:extLst>
-      <p:ext uri="{BB962C8B-B14F-4D97-AF65-F5344CB8AC3E}">
-        <p14:creationId xmlns:p14="http://schemas.microsoft.com/office/powerpoint/2010/main" val="1938862024"/>
-      </p:ext>
-    </p:extLst>
-  </p:cSld>
-  <p:clrMapOvr>
-    <a:masterClrMapping/>
-  </p:clrMapOvr>
-  <p:timing>
-    <p:tnLst>
-      <p:par>
-        <p:cTn id="1" dur="indefinite" restart="never" nodeType="tmRoot"/>
-      </p:par>
-    </p:tnLst>
-  </p:timing>
-</p:sld>
-</file>
-
-<file path=ppt/slides/slide15.xml><?xml version="1.0" encoding="utf-8"?>
-<p:sld xmlns:a="http://schemas.openxmlformats.org/drawingml/2006/main" xmlns:r="http://schemas.openxmlformats.org/officeDocument/2006/relationships" xmlns:p="http://schemas.openxmlformats.org/presentationml/2006/main">
-  <p:cSld>
-    <p:spTree>
-      <p:nvGrpSpPr>
-        <p:cNvPr id="1" name=""/>
-        <p:cNvGrpSpPr/>
-        <p:nvPr/>
-      </p:nvGrpSpPr>
-      <p:grpSpPr>
-        <a:xfrm>
-          <a:off x="0" y="0"/>
-          <a:ext cx="0" cy="0"/>
-          <a:chOff x="0" y="0"/>
-          <a:chExt cx="0" cy="0"/>
-        </a:xfrm>
-      </p:grpSpPr>
-      <p:sp>
-        <p:nvSpPr>
-          <p:cNvPr id="3" name="Tijdelijke aanduiding voor inhoud 2"/>
-          <p:cNvSpPr>
-            <a:spLocks noGrp="1"/>
-          </p:cNvSpPr>
-          <p:nvPr>
-            <p:ph idx="1"/>
-          </p:nvPr>
-        </p:nvSpPr>
-        <p:spPr>
-          <a:xfrm>
-            <a:off x="2173287" y="1930398"/>
-            <a:ext cx="10018713" cy="4927602"/>
-          </a:xfrm>
-        </p:spPr>
-        <p:txBody>
-          <a:bodyPr anchor="t">
-            <a:noAutofit/>
-          </a:bodyPr>
-          <a:lstStyle/>
-          <a:p>
-            <a:pPr marL="0" indent="0">
-              <a:buNone/>
-            </a:pPr>
-            <a:r>
-              <a:rPr lang="en-US" sz="3200" b="1" dirty="0" smtClean="0"/>
-              <a:t>Testing the output</a:t>
-            </a:r>
-          </a:p>
-          <a:p>
-            <a:r>
-              <a:rPr lang="en-US" sz="2800" dirty="0" smtClean="0"/>
-              <a:t>Test the quality of the output graph after each run</a:t>
-            </a:r>
-          </a:p>
-          <a:p>
-            <a:pPr lvl="1"/>
-            <a:r>
-              <a:rPr lang="en-US" sz="2400" dirty="0" smtClean="0"/>
-              <a:t>Edge crossings</a:t>
-            </a:r>
-          </a:p>
-          <a:p>
-            <a:pPr lvl="1"/>
-            <a:r>
-              <a:rPr lang="en-US" sz="2400" dirty="0" smtClean="0"/>
-              <a:t>Uniformity in edge length</a:t>
-            </a:r>
-          </a:p>
-          <a:p>
-            <a:pPr lvl="1"/>
-            <a:r>
-              <a:rPr lang="en-US" sz="2400" dirty="0" smtClean="0"/>
-              <a:t>Vertex dispersion</a:t>
-            </a:r>
-          </a:p>
-          <a:p>
-            <a:pPr lvl="2"/>
-            <a:r>
-              <a:rPr lang="en-US" sz="2200" dirty="0" smtClean="0"/>
-              <a:t>&lt;…&gt;</a:t>
-            </a:r>
-          </a:p>
-          <a:p>
-            <a:pPr lvl="1"/>
-            <a:endParaRPr lang="en-US" sz="2400" dirty="0" smtClean="0"/>
-          </a:p>
-          <a:p>
-            <a:pPr lvl="2"/>
-            <a:endParaRPr lang="en-US" sz="2600" dirty="0" smtClean="0"/>
-          </a:p>
-          <a:p>
-            <a:endParaRPr lang="en-US" sz="2800" dirty="0" smtClean="0"/>
-          </a:p>
-          <a:p>
-            <a:endParaRPr lang="en-US" sz="2400" dirty="0" smtClean="0"/>
-          </a:p>
-          <a:p>
-            <a:endParaRPr lang="en-US" dirty="0"/>
-          </a:p>
-          <a:p>
-            <a:endParaRPr lang="en-US" sz="2800" dirty="0" smtClean="0"/>
-          </a:p>
-        </p:txBody>
-      </p:sp>
-      <p:sp>
-        <p:nvSpPr>
-          <p:cNvPr id="4" name="Titel 1"/>
-          <p:cNvSpPr>
-            <a:spLocks noGrp="1"/>
-          </p:cNvSpPr>
-          <p:nvPr>
-            <p:ph type="title"/>
-          </p:nvPr>
-        </p:nvSpPr>
-        <p:spPr>
-          <a:xfrm>
-            <a:off x="1484311" y="8465"/>
-            <a:ext cx="10018713" cy="1752599"/>
-          </a:xfrm>
-        </p:spPr>
-        <p:txBody>
-          <a:bodyPr/>
-          <a:lstStyle/>
-          <a:p>
-            <a:r>
-              <a:rPr lang="en-US" sz="5400" dirty="0" smtClean="0"/>
-              <a:t>The experiment</a:t>
-            </a:r>
-            <a:endParaRPr lang="en-US" dirty="0"/>
-          </a:p>
-        </p:txBody>
-      </p:sp>
-    </p:spTree>
-    <p:extLst>
-      <p:ext uri="{BB962C8B-B14F-4D97-AF65-F5344CB8AC3E}">
-        <p14:creationId xmlns:p14="http://schemas.microsoft.com/office/powerpoint/2010/main" val="4041421372"/>
-      </p:ext>
-    </p:extLst>
-  </p:cSld>
-  <p:clrMapOvr>
-    <a:masterClrMapping/>
-  </p:clrMapOvr>
-  <p:timing>
-    <p:tnLst>
-      <p:par>
-        <p:cTn id="1" dur="indefinite" restart="never" nodeType="tmRoot"/>
-      </p:par>
-    </p:tnLst>
-  </p:timing>
-</p:sld>
-</file>
-
-<file path=ppt/slides/slide16.xml><?xml version="1.0" encoding="utf-8"?>
-<p:sld xmlns:a="http://schemas.openxmlformats.org/drawingml/2006/main" xmlns:r="http://schemas.openxmlformats.org/officeDocument/2006/relationships" xmlns:p="http://schemas.openxmlformats.org/presentationml/2006/main">
-  <p:cSld>
-    <p:spTree>
-      <p:nvGrpSpPr>
-        <p:cNvPr id="1" name=""/>
-        <p:cNvGrpSpPr/>
-        <p:nvPr/>
-      </p:nvGrpSpPr>
-      <p:grpSpPr>
-        <a:xfrm>
-          <a:off x="0" y="0"/>
-          <a:ext cx="0" cy="0"/>
-          <a:chOff x="0" y="0"/>
-          <a:chExt cx="0" cy="0"/>
-        </a:xfrm>
-      </p:grpSpPr>
-      <p:sp>
-        <p:nvSpPr>
-          <p:cNvPr id="3" name="Tijdelijke aanduiding voor inhoud 2"/>
-          <p:cNvSpPr>
-            <a:spLocks noGrp="1"/>
-          </p:cNvSpPr>
-          <p:nvPr>
-            <p:ph idx="1"/>
-          </p:nvPr>
-        </p:nvSpPr>
-        <p:spPr>
-          <a:xfrm>
-            <a:off x="2173287" y="1930398"/>
-            <a:ext cx="10018713" cy="4927602"/>
-          </a:xfrm>
-        </p:spPr>
-        <p:txBody>
-          <a:bodyPr anchor="t">
-            <a:noAutofit/>
-          </a:bodyPr>
-          <a:lstStyle/>
-          <a:p>
-            <a:pPr marL="0" indent="0">
-              <a:buNone/>
-            </a:pPr>
-            <a:r>
-              <a:rPr lang="en-US" sz="3200" b="1" dirty="0" smtClean="0"/>
-              <a:t>Testing the output</a:t>
-            </a:r>
-          </a:p>
-          <a:p>
-            <a:r>
-              <a:rPr lang="en-US" sz="2800" dirty="0" smtClean="0"/>
-              <a:t>Test the quality of the output graph after each run</a:t>
-            </a:r>
-          </a:p>
-          <a:p>
-            <a:pPr lvl="1"/>
-            <a:r>
-              <a:rPr lang="en-US" sz="2400" dirty="0" smtClean="0"/>
-              <a:t>Edge crossings</a:t>
-            </a:r>
-          </a:p>
-          <a:p>
-            <a:pPr lvl="1"/>
-            <a:r>
-              <a:rPr lang="en-US" sz="2400" dirty="0" smtClean="0"/>
-              <a:t>Uniformity in edge length</a:t>
-            </a:r>
-          </a:p>
-          <a:p>
-            <a:pPr lvl="1"/>
-            <a:r>
-              <a:rPr lang="en-US" sz="2400" dirty="0" smtClean="0"/>
-              <a:t>Vertex dispersion</a:t>
-            </a:r>
-          </a:p>
-          <a:p>
-            <a:r>
-              <a:rPr lang="en-US" sz="2800" dirty="0" smtClean="0"/>
-              <a:t>Calculate average </a:t>
-            </a:r>
-            <a:r>
-              <a:rPr lang="en-US" sz="2800" dirty="0" smtClean="0"/>
-              <a:t>of the quality values of the 10 inputs graphs</a:t>
-            </a:r>
-          </a:p>
-          <a:p>
-            <a:endParaRPr lang="en-US" sz="2800" dirty="0" smtClean="0"/>
-          </a:p>
-          <a:p>
-            <a:pPr lvl="2"/>
-            <a:endParaRPr lang="en-US" sz="2600" dirty="0" smtClean="0"/>
-          </a:p>
-          <a:p>
-            <a:endParaRPr lang="en-US" sz="2800" dirty="0" smtClean="0"/>
-          </a:p>
-          <a:p>
-            <a:endParaRPr lang="en-US" sz="2400" dirty="0" smtClean="0"/>
-          </a:p>
-          <a:p>
-            <a:endParaRPr lang="en-US" dirty="0"/>
-          </a:p>
-          <a:p>
-            <a:endParaRPr lang="en-US" sz="2800" dirty="0" smtClean="0"/>
-          </a:p>
-        </p:txBody>
-      </p:sp>
-      <p:sp>
-        <p:nvSpPr>
-          <p:cNvPr id="4" name="Titel 1"/>
-          <p:cNvSpPr>
-            <a:spLocks noGrp="1"/>
-          </p:cNvSpPr>
-          <p:nvPr>
-            <p:ph type="title"/>
-          </p:nvPr>
-        </p:nvSpPr>
-        <p:spPr>
-          <a:xfrm>
-            <a:off x="1484311" y="8465"/>
-            <a:ext cx="10018713" cy="1752599"/>
-          </a:xfrm>
-        </p:spPr>
-        <p:txBody>
-          <a:bodyPr/>
-          <a:lstStyle/>
-          <a:p>
-            <a:r>
-              <a:rPr lang="en-US" sz="5400" dirty="0" smtClean="0"/>
-              <a:t>The experiment</a:t>
-            </a:r>
-            <a:endParaRPr lang="en-US" dirty="0"/>
-          </a:p>
-        </p:txBody>
-      </p:sp>
-    </p:spTree>
-    <p:extLst>
-      <p:ext uri="{BB962C8B-B14F-4D97-AF65-F5344CB8AC3E}">
-        <p14:creationId xmlns:p14="http://schemas.microsoft.com/office/powerpoint/2010/main" val="581883285"/>
-      </p:ext>
-    </p:extLst>
-  </p:cSld>
-  <p:clrMapOvr>
-    <a:masterClrMapping/>
-  </p:clrMapOvr>
-  <p:timing>
-    <p:tnLst>
-      <p:par>
-        <p:cTn id="1" dur="indefinite" restart="never" nodeType="tmRoot"/>
-      </p:par>
-    </p:tnLst>
-  </p:timing>
-</p:sld>
-</file>
-
-<file path=ppt/slides/slide17.xml><?xml version="1.0" encoding="utf-8"?>
-<p:sld xmlns:a="http://schemas.openxmlformats.org/drawingml/2006/main" xmlns:r="http://schemas.openxmlformats.org/officeDocument/2006/relationships" xmlns:p="http://schemas.openxmlformats.org/presentationml/2006/main">
-  <p:cSld>
-    <p:spTree>
-      <p:nvGrpSpPr>
-        <p:cNvPr id="1" name=""/>
-        <p:cNvGrpSpPr/>
-        <p:nvPr/>
-      </p:nvGrpSpPr>
-      <p:grpSpPr>
-        <a:xfrm>
-          <a:off x="0" y="0"/>
-          <a:ext cx="0" cy="0"/>
-          <a:chOff x="0" y="0"/>
-          <a:chExt cx="0" cy="0"/>
-        </a:xfrm>
-      </p:grpSpPr>
-      <p:sp>
-        <p:nvSpPr>
           <p:cNvPr id="3" name="Content Placeholder 2"/>
           <p:cNvSpPr>
             <a:spLocks noGrp="1"/>
@@ -8042,13 +7829,8 @@
             <a:pPr lvl="2"/>
             <a:r>
               <a:rPr lang="en-GB" sz="2200" dirty="0" smtClean="0"/>
-              <a:t>One-Samp</a:t>
-            </a:r>
-            <a:r>
-              <a:rPr lang="en-GB" sz="2200" dirty="0" smtClean="0"/>
-              <a:t>le test</a:t>
-            </a:r>
-            <a:endParaRPr lang="en-GB" sz="2200" dirty="0" smtClean="0"/>
+              <a:t>One-Sample test</a:t>
+            </a:r>
           </a:p>
           <a:p>
             <a:pPr lvl="1"/>
@@ -8072,7 +7854,6 @@
               <a:rPr lang="en-US" sz="2200" dirty="0" smtClean="0"/>
               <a:t>One-Sample test</a:t>
             </a:r>
-            <a:endParaRPr lang="en-US" sz="2200" dirty="0" smtClean="0"/>
           </a:p>
           <a:p>
             <a:pPr lvl="1"/>
@@ -8230,7 +8011,7 @@
 </p:sld>
 </file>
 
-<file path=ppt/slides/slide18.xml><?xml version="1.0" encoding="utf-8"?>
+<file path=ppt/slides/slide15.xml><?xml version="1.0" encoding="utf-8"?>
 <p:sld xmlns:a="http://schemas.openxmlformats.org/drawingml/2006/main" xmlns:r="http://schemas.openxmlformats.org/officeDocument/2006/relationships" xmlns:p="http://schemas.openxmlformats.org/presentationml/2006/main">
   <p:cSld>
     <p:spTree>
@@ -9043,7 +8824,6 @@
               <a:rPr lang="en-GB" sz="2800" dirty="0" smtClean="0"/>
               <a:t> </a:t>
             </a:r>
-            <a:endParaRPr lang="en-GB" sz="2800" dirty="0" smtClean="0"/>
           </a:p>
           <a:p>
             <a:pPr lvl="1"/>
@@ -9084,7 +8864,6 @@
               <a:rPr lang="en-US" sz="2200" dirty="0" smtClean="0"/>
               <a:t> </a:t>
             </a:r>
-            <a:endParaRPr lang="en-US" sz="2200" dirty="0" smtClean="0"/>
           </a:p>
           <a:p>
             <a:pPr marL="457200" lvl="1" indent="0">
@@ -9124,13 +8903,13 @@
   <p:clrMapOvr>
     <a:masterClrMapping/>
   </p:clrMapOvr>
-  <mc:AlternateContent xmlns:mc="http://schemas.openxmlformats.org/markup-compatibility/2006">
-    <mc:Choice xmlns:p14="http://schemas.microsoft.com/office/powerpoint/2010/main" Requires="p14">
+  <mc:AlternateContent xmlns:mc="http://schemas.openxmlformats.org/markup-compatibility/2006" xmlns:p14="http://schemas.microsoft.com/office/powerpoint/2010/main">
+    <mc:Choice Requires="p14">
       <p:transition spd="med" p14:dur="700">
         <p:fade/>
       </p:transition>
     </mc:Choice>
-    <mc:Fallback>
+    <mc:Fallback xmlns="">
       <p:transition spd="med">
         <p:fade/>
       </p:transition>
@@ -9520,7 +9299,7 @@
 </p:sld>
 </file>
 
-<file path=ppt/slides/slide19.xml><?xml version="1.0" encoding="utf-8"?>
+<file path=ppt/slides/slide16.xml><?xml version="1.0" encoding="utf-8"?>
 <p:sld xmlns:a="http://schemas.openxmlformats.org/drawingml/2006/main" xmlns:r="http://schemas.openxmlformats.org/officeDocument/2006/relationships" xmlns:p="http://schemas.openxmlformats.org/presentationml/2006/main">
   <p:cSld>
     <p:spTree>
@@ -9566,11 +9345,7 @@
             </a:r>
             <a:r>
               <a:rPr lang="en-GB" sz="2400" dirty="0" smtClean="0"/>
-              <a:t> </a:t>
-            </a:r>
-            <a:r>
-              <a:rPr lang="en-GB" sz="2400" dirty="0" smtClean="0"/>
-              <a:t>vs </a:t>
+              <a:t> vs </a:t>
             </a:r>
             <a:r>
               <a:rPr lang="en-US" sz="2400" dirty="0" err="1" smtClean="0"/>
@@ -10559,145 +10334,7 @@
 </p:sld>
 </file>
 
-<file path=ppt/slides/slide2.xml><?xml version="1.0" encoding="utf-8"?>
-<p:sld xmlns:a="http://schemas.openxmlformats.org/drawingml/2006/main" xmlns:r="http://schemas.openxmlformats.org/officeDocument/2006/relationships" xmlns:p="http://schemas.openxmlformats.org/presentationml/2006/main">
-  <p:cSld>
-    <p:spTree>
-      <p:nvGrpSpPr>
-        <p:cNvPr id="1" name=""/>
-        <p:cNvGrpSpPr/>
-        <p:nvPr/>
-      </p:nvGrpSpPr>
-      <p:grpSpPr>
-        <a:xfrm>
-          <a:off x="0" y="0"/>
-          <a:ext cx="0" cy="0"/>
-          <a:chOff x="0" y="0"/>
-          <a:chExt cx="0" cy="0"/>
-        </a:xfrm>
-      </p:grpSpPr>
-      <p:sp>
-        <p:nvSpPr>
-          <p:cNvPr id="2" name="Titel 1"/>
-          <p:cNvSpPr>
-            <a:spLocks noGrp="1"/>
-          </p:cNvSpPr>
-          <p:nvPr>
-            <p:ph type="title"/>
-          </p:nvPr>
-        </p:nvSpPr>
-        <p:spPr>
-          <a:xfrm>
-            <a:off x="1450444" y="0"/>
-            <a:ext cx="10018713" cy="1752599"/>
-          </a:xfrm>
-        </p:spPr>
-        <p:txBody>
-          <a:bodyPr/>
-          <a:lstStyle/>
-          <a:p>
-            <a:r>
-              <a:rPr lang="en-US" sz="5400" dirty="0" smtClean="0"/>
-              <a:t>Overview</a:t>
-            </a:r>
-            <a:endParaRPr lang="en-US" dirty="0"/>
-          </a:p>
-        </p:txBody>
-      </p:sp>
-      <p:sp>
-        <p:nvSpPr>
-          <p:cNvPr id="3" name="Tijdelijke aanduiding voor inhoud 2"/>
-          <p:cNvSpPr>
-            <a:spLocks noGrp="1"/>
-          </p:cNvSpPr>
-          <p:nvPr>
-            <p:ph idx="1"/>
-          </p:nvPr>
-        </p:nvSpPr>
-        <p:spPr>
-          <a:xfrm>
-            <a:off x="2284409" y="1816094"/>
-            <a:ext cx="6825723" cy="3860800"/>
-          </a:xfrm>
-        </p:spPr>
-        <p:txBody>
-          <a:bodyPr>
-            <a:noAutofit/>
-          </a:bodyPr>
-          <a:lstStyle/>
-          <a:p>
-            <a:r>
-              <a:rPr lang="nl-NL" sz="2800" dirty="0" err="1" smtClean="0"/>
-              <a:t>Problem</a:t>
-            </a:r>
-            <a:r>
-              <a:rPr lang="nl-NL" sz="2800" dirty="0" smtClean="0"/>
-              <a:t> </a:t>
-            </a:r>
-            <a:r>
-              <a:rPr lang="nl-NL" sz="2800" dirty="0" err="1" smtClean="0"/>
-              <a:t>description</a:t>
-            </a:r>
-            <a:endParaRPr lang="nl-NL" sz="2800" dirty="0" smtClean="0"/>
-          </a:p>
-          <a:p>
-            <a:r>
-              <a:rPr lang="nl-NL" sz="2800" dirty="0" smtClean="0"/>
-              <a:t>Research question</a:t>
-            </a:r>
-          </a:p>
-          <a:p>
-            <a:r>
-              <a:rPr lang="nl-NL" sz="2800" dirty="0" smtClean="0"/>
-              <a:t>Hypothesis</a:t>
-            </a:r>
-          </a:p>
-          <a:p>
-            <a:r>
-              <a:rPr lang="nl-NL" sz="2800" dirty="0" smtClean="0"/>
-              <a:t>The experiment</a:t>
-            </a:r>
-          </a:p>
-          <a:p>
-            <a:r>
-              <a:rPr lang="nl-NL" sz="2800" dirty="0" err="1" smtClean="0"/>
-              <a:t>Results</a:t>
-            </a:r>
-            <a:endParaRPr lang="nl-NL" sz="2800" dirty="0" smtClean="0"/>
-          </a:p>
-          <a:p>
-            <a:r>
-              <a:rPr lang="nl-NL" sz="2800" dirty="0" err="1" smtClean="0"/>
-              <a:t>Conclusion</a:t>
-            </a:r>
-            <a:endParaRPr lang="nl-NL" sz="2800" dirty="0" smtClean="0"/>
-          </a:p>
-          <a:p>
-            <a:endParaRPr lang="nl-NL" sz="2800" dirty="0"/>
-          </a:p>
-        </p:txBody>
-      </p:sp>
-    </p:spTree>
-    <p:extLst>
-      <p:ext uri="{BB962C8B-B14F-4D97-AF65-F5344CB8AC3E}">
-        <p14:creationId xmlns:p14="http://schemas.microsoft.com/office/powerpoint/2010/main" val="2307535703"/>
-      </p:ext>
-    </p:extLst>
-  </p:cSld>
-  <p:clrMapOvr>
-    <a:masterClrMapping/>
-  </p:clrMapOvr>
-  <p:timing>
-    <p:tnLst>
-      <p:par>
-        <p:cTn id="1" dur="indefinite" restart="never" nodeType="tmRoot"/>
-      </p:par>
-    </p:tnLst>
-  </p:timing>
-</p:sld>
-</file>
-
-<file path=ppt/slides/slide20.xml><?xml version="1.0" encoding="utf-8"?>
+<file path=ppt/slides/slide17.xml><?xml version="1.0" encoding="utf-8"?>
 <p:sld xmlns:a="http://schemas.openxmlformats.org/drawingml/2006/main" xmlns:r="http://schemas.openxmlformats.org/officeDocument/2006/relationships" xmlns:p="http://schemas.openxmlformats.org/presentationml/2006/main">
   <p:cSld>
     <p:spTree>
@@ -11523,7 +11160,7 @@
 </p:sld>
 </file>
 
-<file path=ppt/slides/slide21.xml><?xml version="1.0" encoding="utf-8"?>
+<file path=ppt/slides/slide18.xml><?xml version="1.0" encoding="utf-8"?>
 <p:sld xmlns:a="http://schemas.openxmlformats.org/drawingml/2006/main" xmlns:r="http://schemas.openxmlformats.org/officeDocument/2006/relationships" xmlns:p="http://schemas.openxmlformats.org/presentationml/2006/main">
   <p:cSld>
     <p:spTree>
@@ -12385,7 +12022,7 @@
 </p:sld>
 </file>
 
-<file path=ppt/slides/slide22.xml><?xml version="1.0" encoding="utf-8"?>
+<file path=ppt/slides/slide19.xml><?xml version="1.0" encoding="utf-8"?>
 <p:sld xmlns:a="http://schemas.openxmlformats.org/drawingml/2006/main" xmlns:r="http://schemas.openxmlformats.org/officeDocument/2006/relationships" xmlns:p="http://schemas.openxmlformats.org/presentationml/2006/main">
   <p:cSld>
     <p:spTree>
@@ -12574,6 +12211,144 @@
     <p:extLst>
       <p:ext uri="{BB962C8B-B14F-4D97-AF65-F5344CB8AC3E}">
         <p14:creationId xmlns:p14="http://schemas.microsoft.com/office/powerpoint/2010/main" val="2528578112"/>
+      </p:ext>
+    </p:extLst>
+  </p:cSld>
+  <p:clrMapOvr>
+    <a:masterClrMapping/>
+  </p:clrMapOvr>
+  <p:timing>
+    <p:tnLst>
+      <p:par>
+        <p:cTn id="1" dur="indefinite" restart="never" nodeType="tmRoot"/>
+      </p:par>
+    </p:tnLst>
+  </p:timing>
+</p:sld>
+</file>
+
+<file path=ppt/slides/slide2.xml><?xml version="1.0" encoding="utf-8"?>
+<p:sld xmlns:a="http://schemas.openxmlformats.org/drawingml/2006/main" xmlns:r="http://schemas.openxmlformats.org/officeDocument/2006/relationships" xmlns:p="http://schemas.openxmlformats.org/presentationml/2006/main">
+  <p:cSld>
+    <p:spTree>
+      <p:nvGrpSpPr>
+        <p:cNvPr id="1" name=""/>
+        <p:cNvGrpSpPr/>
+        <p:nvPr/>
+      </p:nvGrpSpPr>
+      <p:grpSpPr>
+        <a:xfrm>
+          <a:off x="0" y="0"/>
+          <a:ext cx="0" cy="0"/>
+          <a:chOff x="0" y="0"/>
+          <a:chExt cx="0" cy="0"/>
+        </a:xfrm>
+      </p:grpSpPr>
+      <p:sp>
+        <p:nvSpPr>
+          <p:cNvPr id="2" name="Titel 1"/>
+          <p:cNvSpPr>
+            <a:spLocks noGrp="1"/>
+          </p:cNvSpPr>
+          <p:nvPr>
+            <p:ph type="title"/>
+          </p:nvPr>
+        </p:nvSpPr>
+        <p:spPr>
+          <a:xfrm>
+            <a:off x="1450444" y="0"/>
+            <a:ext cx="10018713" cy="1752599"/>
+          </a:xfrm>
+        </p:spPr>
+        <p:txBody>
+          <a:bodyPr/>
+          <a:lstStyle/>
+          <a:p>
+            <a:r>
+              <a:rPr lang="en-US" sz="5400" dirty="0" smtClean="0"/>
+              <a:t>Overview</a:t>
+            </a:r>
+            <a:endParaRPr lang="en-US" dirty="0"/>
+          </a:p>
+        </p:txBody>
+      </p:sp>
+      <p:sp>
+        <p:nvSpPr>
+          <p:cNvPr id="3" name="Tijdelijke aanduiding voor inhoud 2"/>
+          <p:cNvSpPr>
+            <a:spLocks noGrp="1"/>
+          </p:cNvSpPr>
+          <p:nvPr>
+            <p:ph idx="1"/>
+          </p:nvPr>
+        </p:nvSpPr>
+        <p:spPr>
+          <a:xfrm>
+            <a:off x="2284409" y="1816094"/>
+            <a:ext cx="6825723" cy="3860800"/>
+          </a:xfrm>
+        </p:spPr>
+        <p:txBody>
+          <a:bodyPr>
+            <a:noAutofit/>
+          </a:bodyPr>
+          <a:lstStyle/>
+          <a:p>
+            <a:r>
+              <a:rPr lang="nl-NL" sz="2800" dirty="0" err="1" smtClean="0"/>
+              <a:t>Problem</a:t>
+            </a:r>
+            <a:r>
+              <a:rPr lang="nl-NL" sz="2800" dirty="0" smtClean="0"/>
+              <a:t> </a:t>
+            </a:r>
+            <a:r>
+              <a:rPr lang="nl-NL" sz="2800" dirty="0" err="1" smtClean="0"/>
+              <a:t>description</a:t>
+            </a:r>
+            <a:endParaRPr lang="nl-NL" sz="2800" dirty="0" smtClean="0"/>
+          </a:p>
+          <a:p>
+            <a:r>
+              <a:rPr lang="nl-NL" sz="2800" dirty="0" smtClean="0"/>
+              <a:t>Research question</a:t>
+            </a:r>
+          </a:p>
+          <a:p>
+            <a:r>
+              <a:rPr lang="nl-NL" sz="2800" dirty="0" smtClean="0"/>
+              <a:t>Hypothesis</a:t>
+            </a:r>
+          </a:p>
+          <a:p>
+            <a:r>
+              <a:rPr lang="nl-NL" sz="2800" dirty="0" smtClean="0"/>
+              <a:t>The experiment</a:t>
+            </a:r>
+          </a:p>
+          <a:p>
+            <a:r>
+              <a:rPr lang="nl-NL" sz="2800" dirty="0" err="1" smtClean="0"/>
+              <a:t>Results</a:t>
+            </a:r>
+            <a:endParaRPr lang="nl-NL" sz="2800" dirty="0" smtClean="0"/>
+          </a:p>
+          <a:p>
+            <a:r>
+              <a:rPr lang="nl-NL" sz="2800" dirty="0" err="1" smtClean="0"/>
+              <a:t>Conclusion</a:t>
+            </a:r>
+            <a:endParaRPr lang="nl-NL" sz="2800" dirty="0" smtClean="0"/>
+          </a:p>
+          <a:p>
+            <a:endParaRPr lang="nl-NL" sz="2800" dirty="0"/>
+          </a:p>
+        </p:txBody>
+      </p:sp>
+    </p:spTree>
+    <p:extLst>
+      <p:ext uri="{BB962C8B-B14F-4D97-AF65-F5344CB8AC3E}">
+        <p14:creationId xmlns:p14="http://schemas.microsoft.com/office/powerpoint/2010/main" val="2307535703"/>
       </p:ext>
     </p:extLst>
   </p:cSld>
@@ -13051,13 +12826,8 @@
             <a:pPr lvl="1"/>
             <a:r>
               <a:rPr lang="en-US" sz="2400" dirty="0" smtClean="0"/>
-              <a:t>has </a:t>
-            </a:r>
-            <a:r>
-              <a:rPr lang="en-US" sz="2400" dirty="0" smtClean="0"/>
-              <a:t>multiple parameters</a:t>
-            </a:r>
-            <a:endParaRPr lang="en-US" sz="2400" dirty="0" smtClean="0"/>
+              <a:t>has multiple parameters</a:t>
+            </a:r>
           </a:p>
           <a:p>
             <a:endParaRPr lang="en-US" sz="2600" dirty="0"/>
@@ -13340,7 +13110,11 @@
           <a:p>
             <a:r>
               <a:rPr lang="en-US" sz="5400" dirty="0" smtClean="0"/>
-              <a:t>The experiment</a:t>
+              <a:t>The </a:t>
+            </a:r>
+            <a:r>
+              <a:rPr lang="en-US" sz="5400" dirty="0" smtClean="0"/>
+              <a:t>Algorithms</a:t>
             </a:r>
             <a:endParaRPr lang="en-US" dirty="0"/>
           </a:p>
@@ -13452,10 +13226,10 @@
                       <m:t>)=</m:t>
                     </m:r>
                     <m:r>
-                      <a:rPr lang="nl-NL" sz="2800" b="1" i="1" smtClean="0">
+                      <a:rPr lang="el-GR" sz="2800" b="1" i="1">
                         <a:latin typeface="Cambria Math" panose="02040503050406030204" pitchFamily="18" charset="0"/>
                       </a:rPr>
-                      <m:t>𝒄</m:t>
+                      <m:t>𝜶</m:t>
                     </m:r>
                     <m:r>
                       <a:rPr lang="nl-NL" sz="2800" b="0" i="1" smtClean="0">
@@ -13578,10 +13352,11 @@
                       <m:t>=</m:t>
                     </m:r>
                     <m:r>
-                      <a:rPr lang="el-GR" sz="2800" b="1" i="1">
-                        <a:latin typeface="Cambria Math" panose="02040503050406030204" pitchFamily="18" charset="0"/>
-                      </a:rPr>
-                      <m:t>𝜶</m:t>
+                      <m:rPr>
+                        <m:nor/>
+                      </m:rPr>
+                      <a:rPr lang="el-GR" sz="2800" b="1"/>
+                      <m:t>ρ</m:t>
                     </m:r>
                     <m:f>
                       <m:fPr>
@@ -13747,26 +13522,24 @@
                 <a:pPr lvl="2"/>
                 <a:r>
                   <a:rPr lang="en-US" sz="2800" dirty="0" smtClean="0"/>
-                  <a:t>Parameters: </a:t>
-                </a:r>
-                <a:r>
-                  <a:rPr lang="en-US" sz="2800" dirty="0" smtClean="0"/>
-                  <a:t>weight </a:t>
+                  <a:t>Parameters: weight </a:t>
                 </a:r>
                 <a14:m>
                   <m:oMath xmlns:m="http://schemas.openxmlformats.org/officeDocument/2006/math">
                     <m:r>
-                      <a:rPr lang="nl-NL" sz="2800" b="1" i="1">
+                      <a:rPr lang="el-GR" sz="2800" b="1" i="1">
                         <a:latin typeface="Cambria Math" panose="02040503050406030204" pitchFamily="18" charset="0"/>
                       </a:rPr>
-                      <m:t>𝒄</m:t>
+                      <m:t>𝜶</m:t>
+                    </m:r>
+                    <m:r>
+                      <a:rPr lang="el-GR" sz="2800" b="1" i="1">
+                        <a:latin typeface="Cambria Math" panose="02040503050406030204" pitchFamily="18" charset="0"/>
+                      </a:rPr>
+                      <m:t> </m:t>
                     </m:r>
                   </m:oMath>
                 </a14:m>
-                <a:r>
-                  <a:rPr lang="en-US" sz="2800" b="1" dirty="0" smtClean="0"/>
-                  <a:t>   </a:t>
-                </a:r>
                 <a:r>
                   <a:rPr lang="en-US" sz="2800" dirty="0" smtClean="0"/>
                   <a:t>: [0.0001~0.4]</a:t>
@@ -13781,17 +13554,18 @@
                 <a14:m>
                   <m:oMath xmlns:m="http://schemas.openxmlformats.org/officeDocument/2006/math">
                     <m:r>
-                      <a:rPr lang="el-GR" sz="2800" b="1" i="1">
-                        <a:latin typeface="Cambria Math" panose="02040503050406030204" pitchFamily="18" charset="0"/>
-                      </a:rPr>
-                      <m:t>𝜶</m:t>
+                      <m:rPr>
+                        <m:nor/>
+                      </m:rPr>
+                      <a:rPr lang="el-GR" sz="2800" b="1"/>
+                      <m:t>ρ</m:t>
+                    </m:r>
+                    <m:r>
+                      <a:rPr lang="el-GR" sz="2800" b="1" i="1"/>
+                      <m:t> </m:t>
                     </m:r>
                   </m:oMath>
                 </a14:m>
-                <a:r>
-                  <a:rPr lang="en-US" sz="2800" b="1" dirty="0" smtClean="0"/>
-                  <a:t>  </a:t>
-                </a:r>
                 <a:r>
                   <a:rPr lang="en-US" sz="2800" dirty="0" smtClean="0"/>
                   <a:t>: [0.0001~0.2]</a:t>
@@ -13835,7 +13609,7 @@
               <a:lstStyle/>
               <a:p>
                 <a:r>
-                  <a:rPr lang="en-US">
+                  <a:rPr lang="en-GB">
                     <a:noFill/>
                   </a:rPr>
                   <a:t> </a:t>
@@ -13882,8 +13656,8 @@
           <a:chExt cx="0" cy="0"/>
         </a:xfrm>
       </p:grpSpPr>
-      <mc:AlternateContent xmlns:mc="http://schemas.openxmlformats.org/markup-compatibility/2006">
-        <mc:Choice xmlns:a14="http://schemas.microsoft.com/office/drawing/2010/main" Requires="a14">
+      <mc:AlternateContent xmlns:mc="http://schemas.openxmlformats.org/markup-compatibility/2006" xmlns:a14="http://schemas.microsoft.com/office/drawing/2010/main">
+        <mc:Choice Requires="a14">
           <p:sp>
             <p:nvSpPr>
               <p:cNvPr id="3" name="Tijdelijke aanduiding voor inhoud 2"/>
@@ -14196,11 +13970,7 @@
                 <a:pPr lvl="1"/>
                 <a:r>
                   <a:rPr lang="en-US" sz="2800" dirty="0" smtClean="0"/>
-                  <a:t>Parameters</a:t>
-                </a:r>
-                <a:r>
-                  <a:rPr lang="en-US" sz="2800" dirty="0" smtClean="0"/>
-                  <a:t>:      weight </a:t>
+                  <a:t>Parameters:      weight </a:t>
                 </a:r>
                 <a14:m>
                   <m:oMath xmlns:m="http://schemas.openxmlformats.org/officeDocument/2006/math">
@@ -14257,7 +14027,7 @@
             </p:txBody>
           </p:sp>
         </mc:Choice>
-        <mc:Fallback>
+        <mc:Fallback xmlns="">
           <p:sp>
             <p:nvSpPr>
               <p:cNvPr id="3" name="Tijdelijke aanduiding voor inhoud 2"/>
@@ -14317,14 +14087,18 @@
           <a:p>
             <a:r>
               <a:rPr lang="en-US" sz="5400" dirty="0" smtClean="0"/>
-              <a:t>The experiment</a:t>
+              <a:t>The </a:t>
+            </a:r>
+            <a:r>
+              <a:rPr lang="en-US" sz="5400" dirty="0"/>
+              <a:t>Algorithms</a:t>
             </a:r>
             <a:endParaRPr lang="en-US" dirty="0"/>
           </a:p>
         </p:txBody>
       </p:sp>
-      <mc:AlternateContent xmlns:mc="http://schemas.openxmlformats.org/markup-compatibility/2006">
-        <mc:Choice xmlns:a14="http://schemas.microsoft.com/office/drawing/2010/main" Requires="a14">
+      <mc:AlternateContent xmlns:mc="http://schemas.openxmlformats.org/markup-compatibility/2006" xmlns:a14="http://schemas.microsoft.com/office/drawing/2010/main">
+        <mc:Choice Requires="a14">
           <p:sp>
             <p:nvSpPr>
               <p:cNvPr id="2" name="Rechthoek 1"/>
@@ -14447,7 +14221,7 @@
             </p:txBody>
           </p:sp>
         </mc:Choice>
-        <mc:Fallback>
+        <mc:Fallback xmlns="">
           <p:sp>
             <p:nvSpPr>
               <p:cNvPr id="2" name="Rechthoek 1"/>
@@ -14760,4 +14534,265 @@
     </a:ext>
   </a:extLst>
 </a:theme>
+</file>
+
+<file path=ppt/theme/theme2.xml><?xml version="1.0" encoding="utf-8"?>
+<a:theme xmlns:a="http://schemas.openxmlformats.org/drawingml/2006/main" name="Office Theme">
+  <a:themeElements>
+    <a:clrScheme name="Office">
+      <a:dk1>
+        <a:sysClr val="windowText" lastClr="000000"/>
+      </a:dk1>
+      <a:lt1>
+        <a:sysClr val="window" lastClr="FFFFFF"/>
+      </a:lt1>
+      <a:dk2>
+        <a:srgbClr val="44546A"/>
+      </a:dk2>
+      <a:lt2>
+        <a:srgbClr val="E7E6E6"/>
+      </a:lt2>
+      <a:accent1>
+        <a:srgbClr val="5B9BD5"/>
+      </a:accent1>
+      <a:accent2>
+        <a:srgbClr val="ED7D31"/>
+      </a:accent2>
+      <a:accent3>
+        <a:srgbClr val="A5A5A5"/>
+      </a:accent3>
+      <a:accent4>
+        <a:srgbClr val="FFC000"/>
+      </a:accent4>
+      <a:accent5>
+        <a:srgbClr val="4472C4"/>
+      </a:accent5>
+      <a:accent6>
+        <a:srgbClr val="70AD47"/>
+      </a:accent6>
+      <a:hlink>
+        <a:srgbClr val="0563C1"/>
+      </a:hlink>
+      <a:folHlink>
+        <a:srgbClr val="954F72"/>
+      </a:folHlink>
+    </a:clrScheme>
+    <a:fontScheme name="Office">
+      <a:majorFont>
+        <a:latin typeface="Calibri Light" panose="020F0302020204030204"/>
+        <a:ea typeface=""/>
+        <a:cs typeface=""/>
+        <a:font script="Jpan" typeface="ＭＳ Ｐゴシック"/>
+        <a:font script="Hang" typeface="맑은 고딕"/>
+        <a:font script="Hans" typeface="宋体"/>
+        <a:font script="Hant" typeface="新細明體"/>
+        <a:font script="Arab" typeface="Times New Roman"/>
+        <a:font script="Hebr" typeface="Times New Roman"/>
+        <a:font script="Thai" typeface="Angsana New"/>
+        <a:font script="Ethi" typeface="Nyala"/>
+        <a:font script="Beng" typeface="Vrinda"/>
+        <a:font script="Gujr" typeface="Shruti"/>
+        <a:font script="Khmr" typeface="MoolBoran"/>
+        <a:font script="Knda" typeface="Tunga"/>
+        <a:font script="Guru" typeface="Raavi"/>
+        <a:font script="Cans" typeface="Euphemia"/>
+        <a:font script="Cher" typeface="Plantagenet Cherokee"/>
+        <a:font script="Yiii" typeface="Microsoft Yi Baiti"/>
+        <a:font script="Tibt" typeface="Microsoft Himalaya"/>
+        <a:font script="Thaa" typeface="MV Boli"/>
+        <a:font script="Deva" typeface="Mangal"/>
+        <a:font script="Telu" typeface="Gautami"/>
+        <a:font script="Taml" typeface="Latha"/>
+        <a:font script="Syrc" typeface="Estrangelo Edessa"/>
+        <a:font script="Orya" typeface="Kalinga"/>
+        <a:font script="Mlym" typeface="Kartika"/>
+        <a:font script="Laoo" typeface="DokChampa"/>
+        <a:font script="Sinh" typeface="Iskoola Pota"/>
+        <a:font script="Mong" typeface="Mongolian Baiti"/>
+        <a:font script="Viet" typeface="Times New Roman"/>
+        <a:font script="Uigh" typeface="Microsoft Uighur"/>
+        <a:font script="Geor" typeface="Sylfaen"/>
+      </a:majorFont>
+      <a:minorFont>
+        <a:latin typeface="Calibri" panose="020F0502020204030204"/>
+        <a:ea typeface=""/>
+        <a:cs typeface=""/>
+        <a:font script="Jpan" typeface="ＭＳ Ｐゴシック"/>
+        <a:font script="Hang" typeface="맑은 고딕"/>
+        <a:font script="Hans" typeface="宋体"/>
+        <a:font script="Hant" typeface="新細明體"/>
+        <a:font script="Arab" typeface="Arial"/>
+        <a:font script="Hebr" typeface="Arial"/>
+        <a:font script="Thai" typeface="Cordia New"/>
+        <a:font script="Ethi" typeface="Nyala"/>
+        <a:font script="Beng" typeface="Vrinda"/>
+        <a:font script="Gujr" typeface="Shruti"/>
+        <a:font script="Khmr" typeface="DaunPenh"/>
+        <a:font script="Knda" typeface="Tunga"/>
+        <a:font script="Guru" typeface="Raavi"/>
+        <a:font script="Cans" typeface="Euphemia"/>
+        <a:font script="Cher" typeface="Plantagenet Cherokee"/>
+        <a:font script="Yiii" typeface="Microsoft Yi Baiti"/>
+        <a:font script="Tibt" typeface="Microsoft Himalaya"/>
+        <a:font script="Thaa" typeface="MV Boli"/>
+        <a:font script="Deva" typeface="Mangal"/>
+        <a:font script="Telu" typeface="Gautami"/>
+        <a:font script="Taml" typeface="Latha"/>
+        <a:font script="Syrc" typeface="Estrangelo Edessa"/>
+        <a:font script="Orya" typeface="Kalinga"/>
+        <a:font script="Mlym" typeface="Kartika"/>
+        <a:font script="Laoo" typeface="DokChampa"/>
+        <a:font script="Sinh" typeface="Iskoola Pota"/>
+        <a:font script="Mong" typeface="Mongolian Baiti"/>
+        <a:font script="Viet" typeface="Arial"/>
+        <a:font script="Uigh" typeface="Microsoft Uighur"/>
+        <a:font script="Geor" typeface="Sylfaen"/>
+      </a:minorFont>
+    </a:fontScheme>
+    <a:fmtScheme name="Office">
+      <a:fillStyleLst>
+        <a:solidFill>
+          <a:schemeClr val="phClr"/>
+        </a:solidFill>
+        <a:gradFill rotWithShape="1">
+          <a:gsLst>
+            <a:gs pos="0">
+              <a:schemeClr val="phClr">
+                <a:lumMod val="110000"/>
+                <a:satMod val="105000"/>
+                <a:tint val="67000"/>
+              </a:schemeClr>
+            </a:gs>
+            <a:gs pos="50000">
+              <a:schemeClr val="phClr">
+                <a:lumMod val="105000"/>
+                <a:satMod val="103000"/>
+                <a:tint val="73000"/>
+              </a:schemeClr>
+            </a:gs>
+            <a:gs pos="100000">
+              <a:schemeClr val="phClr">
+                <a:lumMod val="105000"/>
+                <a:satMod val="109000"/>
+                <a:tint val="81000"/>
+              </a:schemeClr>
+            </a:gs>
+          </a:gsLst>
+          <a:lin ang="5400000" scaled="0"/>
+        </a:gradFill>
+        <a:gradFill rotWithShape="1">
+          <a:gsLst>
+            <a:gs pos="0">
+              <a:schemeClr val="phClr">
+                <a:satMod val="103000"/>
+                <a:lumMod val="102000"/>
+                <a:tint val="94000"/>
+              </a:schemeClr>
+            </a:gs>
+            <a:gs pos="50000">
+              <a:schemeClr val="phClr">
+                <a:satMod val="110000"/>
+                <a:lumMod val="100000"/>
+                <a:shade val="100000"/>
+              </a:schemeClr>
+            </a:gs>
+            <a:gs pos="100000">
+              <a:schemeClr val="phClr">
+                <a:lumMod val="99000"/>
+                <a:satMod val="120000"/>
+                <a:shade val="78000"/>
+              </a:schemeClr>
+            </a:gs>
+          </a:gsLst>
+          <a:lin ang="5400000" scaled="0"/>
+        </a:gradFill>
+      </a:fillStyleLst>
+      <a:lnStyleLst>
+        <a:ln w="6350" cap="flat" cmpd="sng" algn="ctr">
+          <a:solidFill>
+            <a:schemeClr val="phClr"/>
+          </a:solidFill>
+          <a:prstDash val="solid"/>
+          <a:miter lim="800000"/>
+        </a:ln>
+        <a:ln w="12700" cap="flat" cmpd="sng" algn="ctr">
+          <a:solidFill>
+            <a:schemeClr val="phClr"/>
+          </a:solidFill>
+          <a:prstDash val="solid"/>
+          <a:miter lim="800000"/>
+        </a:ln>
+        <a:ln w="19050" cap="flat" cmpd="sng" algn="ctr">
+          <a:solidFill>
+            <a:schemeClr val="phClr"/>
+          </a:solidFill>
+          <a:prstDash val="solid"/>
+          <a:miter lim="800000"/>
+        </a:ln>
+      </a:lnStyleLst>
+      <a:effectStyleLst>
+        <a:effectStyle>
+          <a:effectLst/>
+        </a:effectStyle>
+        <a:effectStyle>
+          <a:effectLst/>
+        </a:effectStyle>
+        <a:effectStyle>
+          <a:effectLst>
+            <a:outerShdw blurRad="57150" dist="19050" dir="5400000" algn="ctr" rotWithShape="0">
+              <a:srgbClr val="000000">
+                <a:alpha val="63000"/>
+              </a:srgbClr>
+            </a:outerShdw>
+          </a:effectLst>
+        </a:effectStyle>
+      </a:effectStyleLst>
+      <a:bgFillStyleLst>
+        <a:solidFill>
+          <a:schemeClr val="phClr"/>
+        </a:solidFill>
+        <a:solidFill>
+          <a:schemeClr val="phClr">
+            <a:tint val="95000"/>
+            <a:satMod val="170000"/>
+          </a:schemeClr>
+        </a:solidFill>
+        <a:gradFill rotWithShape="1">
+          <a:gsLst>
+            <a:gs pos="0">
+              <a:schemeClr val="phClr">
+                <a:tint val="93000"/>
+                <a:satMod val="150000"/>
+                <a:shade val="98000"/>
+                <a:lumMod val="102000"/>
+              </a:schemeClr>
+            </a:gs>
+            <a:gs pos="50000">
+              <a:schemeClr val="phClr">
+                <a:tint val="98000"/>
+                <a:satMod val="130000"/>
+                <a:shade val="90000"/>
+                <a:lumMod val="103000"/>
+              </a:schemeClr>
+            </a:gs>
+            <a:gs pos="100000">
+              <a:schemeClr val="phClr">
+                <a:shade val="63000"/>
+                <a:satMod val="120000"/>
+              </a:schemeClr>
+            </a:gs>
+          </a:gsLst>
+          <a:lin ang="5400000" scaled="0"/>
+        </a:gradFill>
+      </a:bgFillStyleLst>
+    </a:fmtScheme>
+  </a:themeElements>
+  <a:objectDefaults/>
+  <a:extraClrSchemeLst/>
+  <a:extLst>
+    <a:ext uri="{05A4C25C-085E-4340-85A3-A5531E510DB2}">
+      <thm15:themeFamily xmlns:thm15="http://schemas.microsoft.com/office/thememl/2012/main" name="Office Theme" id="{62F939B6-93AF-4DB8-9C6B-D6C7DFDC589F}" vid="{4A3C46E8-61CC-4603-A589-7422A47A8E4A}"/>
+    </a:ext>
+  </a:extLst>
+</a:theme>
 </file>
--- a/Presentatie/Onderzoek eindpresentatie.pptx
+++ b/Presentatie/Onderzoek eindpresentatie.pptx
@@ -374,7 +374,7 @@
           <a:p>
             <a:fld id="{1EFA7DD2-5BEB-493B-9798-440F611A5209}" type="slidenum">
               <a:rPr lang="en-GB" smtClean="0"/>
-              <a:t>‹#›</a:t>
+              <a:t>‹nr.›</a:t>
             </a:fld>
             <a:endParaRPr lang="en-GB"/>
           </a:p>
@@ -1032,7 +1032,7 @@
           <a:p>
             <a:fld id="{5B0E594A-1D6C-4877-B724-3D9ECD930B19}" type="slidenum">
               <a:rPr lang="nl-NL" smtClean="0"/>
-              <a:t>‹#›</a:t>
+              <a:t>‹nr.›</a:t>
             </a:fld>
             <a:endParaRPr lang="nl-NL"/>
           </a:p>
@@ -1323,7 +1323,7 @@
           <a:p>
             <a:fld id="{5B0E594A-1D6C-4877-B724-3D9ECD930B19}" type="slidenum">
               <a:rPr lang="nl-NL" smtClean="0"/>
-              <a:t>‹#›</a:t>
+              <a:t>‹nr.›</a:t>
             </a:fld>
             <a:endParaRPr lang="nl-NL"/>
           </a:p>
@@ -1571,7 +1571,7 @@
           <a:p>
             <a:fld id="{5B0E594A-1D6C-4877-B724-3D9ECD930B19}" type="slidenum">
               <a:rPr lang="nl-NL" smtClean="0"/>
-              <a:t>‹#›</a:t>
+              <a:t>‹nr.›</a:t>
             </a:fld>
             <a:endParaRPr lang="nl-NL"/>
           </a:p>
@@ -2111,7 +2111,7 @@
           <a:p>
             <a:fld id="{5B0E594A-1D6C-4877-B724-3D9ECD930B19}" type="slidenum">
               <a:rPr lang="nl-NL" smtClean="0"/>
-              <a:t>‹#›</a:t>
+              <a:t>‹nr.›</a:t>
             </a:fld>
             <a:endParaRPr lang="nl-NL"/>
           </a:p>
@@ -2359,7 +2359,7 @@
           <a:p>
             <a:fld id="{5B0E594A-1D6C-4877-B724-3D9ECD930B19}" type="slidenum">
               <a:rPr lang="nl-NL" smtClean="0"/>
-              <a:t>‹#›</a:t>
+              <a:t>‹nr.›</a:t>
             </a:fld>
             <a:endParaRPr lang="nl-NL"/>
           </a:p>
@@ -2891,7 +2891,7 @@
           <a:p>
             <a:fld id="{5B0E594A-1D6C-4877-B724-3D9ECD930B19}" type="slidenum">
               <a:rPr lang="nl-NL" smtClean="0"/>
-              <a:t>‹#›</a:t>
+              <a:t>‹nr.›</a:t>
             </a:fld>
             <a:endParaRPr lang="nl-NL"/>
           </a:p>
@@ -3188,7 +3188,7 @@
           <a:p>
             <a:fld id="{5B0E594A-1D6C-4877-B724-3D9ECD930B19}" type="slidenum">
               <a:rPr lang="nl-NL" smtClean="0"/>
-              <a:t>‹#›</a:t>
+              <a:t>‹nr.›</a:t>
             </a:fld>
             <a:endParaRPr lang="nl-NL"/>
           </a:p>
@@ -3362,7 +3362,7 @@
           <a:p>
             <a:fld id="{5B0E594A-1D6C-4877-B724-3D9ECD930B19}" type="slidenum">
               <a:rPr lang="nl-NL" smtClean="0"/>
-              <a:t>‹#›</a:t>
+              <a:t>‹nr.›</a:t>
             </a:fld>
             <a:endParaRPr lang="nl-NL"/>
           </a:p>
@@ -3542,7 +3542,7 @@
           <a:p>
             <a:fld id="{5B0E594A-1D6C-4877-B724-3D9ECD930B19}" type="slidenum">
               <a:rPr lang="nl-NL" smtClean="0"/>
-              <a:t>‹#›</a:t>
+              <a:t>‹nr.›</a:t>
             </a:fld>
             <a:endParaRPr lang="nl-NL"/>
           </a:p>
@@ -3717,7 +3717,7 @@
           <a:p>
             <a:fld id="{5B0E594A-1D6C-4877-B724-3D9ECD930B19}" type="slidenum">
               <a:rPr lang="nl-NL" smtClean="0"/>
-              <a:t>‹#›</a:t>
+              <a:t>‹nr.›</a:t>
             </a:fld>
             <a:endParaRPr lang="nl-NL"/>
           </a:p>
@@ -3963,7 +3963,7 @@
           <a:p>
             <a:fld id="{5B0E594A-1D6C-4877-B724-3D9ECD930B19}" type="slidenum">
               <a:rPr lang="nl-NL" smtClean="0"/>
-              <a:t>‹#›</a:t>
+              <a:t>‹nr.›</a:t>
             </a:fld>
             <a:endParaRPr lang="nl-NL"/>
           </a:p>
@@ -4260,7 +4260,7 @@
           <a:p>
             <a:fld id="{5B0E594A-1D6C-4877-B724-3D9ECD930B19}" type="slidenum">
               <a:rPr lang="nl-NL" smtClean="0"/>
-              <a:t>‹#›</a:t>
+              <a:t>‹nr.›</a:t>
             </a:fld>
             <a:endParaRPr lang="nl-NL"/>
           </a:p>
@@ -4702,7 +4702,7 @@
           <a:p>
             <a:fld id="{5B0E594A-1D6C-4877-B724-3D9ECD930B19}" type="slidenum">
               <a:rPr lang="nl-NL" smtClean="0"/>
-              <a:t>‹#›</a:t>
+              <a:t>‹nr.›</a:t>
             </a:fld>
             <a:endParaRPr lang="nl-NL"/>
           </a:p>
@@ -4820,7 +4820,7 @@
           <a:p>
             <a:fld id="{5B0E594A-1D6C-4877-B724-3D9ECD930B19}" type="slidenum">
               <a:rPr lang="nl-NL" smtClean="0"/>
-              <a:t>‹#›</a:t>
+              <a:t>‹nr.›</a:t>
             </a:fld>
             <a:endParaRPr lang="nl-NL"/>
           </a:p>
@@ -4915,7 +4915,7 @@
           <a:p>
             <a:fld id="{5B0E594A-1D6C-4877-B724-3D9ECD930B19}" type="slidenum">
               <a:rPr lang="nl-NL" smtClean="0"/>
-              <a:t>‹#›</a:t>
+              <a:t>‹nr.›</a:t>
             </a:fld>
             <a:endParaRPr lang="nl-NL"/>
           </a:p>
@@ -5198,7 +5198,7 @@
           <a:p>
             <a:fld id="{5B0E594A-1D6C-4877-B724-3D9ECD930B19}" type="slidenum">
               <a:rPr lang="nl-NL" smtClean="0"/>
-              <a:t>‹#›</a:t>
+              <a:t>‹nr.›</a:t>
             </a:fld>
             <a:endParaRPr lang="nl-NL"/>
           </a:p>
@@ -5489,7 +5489,7 @@
           <a:p>
             <a:fld id="{5B0E594A-1D6C-4877-B724-3D9ECD930B19}" type="slidenum">
               <a:rPr lang="nl-NL" smtClean="0"/>
-              <a:t>‹#›</a:t>
+              <a:t>‹nr.›</a:t>
             </a:fld>
             <a:endParaRPr lang="nl-NL"/>
           </a:p>
@@ -6055,7 +6055,7 @@
           <a:p>
             <a:fld id="{5B0E594A-1D6C-4877-B724-3D9ECD930B19}" type="slidenum">
               <a:rPr lang="nl-NL" smtClean="0"/>
-              <a:t>‹#›</a:t>
+              <a:t>‹nr.›</a:t>
             </a:fld>
             <a:endParaRPr lang="nl-NL"/>
           </a:p>
@@ -6613,8 +6613,8 @@
           <a:chExt cx="0" cy="0"/>
         </a:xfrm>
       </p:grpSpPr>
-      <mc:AlternateContent xmlns:mc="http://schemas.openxmlformats.org/markup-compatibility/2006">
-        <mc:Choice xmlns:a14="http://schemas.microsoft.com/office/drawing/2010/main" Requires="a14">
+      <mc:AlternateContent xmlns:mc="http://schemas.openxmlformats.org/markup-compatibility/2006" xmlns:a14="http://schemas.microsoft.com/office/drawing/2010/main">
+        <mc:Choice Requires="a14">
           <p:sp>
             <p:nvSpPr>
               <p:cNvPr id="3" name="Tijdelijke aanduiding voor inhoud 2"/>
@@ -7128,7 +7128,9 @@
                       <m:t>ρ</m:t>
                     </m:r>
                     <m:r>
-                      <a:rPr lang="el-GR" sz="2800" b="1" i="1"/>
+                      <a:rPr lang="el-GR" sz="2800" b="1" i="1">
+                        <a:latin typeface="Cambria Math" panose="02040503050406030204" pitchFamily="18" charset="0"/>
+                      </a:rPr>
                       <m:t> </m:t>
                     </m:r>
                   </m:oMath>
@@ -7208,7 +7210,7 @@
             </p:txBody>
           </p:sp>
         </mc:Choice>
-        <mc:Fallback>
+        <mc:Fallback xmlns="">
           <p:sp>
             <p:nvSpPr>
               <p:cNvPr id="3" name="Tijdelijke aanduiding voor inhoud 2"/>
@@ -7272,7 +7274,6 @@
               <a:rPr lang="en-US" sz="5400" dirty="0"/>
               <a:t>The Algorithms</a:t>
             </a:r>
-            <a:endParaRPr lang="en-US" sz="5400" dirty="0"/>
           </a:p>
         </p:txBody>
       </p:sp>
@@ -7342,7 +7343,6 @@
               <a:rPr lang="en-US" sz="3200" b="1" dirty="0" smtClean="0"/>
               <a:t>Input Data</a:t>
             </a:r>
-            <a:endParaRPr lang="en-US" sz="3200" b="1" dirty="0" smtClean="0"/>
           </a:p>
           <a:p>
             <a:r>
@@ -7527,11 +7527,7 @@
             </a:pPr>
             <a:r>
               <a:rPr lang="en-US" sz="3200" b="1" dirty="0" smtClean="0"/>
-              <a:t>Running the </a:t>
-            </a:r>
-            <a:r>
-              <a:rPr lang="en-US" sz="3200" b="1" dirty="0" smtClean="0"/>
-              <a:t>algorithms</a:t>
+              <a:t>Running the algorithms</a:t>
             </a:r>
           </a:p>
           <a:p>
@@ -8329,7 +8325,7 @@
           <p:nvPr>
             <p:extLst>
               <p:ext uri="{D42A27DB-BD31-4B8C-83A1-F6EECF244321}">
-                <p14:modId xmlns:p14="http://schemas.microsoft.com/office/powerpoint/2010/main" val="520849770"/>
+                <p14:modId xmlns:p14="http://schemas.microsoft.com/office/powerpoint/2010/main" val="2073611734"/>
               </p:ext>
             </p:extLst>
           </p:nvPr>
@@ -8354,7 +8350,7 @@
                 <a:gridCol w="1540626"/>
               </a:tblGrid>
               <a:tr h="487680">
-                <a:tc>
+                <a:tc rowSpan="3">
                   <a:txBody>
                     <a:bodyPr/>
                     <a:lstStyle/>
@@ -8437,13 +8433,13 @@
                 </a:tc>
               </a:tr>
               <a:tr h="331470">
-                <a:tc rowSpan="2">
+                <a:tc vMerge="1">
                   <a:txBody>
                     <a:bodyPr/>
                     <a:lstStyle/>
                     <a:p>
                       <a:pPr algn="ctr"/>
-                      <a:endParaRPr lang="en-US"/>
+                      <a:endParaRPr lang="en-US" dirty="0"/>
                     </a:p>
                   </a:txBody>
                   <a:tcPr/>
@@ -8807,7 +8803,7 @@
         </p:nvSpPr>
         <p:spPr>
           <a:xfrm>
-            <a:off x="2128235" y="1898822"/>
+            <a:off x="1213643" y="1111722"/>
             <a:ext cx="10018713" cy="4706818"/>
           </a:xfrm>
         </p:spPr>
@@ -8903,16 +8899,12 @@
   <p:clrMapOvr>
     <a:masterClrMapping/>
   </p:clrMapOvr>
-  <mc:AlternateContent xmlns:mc="http://schemas.openxmlformats.org/markup-compatibility/2006" xmlns:p14="http://schemas.microsoft.com/office/powerpoint/2010/main">
-    <mc:Choice Requires="p14">
-      <p:transition spd="med" p14:dur="700">
-        <p:fade/>
-      </p:transition>
+  <mc:AlternateContent xmlns:mc="http://schemas.openxmlformats.org/markup-compatibility/2006">
+    <mc:Choice xmlns:p14="http://schemas.microsoft.com/office/powerpoint/2010/main" Requires="p14">
+      <p:transition p14:dur="0"/>
     </mc:Choice>
-    <mc:Fallback xmlns="">
-      <p:transition spd="med">
-        <p:fade/>
-      </p:transition>
+    <mc:Fallback>
+      <p:transition/>
     </mc:Fallback>
   </mc:AlternateContent>
   <p:timing>
@@ -8939,199 +8931,14 @@
                             </p:stCondLst>
                             <p:childTnLst>
                               <p:par>
-                                <p:cTn id="5" presetID="42" presetClass="path" presetSubtype="0" accel="50000" decel="50000" fill="hold" grpId="0" nodeType="withEffect">
-                                  <p:stCondLst>
-                                    <p:cond delay="0"/>
-                                  </p:stCondLst>
-                                  <p:childTnLst>
-                                    <p:animMotion origin="layout" path="M 0 0 L 0 0.25 E" pathEditMode="relative" ptsTypes="">
-                                      <p:cBhvr>
-                                        <p:cTn id="6" dur="2000" fill="hold"/>
-                                        <p:tgtEl>
-                                          <p:spTgt spid="12">
-                                            <p:txEl>
-                                              <p:pRg st="0" end="0"/>
-                                            </p:txEl>
-                                          </p:spTgt>
-                                        </p:tgtEl>
-                                        <p:attrNameLst>
-                                          <p:attrName>ppt_x</p:attrName>
-                                          <p:attrName>ppt_y</p:attrName>
-                                        </p:attrNameLst>
-                                      </p:cBhvr>
-                                    </p:animMotion>
-                                  </p:childTnLst>
-                                </p:cTn>
-                              </p:par>
-                              <p:par>
-                                <p:cTn id="7" presetID="42" presetClass="path" presetSubtype="0" accel="50000" decel="50000" fill="hold" grpId="0" nodeType="withEffect">
-                                  <p:stCondLst>
-                                    <p:cond delay="0"/>
-                                  </p:stCondLst>
-                                  <p:childTnLst>
-                                    <p:animMotion origin="layout" path="M -1.04167E-6 -1.85185E-6 L -0.07825 -0.125 " pathEditMode="relative" rAng="0" ptsTypes="AA">
-                                      <p:cBhvr>
-                                        <p:cTn id="8" dur="2000" fill="hold"/>
-                                        <p:tgtEl>
-                                          <p:spTgt spid="12">
-                                            <p:txEl>
-                                              <p:pRg st="1" end="1"/>
-                                            </p:txEl>
-                                          </p:spTgt>
-                                        </p:tgtEl>
-                                        <p:attrNameLst>
-                                          <p:attrName>ppt_x</p:attrName>
-                                          <p:attrName>ppt_y</p:attrName>
-                                        </p:attrNameLst>
-                                      </p:cBhvr>
-                                      <p:rCtr x="-3919" y="-6250"/>
-                                    </p:animMotion>
-                                  </p:childTnLst>
-                                </p:cTn>
-                              </p:par>
-                              <p:par>
-                                <p:cTn id="9" presetID="42" presetClass="path" presetSubtype="0" accel="50000" decel="50000" fill="hold" grpId="0" nodeType="withEffect">
-                                  <p:stCondLst>
-                                    <p:cond delay="0"/>
-                                  </p:stCondLst>
-                                  <p:childTnLst>
-                                    <p:animMotion origin="layout" path="M 0 0 L 0 0.25 E" pathEditMode="relative" ptsTypes="">
-                                      <p:cBhvr>
-                                        <p:cTn id="10" dur="2000" fill="hold"/>
-                                        <p:tgtEl>
-                                          <p:spTgt spid="12">
-                                            <p:txEl>
-                                              <p:pRg st="2" end="2"/>
-                                            </p:txEl>
-                                          </p:spTgt>
-                                        </p:tgtEl>
-                                        <p:attrNameLst>
-                                          <p:attrName>ppt_x</p:attrName>
-                                          <p:attrName>ppt_y</p:attrName>
-                                        </p:attrNameLst>
-                                      </p:cBhvr>
-                                    </p:animMotion>
-                                  </p:childTnLst>
-                                </p:cTn>
-                              </p:par>
-                              <p:par>
-                                <p:cTn id="11" presetID="42" presetClass="path" presetSubtype="0" accel="50000" decel="50000" fill="hold" grpId="0" nodeType="withEffect">
-                                  <p:stCondLst>
-                                    <p:cond delay="0"/>
-                                  </p:stCondLst>
-                                  <p:childTnLst>
-                                    <p:animMotion origin="layout" path="M 0 0 L 0 0.25 E" pathEditMode="relative" ptsTypes="">
-                                      <p:cBhvr>
-                                        <p:cTn id="12" dur="2000" fill="hold"/>
-                                        <p:tgtEl>
-                                          <p:spTgt spid="12">
-                                            <p:txEl>
-                                              <p:pRg st="3" end="3"/>
-                                            </p:txEl>
-                                          </p:spTgt>
-                                        </p:tgtEl>
-                                        <p:attrNameLst>
-                                          <p:attrName>ppt_x</p:attrName>
-                                          <p:attrName>ppt_y</p:attrName>
-                                        </p:attrNameLst>
-                                      </p:cBhvr>
-                                    </p:animMotion>
-                                  </p:childTnLst>
-                                </p:cTn>
-                              </p:par>
-                              <p:par>
-                                <p:cTn id="13" presetID="42" presetClass="path" presetSubtype="0" accel="50000" decel="50000" fill="hold" grpId="0" nodeType="withEffect">
-                                  <p:stCondLst>
-                                    <p:cond delay="0"/>
-                                  </p:stCondLst>
-                                  <p:childTnLst>
-                                    <p:animMotion origin="layout" path="M 0 0 L 0 0.25 E" pathEditMode="relative" ptsTypes="">
-                                      <p:cBhvr>
-                                        <p:cTn id="14" dur="2000" fill="hold"/>
-                                        <p:tgtEl>
-                                          <p:spTgt spid="12">
-                                            <p:txEl>
-                                              <p:pRg st="4" end="4"/>
-                                            </p:txEl>
-                                          </p:spTgt>
-                                        </p:tgtEl>
-                                        <p:attrNameLst>
-                                          <p:attrName>ppt_x</p:attrName>
-                                          <p:attrName>ppt_y</p:attrName>
-                                        </p:attrNameLst>
-                                      </p:cBhvr>
-                                    </p:animMotion>
-                                  </p:childTnLst>
-                                </p:cTn>
-                              </p:par>
-                              <p:par>
-                                <p:cTn id="15" presetID="42" presetClass="path" presetSubtype="0" accel="50000" decel="50000" fill="hold" grpId="0" nodeType="withEffect">
-                                  <p:stCondLst>
-                                    <p:cond delay="0"/>
-                                  </p:stCondLst>
-                                  <p:childTnLst>
-                                    <p:animMotion origin="layout" path="M 0 0 L 0 0.25 E" pathEditMode="relative" ptsTypes="">
-                                      <p:cBhvr>
-                                        <p:cTn id="16" dur="2000" fill="hold"/>
-                                        <p:tgtEl>
-                                          <p:spTgt spid="12">
-                                            <p:txEl>
-                                              <p:pRg st="5" end="5"/>
-                                            </p:txEl>
-                                          </p:spTgt>
-                                        </p:tgtEl>
-                                        <p:attrNameLst>
-                                          <p:attrName>ppt_x</p:attrName>
-                                          <p:attrName>ppt_y</p:attrName>
-                                        </p:attrNameLst>
-                                      </p:cBhvr>
-                                    </p:animMotion>
-                                  </p:childTnLst>
-                                </p:cTn>
-                              </p:par>
-                              <p:par>
-                                <p:cTn id="17" presetID="42" presetClass="path" presetSubtype="0" accel="50000" decel="50000" fill="hold" grpId="0" nodeType="withEffect">
-                                  <p:stCondLst>
-                                    <p:cond delay="0"/>
-                                  </p:stCondLst>
-                                  <p:childTnLst>
-                                    <p:animMotion origin="layout" path="M 0 0 L 0 0.25 E" pathEditMode="relative" ptsTypes="">
-                                      <p:cBhvr>
-                                        <p:cTn id="18" dur="2000" fill="hold"/>
-                                        <p:tgtEl>
-                                          <p:spTgt spid="12">
-                                            <p:txEl>
-                                              <p:pRg st="6" end="6"/>
-                                            </p:txEl>
-                                          </p:spTgt>
-                                        </p:tgtEl>
-                                        <p:attrNameLst>
-                                          <p:attrName>ppt_x</p:attrName>
-                                          <p:attrName>ppt_y</p:attrName>
-                                        </p:attrNameLst>
-                                      </p:cBhvr>
-                                    </p:animMotion>
-                                  </p:childTnLst>
-                                </p:cTn>
-                              </p:par>
-                            </p:childTnLst>
-                          </p:cTn>
-                        </p:par>
-                        <p:par>
-                          <p:cTn id="19" fill="hold">
-                            <p:stCondLst>
-                              <p:cond delay="2000"/>
-                            </p:stCondLst>
-                            <p:childTnLst>
-                              <p:par>
-                                <p:cTn id="20" presetID="10" presetClass="entr" presetSubtype="0" fill="hold" nodeType="afterEffect">
+                                <p:cTn id="5" presetID="10" presetClass="entr" presetSubtype="0" fill="hold" nodeType="afterEffect">
                                   <p:stCondLst>
                                     <p:cond delay="0"/>
                                   </p:stCondLst>
                                   <p:childTnLst>
                                     <p:set>
                                       <p:cBhvr>
-                                        <p:cTn id="21" dur="1" fill="hold">
+                                        <p:cTn id="6" dur="1" fill="hold">
                                           <p:stCondLst>
                                             <p:cond delay="0"/>
                                           </p:stCondLst>
@@ -9149,7 +8956,7 @@
                                     </p:set>
                                     <p:animEffect transition="in" filter="fade">
                                       <p:cBhvr>
-                                        <p:cTn id="22" dur="500"/>
+                                        <p:cTn id="7" dur="500"/>
                                         <p:tgtEl>
                                           <p:spTgt spid="6"/>
                                         </p:tgtEl>
@@ -9159,14 +8966,14 @@
                                 </p:cTn>
                               </p:par>
                               <p:par>
-                                <p:cTn id="23" presetID="10" presetClass="entr" presetSubtype="0" fill="hold" nodeType="withEffect">
+                                <p:cTn id="8" presetID="10" presetClass="entr" presetSubtype="0" fill="hold" nodeType="withEffect">
                                   <p:stCondLst>
                                     <p:cond delay="0"/>
                                   </p:stCondLst>
                                   <p:childTnLst>
                                     <p:set>
                                       <p:cBhvr>
-                                        <p:cTn id="24" dur="1" fill="hold">
+                                        <p:cTn id="9" dur="1" fill="hold">
                                           <p:stCondLst>
                                             <p:cond delay="0"/>
                                           </p:stCondLst>
@@ -9184,7 +8991,7 @@
                                     </p:set>
                                     <p:animEffect transition="in" filter="fade">
                                       <p:cBhvr>
-                                        <p:cTn id="25" dur="500"/>
+                                        <p:cTn id="10" dur="500"/>
                                         <p:tgtEl>
                                           <p:spTgt spid="7"/>
                                         </p:tgtEl>
@@ -9194,14 +9001,14 @@
                                 </p:cTn>
                               </p:par>
                               <p:par>
-                                <p:cTn id="26" presetID="10" presetClass="entr" presetSubtype="0" fill="hold" grpId="0" nodeType="withEffect">
+                                <p:cTn id="11" presetID="10" presetClass="entr" presetSubtype="0" fill="hold" grpId="0" nodeType="withEffect">
                                   <p:stCondLst>
                                     <p:cond delay="0"/>
                                   </p:stCondLst>
                                   <p:childTnLst>
                                     <p:set>
                                       <p:cBhvr>
-                                        <p:cTn id="27" dur="1" fill="hold">
+                                        <p:cTn id="12" dur="1" fill="hold">
                                           <p:stCondLst>
                                             <p:cond delay="0"/>
                                           </p:stCondLst>
@@ -9219,7 +9026,7 @@
                                     </p:set>
                                     <p:animEffect transition="in" filter="fade">
                                       <p:cBhvr>
-                                        <p:cTn id="28" dur="500"/>
+                                        <p:cTn id="13" dur="500"/>
                                         <p:tgtEl>
                                           <p:spTgt spid="9"/>
                                         </p:tgtEl>
@@ -9229,14 +9036,14 @@
                                 </p:cTn>
                               </p:par>
                               <p:par>
-                                <p:cTn id="29" presetID="10" presetClass="entr" presetSubtype="0" fill="hold" grpId="0" nodeType="withEffect">
+                                <p:cTn id="14" presetID="10" presetClass="entr" presetSubtype="0" fill="hold" grpId="0" nodeType="withEffect">
                                   <p:stCondLst>
                                     <p:cond delay="0"/>
                                   </p:stCondLst>
                                   <p:childTnLst>
                                     <p:set>
                                       <p:cBhvr>
-                                        <p:cTn id="30" dur="1" fill="hold">
+                                        <p:cTn id="15" dur="1" fill="hold">
                                           <p:stCondLst>
                                             <p:cond delay="0"/>
                                           </p:stCondLst>
@@ -9254,7 +9061,7 @@
                                     </p:set>
                                     <p:animEffect transition="in" filter="fade">
                                       <p:cBhvr>
-                                        <p:cTn id="31" dur="500"/>
+                                        <p:cTn id="16" dur="500"/>
                                         <p:tgtEl>
                                           <p:spTgt spid="8"/>
                                         </p:tgtEl>
@@ -9293,7 +9100,6 @@
     <p:bldLst>
       <p:bldP spid="8" grpId="0"/>
       <p:bldP spid="9" grpId="0"/>
-      <p:bldP spid="12" grpId="0" uiExpand="1" build="p"/>
     </p:bldLst>
   </p:timing>
 </p:sld>
@@ -9660,13 +9466,13 @@
           <p:nvPr>
             <p:extLst>
               <p:ext uri="{D42A27DB-BD31-4B8C-83A1-F6EECF244321}">
-                <p14:modId xmlns:p14="http://schemas.microsoft.com/office/powerpoint/2010/main" val="2596339912"/>
+                <p14:modId xmlns:p14="http://schemas.microsoft.com/office/powerpoint/2010/main" val="4016678624"/>
               </p:ext>
             </p:extLst>
           </p:nvPr>
         </p:nvGraphicFramePr>
         <p:xfrm>
-          <a:off x="1509263" y="4498587"/>
+          <a:off x="1221664" y="4498587"/>
           <a:ext cx="9748673" cy="1943100"/>
         </p:xfrm>
         <a:graphic>
@@ -9685,7 +9491,7 @@
                 <a:gridCol w="1637227"/>
               </a:tblGrid>
               <a:tr h="487680">
-                <a:tc>
+                <a:tc rowSpan="3">
                   <a:txBody>
                     <a:bodyPr/>
                     <a:lstStyle/>
@@ -9768,13 +9574,13 @@
                 </a:tc>
               </a:tr>
               <a:tr h="331470">
-                <a:tc rowSpan="2">
+                <a:tc vMerge="1">
                   <a:txBody>
                     <a:bodyPr/>
                     <a:lstStyle/>
                     <a:p>
                       <a:pPr algn="ctr"/>
-                      <a:endParaRPr lang="en-US"/>
+                      <a:endParaRPr lang="en-US" dirty="0"/>
                     </a:p>
                   </a:txBody>
                   <a:tcPr/>
@@ -11332,7 +11138,7 @@
           <p:nvPr>
             <p:extLst>
               <p:ext uri="{D42A27DB-BD31-4B8C-83A1-F6EECF244321}">
-                <p14:modId xmlns:p14="http://schemas.microsoft.com/office/powerpoint/2010/main" val="1528693182"/>
+                <p14:modId xmlns:p14="http://schemas.microsoft.com/office/powerpoint/2010/main" val="476832218"/>
               </p:ext>
             </p:extLst>
           </p:nvPr>
@@ -11359,7 +11165,7 @@
                 <a:gridCol w="1420075"/>
               </a:tblGrid>
               <a:tr h="297503">
-                <a:tc>
+                <a:tc rowSpan="3">
                   <a:txBody>
                     <a:bodyPr/>
                     <a:lstStyle/>
@@ -11476,7 +11282,7 @@
                 </a:tc>
               </a:tr>
               <a:tr h="202209">
-                <a:tc rowSpan="2">
+                <a:tc vMerge="1">
                   <a:txBody>
                     <a:bodyPr/>
                     <a:lstStyle/>
@@ -13110,18 +12916,14 @@
           <a:p>
             <a:r>
               <a:rPr lang="en-US" sz="5400" dirty="0" smtClean="0"/>
-              <a:t>The </a:t>
-            </a:r>
-            <a:r>
-              <a:rPr lang="en-US" sz="5400" dirty="0" smtClean="0"/>
-              <a:t>Algorithms</a:t>
+              <a:t>The Algorithms</a:t>
             </a:r>
             <a:endParaRPr lang="en-US" dirty="0"/>
           </a:p>
         </p:txBody>
       </p:sp>
-      <mc:AlternateContent xmlns:mc="http://schemas.openxmlformats.org/markup-compatibility/2006">
-        <mc:Choice xmlns:a14="http://schemas.microsoft.com/office/drawing/2010/main" Requires="a14">
+      <mc:AlternateContent xmlns:mc="http://schemas.openxmlformats.org/markup-compatibility/2006" xmlns:a14="http://schemas.microsoft.com/office/drawing/2010/main">
+        <mc:Choice Requires="a14">
           <p:sp>
             <p:nvSpPr>
               <p:cNvPr id="3" name="Tijdelijke aanduiding voor inhoud 2"/>
@@ -13561,7 +13363,9 @@
                       <m:t>ρ</m:t>
                     </m:r>
                     <m:r>
-                      <a:rPr lang="el-GR" sz="2800" b="1" i="1"/>
+                      <a:rPr lang="el-GR" sz="2800" b="1" i="1">
+                        <a:latin typeface="Cambria Math" panose="02040503050406030204" pitchFamily="18" charset="0"/>
+                      </a:rPr>
                       <m:t> </m:t>
                     </m:r>
                   </m:oMath>
@@ -13581,7 +13385,7 @@
             </p:txBody>
           </p:sp>
         </mc:Choice>
-        <mc:Fallback>
+        <mc:Fallback xmlns="">
           <p:sp>
             <p:nvSpPr>
               <p:cNvPr id="3" name="Tijdelijke aanduiding voor inhoud 2"/>

--- a/Presentatie/Onderzoek eindpresentatie.pptx
+++ b/Presentatie/Onderzoek eindpresentatie.pptx
@@ -374,7 +374,7 @@
           <a:p>
             <a:fld id="{1EFA7DD2-5BEB-493B-9798-440F611A5209}" type="slidenum">
               <a:rPr lang="en-GB" smtClean="0"/>
-              <a:t>‹nr.›</a:t>
+              <a:t>‹#›</a:t>
             </a:fld>
             <a:endParaRPr lang="en-GB"/>
           </a:p>
@@ -481,6 +481,90 @@
     </a:lvl9pPr>
   </p:notesStyle>
 </p:notesMaster>
+</file>
+
+<file path=ppt/notesSlides/notesSlide1.xml><?xml version="1.0" encoding="utf-8"?>
+<p:notes xmlns:a="http://schemas.openxmlformats.org/drawingml/2006/main" xmlns:r="http://schemas.openxmlformats.org/officeDocument/2006/relationships" xmlns:p="http://schemas.openxmlformats.org/presentationml/2006/main">
+  <p:cSld>
+    <p:spTree>
+      <p:nvGrpSpPr>
+        <p:cNvPr id="1" name=""/>
+        <p:cNvGrpSpPr/>
+        <p:nvPr/>
+      </p:nvGrpSpPr>
+      <p:grpSpPr>
+        <a:xfrm>
+          <a:off x="0" y="0"/>
+          <a:ext cx="0" cy="0"/>
+          <a:chOff x="0" y="0"/>
+          <a:chExt cx="0" cy="0"/>
+        </a:xfrm>
+      </p:grpSpPr>
+      <p:sp>
+        <p:nvSpPr>
+          <p:cNvPr id="2" name="Slide Image Placeholder 1"/>
+          <p:cNvSpPr>
+            <a:spLocks noGrp="1" noRot="1" noChangeAspect="1"/>
+          </p:cNvSpPr>
+          <p:nvPr>
+            <p:ph type="sldImg"/>
+          </p:nvPr>
+        </p:nvSpPr>
+        <p:spPr/>
+      </p:sp>
+      <p:sp>
+        <p:nvSpPr>
+          <p:cNvPr id="3" name="Notes Placeholder 2"/>
+          <p:cNvSpPr>
+            <a:spLocks noGrp="1"/>
+          </p:cNvSpPr>
+          <p:nvPr>
+            <p:ph type="body" idx="1"/>
+          </p:nvPr>
+        </p:nvSpPr>
+        <p:spPr/>
+        <p:txBody>
+          <a:bodyPr/>
+          <a:lstStyle/>
+          <a:p>
+            <a:endParaRPr lang="en-GB" dirty="0"/>
+          </a:p>
+        </p:txBody>
+      </p:sp>
+      <p:sp>
+        <p:nvSpPr>
+          <p:cNvPr id="4" name="Slide Number Placeholder 3"/>
+          <p:cNvSpPr>
+            <a:spLocks noGrp="1"/>
+          </p:cNvSpPr>
+          <p:nvPr>
+            <p:ph type="sldNum" sz="quarter" idx="10"/>
+          </p:nvPr>
+        </p:nvSpPr>
+        <p:spPr/>
+        <p:txBody>
+          <a:bodyPr/>
+          <a:lstStyle/>
+          <a:p>
+            <a:fld id="{1EFA7DD2-5BEB-493B-9798-440F611A5209}" type="slidenum">
+              <a:rPr lang="en-GB" smtClean="0"/>
+              <a:t>10</a:t>
+            </a:fld>
+            <a:endParaRPr lang="en-GB"/>
+          </a:p>
+        </p:txBody>
+      </p:sp>
+    </p:spTree>
+    <p:extLst>
+      <p:ext uri="{BB962C8B-B14F-4D97-AF65-F5344CB8AC3E}">
+        <p14:creationId xmlns:p14="http://schemas.microsoft.com/office/powerpoint/2010/main" val="1256200192"/>
+      </p:ext>
+    </p:extLst>
+  </p:cSld>
+  <p:clrMapOvr>
+    <a:masterClrMapping/>
+  </p:clrMapOvr>
+</p:notes>
 </file>
 
 <file path=ppt/slideLayouts/slideLayout1.xml><?xml version="1.0" encoding="utf-8"?>
@@ -1032,7 +1116,7 @@
           <a:p>
             <a:fld id="{5B0E594A-1D6C-4877-B724-3D9ECD930B19}" type="slidenum">
               <a:rPr lang="nl-NL" smtClean="0"/>
-              <a:t>‹nr.›</a:t>
+              <a:t>‹#›</a:t>
             </a:fld>
             <a:endParaRPr lang="nl-NL"/>
           </a:p>
@@ -1323,7 +1407,7 @@
           <a:p>
             <a:fld id="{5B0E594A-1D6C-4877-B724-3D9ECD930B19}" type="slidenum">
               <a:rPr lang="nl-NL" smtClean="0"/>
-              <a:t>‹nr.›</a:t>
+              <a:t>‹#›</a:t>
             </a:fld>
             <a:endParaRPr lang="nl-NL"/>
           </a:p>
@@ -1571,7 +1655,7 @@
           <a:p>
             <a:fld id="{5B0E594A-1D6C-4877-B724-3D9ECD930B19}" type="slidenum">
               <a:rPr lang="nl-NL" smtClean="0"/>
-              <a:t>‹nr.›</a:t>
+              <a:t>‹#›</a:t>
             </a:fld>
             <a:endParaRPr lang="nl-NL"/>
           </a:p>
@@ -2111,7 +2195,7 @@
           <a:p>
             <a:fld id="{5B0E594A-1D6C-4877-B724-3D9ECD930B19}" type="slidenum">
               <a:rPr lang="nl-NL" smtClean="0"/>
-              <a:t>‹nr.›</a:t>
+              <a:t>‹#›</a:t>
             </a:fld>
             <a:endParaRPr lang="nl-NL"/>
           </a:p>
@@ -2359,7 +2443,7 @@
           <a:p>
             <a:fld id="{5B0E594A-1D6C-4877-B724-3D9ECD930B19}" type="slidenum">
               <a:rPr lang="nl-NL" smtClean="0"/>
-              <a:t>‹nr.›</a:t>
+              <a:t>‹#›</a:t>
             </a:fld>
             <a:endParaRPr lang="nl-NL"/>
           </a:p>
@@ -2891,7 +2975,7 @@
           <a:p>
             <a:fld id="{5B0E594A-1D6C-4877-B724-3D9ECD930B19}" type="slidenum">
               <a:rPr lang="nl-NL" smtClean="0"/>
-              <a:t>‹nr.›</a:t>
+              <a:t>‹#›</a:t>
             </a:fld>
             <a:endParaRPr lang="nl-NL"/>
           </a:p>
@@ -3188,7 +3272,7 @@
           <a:p>
             <a:fld id="{5B0E594A-1D6C-4877-B724-3D9ECD930B19}" type="slidenum">
               <a:rPr lang="nl-NL" smtClean="0"/>
-              <a:t>‹nr.›</a:t>
+              <a:t>‹#›</a:t>
             </a:fld>
             <a:endParaRPr lang="nl-NL"/>
           </a:p>
@@ -3362,7 +3446,7 @@
           <a:p>
             <a:fld id="{5B0E594A-1D6C-4877-B724-3D9ECD930B19}" type="slidenum">
               <a:rPr lang="nl-NL" smtClean="0"/>
-              <a:t>‹nr.›</a:t>
+              <a:t>‹#›</a:t>
             </a:fld>
             <a:endParaRPr lang="nl-NL"/>
           </a:p>
@@ -3542,7 +3626,7 @@
           <a:p>
             <a:fld id="{5B0E594A-1D6C-4877-B724-3D9ECD930B19}" type="slidenum">
               <a:rPr lang="nl-NL" smtClean="0"/>
-              <a:t>‹nr.›</a:t>
+              <a:t>‹#›</a:t>
             </a:fld>
             <a:endParaRPr lang="nl-NL"/>
           </a:p>
@@ -3717,7 +3801,7 @@
           <a:p>
             <a:fld id="{5B0E594A-1D6C-4877-B724-3D9ECD930B19}" type="slidenum">
               <a:rPr lang="nl-NL" smtClean="0"/>
-              <a:t>‹nr.›</a:t>
+              <a:t>‹#›</a:t>
             </a:fld>
             <a:endParaRPr lang="nl-NL"/>
           </a:p>
@@ -3963,7 +4047,7 @@
           <a:p>
             <a:fld id="{5B0E594A-1D6C-4877-B724-3D9ECD930B19}" type="slidenum">
               <a:rPr lang="nl-NL" smtClean="0"/>
-              <a:t>‹nr.›</a:t>
+              <a:t>‹#›</a:t>
             </a:fld>
             <a:endParaRPr lang="nl-NL"/>
           </a:p>
@@ -4260,7 +4344,7 @@
           <a:p>
             <a:fld id="{5B0E594A-1D6C-4877-B724-3D9ECD930B19}" type="slidenum">
               <a:rPr lang="nl-NL" smtClean="0"/>
-              <a:t>‹nr.›</a:t>
+              <a:t>‹#›</a:t>
             </a:fld>
             <a:endParaRPr lang="nl-NL"/>
           </a:p>
@@ -4702,7 +4786,7 @@
           <a:p>
             <a:fld id="{5B0E594A-1D6C-4877-B724-3D9ECD930B19}" type="slidenum">
               <a:rPr lang="nl-NL" smtClean="0"/>
-              <a:t>‹nr.›</a:t>
+              <a:t>‹#›</a:t>
             </a:fld>
             <a:endParaRPr lang="nl-NL"/>
           </a:p>
@@ -4820,7 +4904,7 @@
           <a:p>
             <a:fld id="{5B0E594A-1D6C-4877-B724-3D9ECD930B19}" type="slidenum">
               <a:rPr lang="nl-NL" smtClean="0"/>
-              <a:t>‹nr.›</a:t>
+              <a:t>‹#›</a:t>
             </a:fld>
             <a:endParaRPr lang="nl-NL"/>
           </a:p>
@@ -4915,7 +4999,7 @@
           <a:p>
             <a:fld id="{5B0E594A-1D6C-4877-B724-3D9ECD930B19}" type="slidenum">
               <a:rPr lang="nl-NL" smtClean="0"/>
-              <a:t>‹nr.›</a:t>
+              <a:t>‹#›</a:t>
             </a:fld>
             <a:endParaRPr lang="nl-NL"/>
           </a:p>
@@ -5198,7 +5282,7 @@
           <a:p>
             <a:fld id="{5B0E594A-1D6C-4877-B724-3D9ECD930B19}" type="slidenum">
               <a:rPr lang="nl-NL" smtClean="0"/>
-              <a:t>‹nr.›</a:t>
+              <a:t>‹#›</a:t>
             </a:fld>
             <a:endParaRPr lang="nl-NL"/>
           </a:p>
@@ -5489,7 +5573,7 @@
           <a:p>
             <a:fld id="{5B0E594A-1D6C-4877-B724-3D9ECD930B19}" type="slidenum">
               <a:rPr lang="nl-NL" smtClean="0"/>
-              <a:t>‹nr.›</a:t>
+              <a:t>‹#›</a:t>
             </a:fld>
             <a:endParaRPr lang="nl-NL"/>
           </a:p>
@@ -6055,7 +6139,7 @@
           <a:p>
             <a:fld id="{5B0E594A-1D6C-4877-B724-3D9ECD930B19}" type="slidenum">
               <a:rPr lang="nl-NL" smtClean="0"/>
-              <a:t>‹nr.›</a:t>
+              <a:t>‹#›</a:t>
             </a:fld>
             <a:endParaRPr lang="nl-NL"/>
           </a:p>
@@ -6613,8 +6697,8 @@
           <a:chExt cx="0" cy="0"/>
         </a:xfrm>
       </p:grpSpPr>
-      <mc:AlternateContent xmlns:mc="http://schemas.openxmlformats.org/markup-compatibility/2006" xmlns:a14="http://schemas.microsoft.com/office/drawing/2010/main">
-        <mc:Choice Requires="a14">
+      <mc:AlternateContent xmlns:mc="http://schemas.openxmlformats.org/markup-compatibility/2006">
+        <mc:Choice xmlns:a14="http://schemas.microsoft.com/office/drawing/2010/main" Requires="a14">
           <p:sp>
             <p:nvSpPr>
               <p:cNvPr id="3" name="Tijdelijke aanduiding voor inhoud 2"/>
@@ -6650,8 +6734,13 @@
                 <a:pPr lvl="1"/>
                 <a:r>
                   <a:rPr lang="en-US" sz="2800" dirty="0" smtClean="0"/>
-                  <a:t>Attractive force (logarithmic variant of Hooke’s law):</a:t>
+                  <a:t>Attractive force </a:t>
                 </a:r>
+                <a:r>
+                  <a:rPr lang="en-US" sz="2800" dirty="0" smtClean="0"/>
+                  <a:t>(Logarithmic Springs):</a:t>
+                </a:r>
+                <a:endParaRPr lang="en-US" sz="2800" dirty="0" smtClean="0"/>
               </a:p>
               <a:p>
                 <a:pPr marL="457200" lvl="1" indent="0">
@@ -6698,36 +6787,11 @@
                       </a:rPr>
                       <m:t>=</m:t>
                     </m:r>
-                    <m:sSub>
-                      <m:sSubPr>
-                        <m:ctrlPr>
-                          <a:rPr lang="nl-NL" sz="2800" b="1" i="1">
-                            <a:latin typeface="Cambria Math" panose="02040503050406030204" pitchFamily="18" charset="0"/>
-                          </a:rPr>
-                        </m:ctrlPr>
-                      </m:sSubPr>
-                      <m:e>
-                        <m:r>
-                          <a:rPr lang="nl-NL" sz="2800" b="1" i="1">
-                            <a:latin typeface="Cambria Math" panose="02040503050406030204" pitchFamily="18" charset="0"/>
-                          </a:rPr>
-                          <m:t>𝒄</m:t>
-                        </m:r>
-                      </m:e>
-                      <m:sub>
-                        <m:r>
-                          <a:rPr lang="nl-NL" sz="2800" b="1" i="1">
-                            <a:latin typeface="Cambria Math" panose="02040503050406030204" pitchFamily="18" charset="0"/>
-                          </a:rPr>
-                          <m:t>𝟏</m:t>
-                        </m:r>
-                      </m:sub>
-                    </m:sSub>
                     <m:r>
-                      <a:rPr lang="nl-NL" sz="2800" i="1">
+                      <a:rPr lang="el-GR" sz="2800" b="1" i="1">
                         <a:latin typeface="Cambria Math" panose="02040503050406030204" pitchFamily="18" charset="0"/>
                       </a:rPr>
-                      <m:t> </m:t>
+                      <m:t>𝜶</m:t>
                     </m:r>
                     <m:r>
                       <a:rPr lang="nl-NL" sz="2800" i="1">
@@ -6761,31 +6825,12 @@
                             </m:r>
                           </m:num>
                           <m:den>
-                            <m:sSub>
-                              <m:sSubPr>
-                                <m:ctrlPr>
-                                  <a:rPr lang="nl-NL" sz="2800" b="1" i="1">
-                                    <a:latin typeface="Cambria Math" panose="02040503050406030204" pitchFamily="18" charset="0"/>
-                                  </a:rPr>
-                                </m:ctrlPr>
-                              </m:sSubPr>
-                              <m:e>
-                                <m:r>
-                                  <a:rPr lang="nl-NL" sz="2800" b="1" i="1">
-                                    <a:latin typeface="Cambria Math" panose="02040503050406030204" pitchFamily="18" charset="0"/>
-                                  </a:rPr>
-                                  <m:t>𝒄</m:t>
-                                </m:r>
-                              </m:e>
-                              <m:sub>
-                                <m:r>
-                                  <a:rPr lang="nl-NL" sz="2800" b="1" i="1">
-                                    <a:latin typeface="Cambria Math" panose="02040503050406030204" pitchFamily="18" charset="0"/>
-                                  </a:rPr>
-                                  <m:t>𝟐</m:t>
-                                </m:r>
-                              </m:sub>
-                            </m:sSub>
+                            <m:r>
+                              <a:rPr lang="en-GB" sz="2800" b="1" i="1" smtClean="0">
+                                <a:latin typeface="Cambria Math" panose="02040503050406030204" pitchFamily="18" charset="0"/>
+                              </a:rPr>
+                              <m:t>𝒄</m:t>
+                            </m:r>
                           </m:den>
                         </m:f>
                       </m:e>
@@ -7068,55 +7113,34 @@
                 </a:r>
                 <a14:m>
                   <m:oMath xmlns:m="http://schemas.openxmlformats.org/officeDocument/2006/math">
-                    <m:sSub>
-                      <m:sSubPr>
-                        <m:ctrlPr>
-                          <a:rPr lang="nl-NL" sz="2800" b="1" i="1">
-                            <a:latin typeface="Cambria Math" panose="02040503050406030204" pitchFamily="18" charset="0"/>
-                          </a:rPr>
-                        </m:ctrlPr>
-                      </m:sSubPr>
-                      <m:e>
-                        <m:r>
-                          <a:rPr lang="nl-NL" sz="2800" b="1" i="1">
-                            <a:latin typeface="Cambria Math" panose="02040503050406030204" pitchFamily="18" charset="0"/>
-                          </a:rPr>
-                          <m:t>𝒄</m:t>
-                        </m:r>
-                      </m:e>
-                      <m:sub>
-                        <m:r>
-                          <a:rPr lang="nl-NL" sz="2800" b="1" i="1">
-                            <a:latin typeface="Cambria Math" panose="02040503050406030204" pitchFamily="18" charset="0"/>
-                          </a:rPr>
-                          <m:t>𝟏</m:t>
-                        </m:r>
-                      </m:sub>
-                    </m:sSub>
+                    <m:r>
+                      <a:rPr lang="el-GR" sz="2800" b="1" i="1">
+                        <a:latin typeface="Cambria Math" panose="02040503050406030204" pitchFamily="18" charset="0"/>
+                      </a:rPr>
+                      <m:t>𝜶</m:t>
+                    </m:r>
+                    <m:r>
+                      <a:rPr lang="el-GR" sz="2800" b="1" i="1">
+                        <a:latin typeface="Cambria Math" panose="02040503050406030204" pitchFamily="18" charset="0"/>
+                      </a:rPr>
+                      <m:t> </m:t>
+                    </m:r>
                   </m:oMath>
                 </a14:m>
                 <a:r>
-                  <a:rPr lang="nl-NL" sz="2800" dirty="0"/>
-                  <a:t> </a:t>
+                  <a:rPr lang="nl-NL" sz="2800" dirty="0" smtClean="0"/>
+                  <a:t>: </a:t>
                 </a:r>
                 <a:r>
                   <a:rPr lang="nl-NL" sz="2800" dirty="0" smtClean="0"/>
-                  <a:t>: [0.0001~0.4]</a:t>
+                  <a:t>[0.0001~0.4]</a:t>
                 </a:r>
                 <a:br>
                   <a:rPr lang="nl-NL" sz="2800" dirty="0" smtClean="0"/>
                 </a:br>
                 <a:r>
                   <a:rPr lang="nl-NL" sz="2800" dirty="0" smtClean="0"/>
-                  <a:t>				             </a:t>
-                </a:r>
-                <a:r>
-                  <a:rPr lang="nl-NL" sz="2800" dirty="0" err="1" smtClean="0"/>
-                  <a:t>weight</a:t>
-                </a:r>
-                <a:r>
-                  <a:rPr lang="nl-NL" sz="2800" dirty="0" smtClean="0"/>
-                  <a:t> </a:t>
+                  <a:t>				             weight </a:t>
                 </a:r>
                 <a14:m>
                   <m:oMath xmlns:m="http://schemas.openxmlformats.org/officeDocument/2006/math">
@@ -7144,48 +7168,37 @@
                 </a:br>
                 <a:r>
                   <a:rPr lang="nl-NL" sz="2800" dirty="0" smtClean="0"/>
-                  <a:t>				     log </a:t>
+                  <a:t>				</a:t>
                 </a:r>
                 <a:r>
-                  <a:rPr lang="nl-NL" sz="2800" dirty="0" err="1" smtClean="0"/>
-                  <a:t>weight</a:t>
+                  <a:rPr lang="nl-NL" sz="2800" smtClean="0"/>
+                  <a:t>     </a:t>
                 </a:r>
+                <a:r>
+                  <a:rPr lang="nl-NL" sz="2800" smtClean="0"/>
+                  <a:t>     stiffness </a:t>
+                </a:r>
+                <a14:m>
+                  <m:oMath xmlns:m="http://schemas.openxmlformats.org/officeDocument/2006/math">
+                    <m:r>
+                      <a:rPr lang="en-GB" sz="2800" b="1" i="1" smtClean="0">
+                        <a:latin typeface="Cambria Math" panose="02040503050406030204" pitchFamily="18" charset="0"/>
+                      </a:rPr>
+                      <m:t>𝒄</m:t>
+                    </m:r>
+                  </m:oMath>
+                </a14:m>
                 <a:r>
                   <a:rPr lang="nl-NL" sz="2800" dirty="0" smtClean="0"/>
                   <a:t> </a:t>
                 </a:r>
-                <a14:m>
-                  <m:oMath xmlns:m="http://schemas.openxmlformats.org/officeDocument/2006/math">
-                    <m:sSub>
-                      <m:sSubPr>
-                        <m:ctrlPr>
-                          <a:rPr lang="nl-NL" sz="2800" b="1" i="1">
-                            <a:latin typeface="Cambria Math" panose="02040503050406030204" pitchFamily="18" charset="0"/>
-                          </a:rPr>
-                        </m:ctrlPr>
-                      </m:sSubPr>
-                      <m:e>
-                        <m:r>
-                          <a:rPr lang="nl-NL" sz="2800" b="1" i="1">
-                            <a:latin typeface="Cambria Math" panose="02040503050406030204" pitchFamily="18" charset="0"/>
-                          </a:rPr>
-                          <m:t>𝒄</m:t>
-                        </m:r>
-                      </m:e>
-                      <m:sub>
-                        <m:r>
-                          <a:rPr lang="nl-NL" sz="2800" b="1" i="1" smtClean="0">
-                            <a:latin typeface="Cambria Math" panose="02040503050406030204" pitchFamily="18" charset="0"/>
-                          </a:rPr>
-                          <m:t>𝟐</m:t>
-                        </m:r>
-                      </m:sub>
-                    </m:sSub>
-                  </m:oMath>
-                </a14:m>
                 <a:r>
                   <a:rPr lang="nl-NL" sz="2800" dirty="0" smtClean="0"/>
-                  <a:t> : [0.0001~1.0]</a:t>
+                  <a:t>: </a:t>
+                </a:r>
+                <a:r>
+                  <a:rPr lang="nl-NL" sz="2800" dirty="0" smtClean="0"/>
+                  <a:t>[0.0001~1.0]</a:t>
                 </a:r>
                 <a:br>
                   <a:rPr lang="nl-NL" sz="2800" dirty="0" smtClean="0"/>
@@ -7201,16 +7214,10 @@
                   <a:t>		</a:t>
                 </a:r>
               </a:p>
-              <a:p>
-                <a:pPr marL="457200" lvl="1" indent="0">
-                  <a:buNone/>
-                </a:pPr>
-                <a:endParaRPr lang="en-US" sz="2400" dirty="0"/>
-              </a:p>
             </p:txBody>
           </p:sp>
         </mc:Choice>
-        <mc:Fallback xmlns="">
+        <mc:Fallback>
           <p:sp>
             <p:nvSpPr>
               <p:cNvPr id="3" name="Tijdelijke aanduiding voor inhoud 2"/>
@@ -7227,7 +7234,7 @@
                 <a:ext cx="10018713" cy="7162304"/>
               </a:xfrm>
               <a:blipFill rotWithShape="0">
-                <a:blip r:embed="rId2"/>
+                <a:blip r:embed="rId3"/>
                 <a:stretch>
                   <a:fillRect l="-2251" t="-3830"/>
                 </a:stretch>
@@ -8899,11 +8906,11 @@
   <p:clrMapOvr>
     <a:masterClrMapping/>
   </p:clrMapOvr>
-  <mc:AlternateContent xmlns:mc="http://schemas.openxmlformats.org/markup-compatibility/2006">
-    <mc:Choice xmlns:p14="http://schemas.microsoft.com/office/powerpoint/2010/main" Requires="p14">
+  <mc:AlternateContent xmlns:mc="http://schemas.openxmlformats.org/markup-compatibility/2006" xmlns:p14="http://schemas.microsoft.com/office/powerpoint/2010/main">
+    <mc:Choice Requires="p14">
       <p:transition p14:dur="0"/>
     </mc:Choice>
-    <mc:Fallback>
+    <mc:Fallback xmlns="">
       <p:transition/>
     </mc:Fallback>
   </mc:AlternateContent>

--- a/Presentatie/Onderzoek eindpresentatie.pptx
+++ b/Presentatie/Onderzoek eindpresentatie.pptx
@@ -6734,13 +6734,8 @@
                 <a:pPr lvl="1"/>
                 <a:r>
                   <a:rPr lang="en-US" sz="2800" dirty="0" smtClean="0"/>
-                  <a:t>Attractive force </a:t>
+                  <a:t>Attractive force (Logarithmic Springs):</a:t>
                 </a:r>
-                <a:r>
-                  <a:rPr lang="en-US" sz="2800" dirty="0" smtClean="0"/>
-                  <a:t>(Logarithmic Springs):</a:t>
-                </a:r>
-                <a:endParaRPr lang="en-US" sz="2800" dirty="0" smtClean="0"/>
               </a:p>
               <a:p>
                 <a:pPr marL="457200" lvl="1" indent="0">
@@ -6818,10 +6813,10 @@
                           </m:fPr>
                           <m:num>
                             <m:r>
-                              <a:rPr lang="nl-NL" sz="2800" i="1">
+                              <a:rPr lang="en-GB" sz="2800" b="0" i="1" smtClean="0">
                                 <a:latin typeface="Cambria Math" panose="02040503050406030204" pitchFamily="18" charset="0"/>
                               </a:rPr>
-                              <m:t>1</m:t>
+                              <m:t>𝑑</m:t>
                             </m:r>
                           </m:num>
                           <m:den>
@@ -7129,11 +7124,7 @@
                 </a14:m>
                 <a:r>
                   <a:rPr lang="nl-NL" sz="2800" dirty="0" smtClean="0"/>
-                  <a:t>: </a:t>
-                </a:r>
-                <a:r>
-                  <a:rPr lang="nl-NL" sz="2800" dirty="0" smtClean="0"/>
-                  <a:t>[0.0001~0.4]</a:t>
+                  <a:t>: [0.0001~0.4]</a:t>
                 </a:r>
                 <a:br>
                   <a:rPr lang="nl-NL" sz="2800" dirty="0" smtClean="0"/>
@@ -7168,15 +7159,7 @@
                 </a:br>
                 <a:r>
                   <a:rPr lang="nl-NL" sz="2800" dirty="0" smtClean="0"/>
-                  <a:t>				</a:t>
-                </a:r>
-                <a:r>
-                  <a:rPr lang="nl-NL" sz="2800" smtClean="0"/>
-                  <a:t>     </a:t>
-                </a:r>
-                <a:r>
-                  <a:rPr lang="nl-NL" sz="2800" smtClean="0"/>
-                  <a:t>     stiffness </a:t>
+                  <a:t>				          stiffness </a:t>
                 </a:r>
                 <a14:m>
                   <m:oMath xmlns:m="http://schemas.openxmlformats.org/officeDocument/2006/math">
@@ -7190,15 +7173,7 @@
                 </a14:m>
                 <a:r>
                   <a:rPr lang="nl-NL" sz="2800" dirty="0" smtClean="0"/>
-                  <a:t> </a:t>
-                </a:r>
-                <a:r>
-                  <a:rPr lang="nl-NL" sz="2800" dirty="0" smtClean="0"/>
-                  <a:t>: </a:t>
-                </a:r>
-                <a:r>
-                  <a:rPr lang="nl-NL" sz="2800" dirty="0" smtClean="0"/>
-                  <a:t>[0.0001~1.0]</a:t>
+                  <a:t> : [0.0001~1.0]</a:t>
                 </a:r>
                 <a:br>
                   <a:rPr lang="nl-NL" sz="2800" dirty="0" smtClean="0"/>

--- a/Presentatie/Onderzoek eindpresentatie.pptx
+++ b/Presentatie/Onderzoek eindpresentatie.pptx
@@ -5,7 +5,7 @@
     <p:sldMasterId id="2147484293" r:id="rId1"/>
   </p:sldMasterIdLst>
   <p:notesMasterIdLst>
-    <p:notesMasterId r:id="rId21"/>
+    <p:notesMasterId r:id="rId22"/>
   </p:notesMasterIdLst>
   <p:sldIdLst>
     <p:sldId id="256" r:id="rId2"/>
@@ -27,6 +27,7 @@
     <p:sldId id="288" r:id="rId18"/>
     <p:sldId id="289" r:id="rId19"/>
     <p:sldId id="282" r:id="rId20"/>
+    <p:sldId id="290" r:id="rId21"/>
   </p:sldIdLst>
   <p:sldSz cx="12192000" cy="6858000"/>
   <p:notesSz cx="6858000" cy="9144000"/>
@@ -374,7 +375,7 @@
           <a:p>
             <a:fld id="{1EFA7DD2-5BEB-493B-9798-440F611A5209}" type="slidenum">
               <a:rPr lang="en-GB" smtClean="0"/>
-              <a:t>‹#›</a:t>
+              <a:t>‹nr.›</a:t>
             </a:fld>
             <a:endParaRPr lang="en-GB"/>
           </a:p>
@@ -1116,7 +1117,7 @@
           <a:p>
             <a:fld id="{5B0E594A-1D6C-4877-B724-3D9ECD930B19}" type="slidenum">
               <a:rPr lang="nl-NL" smtClean="0"/>
-              <a:t>‹#›</a:t>
+              <a:t>‹nr.›</a:t>
             </a:fld>
             <a:endParaRPr lang="nl-NL"/>
           </a:p>
@@ -1407,7 +1408,7 @@
           <a:p>
             <a:fld id="{5B0E594A-1D6C-4877-B724-3D9ECD930B19}" type="slidenum">
               <a:rPr lang="nl-NL" smtClean="0"/>
-              <a:t>‹#›</a:t>
+              <a:t>‹nr.›</a:t>
             </a:fld>
             <a:endParaRPr lang="nl-NL"/>
           </a:p>
@@ -1655,7 +1656,7 @@
           <a:p>
             <a:fld id="{5B0E594A-1D6C-4877-B724-3D9ECD930B19}" type="slidenum">
               <a:rPr lang="nl-NL" smtClean="0"/>
-              <a:t>‹#›</a:t>
+              <a:t>‹nr.›</a:t>
             </a:fld>
             <a:endParaRPr lang="nl-NL"/>
           </a:p>
@@ -2195,7 +2196,7 @@
           <a:p>
             <a:fld id="{5B0E594A-1D6C-4877-B724-3D9ECD930B19}" type="slidenum">
               <a:rPr lang="nl-NL" smtClean="0"/>
-              <a:t>‹#›</a:t>
+              <a:t>‹nr.›</a:t>
             </a:fld>
             <a:endParaRPr lang="nl-NL"/>
           </a:p>
@@ -2443,7 +2444,7 @@
           <a:p>
             <a:fld id="{5B0E594A-1D6C-4877-B724-3D9ECD930B19}" type="slidenum">
               <a:rPr lang="nl-NL" smtClean="0"/>
-              <a:t>‹#›</a:t>
+              <a:t>‹nr.›</a:t>
             </a:fld>
             <a:endParaRPr lang="nl-NL"/>
           </a:p>
@@ -2975,7 +2976,7 @@
           <a:p>
             <a:fld id="{5B0E594A-1D6C-4877-B724-3D9ECD930B19}" type="slidenum">
               <a:rPr lang="nl-NL" smtClean="0"/>
-              <a:t>‹#›</a:t>
+              <a:t>‹nr.›</a:t>
             </a:fld>
             <a:endParaRPr lang="nl-NL"/>
           </a:p>
@@ -3272,7 +3273,7 @@
           <a:p>
             <a:fld id="{5B0E594A-1D6C-4877-B724-3D9ECD930B19}" type="slidenum">
               <a:rPr lang="nl-NL" smtClean="0"/>
-              <a:t>‹#›</a:t>
+              <a:t>‹nr.›</a:t>
             </a:fld>
             <a:endParaRPr lang="nl-NL"/>
           </a:p>
@@ -3446,7 +3447,7 @@
           <a:p>
             <a:fld id="{5B0E594A-1D6C-4877-B724-3D9ECD930B19}" type="slidenum">
               <a:rPr lang="nl-NL" smtClean="0"/>
-              <a:t>‹#›</a:t>
+              <a:t>‹nr.›</a:t>
             </a:fld>
             <a:endParaRPr lang="nl-NL"/>
           </a:p>
@@ -3626,7 +3627,7 @@
           <a:p>
             <a:fld id="{5B0E594A-1D6C-4877-B724-3D9ECD930B19}" type="slidenum">
               <a:rPr lang="nl-NL" smtClean="0"/>
-              <a:t>‹#›</a:t>
+              <a:t>‹nr.›</a:t>
             </a:fld>
             <a:endParaRPr lang="nl-NL"/>
           </a:p>
@@ -3801,7 +3802,7 @@
           <a:p>
             <a:fld id="{5B0E594A-1D6C-4877-B724-3D9ECD930B19}" type="slidenum">
               <a:rPr lang="nl-NL" smtClean="0"/>
-              <a:t>‹#›</a:t>
+              <a:t>‹nr.›</a:t>
             </a:fld>
             <a:endParaRPr lang="nl-NL"/>
           </a:p>
@@ -4047,7 +4048,7 @@
           <a:p>
             <a:fld id="{5B0E594A-1D6C-4877-B724-3D9ECD930B19}" type="slidenum">
               <a:rPr lang="nl-NL" smtClean="0"/>
-              <a:t>‹#›</a:t>
+              <a:t>‹nr.›</a:t>
             </a:fld>
             <a:endParaRPr lang="nl-NL"/>
           </a:p>
@@ -4344,7 +4345,7 @@
           <a:p>
             <a:fld id="{5B0E594A-1D6C-4877-B724-3D9ECD930B19}" type="slidenum">
               <a:rPr lang="nl-NL" smtClean="0"/>
-              <a:t>‹#›</a:t>
+              <a:t>‹nr.›</a:t>
             </a:fld>
             <a:endParaRPr lang="nl-NL"/>
           </a:p>
@@ -4786,7 +4787,7 @@
           <a:p>
             <a:fld id="{5B0E594A-1D6C-4877-B724-3D9ECD930B19}" type="slidenum">
               <a:rPr lang="nl-NL" smtClean="0"/>
-              <a:t>‹#›</a:t>
+              <a:t>‹nr.›</a:t>
             </a:fld>
             <a:endParaRPr lang="nl-NL"/>
           </a:p>
@@ -4904,7 +4905,7 @@
           <a:p>
             <a:fld id="{5B0E594A-1D6C-4877-B724-3D9ECD930B19}" type="slidenum">
               <a:rPr lang="nl-NL" smtClean="0"/>
-              <a:t>‹#›</a:t>
+              <a:t>‹nr.›</a:t>
             </a:fld>
             <a:endParaRPr lang="nl-NL"/>
           </a:p>
@@ -4999,7 +5000,7 @@
           <a:p>
             <a:fld id="{5B0E594A-1D6C-4877-B724-3D9ECD930B19}" type="slidenum">
               <a:rPr lang="nl-NL" smtClean="0"/>
-              <a:t>‹#›</a:t>
+              <a:t>‹nr.›</a:t>
             </a:fld>
             <a:endParaRPr lang="nl-NL"/>
           </a:p>
@@ -5282,7 +5283,7 @@
           <a:p>
             <a:fld id="{5B0E594A-1D6C-4877-B724-3D9ECD930B19}" type="slidenum">
               <a:rPr lang="nl-NL" smtClean="0"/>
-              <a:t>‹#›</a:t>
+              <a:t>‹nr.›</a:t>
             </a:fld>
             <a:endParaRPr lang="nl-NL"/>
           </a:p>
@@ -5573,7 +5574,7 @@
           <a:p>
             <a:fld id="{5B0E594A-1D6C-4877-B724-3D9ECD930B19}" type="slidenum">
               <a:rPr lang="nl-NL" smtClean="0"/>
-              <a:t>‹#›</a:t>
+              <a:t>‹nr.›</a:t>
             </a:fld>
             <a:endParaRPr lang="nl-NL"/>
           </a:p>
@@ -6139,7 +6140,7 @@
           <a:p>
             <a:fld id="{5B0E594A-1D6C-4877-B724-3D9ECD930B19}" type="slidenum">
               <a:rPr lang="nl-NL" smtClean="0"/>
-              <a:t>‹#›</a:t>
+              <a:t>‹nr.›</a:t>
             </a:fld>
             <a:endParaRPr lang="nl-NL"/>
           </a:p>
@@ -6697,8 +6698,8 @@
           <a:chExt cx="0" cy="0"/>
         </a:xfrm>
       </p:grpSpPr>
-      <mc:AlternateContent xmlns:mc="http://schemas.openxmlformats.org/markup-compatibility/2006">
-        <mc:Choice xmlns:a14="http://schemas.microsoft.com/office/drawing/2010/main" Requires="a14">
+      <mc:AlternateContent xmlns:mc="http://schemas.openxmlformats.org/markup-compatibility/2006" xmlns:a14="http://schemas.microsoft.com/office/drawing/2010/main">
+        <mc:Choice Requires="a14">
           <p:sp>
             <p:nvSpPr>
               <p:cNvPr id="3" name="Tijdelijke aanduiding voor inhoud 2"/>
@@ -7192,7 +7193,7 @@
             </p:txBody>
           </p:sp>
         </mc:Choice>
-        <mc:Fallback>
+        <mc:Fallback xmlns="">
           <p:sp>
             <p:nvSpPr>
               <p:cNvPr id="3" name="Tijdelijke aanduiding voor inhoud 2"/>
@@ -11120,7 +11121,7 @@
           <p:nvPr>
             <p:extLst>
               <p:ext uri="{D42A27DB-BD31-4B8C-83A1-F6EECF244321}">
-                <p14:modId xmlns:p14="http://schemas.microsoft.com/office/powerpoint/2010/main" val="476832218"/>
+                <p14:modId xmlns:p14="http://schemas.microsoft.com/office/powerpoint/2010/main" val="736088541"/>
               </p:ext>
             </p:extLst>
           </p:nvPr>
@@ -11437,7 +11438,11 @@
                       <a:endParaRPr lang="en-US" sz="1600" dirty="0"/>
                     </a:p>
                   </a:txBody>
-                  <a:tcPr/>
+                  <a:tcPr>
+                    <a:solidFill>
+                      <a:srgbClr val="CDE3F8"/>
+                    </a:solidFill>
+                  </a:tcPr>
                 </a:tc>
                 <a:tc>
                   <a:txBody>
@@ -11452,7 +11457,11 @@
                       <a:endParaRPr lang="en-US" sz="1600" dirty="0"/>
                     </a:p>
                   </a:txBody>
-                  <a:tcPr/>
+                  <a:tcPr>
+                    <a:solidFill>
+                      <a:srgbClr val="CDE3F8"/>
+                    </a:solidFill>
+                  </a:tcPr>
                 </a:tc>
                 <a:tc vMerge="1">
                   <a:txBody>
@@ -11829,67 +11838,6 @@
       </p:grpSpPr>
       <p:sp>
         <p:nvSpPr>
-          <p:cNvPr id="3" name="Content Placeholder 2"/>
-          <p:cNvSpPr>
-            <a:spLocks noGrp="1"/>
-          </p:cNvSpPr>
-          <p:nvPr>
-            <p:ph idx="1"/>
-          </p:nvPr>
-        </p:nvSpPr>
-        <p:spPr>
-          <a:xfrm>
-            <a:off x="1484310" y="2412999"/>
-            <a:ext cx="10452051" cy="3124201"/>
-          </a:xfrm>
-        </p:spPr>
-        <p:txBody>
-          <a:bodyPr/>
-          <a:lstStyle/>
-          <a:p>
-            <a:r>
-              <a:rPr lang="en-GB" sz="2800" dirty="0" smtClean="0"/>
-              <a:t>Hooke-Coulomb is significantly better than </a:t>
-            </a:r>
-            <a:r>
-              <a:rPr lang="en-GB" sz="2800" dirty="0" err="1" smtClean="0"/>
-              <a:t>Fruchterman-Reingold</a:t>
-            </a:r>
-            <a:endParaRPr lang="en-GB" sz="2800" dirty="0" smtClean="0"/>
-          </a:p>
-          <a:p>
-            <a:r>
-              <a:rPr lang="en-GB" sz="2800" dirty="0" err="1" smtClean="0"/>
-              <a:t>Eades</a:t>
-            </a:r>
-            <a:r>
-              <a:rPr lang="en-GB" sz="2800" dirty="0" smtClean="0"/>
-              <a:t> is significantly worse than </a:t>
-            </a:r>
-            <a:r>
-              <a:rPr lang="en-GB" sz="2800" dirty="0" err="1"/>
-              <a:t>Fruchterman-Reingold</a:t>
-            </a:r>
-            <a:endParaRPr lang="en-GB" sz="2800" dirty="0"/>
-          </a:p>
-          <a:p>
-            <a:r>
-              <a:rPr lang="en-GB" sz="2800" dirty="0" smtClean="0"/>
-              <a:t>High logarithmic weight is significantly better in </a:t>
-            </a:r>
-            <a:r>
-              <a:rPr lang="en-GB" sz="2800" dirty="0" err="1" smtClean="0"/>
-              <a:t>Eades</a:t>
-            </a:r>
-            <a:endParaRPr lang="en-GB" sz="2800" dirty="0" smtClean="0"/>
-          </a:p>
-          <a:p>
-            <a:endParaRPr lang="en-GB" dirty="0"/>
-          </a:p>
-        </p:txBody>
-      </p:sp>
-      <p:sp>
-        <p:nvSpPr>
           <p:cNvPr id="5" name="Titel 1"/>
           <p:cNvSpPr txBox="1">
             <a:spLocks/>
@@ -11992,6 +11940,324 @@
               <a:t>Conclusion</a:t>
             </a:r>
             <a:endParaRPr lang="en-US" dirty="0"/>
+          </a:p>
+        </p:txBody>
+      </p:sp>
+      <p:sp>
+        <p:nvSpPr>
+          <p:cNvPr id="4" name="Tijdelijke aanduiding voor inhoud 2"/>
+          <p:cNvSpPr txBox="1">
+            <a:spLocks/>
+          </p:cNvSpPr>
+          <p:nvPr/>
+        </p:nvSpPr>
+        <p:spPr>
+          <a:xfrm>
+            <a:off x="1362808" y="2180047"/>
+            <a:ext cx="10482385" cy="5425440"/>
+          </a:xfrm>
+          <a:prstGeom prst="rect">
+            <a:avLst/>
+          </a:prstGeom>
+        </p:spPr>
+        <p:txBody>
+          <a:bodyPr vert="horz" lIns="91440" tIns="45720" rIns="91440" bIns="45720" rtlCol="0" anchor="ctr">
+            <a:noAutofit/>
+          </a:bodyPr>
+          <a:lstStyle>
+            <a:lvl1pPr marL="285750" indent="-285750" algn="l" defTabSz="457200" rtl="0" eaLnBrk="1" latinLnBrk="0" hangingPunct="1">
+              <a:spcBef>
+                <a:spcPct val="20000"/>
+              </a:spcBef>
+              <a:spcAft>
+                <a:spcPts val="600"/>
+              </a:spcAft>
+              <a:buClr>
+                <a:schemeClr val="accent1">
+                  <a:lumMod val="75000"/>
+                </a:schemeClr>
+              </a:buClr>
+              <a:buSzPct val="145000"/>
+              <a:buFont typeface="Arial"/>
+              <a:buChar char="•"/>
+              <a:defRPr sz="2400" kern="1200" cap="none">
+                <a:solidFill>
+                  <a:schemeClr val="tx1"/>
+                </a:solidFill>
+                <a:effectLst/>
+                <a:latin typeface="+mn-lt"/>
+                <a:ea typeface="+mn-ea"/>
+                <a:cs typeface="+mn-cs"/>
+              </a:defRPr>
+            </a:lvl1pPr>
+            <a:lvl2pPr marL="742950" indent="-285750" algn="l" defTabSz="457200" rtl="0" eaLnBrk="1" latinLnBrk="0" hangingPunct="1">
+              <a:spcBef>
+                <a:spcPct val="20000"/>
+              </a:spcBef>
+              <a:spcAft>
+                <a:spcPts val="600"/>
+              </a:spcAft>
+              <a:buClr>
+                <a:schemeClr val="accent1">
+                  <a:lumMod val="75000"/>
+                </a:schemeClr>
+              </a:buClr>
+              <a:buSzPct val="145000"/>
+              <a:buFont typeface="Arial"/>
+              <a:buChar char="•"/>
+              <a:defRPr sz="2000" kern="1200" cap="none">
+                <a:solidFill>
+                  <a:schemeClr val="tx1"/>
+                </a:solidFill>
+                <a:effectLst/>
+                <a:latin typeface="+mn-lt"/>
+                <a:ea typeface="+mn-ea"/>
+                <a:cs typeface="+mn-cs"/>
+              </a:defRPr>
+            </a:lvl2pPr>
+            <a:lvl3pPr marL="1200150" indent="-285750" algn="l" defTabSz="457200" rtl="0" eaLnBrk="1" latinLnBrk="0" hangingPunct="1">
+              <a:spcBef>
+                <a:spcPct val="20000"/>
+              </a:spcBef>
+              <a:spcAft>
+                <a:spcPts val="600"/>
+              </a:spcAft>
+              <a:buClr>
+                <a:schemeClr val="accent1">
+                  <a:lumMod val="75000"/>
+                </a:schemeClr>
+              </a:buClr>
+              <a:buSzPct val="145000"/>
+              <a:buFont typeface="Arial"/>
+              <a:buChar char="•"/>
+              <a:defRPr sz="1800" kern="1200" cap="none">
+                <a:solidFill>
+                  <a:schemeClr val="tx1"/>
+                </a:solidFill>
+                <a:effectLst/>
+                <a:latin typeface="+mn-lt"/>
+                <a:ea typeface="+mn-ea"/>
+                <a:cs typeface="+mn-cs"/>
+              </a:defRPr>
+            </a:lvl3pPr>
+            <a:lvl4pPr marL="1543050" indent="-171450" algn="l" defTabSz="457200" rtl="0" eaLnBrk="1" latinLnBrk="0" hangingPunct="1">
+              <a:spcBef>
+                <a:spcPct val="20000"/>
+              </a:spcBef>
+              <a:spcAft>
+                <a:spcPts val="600"/>
+              </a:spcAft>
+              <a:buClr>
+                <a:schemeClr val="accent1">
+                  <a:lumMod val="75000"/>
+                </a:schemeClr>
+              </a:buClr>
+              <a:buSzPct val="145000"/>
+              <a:buFont typeface="Arial"/>
+              <a:buChar char="•"/>
+              <a:defRPr sz="1600" kern="1200" cap="none">
+                <a:solidFill>
+                  <a:schemeClr val="tx1"/>
+                </a:solidFill>
+                <a:effectLst/>
+                <a:latin typeface="+mn-lt"/>
+                <a:ea typeface="+mn-ea"/>
+                <a:cs typeface="+mn-cs"/>
+              </a:defRPr>
+            </a:lvl4pPr>
+            <a:lvl5pPr marL="2000250" indent="-171450" algn="l" defTabSz="457200" rtl="0" eaLnBrk="1" latinLnBrk="0" hangingPunct="1">
+              <a:spcBef>
+                <a:spcPct val="20000"/>
+              </a:spcBef>
+              <a:spcAft>
+                <a:spcPts val="600"/>
+              </a:spcAft>
+              <a:buClr>
+                <a:schemeClr val="accent1">
+                  <a:lumMod val="75000"/>
+                </a:schemeClr>
+              </a:buClr>
+              <a:buSzPct val="145000"/>
+              <a:buFont typeface="Arial"/>
+              <a:buChar char="•"/>
+              <a:defRPr sz="1400" kern="1200" cap="none">
+                <a:solidFill>
+                  <a:schemeClr val="tx1"/>
+                </a:solidFill>
+                <a:effectLst/>
+                <a:latin typeface="+mn-lt"/>
+                <a:ea typeface="+mn-ea"/>
+                <a:cs typeface="+mn-cs"/>
+              </a:defRPr>
+            </a:lvl5pPr>
+            <a:lvl6pPr marL="2514600" indent="-228600" algn="l" defTabSz="457200" rtl="0" eaLnBrk="1" latinLnBrk="0" hangingPunct="1">
+              <a:spcBef>
+                <a:spcPct val="20000"/>
+              </a:spcBef>
+              <a:spcAft>
+                <a:spcPts val="600"/>
+              </a:spcAft>
+              <a:buClr>
+                <a:schemeClr val="accent1">
+                  <a:lumMod val="75000"/>
+                </a:schemeClr>
+              </a:buClr>
+              <a:buSzPct val="145000"/>
+              <a:buFont typeface="Arial"/>
+              <a:buChar char="•"/>
+              <a:defRPr sz="1400" kern="1200" cap="none">
+                <a:solidFill>
+                  <a:schemeClr val="tx1"/>
+                </a:solidFill>
+                <a:effectLst/>
+                <a:latin typeface="+mn-lt"/>
+                <a:ea typeface="+mn-ea"/>
+                <a:cs typeface="+mn-cs"/>
+              </a:defRPr>
+            </a:lvl6pPr>
+            <a:lvl7pPr marL="2971800" indent="-228600" algn="l" defTabSz="457200" rtl="0" eaLnBrk="1" latinLnBrk="0" hangingPunct="1">
+              <a:spcBef>
+                <a:spcPct val="20000"/>
+              </a:spcBef>
+              <a:spcAft>
+                <a:spcPts val="600"/>
+              </a:spcAft>
+              <a:buClr>
+                <a:schemeClr val="accent1">
+                  <a:lumMod val="75000"/>
+                </a:schemeClr>
+              </a:buClr>
+              <a:buSzPct val="145000"/>
+              <a:buFont typeface="Arial"/>
+              <a:buChar char="•"/>
+              <a:defRPr sz="1400" kern="1200" cap="none">
+                <a:solidFill>
+                  <a:schemeClr val="tx1"/>
+                </a:solidFill>
+                <a:effectLst/>
+                <a:latin typeface="+mn-lt"/>
+                <a:ea typeface="+mn-ea"/>
+                <a:cs typeface="+mn-cs"/>
+              </a:defRPr>
+            </a:lvl7pPr>
+            <a:lvl8pPr marL="3429000" indent="-228600" algn="l" defTabSz="457200" rtl="0" eaLnBrk="1" latinLnBrk="0" hangingPunct="1">
+              <a:spcBef>
+                <a:spcPct val="20000"/>
+              </a:spcBef>
+              <a:spcAft>
+                <a:spcPts val="600"/>
+              </a:spcAft>
+              <a:buClr>
+                <a:schemeClr val="accent1">
+                  <a:lumMod val="75000"/>
+                </a:schemeClr>
+              </a:buClr>
+              <a:buSzPct val="145000"/>
+              <a:buFont typeface="Arial"/>
+              <a:buChar char="•"/>
+              <a:defRPr sz="1400" kern="1200" cap="none">
+                <a:solidFill>
+                  <a:schemeClr val="tx1"/>
+                </a:solidFill>
+                <a:effectLst/>
+                <a:latin typeface="+mn-lt"/>
+                <a:ea typeface="+mn-ea"/>
+                <a:cs typeface="+mn-cs"/>
+              </a:defRPr>
+            </a:lvl8pPr>
+            <a:lvl9pPr marL="3886200" indent="-228600" algn="l" defTabSz="457200" rtl="0" eaLnBrk="1" latinLnBrk="0" hangingPunct="1">
+              <a:spcBef>
+                <a:spcPct val="20000"/>
+              </a:spcBef>
+              <a:spcAft>
+                <a:spcPts val="600"/>
+              </a:spcAft>
+              <a:buClr>
+                <a:schemeClr val="accent1">
+                  <a:lumMod val="75000"/>
+                </a:schemeClr>
+              </a:buClr>
+              <a:buSzPct val="145000"/>
+              <a:buFont typeface="Arial"/>
+              <a:buChar char="•"/>
+              <a:defRPr sz="1400" kern="1200" cap="none">
+                <a:solidFill>
+                  <a:schemeClr val="tx1"/>
+                </a:solidFill>
+                <a:effectLst/>
+                <a:latin typeface="+mn-lt"/>
+                <a:ea typeface="+mn-ea"/>
+                <a:cs typeface="+mn-cs"/>
+              </a:defRPr>
+            </a:lvl9pPr>
+          </a:lstStyle>
+          <a:p>
+            <a:pPr marL="0" indent="0" algn="ctr">
+              <a:buFont typeface="Arial"/>
+              <a:buNone/>
+            </a:pPr>
+            <a:r>
+              <a:rPr lang="en-US" sz="2800" i="1" dirty="0" smtClean="0"/>
+              <a:t>Which system of forces in force-­directed graph drawing gives the highest quality display result?</a:t>
+            </a:r>
+          </a:p>
+          <a:p>
+            <a:pPr marL="0" indent="0" algn="ctr">
+              <a:buFont typeface="Arial"/>
+              <a:buNone/>
+            </a:pPr>
+            <a:endParaRPr lang="en-US" sz="2800" i="1" dirty="0" smtClean="0"/>
+          </a:p>
+          <a:p>
+            <a:pPr marL="0" indent="0" algn="ctr">
+              <a:buNone/>
+            </a:pPr>
+            <a:r>
+              <a:rPr lang="en-GB" sz="3200" dirty="0" smtClean="0"/>
+              <a:t>Hooke-Coulomb </a:t>
+            </a:r>
+            <a:r>
+              <a:rPr lang="en-GB" sz="3200" dirty="0"/>
+              <a:t>&gt; </a:t>
+            </a:r>
+            <a:r>
+              <a:rPr lang="en-GB" sz="3200" dirty="0" err="1"/>
+              <a:t>Fruchterman-Reingold</a:t>
+            </a:r>
+            <a:r>
+              <a:rPr lang="en-GB" sz="3200" dirty="0"/>
+              <a:t> &gt; </a:t>
+            </a:r>
+            <a:r>
+              <a:rPr lang="en-GB" sz="3200" dirty="0" err="1" smtClean="0"/>
+              <a:t>Eades</a:t>
+            </a:r>
+            <a:endParaRPr lang="en-GB" sz="3200" dirty="0" smtClean="0"/>
+          </a:p>
+          <a:p>
+            <a:pPr marL="0" indent="0" algn="ctr">
+              <a:buNone/>
+            </a:pPr>
+            <a:endParaRPr lang="en-GB" sz="3200" dirty="0" smtClean="0"/>
+          </a:p>
+          <a:p>
+            <a:pPr marL="0" indent="0" algn="ctr">
+              <a:buNone/>
+            </a:pPr>
+            <a:endParaRPr lang="en-GB" sz="3200" dirty="0" smtClean="0"/>
+          </a:p>
+          <a:p>
+            <a:pPr marL="0" indent="0">
+              <a:buNone/>
+            </a:pPr>
+            <a:endParaRPr lang="en-GB" sz="2800" dirty="0"/>
+          </a:p>
+          <a:p>
+            <a:pPr marL="0" indent="0" algn="ctr">
+              <a:buFont typeface="Arial"/>
+              <a:buNone/>
+            </a:pPr>
+            <a:endParaRPr lang="nl-NL" sz="2800" i="1" dirty="0" smtClean="0"/>
           </a:p>
         </p:txBody>
       </p:sp>
@@ -12137,6 +12403,186 @@
     <p:extLst>
       <p:ext uri="{BB962C8B-B14F-4D97-AF65-F5344CB8AC3E}">
         <p14:creationId xmlns:p14="http://schemas.microsoft.com/office/powerpoint/2010/main" val="2307535703"/>
+      </p:ext>
+    </p:extLst>
+  </p:cSld>
+  <p:clrMapOvr>
+    <a:masterClrMapping/>
+  </p:clrMapOvr>
+  <p:timing>
+    <p:tnLst>
+      <p:par>
+        <p:cTn id="1" dur="indefinite" restart="never" nodeType="tmRoot"/>
+      </p:par>
+    </p:tnLst>
+  </p:timing>
+</p:sld>
+</file>
+
+<file path=ppt/slides/slide20.xml><?xml version="1.0" encoding="utf-8"?>
+<p:sld xmlns:a="http://schemas.openxmlformats.org/drawingml/2006/main" xmlns:r="http://schemas.openxmlformats.org/officeDocument/2006/relationships" xmlns:p="http://schemas.openxmlformats.org/presentationml/2006/main">
+  <p:cSld>
+    <p:spTree>
+      <p:nvGrpSpPr>
+        <p:cNvPr id="1" name=""/>
+        <p:cNvGrpSpPr/>
+        <p:nvPr/>
+      </p:nvGrpSpPr>
+      <p:grpSpPr>
+        <a:xfrm>
+          <a:off x="0" y="0"/>
+          <a:ext cx="0" cy="0"/>
+          <a:chOff x="0" y="0"/>
+          <a:chExt cx="0" cy="0"/>
+        </a:xfrm>
+      </p:grpSpPr>
+      <p:sp>
+        <p:nvSpPr>
+          <p:cNvPr id="5" name="Titel 1"/>
+          <p:cNvSpPr txBox="1">
+            <a:spLocks/>
+          </p:cNvSpPr>
+          <p:nvPr/>
+        </p:nvSpPr>
+        <p:spPr>
+          <a:xfrm>
+            <a:off x="1484311" y="8465"/>
+            <a:ext cx="10018713" cy="1752599"/>
+          </a:xfrm>
+          <a:prstGeom prst="rect">
+            <a:avLst/>
+          </a:prstGeom>
+          <a:effectLst/>
+        </p:spPr>
+        <p:txBody>
+          <a:bodyPr vert="horz" lIns="91440" tIns="45720" rIns="91440" bIns="45720" rtlCol="0" anchor="ctr">
+            <a:normAutofit/>
+          </a:bodyPr>
+          <a:lstStyle>
+            <a:lvl1pPr algn="ctr" defTabSz="457200" rtl="0" eaLnBrk="1" latinLnBrk="0" hangingPunct="1">
+              <a:spcBef>
+                <a:spcPct val="0"/>
+              </a:spcBef>
+              <a:buNone/>
+              <a:defRPr sz="4000" kern="1200" cap="none">
+                <a:ln w="3175" cmpd="sng">
+                  <a:noFill/>
+                </a:ln>
+                <a:solidFill>
+                  <a:schemeClr val="tx1"/>
+                </a:solidFill>
+                <a:effectLst/>
+                <a:latin typeface="+mj-lt"/>
+                <a:ea typeface="+mj-ea"/>
+                <a:cs typeface="+mj-cs"/>
+              </a:defRPr>
+            </a:lvl1pPr>
+            <a:lvl2pPr eaLnBrk="1" hangingPunct="1">
+              <a:defRPr>
+                <a:solidFill>
+                  <a:schemeClr val="tx2"/>
+                </a:solidFill>
+              </a:defRPr>
+            </a:lvl2pPr>
+            <a:lvl3pPr eaLnBrk="1" hangingPunct="1">
+              <a:defRPr>
+                <a:solidFill>
+                  <a:schemeClr val="tx2"/>
+                </a:solidFill>
+              </a:defRPr>
+            </a:lvl3pPr>
+            <a:lvl4pPr eaLnBrk="1" hangingPunct="1">
+              <a:defRPr>
+                <a:solidFill>
+                  <a:schemeClr val="tx2"/>
+                </a:solidFill>
+              </a:defRPr>
+            </a:lvl4pPr>
+            <a:lvl5pPr eaLnBrk="1" hangingPunct="1">
+              <a:defRPr>
+                <a:solidFill>
+                  <a:schemeClr val="tx2"/>
+                </a:solidFill>
+              </a:defRPr>
+            </a:lvl5pPr>
+            <a:lvl6pPr eaLnBrk="1" hangingPunct="1">
+              <a:defRPr>
+                <a:solidFill>
+                  <a:schemeClr val="tx2"/>
+                </a:solidFill>
+              </a:defRPr>
+            </a:lvl6pPr>
+            <a:lvl7pPr eaLnBrk="1" hangingPunct="1">
+              <a:defRPr>
+                <a:solidFill>
+                  <a:schemeClr val="tx2"/>
+                </a:solidFill>
+              </a:defRPr>
+            </a:lvl7pPr>
+            <a:lvl8pPr eaLnBrk="1" hangingPunct="1">
+              <a:defRPr>
+                <a:solidFill>
+                  <a:schemeClr val="tx2"/>
+                </a:solidFill>
+              </a:defRPr>
+            </a:lvl8pPr>
+            <a:lvl9pPr eaLnBrk="1" hangingPunct="1">
+              <a:defRPr>
+                <a:solidFill>
+                  <a:schemeClr val="tx2"/>
+                </a:solidFill>
+              </a:defRPr>
+            </a:lvl9pPr>
+          </a:lstStyle>
+          <a:p>
+            <a:r>
+              <a:rPr lang="en-US" sz="5400" dirty="0" smtClean="0"/>
+              <a:t>Discussion</a:t>
+            </a:r>
+            <a:endParaRPr lang="en-US" dirty="0"/>
+          </a:p>
+        </p:txBody>
+      </p:sp>
+      <p:sp>
+        <p:nvSpPr>
+          <p:cNvPr id="2" name="Tijdelijke aanduiding voor inhoud 1"/>
+          <p:cNvSpPr>
+            <a:spLocks noGrp="1"/>
+          </p:cNvSpPr>
+          <p:nvPr>
+            <p:ph idx="1"/>
+          </p:nvPr>
+        </p:nvSpPr>
+        <p:spPr>
+          <a:xfrm>
+            <a:off x="1912481" y="2007324"/>
+            <a:ext cx="10018713" cy="3124201"/>
+          </a:xfrm>
+        </p:spPr>
+        <p:txBody>
+          <a:bodyPr/>
+          <a:lstStyle/>
+          <a:p>
+            <a:r>
+              <a:rPr lang="en-GB" sz="2800" dirty="0"/>
+              <a:t>Only small graphs (20 vertices)</a:t>
+            </a:r>
+          </a:p>
+          <a:p>
+            <a:r>
+              <a:rPr lang="en-GB" sz="2800" dirty="0"/>
+              <a:t>Test range of parameters</a:t>
+            </a:r>
+          </a:p>
+          <a:p>
+            <a:endParaRPr lang="en-US" dirty="0"/>
+          </a:p>
+        </p:txBody>
+      </p:sp>
+    </p:spTree>
+    <p:extLst>
+      <p:ext uri="{BB962C8B-B14F-4D97-AF65-F5344CB8AC3E}">
+        <p14:creationId xmlns:p14="http://schemas.microsoft.com/office/powerpoint/2010/main" val="3389750681"/>
       </p:ext>
     </p:extLst>
   </p:cSld>
